--- a/Prototyp_Präsentation.pptx
+++ b/Prototyp_Präsentation.pptx
@@ -5,30 +5,31 @@
     <p:sldMasterId id="2147483648" r:id="rId1"/>
   </p:sldMasterIdLst>
   <p:notesMasterIdLst>
-    <p:notesMasterId r:id="rId20"/>
+    <p:notesMasterId r:id="rId21"/>
   </p:notesMasterIdLst>
   <p:handoutMasterIdLst>
-    <p:handoutMasterId r:id="rId21"/>
+    <p:handoutMasterId r:id="rId22"/>
   </p:handoutMasterIdLst>
   <p:sldIdLst>
     <p:sldId id="256" r:id="rId2"/>
     <p:sldId id="257" r:id="rId3"/>
     <p:sldId id="260" r:id="rId4"/>
-    <p:sldId id="268" r:id="rId5"/>
-    <p:sldId id="269" r:id="rId6"/>
-    <p:sldId id="261" r:id="rId7"/>
-    <p:sldId id="273" r:id="rId8"/>
-    <p:sldId id="270" r:id="rId9"/>
-    <p:sldId id="274" r:id="rId10"/>
-    <p:sldId id="275" r:id="rId11"/>
-    <p:sldId id="271" r:id="rId12"/>
-    <p:sldId id="272" r:id="rId13"/>
-    <p:sldId id="262" r:id="rId14"/>
-    <p:sldId id="263" r:id="rId15"/>
-    <p:sldId id="264" r:id="rId16"/>
-    <p:sldId id="265" r:id="rId17"/>
-    <p:sldId id="266" r:id="rId18"/>
-    <p:sldId id="267" r:id="rId19"/>
+    <p:sldId id="276" r:id="rId5"/>
+    <p:sldId id="268" r:id="rId6"/>
+    <p:sldId id="269" r:id="rId7"/>
+    <p:sldId id="261" r:id="rId8"/>
+    <p:sldId id="273" r:id="rId9"/>
+    <p:sldId id="270" r:id="rId10"/>
+    <p:sldId id="274" r:id="rId11"/>
+    <p:sldId id="275" r:id="rId12"/>
+    <p:sldId id="271" r:id="rId13"/>
+    <p:sldId id="272" r:id="rId14"/>
+    <p:sldId id="262" r:id="rId15"/>
+    <p:sldId id="263" r:id="rId16"/>
+    <p:sldId id="264" r:id="rId17"/>
+    <p:sldId id="265" r:id="rId18"/>
+    <p:sldId id="266" r:id="rId19"/>
+    <p:sldId id="267" r:id="rId20"/>
   </p:sldIdLst>
   <p:sldSz cx="9144000" cy="6858000" type="screen4x3"/>
   <p:notesSz cx="6858000" cy="9144000"/>
@@ -249,7 +250,7 @@
             <a:fld id="{DD95B663-A359-4E54-8989-6E815F050B49}" type="datetimeFigureOut">
               <a:rPr lang="de-DE" smtClean="0"/>
               <a:pPr/>
-              <a:t>24.06.2018</a:t>
+              <a:t>29.06.18</a:t>
             </a:fld>
             <a:endParaRPr lang="de-DE" dirty="0"/>
           </a:p>
@@ -416,7 +417,7 @@
             <a:fld id="{6DC243D8-2C9D-447E-8AC2-008C661E1A6F}" type="datetimeFigureOut">
               <a:rPr lang="de-DE" smtClean="0"/>
               <a:pPr/>
-              <a:t>24.06.2018</a:t>
+              <a:t>29.06.18</a:t>
             </a:fld>
             <a:endParaRPr lang="de-DE" dirty="0"/>
           </a:p>
@@ -1049,7 +1050,7 @@
             <a:fld id="{87FFBBB1-C8EB-4E56-B1DB-58475CA8EC6C}" type="slidenum">
               <a:rPr lang="de-DE" smtClean="0"/>
               <a:pPr/>
-              <a:t>4</a:t>
+              <a:t>5</a:t>
             </a:fld>
             <a:endParaRPr lang="de-DE" dirty="0"/>
           </a:p>
@@ -1134,7 +1135,7 @@
             <a:fld id="{87FFBBB1-C8EB-4E56-B1DB-58475CA8EC6C}" type="slidenum">
               <a:rPr lang="de-DE" smtClean="0"/>
               <a:pPr/>
-              <a:t>6</a:t>
+              <a:t>7</a:t>
             </a:fld>
             <a:endParaRPr lang="de-DE" dirty="0"/>
           </a:p>
@@ -1219,7 +1220,7 @@
             <a:fld id="{87FFBBB1-C8EB-4E56-B1DB-58475CA8EC6C}" type="slidenum">
               <a:rPr lang="de-DE" smtClean="0"/>
               <a:pPr/>
-              <a:t>12</a:t>
+              <a:t>13</a:t>
             </a:fld>
             <a:endParaRPr lang="de-DE" dirty="0"/>
           </a:p>
@@ -1304,7 +1305,7 @@
             <a:fld id="{87FFBBB1-C8EB-4E56-B1DB-58475CA8EC6C}" type="slidenum">
               <a:rPr lang="de-DE" smtClean="0"/>
               <a:pPr/>
-              <a:t>13</a:t>
+              <a:t>14</a:t>
             </a:fld>
             <a:endParaRPr lang="de-DE" dirty="0"/>
           </a:p>
@@ -1389,7 +1390,7 @@
             <a:fld id="{87FFBBB1-C8EB-4E56-B1DB-58475CA8EC6C}" type="slidenum">
               <a:rPr lang="de-DE" smtClean="0"/>
               <a:pPr/>
-              <a:t>14</a:t>
+              <a:t>15</a:t>
             </a:fld>
             <a:endParaRPr lang="de-DE" dirty="0"/>
           </a:p>
@@ -4961,7 +4962,7 @@
           <p:cNvPr id="2" name="Inhaltsplatzhalter 1">
             <a:extLst>
               <a:ext uri="{FF2B5EF4-FFF2-40B4-BE49-F238E27FC236}">
-                <a16:creationId xmlns:a16="http://schemas.microsoft.com/office/drawing/2014/main" id="{D25C5B4F-3373-4F6D-BD35-9708A631E836}"/>
+                <a16:creationId xmlns:a16="http://schemas.microsoft.com/office/drawing/2014/main" id="{75560F39-53A9-4D65-81BC-9EF49E3C9C4C}"/>
               </a:ext>
             </a:extLst>
           </p:cNvPr>
@@ -4974,22 +4975,237 @@
         </p:nvSpPr>
         <p:spPr/>
         <p:txBody>
-          <a:bodyPr>
-            <a:normAutofit/>
-          </a:bodyPr>
+          <a:bodyPr/>
           <a:lstStyle/>
           <a:p>
-            <a:pPr marL="0" indent="0">
-              <a:buNone/>
-            </a:pPr>
-            <a:r>
-              <a:rPr lang="de-DE" sz="4000" dirty="0">
-                <a:solidFill>
-                  <a:srgbClr val="852339"/>
-                </a:solidFill>
+            <a:r>
+              <a:rPr lang="de-DE" dirty="0"/>
+              <a:t>Bernoulli, Simple Gilbert</a:t>
+            </a:r>
+          </a:p>
+          <a:p>
+            <a:pPr lvl="1"/>
+            <a:r>
+              <a:rPr lang="de-DE" sz="1800" dirty="0">
+                <a:sym typeface="Wingdings" panose="05000000000000000000" pitchFamily="2" charset="2"/>
               </a:rPr>
-              <a:t>PLOT von Gilbert-Elliot mit unterschiedlichen Schwellenwerten</a:t>
-            </a:r>
+              <a:t>Zustände eindeutig erkennbar</a:t>
+            </a:r>
+          </a:p>
+          <a:p>
+            <a:pPr lvl="1"/>
+            <a:r>
+              <a:rPr lang="de-DE" sz="1800" dirty="0">
+                <a:sym typeface="Wingdings" panose="05000000000000000000" pitchFamily="2" charset="2"/>
+              </a:rPr>
+              <a:t>Trivial, Zuverlässig</a:t>
+            </a:r>
+          </a:p>
+          <a:p>
+            <a:r>
+              <a:rPr lang="de-DE" dirty="0">
+                <a:sym typeface="Wingdings" panose="05000000000000000000" pitchFamily="2" charset="2"/>
+              </a:rPr>
+              <a:t>Gilbert</a:t>
+            </a:r>
+          </a:p>
+          <a:p>
+            <a:pPr lvl="1"/>
+            <a:r>
+              <a:rPr lang="de-DE" sz="1800" dirty="0">
+                <a:sym typeface="Wingdings" panose="05000000000000000000" pitchFamily="2" charset="2"/>
+              </a:rPr>
+              <a:t>Gilberts Methode zur Parameterschätzung</a:t>
+            </a:r>
+          </a:p>
+          <a:p>
+            <a:pPr lvl="1"/>
+            <a:r>
+              <a:rPr lang="de-DE" sz="1800" dirty="0">
+                <a:sym typeface="Wingdings" panose="05000000000000000000" pitchFamily="2" charset="2"/>
+              </a:rPr>
+              <a:t>Problem: Sehr instabil, Parameter können unmögliche Werte annehmen</a:t>
+            </a:r>
+          </a:p>
+          <a:p>
+            <a:r>
+              <a:rPr lang="de-DE" dirty="0">
+                <a:sym typeface="Wingdings" panose="05000000000000000000" pitchFamily="2" charset="2"/>
+              </a:rPr>
+              <a:t>Gilbert-Elliot, 4-State-Markov</a:t>
+            </a:r>
+          </a:p>
+          <a:p>
+            <a:pPr lvl="1"/>
+            <a:r>
+              <a:rPr lang="de-DE" sz="1800" dirty="0">
+                <a:sym typeface="Wingdings" panose="05000000000000000000" pitchFamily="2" charset="2"/>
+              </a:rPr>
+              <a:t>Schwellenwerte für einzelne Zustände definieren</a:t>
+            </a:r>
+          </a:p>
+          <a:p>
+            <a:pPr lvl="1"/>
+            <a:r>
+              <a:rPr lang="de-DE" sz="1800" dirty="0">
+                <a:sym typeface="Wingdings" panose="05000000000000000000" pitchFamily="2" charset="2"/>
+              </a:rPr>
+              <a:t>Gilbert: RFC3611 empfiehlt 16 </a:t>
+            </a:r>
+            <a:r>
+              <a:rPr lang="de-DE" sz="1800" i="1" dirty="0">
+                <a:sym typeface="Wingdings" panose="05000000000000000000" pitchFamily="2" charset="2"/>
+              </a:rPr>
+              <a:t>„</a:t>
+            </a:r>
+            <a:r>
+              <a:rPr lang="de-DE" sz="1800" i="1" dirty="0" err="1">
+                <a:sym typeface="Wingdings" panose="05000000000000000000" pitchFamily="2" charset="2"/>
+              </a:rPr>
+              <a:t>corresponds</a:t>
+            </a:r>
+            <a:r>
+              <a:rPr lang="de-DE" sz="1800" i="1" dirty="0">
+                <a:sym typeface="Wingdings" panose="05000000000000000000" pitchFamily="2" charset="2"/>
+              </a:rPr>
+              <a:t> </a:t>
+            </a:r>
+            <a:r>
+              <a:rPr lang="de-DE" sz="1800" i="1" dirty="0" err="1">
+                <a:sym typeface="Wingdings" panose="05000000000000000000" pitchFamily="2" charset="2"/>
+              </a:rPr>
+              <a:t>to</a:t>
+            </a:r>
+            <a:r>
+              <a:rPr lang="de-DE" sz="1800" i="1" dirty="0">
+                <a:sym typeface="Wingdings" panose="05000000000000000000" pitchFamily="2" charset="2"/>
+              </a:rPr>
+              <a:t> </a:t>
+            </a:r>
+            <a:r>
+              <a:rPr lang="de-DE" sz="1800" i="1" dirty="0" err="1">
+                <a:sym typeface="Wingdings" panose="05000000000000000000" pitchFamily="2" charset="2"/>
+              </a:rPr>
+              <a:t>gap</a:t>
+            </a:r>
+            <a:r>
+              <a:rPr lang="de-DE" sz="1800" i="1" dirty="0">
+                <a:sym typeface="Wingdings" panose="05000000000000000000" pitchFamily="2" charset="2"/>
+              </a:rPr>
+              <a:t> </a:t>
+            </a:r>
+            <a:r>
+              <a:rPr lang="de-DE" sz="1800" i="1" dirty="0" err="1">
+                <a:sym typeface="Wingdings" panose="05000000000000000000" pitchFamily="2" charset="2"/>
+              </a:rPr>
+              <a:t>characteristics</a:t>
+            </a:r>
+            <a:r>
+              <a:rPr lang="de-DE" sz="1800" i="1" dirty="0">
+                <a:sym typeface="Wingdings" panose="05000000000000000000" pitchFamily="2" charset="2"/>
+              </a:rPr>
+              <a:t> </a:t>
+            </a:r>
+            <a:r>
+              <a:rPr lang="de-DE" sz="1800" i="1" dirty="0" err="1">
+                <a:sym typeface="Wingdings" panose="05000000000000000000" pitchFamily="2" charset="2"/>
+              </a:rPr>
+              <a:t>of</a:t>
+            </a:r>
+            <a:r>
+              <a:rPr lang="de-DE" sz="1800" i="1" dirty="0">
+                <a:sym typeface="Wingdings" panose="05000000000000000000" pitchFamily="2" charset="2"/>
+              </a:rPr>
+              <a:t> </a:t>
+            </a:r>
+            <a:r>
+              <a:rPr lang="de-DE" sz="1800" i="1" dirty="0" err="1">
+                <a:sym typeface="Wingdings" panose="05000000000000000000" pitchFamily="2" charset="2"/>
+              </a:rPr>
+              <a:t>good</a:t>
+            </a:r>
+            <a:r>
+              <a:rPr lang="de-DE" sz="1800" i="1" dirty="0">
+                <a:sym typeface="Wingdings" panose="05000000000000000000" pitchFamily="2" charset="2"/>
+              </a:rPr>
+              <a:t> </a:t>
+            </a:r>
+            <a:r>
+              <a:rPr lang="de-DE" sz="1800" i="1" dirty="0" err="1">
+                <a:sym typeface="Wingdings" panose="05000000000000000000" pitchFamily="2" charset="2"/>
+              </a:rPr>
+              <a:t>quality</a:t>
+            </a:r>
+            <a:r>
+              <a:rPr lang="de-DE" sz="1800" i="1" dirty="0">
+                <a:sym typeface="Wingdings" panose="05000000000000000000" pitchFamily="2" charset="2"/>
+              </a:rPr>
+              <a:t>“</a:t>
+            </a:r>
+          </a:p>
+          <a:p>
+            <a:pPr lvl="1"/>
+            <a:r>
+              <a:rPr lang="de-DE" sz="1800" dirty="0">
+                <a:sym typeface="Wingdings" panose="05000000000000000000" pitchFamily="2" charset="2"/>
+              </a:rPr>
+              <a:t>4-State-Markov:</a:t>
+            </a:r>
+            <a:r>
+              <a:rPr lang="de-DE" sz="1800" i="1" dirty="0">
+                <a:sym typeface="Wingdings" panose="05000000000000000000" pitchFamily="2" charset="2"/>
+              </a:rPr>
+              <a:t> </a:t>
+            </a:r>
+            <a:r>
+              <a:rPr lang="de-DE" sz="1800" dirty="0">
+                <a:sym typeface="Wingdings" panose="05000000000000000000" pitchFamily="2" charset="2"/>
+              </a:rPr>
+              <a:t>Keine Literaturangabe  </a:t>
+            </a:r>
+            <a:r>
+              <a:rPr lang="de-DE" sz="1800" dirty="0" err="1">
+                <a:sym typeface="Wingdings" panose="05000000000000000000" pitchFamily="2" charset="2"/>
+              </a:rPr>
+              <a:t>Educated</a:t>
+            </a:r>
+            <a:r>
+              <a:rPr lang="de-DE" sz="1800" dirty="0">
+                <a:sym typeface="Wingdings" panose="05000000000000000000" pitchFamily="2" charset="2"/>
+              </a:rPr>
+              <a:t> </a:t>
+            </a:r>
+            <a:r>
+              <a:rPr lang="de-DE" sz="1800" dirty="0" err="1">
+                <a:sym typeface="Wingdings" panose="05000000000000000000" pitchFamily="2" charset="2"/>
+              </a:rPr>
+              <a:t>Guessing</a:t>
+            </a:r>
+            <a:endParaRPr lang="de-DE" sz="1800" dirty="0">
+              <a:sym typeface="Wingdings" panose="05000000000000000000" pitchFamily="2" charset="2"/>
+            </a:endParaRPr>
+          </a:p>
+          <a:p>
+            <a:pPr lvl="1"/>
+            <a:r>
+              <a:rPr lang="de-DE" sz="1800" dirty="0">
+                <a:sym typeface="Wingdings" panose="05000000000000000000" pitchFamily="2" charset="2"/>
+              </a:rPr>
+              <a:t>Zustände in gegebenem Trace zählen</a:t>
+            </a:r>
+          </a:p>
+          <a:p>
+            <a:pPr lvl="1"/>
+            <a:r>
+              <a:rPr lang="de-DE" sz="1800" dirty="0">
+                <a:sym typeface="Wingdings" panose="05000000000000000000" pitchFamily="2" charset="2"/>
+              </a:rPr>
+              <a:t>Ergebnisse sind sehr instabil</a:t>
+            </a:r>
+          </a:p>
+          <a:p>
+            <a:pPr lvl="1"/>
+            <a:endParaRPr lang="de-DE" sz="1800" dirty="0"/>
           </a:p>
         </p:txBody>
       </p:sp>
@@ -4998,7 +5214,7 @@
           <p:cNvPr id="3" name="Textplatzhalter 2">
             <a:extLst>
               <a:ext uri="{FF2B5EF4-FFF2-40B4-BE49-F238E27FC236}">
-                <a16:creationId xmlns:a16="http://schemas.microsoft.com/office/drawing/2014/main" id="{674603E4-0971-4191-98C4-D28EAF1FAFD3}"/>
+                <a16:creationId xmlns:a16="http://schemas.microsoft.com/office/drawing/2014/main" id="{C86455D3-63E3-4BB9-B3C6-B0AB42EE712A}"/>
               </a:ext>
             </a:extLst>
           </p:cNvPr>
@@ -5014,10 +5230,7 @@
           <a:bodyPr/>
           <a:lstStyle/>
           <a:p>
-            <a:r>
-              <a:rPr lang="de-DE" dirty="0"/>
-              <a:t>Ergebnisse</a:t>
-            </a:r>
+            <a:endParaRPr lang="de-DE"/>
           </a:p>
         </p:txBody>
       </p:sp>
@@ -5026,7 +5239,7 @@
           <p:cNvPr id="4" name="Titel 3">
             <a:extLst>
               <a:ext uri="{FF2B5EF4-FFF2-40B4-BE49-F238E27FC236}">
-                <a16:creationId xmlns:a16="http://schemas.microsoft.com/office/drawing/2014/main" id="{550D027C-1901-47D0-9440-6FAFFF484304}"/>
+                <a16:creationId xmlns:a16="http://schemas.microsoft.com/office/drawing/2014/main" id="{AD1E7E5B-6FBD-4402-872A-3E7A13139C26}"/>
               </a:ext>
             </a:extLst>
           </p:cNvPr>
@@ -5052,7 +5265,7 @@
     </p:spTree>
     <p:extLst>
       <p:ext uri="{BB962C8B-B14F-4D97-AF65-F5344CB8AC3E}">
-        <p14:creationId xmlns:p14="http://schemas.microsoft.com/office/powerpoint/2010/main" val="2663221598"/>
+        <p14:creationId xmlns:p14="http://schemas.microsoft.com/office/powerpoint/2010/main" val="4142453788"/>
       </p:ext>
     </p:extLst>
   </p:cSld>
@@ -5084,7 +5297,7 @@
           <p:cNvPr id="2" name="Inhaltsplatzhalter 1">
             <a:extLst>
               <a:ext uri="{FF2B5EF4-FFF2-40B4-BE49-F238E27FC236}">
-                <a16:creationId xmlns:a16="http://schemas.microsoft.com/office/drawing/2014/main" id="{8E71C57D-497F-4F81-AB45-35CAD748F91D}"/>
+                <a16:creationId xmlns:a16="http://schemas.microsoft.com/office/drawing/2014/main" id="{D25C5B4F-3373-4F6D-BD35-9708A631E836}"/>
               </a:ext>
             </a:extLst>
           </p:cNvPr>
@@ -5097,43 +5310,21 @@
         </p:nvSpPr>
         <p:spPr/>
         <p:txBody>
-          <a:bodyPr/>
+          <a:bodyPr>
+            <a:normAutofit/>
+          </a:bodyPr>
           <a:lstStyle/>
           <a:p>
-            <a:r>
-              <a:rPr lang="de-DE" dirty="0"/>
-              <a:t>Kompatibilität zu weiteren Protokollen herstellen</a:t>
-            </a:r>
-          </a:p>
-          <a:p>
-            <a:pPr lvl="1"/>
-            <a:r>
-              <a:rPr lang="de-DE" sz="1800" dirty="0"/>
-              <a:t>TCP</a:t>
-            </a:r>
-          </a:p>
-          <a:p>
-            <a:r>
-              <a:rPr lang="de-DE" dirty="0" err="1"/>
-              <a:t>Refinement</a:t>
-            </a:r>
-            <a:r>
-              <a:rPr lang="de-DE" dirty="0"/>
-              <a:t> der Parameterschätzung aus Trace</a:t>
-            </a:r>
-          </a:p>
-          <a:p>
-            <a:pPr lvl="1"/>
-            <a:r>
-              <a:rPr lang="de-DE" sz="1800" dirty="0"/>
-              <a:t>Gilbert Elliot: </a:t>
-            </a:r>
-          </a:p>
-          <a:p>
-            <a:pPr lvl="1"/>
-            <a:r>
-              <a:rPr lang="de-DE" sz="1800" dirty="0"/>
-              <a:t>4-State-Markov: Baum-Welch Algorithmus</a:t>
+            <a:pPr marL="0" indent="0">
+              <a:buNone/>
+            </a:pPr>
+            <a:r>
+              <a:rPr lang="de-DE" sz="4000" dirty="0">
+                <a:solidFill>
+                  <a:srgbClr val="852339"/>
+                </a:solidFill>
+              </a:rPr>
+              <a:t>PLOT von Gilbert-Elliot mit unterschiedlichen Schwellenwerten</a:t>
             </a:r>
           </a:p>
         </p:txBody>
@@ -5143,7 +5334,7 @@
           <p:cNvPr id="3" name="Textplatzhalter 2">
             <a:extLst>
               <a:ext uri="{FF2B5EF4-FFF2-40B4-BE49-F238E27FC236}">
-                <a16:creationId xmlns:a16="http://schemas.microsoft.com/office/drawing/2014/main" id="{AFC03702-82AE-4968-8CE9-ACB56FFAB208}"/>
+                <a16:creationId xmlns:a16="http://schemas.microsoft.com/office/drawing/2014/main" id="{674603E4-0971-4191-98C4-D28EAF1FAFD3}"/>
               </a:ext>
             </a:extLst>
           </p:cNvPr>
@@ -5159,7 +5350,10 @@
           <a:bodyPr/>
           <a:lstStyle/>
           <a:p>
-            <a:endParaRPr lang="de-DE"/>
+            <a:r>
+              <a:rPr lang="de-DE" dirty="0"/>
+              <a:t>Ergebnisse</a:t>
+            </a:r>
           </a:p>
         </p:txBody>
       </p:sp>
@@ -5168,7 +5362,7 @@
           <p:cNvPr id="4" name="Titel 3">
             <a:extLst>
               <a:ext uri="{FF2B5EF4-FFF2-40B4-BE49-F238E27FC236}">
-                <a16:creationId xmlns:a16="http://schemas.microsoft.com/office/drawing/2014/main" id="{0C5B5D85-55FC-4C92-84D9-986AEB5C8CD9}"/>
+                <a16:creationId xmlns:a16="http://schemas.microsoft.com/office/drawing/2014/main" id="{550D027C-1901-47D0-9440-6FAFFF484304}"/>
               </a:ext>
             </a:extLst>
           </p:cNvPr>
@@ -5186,7 +5380,7 @@
           <a:p>
             <a:r>
               <a:rPr lang="de-DE" dirty="0"/>
-              <a:t>Ausblick</a:t>
+              <a:t>Parameterschätzung aus Traces</a:t>
             </a:r>
           </a:p>
         </p:txBody>
@@ -5194,7 +5388,7 @@
     </p:spTree>
     <p:extLst>
       <p:ext uri="{BB962C8B-B14F-4D97-AF65-F5344CB8AC3E}">
-        <p14:creationId xmlns:p14="http://schemas.microsoft.com/office/powerpoint/2010/main" val="1380931127"/>
+        <p14:creationId xmlns:p14="http://schemas.microsoft.com/office/powerpoint/2010/main" val="2663221598"/>
       </p:ext>
     </p:extLst>
   </p:cSld>
@@ -5223,7 +5417,13 @@
       </p:grpSpPr>
       <p:sp>
         <p:nvSpPr>
-          <p:cNvPr id="2" name="Inhaltsplatzhalter 1"/>
+          <p:cNvPr id="2" name="Inhaltsplatzhalter 1">
+            <a:extLst>
+              <a:ext uri="{FF2B5EF4-FFF2-40B4-BE49-F238E27FC236}">
+                <a16:creationId xmlns:a16="http://schemas.microsoft.com/office/drawing/2014/main" id="{8E71C57D-497F-4F81-AB45-35CAD748F91D}"/>
+              </a:ext>
+            </a:extLst>
+          </p:cNvPr>
           <p:cNvSpPr>
             <a:spLocks noGrp="1"/>
           </p:cNvSpPr>
@@ -5236,45 +5436,78 @@
           <a:bodyPr/>
           <a:lstStyle/>
           <a:p>
-            <a:pPr marL="457200" indent="-457200">
-              <a:buFont typeface="+mj-lt"/>
-              <a:buAutoNum type="arabicPeriod"/>
-            </a:pPr>
             <a:r>
               <a:rPr lang="de-DE" dirty="0"/>
-              <a:t>Zielsetzung</a:t>
-            </a:r>
-          </a:p>
-          <a:p>
-            <a:pPr marL="457200" indent="-457200">
-              <a:buFont typeface="+mj-lt"/>
-              <a:buAutoNum type="arabicPeriod"/>
-            </a:pPr>
+              <a:t>Kompatibilität zu weiteren Protokollen herstellen</a:t>
+            </a:r>
+          </a:p>
+          <a:p>
+            <a:pPr lvl="1"/>
+            <a:r>
+              <a:rPr lang="de-DE" sz="1800" dirty="0"/>
+              <a:t>TCP</a:t>
+            </a:r>
+          </a:p>
+          <a:p>
+            <a:r>
+              <a:rPr lang="de-DE" dirty="0" err="1"/>
+              <a:t>Refinement</a:t>
+            </a:r>
             <a:r>
               <a:rPr lang="de-DE" dirty="0"/>
-              <a:t>Generierung von Traces</a:t>
-            </a:r>
-          </a:p>
-          <a:p>
-            <a:pPr marL="457200" indent="-457200">
-              <a:buFont typeface="+mj-lt"/>
-              <a:buAutoNum type="arabicPeriod"/>
-            </a:pPr>
-            <a:r>
-              <a:rPr lang="de-DE" dirty="0"/>
-              <a:t>Manipulation von </a:t>
-            </a:r>
-            <a:r>
-              <a:rPr lang="de-DE" dirty="0" err="1"/>
-              <a:t>Netem</a:t>
-            </a:r>
-            <a:endParaRPr lang="de-DE" dirty="0"/>
-          </a:p>
-        </p:txBody>
-      </p:sp>
-      <p:sp>
-        <p:nvSpPr>
-          <p:cNvPr id="4" name="Titel 3"/>
+              <a:t> der Parameterschätzung aus Trace</a:t>
+            </a:r>
+          </a:p>
+          <a:p>
+            <a:pPr lvl="1"/>
+            <a:r>
+              <a:rPr lang="de-DE" sz="1800" dirty="0"/>
+              <a:t>Gilbert Elliot: </a:t>
+            </a:r>
+          </a:p>
+          <a:p>
+            <a:pPr lvl="1"/>
+            <a:r>
+              <a:rPr lang="de-DE" sz="1800" dirty="0"/>
+              <a:t>4-State-Markov: Baum-Welch Algorithmus</a:t>
+            </a:r>
+          </a:p>
+        </p:txBody>
+      </p:sp>
+      <p:sp>
+        <p:nvSpPr>
+          <p:cNvPr id="3" name="Textplatzhalter 2">
+            <a:extLst>
+              <a:ext uri="{FF2B5EF4-FFF2-40B4-BE49-F238E27FC236}">
+                <a16:creationId xmlns:a16="http://schemas.microsoft.com/office/drawing/2014/main" id="{AFC03702-82AE-4968-8CE9-ACB56FFAB208}"/>
+              </a:ext>
+            </a:extLst>
+          </p:cNvPr>
+          <p:cNvSpPr>
+            <a:spLocks noGrp="1"/>
+          </p:cNvSpPr>
+          <p:nvPr>
+            <p:ph type="body" sz="quarter" idx="16"/>
+          </p:nvPr>
+        </p:nvSpPr>
+        <p:spPr/>
+        <p:txBody>
+          <a:bodyPr/>
+          <a:lstStyle/>
+          <a:p>
+            <a:endParaRPr lang="de-DE"/>
+          </a:p>
+        </p:txBody>
+      </p:sp>
+      <p:sp>
+        <p:nvSpPr>
+          <p:cNvPr id="4" name="Titel 3">
+            <a:extLst>
+              <a:ext uri="{FF2B5EF4-FFF2-40B4-BE49-F238E27FC236}">
+                <a16:creationId xmlns:a16="http://schemas.microsoft.com/office/drawing/2014/main" id="{0C5B5D85-55FC-4C92-84D9-986AEB5C8CD9}"/>
+              </a:ext>
+            </a:extLst>
+          </p:cNvPr>
           <p:cNvSpPr>
             <a:spLocks noGrp="1"/>
           </p:cNvSpPr>
@@ -5289,7 +5522,7 @@
           <a:p>
             <a:r>
               <a:rPr lang="de-DE" dirty="0"/>
-              <a:t>Agenda</a:t>
+              <a:t>Ausblick</a:t>
             </a:r>
           </a:p>
         </p:txBody>
@@ -5297,7 +5530,7 @@
     </p:spTree>
     <p:extLst>
       <p:ext uri="{BB962C8B-B14F-4D97-AF65-F5344CB8AC3E}">
-        <p14:creationId xmlns:p14="http://schemas.microsoft.com/office/powerpoint/2010/main" val="3210120062"/>
+        <p14:creationId xmlns:p14="http://schemas.microsoft.com/office/powerpoint/2010/main" val="1380931127"/>
       </p:ext>
     </p:extLst>
   </p:cSld>
@@ -5339,31 +5572,39 @@
           <a:bodyPr/>
           <a:lstStyle/>
           <a:p>
+            <a:pPr marL="457200" indent="-457200">
+              <a:buFont typeface="+mj-lt"/>
+              <a:buAutoNum type="arabicPeriod"/>
+            </a:pPr>
             <a:r>
               <a:rPr lang="de-DE" dirty="0"/>
-              <a:t>Entwicklungsumgebung</a:t>
-            </a:r>
-          </a:p>
-          <a:p>
-            <a:pPr marL="722863" lvl="1" indent="-457200"/>
+              <a:t>Zielsetzung</a:t>
+            </a:r>
+          </a:p>
+          <a:p>
+            <a:pPr marL="457200" indent="-457200">
+              <a:buFont typeface="+mj-lt"/>
+              <a:buAutoNum type="arabicPeriod"/>
+            </a:pPr>
             <a:r>
               <a:rPr lang="de-DE" dirty="0"/>
-              <a:t>Ubuntu 18.04</a:t>
-            </a:r>
-          </a:p>
-          <a:p>
-            <a:pPr marL="722863" lvl="1" indent="-457200"/>
+              <a:t>Generierung von Traces</a:t>
+            </a:r>
+          </a:p>
+          <a:p>
+            <a:pPr marL="457200" indent="-457200">
+              <a:buFont typeface="+mj-lt"/>
+              <a:buAutoNum type="arabicPeriod"/>
+            </a:pPr>
             <a:r>
               <a:rPr lang="de-DE" dirty="0"/>
-              <a:t>Linux Kernel 4.17.0_rc3</a:t>
-            </a:r>
-          </a:p>
-          <a:p>
-            <a:pPr marL="722863" lvl="1" indent="-457200"/>
-            <a:r>
-              <a:rPr lang="de-DE" dirty="0"/>
-              <a:t>Iproute2 4.15</a:t>
-            </a:r>
+              <a:t>Manipulation von </a:t>
+            </a:r>
+            <a:r>
+              <a:rPr lang="de-DE" dirty="0" err="1"/>
+              <a:t>Netem</a:t>
+            </a:r>
+            <a:endParaRPr lang="de-DE" dirty="0"/>
           </a:p>
         </p:txBody>
       </p:sp>
@@ -5383,45 +5624,16 @@
           <a:lstStyle/>
           <a:p>
             <a:r>
-              <a:rPr lang="de-DE" dirty="0" err="1"/>
-              <a:t>TOOl</a:t>
-            </a:r>
-            <a:r>
               <a:rPr lang="de-DE" dirty="0"/>
-              <a:t> 2 </a:t>
-            </a:r>
-            <a:r>
-              <a:rPr lang="en-US" dirty="0">
-                <a:cs typeface="Calibri Light"/>
-              </a:rPr>
-              <a:t>| </a:t>
-            </a:r>
-            <a:r>
-              <a:rPr lang="en-US" dirty="0" err="1">
-                <a:cs typeface="Calibri Light"/>
-              </a:rPr>
-              <a:t>Erweiterung</a:t>
-            </a:r>
-            <a:r>
-              <a:rPr lang="en-US" dirty="0">
-                <a:cs typeface="Calibri Light"/>
-              </a:rPr>
-              <a:t> </a:t>
-            </a:r>
-            <a:r>
-              <a:rPr lang="en-US" dirty="0" err="1">
-                <a:cs typeface="Calibri Light"/>
-              </a:rPr>
-              <a:t>netem</a:t>
-            </a:r>
-            <a:endParaRPr lang="de-DE" dirty="0"/>
+              <a:t>Agenda</a:t>
+            </a:r>
           </a:p>
         </p:txBody>
       </p:sp>
     </p:spTree>
     <p:extLst>
       <p:ext uri="{BB962C8B-B14F-4D97-AF65-F5344CB8AC3E}">
-        <p14:creationId xmlns:p14="http://schemas.microsoft.com/office/powerpoint/2010/main" val="1002720281"/>
+        <p14:creationId xmlns:p14="http://schemas.microsoft.com/office/powerpoint/2010/main" val="3210120062"/>
       </p:ext>
     </p:extLst>
   </p:cSld>
@@ -5465,104 +5677,28 @@
           <a:p>
             <a:r>
               <a:rPr lang="de-DE" dirty="0"/>
-              <a:t>Ermöglicht Netzwerk Emulation</a:t>
+              <a:t>Entwicklungsumgebung</a:t>
             </a:r>
           </a:p>
           <a:p>
             <a:pPr marL="722863" lvl="1" indent="-457200"/>
             <a:r>
-              <a:rPr lang="de-DE" sz="1800" dirty="0"/>
-              <a:t>Delay, </a:t>
-            </a:r>
-            <a:r>
-              <a:rPr lang="de-DE" sz="1800" dirty="0" err="1"/>
-              <a:t>loss</a:t>
-            </a:r>
-            <a:r>
-              <a:rPr lang="de-DE" sz="1800" dirty="0"/>
-              <a:t>, </a:t>
-            </a:r>
-            <a:r>
-              <a:rPr lang="de-DE" sz="1800" dirty="0" err="1"/>
-              <a:t>duplication</a:t>
-            </a:r>
-            <a:r>
-              <a:rPr lang="de-DE" sz="1800" dirty="0"/>
-              <a:t>, und </a:t>
-            </a:r>
-            <a:r>
-              <a:rPr lang="de-DE" sz="1800" dirty="0" err="1"/>
-              <a:t>re-ordering</a:t>
-            </a:r>
-            <a:r>
-              <a:rPr lang="de-DE" sz="1800" dirty="0"/>
-              <a:t> von Paketen</a:t>
+              <a:rPr lang="de-DE" dirty="0"/>
+              <a:t>Ubuntu 18.04</a:t>
             </a:r>
           </a:p>
           <a:p>
             <a:pPr marL="722863" lvl="1" indent="-457200"/>
-            <a:endParaRPr lang="de-DE" dirty="0"/>
-          </a:p>
-          <a:p>
             <a:r>
               <a:rPr lang="de-DE" dirty="0"/>
-              <a:t>Besteht aus zwei Teilen:</a:t>
+              <a:t>Linux Kernel 4.17.0_rc3</a:t>
             </a:r>
           </a:p>
           <a:p>
             <a:pPr marL="722863" lvl="1" indent="-457200"/>
             <a:r>
-              <a:rPr lang="de-DE" sz="1800" dirty="0"/>
-              <a:t>Einem Bestandteil des </a:t>
-            </a:r>
-            <a:r>
-              <a:rPr lang="de-DE" sz="1800" dirty="0" err="1"/>
-              <a:t>tc</a:t>
-            </a:r>
-            <a:r>
-              <a:rPr lang="de-DE" sz="1800" dirty="0"/>
-              <a:t>-Userinterfaces</a:t>
-            </a:r>
-          </a:p>
-          <a:p>
-            <a:pPr marL="1080050" lvl="2" indent="-457200"/>
-            <a:r>
-              <a:rPr lang="de-DE" sz="1800" dirty="0" err="1"/>
-              <a:t>tc</a:t>
-            </a:r>
-            <a:r>
-              <a:rPr lang="de-DE" sz="1800" dirty="0"/>
-              <a:t> (</a:t>
-            </a:r>
-            <a:r>
-              <a:rPr lang="de-DE" sz="1800" dirty="0" err="1"/>
-              <a:t>traffic</a:t>
-            </a:r>
-            <a:r>
-              <a:rPr lang="de-DE" sz="1800" dirty="0"/>
-              <a:t> </a:t>
-            </a:r>
-            <a:r>
-              <a:rPr lang="de-DE" sz="1800" dirty="0" err="1"/>
-              <a:t>control</a:t>
-            </a:r>
-            <a:r>
-              <a:rPr lang="de-DE" sz="1800" dirty="0"/>
-              <a:t>) Teil von iproute2, ermöglicht die Paketverarbeitung</a:t>
-            </a:r>
-          </a:p>
-          <a:p>
-            <a:pPr marL="722863" lvl="1" indent="-457200"/>
-            <a:r>
-              <a:rPr lang="de-DE" sz="1800" dirty="0"/>
-              <a:t>Einem Kernmodule</a:t>
-            </a:r>
-          </a:p>
-          <a:p>
-            <a:pPr marL="1080050" lvl="2" indent="-457200"/>
-            <a:r>
-              <a:rPr lang="de-DE" sz="1800" dirty="0"/>
-              <a:t>Zuständig für Netzwerk Emulation</a:t>
+              <a:rPr lang="de-DE" dirty="0"/>
+              <a:t>Iproute2 4.15</a:t>
             </a:r>
           </a:p>
         </p:txBody>
@@ -5583,12 +5719,36 @@
           <a:lstStyle/>
           <a:p>
             <a:r>
+              <a:rPr lang="de-DE" dirty="0" err="1"/>
+              <a:t>TOOl</a:t>
+            </a:r>
+            <a:r>
               <a:rPr lang="de-DE" dirty="0"/>
-              <a:t>Funktionsweise </a:t>
-            </a:r>
-            <a:r>
-              <a:rPr lang="de-DE" dirty="0" err="1"/>
-              <a:t>Netem</a:t>
+              <a:t> 2 </a:t>
+            </a:r>
+            <a:r>
+              <a:rPr lang="en-US" dirty="0">
+                <a:cs typeface="Calibri Light"/>
+              </a:rPr>
+              <a:t>| </a:t>
+            </a:r>
+            <a:r>
+              <a:rPr lang="en-US" dirty="0" err="1">
+                <a:cs typeface="Calibri Light"/>
+              </a:rPr>
+              <a:t>Erweiterung</a:t>
+            </a:r>
+            <a:r>
+              <a:rPr lang="en-US" dirty="0">
+                <a:cs typeface="Calibri Light"/>
+              </a:rPr>
+              <a:t> </a:t>
+            </a:r>
+            <a:r>
+              <a:rPr lang="en-US" dirty="0" err="1">
+                <a:cs typeface="Calibri Light"/>
+              </a:rPr>
+              <a:t>netem</a:t>
             </a:r>
             <a:endParaRPr lang="de-DE" dirty="0"/>
           </a:p>
@@ -5597,7 +5757,7 @@
     </p:spTree>
     <p:extLst>
       <p:ext uri="{BB962C8B-B14F-4D97-AF65-F5344CB8AC3E}">
-        <p14:creationId xmlns:p14="http://schemas.microsoft.com/office/powerpoint/2010/main" val="902666593"/>
+        <p14:creationId xmlns:p14="http://schemas.microsoft.com/office/powerpoint/2010/main" val="1002720281"/>
       </p:ext>
     </p:extLst>
   </p:cSld>
@@ -5626,6 +5786,182 @@
       </p:grpSpPr>
       <p:sp>
         <p:nvSpPr>
+          <p:cNvPr id="2" name="Inhaltsplatzhalter 1"/>
+          <p:cNvSpPr>
+            <a:spLocks noGrp="1"/>
+          </p:cNvSpPr>
+          <p:nvPr>
+            <p:ph sz="quarter" idx="13"/>
+          </p:nvPr>
+        </p:nvSpPr>
+        <p:spPr/>
+        <p:txBody>
+          <a:bodyPr/>
+          <a:lstStyle/>
+          <a:p>
+            <a:r>
+              <a:rPr lang="de-DE" dirty="0"/>
+              <a:t>Ermöglicht Netzwerk Emulation</a:t>
+            </a:r>
+          </a:p>
+          <a:p>
+            <a:pPr marL="722863" lvl="1" indent="-457200"/>
+            <a:r>
+              <a:rPr lang="de-DE" sz="1800" dirty="0"/>
+              <a:t>Delay, </a:t>
+            </a:r>
+            <a:r>
+              <a:rPr lang="de-DE" sz="1800" dirty="0" err="1"/>
+              <a:t>loss</a:t>
+            </a:r>
+            <a:r>
+              <a:rPr lang="de-DE" sz="1800" dirty="0"/>
+              <a:t>, </a:t>
+            </a:r>
+            <a:r>
+              <a:rPr lang="de-DE" sz="1800" dirty="0" err="1"/>
+              <a:t>duplication</a:t>
+            </a:r>
+            <a:r>
+              <a:rPr lang="de-DE" sz="1800" dirty="0"/>
+              <a:t>, und </a:t>
+            </a:r>
+            <a:r>
+              <a:rPr lang="de-DE" sz="1800" dirty="0" err="1"/>
+              <a:t>re-ordering</a:t>
+            </a:r>
+            <a:r>
+              <a:rPr lang="de-DE" sz="1800" dirty="0"/>
+              <a:t> von Paketen</a:t>
+            </a:r>
+          </a:p>
+          <a:p>
+            <a:pPr marL="722863" lvl="1" indent="-457200"/>
+            <a:endParaRPr lang="de-DE" dirty="0"/>
+          </a:p>
+          <a:p>
+            <a:r>
+              <a:rPr lang="de-DE" dirty="0"/>
+              <a:t>Besteht aus zwei Teilen:</a:t>
+            </a:r>
+          </a:p>
+          <a:p>
+            <a:pPr marL="722863" lvl="1" indent="-457200"/>
+            <a:r>
+              <a:rPr lang="de-DE" sz="1800" dirty="0"/>
+              <a:t>Einem Bestandteil des </a:t>
+            </a:r>
+            <a:r>
+              <a:rPr lang="de-DE" sz="1800" dirty="0" err="1"/>
+              <a:t>tc</a:t>
+            </a:r>
+            <a:r>
+              <a:rPr lang="de-DE" sz="1800" dirty="0"/>
+              <a:t>-Userinterfaces</a:t>
+            </a:r>
+          </a:p>
+          <a:p>
+            <a:pPr marL="1080050" lvl="2" indent="-457200"/>
+            <a:r>
+              <a:rPr lang="de-DE" sz="1800" dirty="0" err="1"/>
+              <a:t>tc</a:t>
+            </a:r>
+            <a:r>
+              <a:rPr lang="de-DE" sz="1800" dirty="0"/>
+              <a:t> (</a:t>
+            </a:r>
+            <a:r>
+              <a:rPr lang="de-DE" sz="1800" dirty="0" err="1"/>
+              <a:t>traffic</a:t>
+            </a:r>
+            <a:r>
+              <a:rPr lang="de-DE" sz="1800" dirty="0"/>
+              <a:t> </a:t>
+            </a:r>
+            <a:r>
+              <a:rPr lang="de-DE" sz="1800" dirty="0" err="1"/>
+              <a:t>control</a:t>
+            </a:r>
+            <a:r>
+              <a:rPr lang="de-DE" sz="1800" dirty="0"/>
+              <a:t>) Teil von iproute2, ermöglicht die Paketverarbeitung</a:t>
+            </a:r>
+          </a:p>
+          <a:p>
+            <a:pPr marL="722863" lvl="1" indent="-457200"/>
+            <a:r>
+              <a:rPr lang="de-DE" sz="1800" dirty="0"/>
+              <a:t>Einem Kernmodule</a:t>
+            </a:r>
+          </a:p>
+          <a:p>
+            <a:pPr marL="1080050" lvl="2" indent="-457200"/>
+            <a:r>
+              <a:rPr lang="de-DE" sz="1800" dirty="0"/>
+              <a:t>Zuständig für Netzwerk Emulation</a:t>
+            </a:r>
+          </a:p>
+        </p:txBody>
+      </p:sp>
+      <p:sp>
+        <p:nvSpPr>
+          <p:cNvPr id="4" name="Titel 3"/>
+          <p:cNvSpPr>
+            <a:spLocks noGrp="1"/>
+          </p:cNvSpPr>
+          <p:nvPr>
+            <p:ph type="title"/>
+          </p:nvPr>
+        </p:nvSpPr>
+        <p:spPr/>
+        <p:txBody>
+          <a:bodyPr/>
+          <a:lstStyle/>
+          <a:p>
+            <a:r>
+              <a:rPr lang="de-DE" dirty="0"/>
+              <a:t>Funktionsweise </a:t>
+            </a:r>
+            <a:r>
+              <a:rPr lang="de-DE" dirty="0" err="1"/>
+              <a:t>Netem</a:t>
+            </a:r>
+            <a:endParaRPr lang="de-DE" dirty="0"/>
+          </a:p>
+        </p:txBody>
+      </p:sp>
+    </p:spTree>
+    <p:extLst>
+      <p:ext uri="{BB962C8B-B14F-4D97-AF65-F5344CB8AC3E}">
+        <p14:creationId xmlns:p14="http://schemas.microsoft.com/office/powerpoint/2010/main" val="902666593"/>
+      </p:ext>
+    </p:extLst>
+  </p:cSld>
+  <p:clrMapOvr>
+    <a:masterClrMapping/>
+  </p:clrMapOvr>
+</p:sld>
+</file>
+
+<file path=ppt/slides/slide16.xml><?xml version="1.0" encoding="utf-8"?>
+<p:sld xmlns:a="http://schemas.openxmlformats.org/drawingml/2006/main" xmlns:r="http://schemas.openxmlformats.org/officeDocument/2006/relationships" xmlns:p="http://schemas.openxmlformats.org/presentationml/2006/main">
+  <p:cSld>
+    <p:spTree>
+      <p:nvGrpSpPr>
+        <p:cNvPr id="1" name=""/>
+        <p:cNvGrpSpPr/>
+        <p:nvPr/>
+      </p:nvGrpSpPr>
+      <p:grpSpPr>
+        <a:xfrm>
+          <a:off x="0" y="0"/>
+          <a:ext cx="0" cy="0"/>
+          <a:chOff x="0" y="0"/>
+          <a:chExt cx="0" cy="0"/>
+        </a:xfrm>
+      </p:grpSpPr>
+      <p:sp>
+        <p:nvSpPr>
           <p:cNvPr id="2" name="Inhaltsplatzhalter 1">
             <a:extLst>
               <a:ext uri="{FF2B5EF4-FFF2-40B4-BE49-F238E27FC236}">
@@ -5694,7 +6030,7 @@
         </p:nvSpPr>
         <p:spPr>
           <a:xfrm>
-            <a:off x="424182" y="3653588"/>
+            <a:off x="462982" y="3661443"/>
             <a:ext cx="2516956" cy="914400"/>
           </a:xfrm>
           <a:prstGeom prst="rect">
@@ -5764,7 +6100,7 @@
         </p:nvSpPr>
         <p:spPr>
           <a:xfrm>
-            <a:off x="424181" y="4572701"/>
+            <a:off x="462981" y="4580556"/>
             <a:ext cx="2516956" cy="1307184"/>
           </a:xfrm>
           <a:prstGeom prst="rect">
@@ -6130,7 +6466,7 @@
         </p:nvSpPr>
         <p:spPr>
           <a:xfrm>
-            <a:off x="6256829" y="3661443"/>
+            <a:off x="5981305" y="3661443"/>
             <a:ext cx="2516956" cy="914400"/>
           </a:xfrm>
           <a:prstGeom prst="rect">
@@ -6218,7 +6554,7 @@
         </p:nvSpPr>
         <p:spPr>
           <a:xfrm>
-            <a:off x="6256828" y="4564847"/>
+            <a:off x="5981304" y="4564847"/>
             <a:ext cx="2516956" cy="859409"/>
           </a:xfrm>
           <a:prstGeom prst="rect">
@@ -6488,8 +6824,8 @@
         </p:nvCxnSpPr>
         <p:spPr>
           <a:xfrm flipH="1">
-            <a:off x="1682660" y="2818465"/>
-            <a:ext cx="2807004" cy="835123"/>
+            <a:off x="1721460" y="2818465"/>
+            <a:ext cx="2768204" cy="842978"/>
           </a:xfrm>
           <a:prstGeom prst="straightConnector1">
             <a:avLst/>
@@ -6575,7 +6911,7 @@
         <p:spPr>
           <a:xfrm>
             <a:off x="4489664" y="2818465"/>
-            <a:ext cx="3025643" cy="842978"/>
+            <a:ext cx="2750119" cy="842978"/>
           </a:xfrm>
           <a:prstGeom prst="straightConnector1">
             <a:avLst/>
@@ -6612,7 +6948,7 @@
 </p:sld>
 </file>
 
-<file path=ppt/slides/slide16.xml><?xml version="1.0" encoding="utf-8"?>
+<file path=ppt/slides/slide17.xml><?xml version="1.0" encoding="utf-8"?>
 <p:sld xmlns:a="http://schemas.openxmlformats.org/drawingml/2006/main" xmlns:r="http://schemas.openxmlformats.org/officeDocument/2006/relationships" xmlns:p="http://schemas.openxmlformats.org/presentationml/2006/main">
   <p:cSld>
     <p:spTree>
@@ -7367,7 +7703,7 @@
 </p:sld>
 </file>
 
-<file path=ppt/slides/slide17.xml><?xml version="1.0" encoding="utf-8"?>
+<file path=ppt/slides/slide18.xml><?xml version="1.0" encoding="utf-8"?>
 <p:sld xmlns:a="http://schemas.openxmlformats.org/drawingml/2006/main" xmlns:r="http://schemas.openxmlformats.org/officeDocument/2006/relationships" xmlns:p="http://schemas.openxmlformats.org/presentationml/2006/main">
   <p:cSld>
     <p:spTree>
@@ -7455,7 +7791,7 @@
 </p:sld>
 </file>
 
-<file path=ppt/slides/slide18.xml><?xml version="1.0" encoding="utf-8"?>
+<file path=ppt/slides/slide19.xml><?xml version="1.0" encoding="utf-8"?>
 <p:sld xmlns:a="http://schemas.openxmlformats.org/drawingml/2006/main" xmlns:r="http://schemas.openxmlformats.org/officeDocument/2006/relationships" xmlns:p="http://schemas.openxmlformats.org/presentationml/2006/main">
   <p:cSld>
     <p:spTree>
@@ -7889,6 +8225,555 @@
       </p:grpSpPr>
       <p:sp>
         <p:nvSpPr>
+          <p:cNvPr id="3" name="Titel 2">
+            <a:extLst>
+              <a:ext uri="{FF2B5EF4-FFF2-40B4-BE49-F238E27FC236}">
+                <a16:creationId xmlns:a16="http://schemas.microsoft.com/office/drawing/2014/main" id="{286634E7-D4A9-3F4A-A3F0-5438BD879568}"/>
+              </a:ext>
+            </a:extLst>
+          </p:cNvPr>
+          <p:cNvSpPr>
+            <a:spLocks noGrp="1"/>
+          </p:cNvSpPr>
+          <p:nvPr>
+            <p:ph type="title"/>
+          </p:nvPr>
+        </p:nvSpPr>
+        <p:spPr/>
+        <p:txBody>
+          <a:bodyPr/>
+          <a:lstStyle/>
+          <a:p>
+            <a:r>
+              <a:rPr lang="de-DE" dirty="0"/>
+              <a:t>Zielsetzung</a:t>
+            </a:r>
+          </a:p>
+        </p:txBody>
+      </p:sp>
+      <p:sp>
+        <p:nvSpPr>
+          <p:cNvPr id="6" name="Abgerundetes Rechteck 5">
+            <a:extLst>
+              <a:ext uri="{FF2B5EF4-FFF2-40B4-BE49-F238E27FC236}">
+                <a16:creationId xmlns:a16="http://schemas.microsoft.com/office/drawing/2014/main" id="{F7798EFE-4085-8546-8572-4EE9B0AF6675}"/>
+              </a:ext>
+            </a:extLst>
+          </p:cNvPr>
+          <p:cNvSpPr/>
+          <p:nvPr/>
+        </p:nvSpPr>
+        <p:spPr>
+          <a:xfrm>
+            <a:off x="2771800" y="3222817"/>
+            <a:ext cx="2088232" cy="2304256"/>
+          </a:xfrm>
+          <a:prstGeom prst="roundRect">
+            <a:avLst/>
+          </a:prstGeom>
+          <a:solidFill>
+            <a:schemeClr val="accent5">
+              <a:lumMod val="60000"/>
+              <a:lumOff val="40000"/>
+            </a:schemeClr>
+          </a:solidFill>
+          <a:ln>
+            <a:noFill/>
+          </a:ln>
+        </p:spPr>
+        <p:style>
+          <a:lnRef idx="2">
+            <a:schemeClr val="accent1">
+              <a:shade val="50000"/>
+            </a:schemeClr>
+          </a:lnRef>
+          <a:fillRef idx="1">
+            <a:schemeClr val="accent1"/>
+          </a:fillRef>
+          <a:effectRef idx="0">
+            <a:schemeClr val="accent1"/>
+          </a:effectRef>
+          <a:fontRef idx="minor">
+            <a:schemeClr val="lt1"/>
+          </a:fontRef>
+        </p:style>
+        <p:txBody>
+          <a:bodyPr rtlCol="0" anchor="t" anchorCtr="0"/>
+          <a:lstStyle/>
+          <a:p>
+            <a:pPr algn="ctr"/>
+            <a:r>
+              <a:rPr lang="de-DE" dirty="0">
+                <a:solidFill>
+                  <a:schemeClr val="tx1"/>
+                </a:solidFill>
+              </a:rPr>
+              <a:t>Modellauswahl</a:t>
+            </a:r>
+          </a:p>
+        </p:txBody>
+      </p:sp>
+      <p:sp>
+        <p:nvSpPr>
+          <p:cNvPr id="7" name="Rechteck 6">
+            <a:extLst>
+              <a:ext uri="{FF2B5EF4-FFF2-40B4-BE49-F238E27FC236}">
+                <a16:creationId xmlns:a16="http://schemas.microsoft.com/office/drawing/2014/main" id="{E0CFADD7-1DEE-8A44-B07F-5D0B40C0062D}"/>
+              </a:ext>
+            </a:extLst>
+          </p:cNvPr>
+          <p:cNvSpPr/>
+          <p:nvPr/>
+        </p:nvSpPr>
+        <p:spPr>
+          <a:xfrm>
+            <a:off x="3095836" y="3789040"/>
+            <a:ext cx="1440160" cy="432048"/>
+          </a:xfrm>
+          <a:prstGeom prst="rect">
+            <a:avLst/>
+          </a:prstGeom>
+          <a:solidFill>
+            <a:schemeClr val="bg1"/>
+          </a:solidFill>
+          <a:ln w="38100">
+            <a:solidFill>
+              <a:schemeClr val="accent5"/>
+            </a:solidFill>
+          </a:ln>
+        </p:spPr>
+        <p:style>
+          <a:lnRef idx="2">
+            <a:schemeClr val="accent1">
+              <a:shade val="50000"/>
+            </a:schemeClr>
+          </a:lnRef>
+          <a:fillRef idx="1">
+            <a:schemeClr val="accent1"/>
+          </a:fillRef>
+          <a:effectRef idx="0">
+            <a:schemeClr val="accent1"/>
+          </a:effectRef>
+          <a:fontRef idx="minor">
+            <a:schemeClr val="lt1"/>
+          </a:fontRef>
+        </p:style>
+        <p:txBody>
+          <a:bodyPr rtlCol="0" anchor="ctr"/>
+          <a:lstStyle/>
+          <a:p>
+            <a:pPr algn="ctr"/>
+            <a:r>
+              <a:rPr lang="de-DE" dirty="0">
+                <a:solidFill>
+                  <a:schemeClr val="tx1"/>
+                </a:solidFill>
+              </a:rPr>
+              <a:t>Modell A</a:t>
+            </a:r>
+          </a:p>
+        </p:txBody>
+      </p:sp>
+      <p:sp>
+        <p:nvSpPr>
+          <p:cNvPr id="8" name="Rechteck 7">
+            <a:extLst>
+              <a:ext uri="{FF2B5EF4-FFF2-40B4-BE49-F238E27FC236}">
+                <a16:creationId xmlns:a16="http://schemas.microsoft.com/office/drawing/2014/main" id="{B9C702B5-8A9B-0347-A216-735E38F31E4B}"/>
+              </a:ext>
+            </a:extLst>
+          </p:cNvPr>
+          <p:cNvSpPr/>
+          <p:nvPr/>
+        </p:nvSpPr>
+        <p:spPr>
+          <a:xfrm>
+            <a:off x="3095836" y="4312970"/>
+            <a:ext cx="1440160" cy="432048"/>
+          </a:xfrm>
+          <a:prstGeom prst="rect">
+            <a:avLst/>
+          </a:prstGeom>
+          <a:solidFill>
+            <a:schemeClr val="bg1"/>
+          </a:solidFill>
+          <a:ln w="38100">
+            <a:solidFill>
+              <a:schemeClr val="accent5"/>
+            </a:solidFill>
+          </a:ln>
+        </p:spPr>
+        <p:style>
+          <a:lnRef idx="2">
+            <a:schemeClr val="accent1">
+              <a:shade val="50000"/>
+            </a:schemeClr>
+          </a:lnRef>
+          <a:fillRef idx="1">
+            <a:schemeClr val="accent1"/>
+          </a:fillRef>
+          <a:effectRef idx="0">
+            <a:schemeClr val="accent1"/>
+          </a:effectRef>
+          <a:fontRef idx="minor">
+            <a:schemeClr val="lt1"/>
+          </a:fontRef>
+        </p:style>
+        <p:txBody>
+          <a:bodyPr rtlCol="0" anchor="ctr"/>
+          <a:lstStyle/>
+          <a:p>
+            <a:pPr algn="ctr"/>
+            <a:r>
+              <a:rPr lang="de-DE" dirty="0">
+                <a:solidFill>
+                  <a:schemeClr val="tx1"/>
+                </a:solidFill>
+              </a:rPr>
+              <a:t>Modell B</a:t>
+            </a:r>
+          </a:p>
+        </p:txBody>
+      </p:sp>
+      <p:sp>
+        <p:nvSpPr>
+          <p:cNvPr id="9" name="Rechteck 8">
+            <a:extLst>
+              <a:ext uri="{FF2B5EF4-FFF2-40B4-BE49-F238E27FC236}">
+                <a16:creationId xmlns:a16="http://schemas.microsoft.com/office/drawing/2014/main" id="{70EED48D-FB2B-A143-8C94-EF037FAC96EA}"/>
+              </a:ext>
+            </a:extLst>
+          </p:cNvPr>
+          <p:cNvSpPr/>
+          <p:nvPr/>
+        </p:nvSpPr>
+        <p:spPr>
+          <a:xfrm>
+            <a:off x="3095836" y="4836900"/>
+            <a:ext cx="1440160" cy="432048"/>
+          </a:xfrm>
+          <a:prstGeom prst="rect">
+            <a:avLst/>
+          </a:prstGeom>
+          <a:solidFill>
+            <a:schemeClr val="bg1"/>
+          </a:solidFill>
+          <a:ln w="38100">
+            <a:solidFill>
+              <a:schemeClr val="accent5"/>
+            </a:solidFill>
+          </a:ln>
+        </p:spPr>
+        <p:style>
+          <a:lnRef idx="2">
+            <a:schemeClr val="accent1">
+              <a:shade val="50000"/>
+            </a:schemeClr>
+          </a:lnRef>
+          <a:fillRef idx="1">
+            <a:schemeClr val="accent1"/>
+          </a:fillRef>
+          <a:effectRef idx="0">
+            <a:schemeClr val="accent1"/>
+          </a:effectRef>
+          <a:fontRef idx="minor">
+            <a:schemeClr val="lt1"/>
+          </a:fontRef>
+        </p:style>
+        <p:txBody>
+          <a:bodyPr rtlCol="0" anchor="ctr"/>
+          <a:lstStyle/>
+          <a:p>
+            <a:pPr algn="ctr"/>
+            <a:r>
+              <a:rPr lang="de-DE" dirty="0">
+                <a:solidFill>
+                  <a:schemeClr val="tx1"/>
+                </a:solidFill>
+              </a:rPr>
+              <a:t>...</a:t>
+            </a:r>
+          </a:p>
+        </p:txBody>
+      </p:sp>
+      <p:sp>
+        <p:nvSpPr>
+          <p:cNvPr id="10" name="Abgerundetes Rechteck 9">
+            <a:extLst>
+              <a:ext uri="{FF2B5EF4-FFF2-40B4-BE49-F238E27FC236}">
+                <a16:creationId xmlns:a16="http://schemas.microsoft.com/office/drawing/2014/main" id="{0132577E-A34E-DB47-88F5-BEFD0CC0E83E}"/>
+              </a:ext>
+            </a:extLst>
+          </p:cNvPr>
+          <p:cNvSpPr/>
+          <p:nvPr/>
+        </p:nvSpPr>
+        <p:spPr>
+          <a:xfrm>
+            <a:off x="820028" y="1412776"/>
+            <a:ext cx="1728192" cy="1584176"/>
+          </a:xfrm>
+          <a:prstGeom prst="roundRect">
+            <a:avLst/>
+          </a:prstGeom>
+          <a:solidFill>
+            <a:schemeClr val="accent6">
+              <a:lumMod val="60000"/>
+              <a:lumOff val="40000"/>
+            </a:schemeClr>
+          </a:solidFill>
+          <a:ln>
+            <a:noFill/>
+          </a:ln>
+        </p:spPr>
+        <p:style>
+          <a:lnRef idx="2">
+            <a:schemeClr val="accent1">
+              <a:shade val="50000"/>
+            </a:schemeClr>
+          </a:lnRef>
+          <a:fillRef idx="1">
+            <a:schemeClr val="accent1"/>
+          </a:fillRef>
+          <a:effectRef idx="0">
+            <a:schemeClr val="accent1"/>
+          </a:effectRef>
+          <a:fontRef idx="minor">
+            <a:schemeClr val="lt1"/>
+          </a:fontRef>
+        </p:style>
+        <p:txBody>
+          <a:bodyPr rtlCol="0" anchor="ctr"/>
+          <a:lstStyle/>
+          <a:p>
+            <a:pPr algn="ctr"/>
+            <a:r>
+              <a:rPr lang="de-DE" dirty="0">
+                <a:solidFill>
+                  <a:schemeClr val="tx1"/>
+                </a:solidFill>
+              </a:rPr>
+              <a:t>Extrakteur</a:t>
+            </a:r>
+          </a:p>
+        </p:txBody>
+      </p:sp>
+      <p:sp>
+        <p:nvSpPr>
+          <p:cNvPr id="11" name="Abgerundetes Rechteck 10">
+            <a:extLst>
+              <a:ext uri="{FF2B5EF4-FFF2-40B4-BE49-F238E27FC236}">
+                <a16:creationId xmlns:a16="http://schemas.microsoft.com/office/drawing/2014/main" id="{BF525568-FD4C-AE48-AD97-13C41EAE51F5}"/>
+              </a:ext>
+            </a:extLst>
+          </p:cNvPr>
+          <p:cNvSpPr/>
+          <p:nvPr/>
+        </p:nvSpPr>
+        <p:spPr>
+          <a:xfrm>
+            <a:off x="467544" y="1124744"/>
+            <a:ext cx="4824536" cy="4752528"/>
+          </a:xfrm>
+          <a:prstGeom prst="roundRect">
+            <a:avLst/>
+          </a:prstGeom>
+          <a:noFill/>
+        </p:spPr>
+        <p:style>
+          <a:lnRef idx="2">
+            <a:schemeClr val="accent1">
+              <a:shade val="50000"/>
+            </a:schemeClr>
+          </a:lnRef>
+          <a:fillRef idx="1">
+            <a:schemeClr val="accent1"/>
+          </a:fillRef>
+          <a:effectRef idx="0">
+            <a:schemeClr val="accent1"/>
+          </a:effectRef>
+          <a:fontRef idx="minor">
+            <a:schemeClr val="lt1"/>
+          </a:fontRef>
+        </p:style>
+        <p:txBody>
+          <a:bodyPr rtlCol="0" anchor="t" anchorCtr="0"/>
+          <a:lstStyle/>
+          <a:p>
+            <a:pPr algn="ctr"/>
+            <a:endParaRPr lang="de-DE" dirty="0">
+              <a:solidFill>
+                <a:schemeClr val="tx1"/>
+              </a:solidFill>
+            </a:endParaRPr>
+          </a:p>
+        </p:txBody>
+      </p:sp>
+      <p:sp>
+        <p:nvSpPr>
+          <p:cNvPr id="14" name="Abgerundetes Rechteck 13">
+            <a:extLst>
+              <a:ext uri="{FF2B5EF4-FFF2-40B4-BE49-F238E27FC236}">
+                <a16:creationId xmlns:a16="http://schemas.microsoft.com/office/drawing/2014/main" id="{6B6DB4BD-31D3-8F45-B5CE-4DFEA5F13C87}"/>
+              </a:ext>
+            </a:extLst>
+          </p:cNvPr>
+          <p:cNvSpPr/>
+          <p:nvPr/>
+        </p:nvSpPr>
+        <p:spPr>
+          <a:xfrm>
+            <a:off x="6876256" y="1124744"/>
+            <a:ext cx="2186346" cy="4752528"/>
+          </a:xfrm>
+          <a:prstGeom prst="roundRect">
+            <a:avLst/>
+          </a:prstGeom>
+          <a:noFill/>
+          <a:ln>
+            <a:solidFill>
+              <a:schemeClr val="accent3">
+                <a:lumMod val="75000"/>
+              </a:schemeClr>
+            </a:solidFill>
+          </a:ln>
+        </p:spPr>
+        <p:style>
+          <a:lnRef idx="2">
+            <a:schemeClr val="accent1">
+              <a:shade val="50000"/>
+            </a:schemeClr>
+          </a:lnRef>
+          <a:fillRef idx="1">
+            <a:schemeClr val="accent1"/>
+          </a:fillRef>
+          <a:effectRef idx="0">
+            <a:schemeClr val="accent1"/>
+          </a:effectRef>
+          <a:fontRef idx="minor">
+            <a:schemeClr val="lt1"/>
+          </a:fontRef>
+        </p:style>
+        <p:txBody>
+          <a:bodyPr rtlCol="0" anchor="t" anchorCtr="0"/>
+          <a:lstStyle/>
+          <a:p>
+            <a:pPr algn="ctr"/>
+            <a:endParaRPr lang="de-DE" dirty="0">
+              <a:solidFill>
+                <a:schemeClr val="tx1"/>
+              </a:solidFill>
+            </a:endParaRPr>
+          </a:p>
+        </p:txBody>
+      </p:sp>
+      <p:sp>
+        <p:nvSpPr>
+          <p:cNvPr id="15" name="Abgerundetes Rechteck 14">
+            <a:extLst>
+              <a:ext uri="{FF2B5EF4-FFF2-40B4-BE49-F238E27FC236}">
+                <a16:creationId xmlns:a16="http://schemas.microsoft.com/office/drawing/2014/main" id="{DB4DB3BC-AFC6-0344-97B9-8D7FE97831D0}"/>
+              </a:ext>
+            </a:extLst>
+          </p:cNvPr>
+          <p:cNvSpPr/>
+          <p:nvPr/>
+        </p:nvSpPr>
+        <p:spPr>
+          <a:xfrm>
+            <a:off x="7105333" y="2636912"/>
+            <a:ext cx="1728192" cy="1584176"/>
+          </a:xfrm>
+          <a:prstGeom prst="roundRect">
+            <a:avLst/>
+          </a:prstGeom>
+          <a:solidFill>
+            <a:schemeClr val="accent3">
+              <a:lumMod val="60000"/>
+              <a:lumOff val="40000"/>
+            </a:schemeClr>
+          </a:solidFill>
+          <a:ln>
+            <a:noFill/>
+          </a:ln>
+        </p:spPr>
+        <p:style>
+          <a:lnRef idx="2">
+            <a:schemeClr val="accent1">
+              <a:shade val="50000"/>
+            </a:schemeClr>
+          </a:lnRef>
+          <a:fillRef idx="1">
+            <a:schemeClr val="accent1"/>
+          </a:fillRef>
+          <a:effectRef idx="0">
+            <a:schemeClr val="accent1"/>
+          </a:effectRef>
+          <a:fontRef idx="minor">
+            <a:schemeClr val="lt1"/>
+          </a:fontRef>
+        </p:style>
+        <p:txBody>
+          <a:bodyPr rtlCol="0" anchor="ctr"/>
+          <a:lstStyle/>
+          <a:p>
+            <a:pPr algn="ctr"/>
+            <a:r>
+              <a:rPr lang="de-DE" dirty="0">
+                <a:solidFill>
+                  <a:schemeClr val="tx1"/>
+                </a:solidFill>
+              </a:rPr>
+              <a:t>Modifiziertes </a:t>
+            </a:r>
+            <a:r>
+              <a:rPr lang="de-DE" dirty="0" err="1">
+                <a:solidFill>
+                  <a:schemeClr val="tx1"/>
+                </a:solidFill>
+              </a:rPr>
+              <a:t>Netem</a:t>
+            </a:r>
+            <a:endParaRPr lang="de-DE" dirty="0">
+              <a:solidFill>
+                <a:schemeClr val="tx1"/>
+              </a:solidFill>
+            </a:endParaRPr>
+          </a:p>
+        </p:txBody>
+      </p:sp>
+    </p:spTree>
+    <p:extLst>
+      <p:ext uri="{BB962C8B-B14F-4D97-AF65-F5344CB8AC3E}">
+        <p14:creationId xmlns:p14="http://schemas.microsoft.com/office/powerpoint/2010/main" val="4163045905"/>
+      </p:ext>
+    </p:extLst>
+  </p:cSld>
+  <p:clrMapOvr>
+    <a:masterClrMapping/>
+  </p:clrMapOvr>
+</p:sld>
+</file>
+
+<file path=ppt/slides/slide5.xml><?xml version="1.0" encoding="utf-8"?>
+<p:sld xmlns:a="http://schemas.openxmlformats.org/drawingml/2006/main" xmlns:r="http://schemas.openxmlformats.org/officeDocument/2006/relationships" xmlns:p="http://schemas.openxmlformats.org/presentationml/2006/main">
+  <p:cSld>
+    <p:spTree>
+      <p:nvGrpSpPr>
+        <p:cNvPr id="1" name=""/>
+        <p:cNvGrpSpPr/>
+        <p:nvPr/>
+      </p:nvGrpSpPr>
+      <p:grpSpPr>
+        <a:xfrm>
+          <a:off x="0" y="0"/>
+          <a:ext cx="0" cy="0"/>
+          <a:chOff x="0" y="0"/>
+          <a:chExt cx="0" cy="0"/>
+        </a:xfrm>
+      </p:grpSpPr>
+      <p:sp>
+        <p:nvSpPr>
           <p:cNvPr id="2" name="Titel 1">
             <a:extLst>
               <a:ext uri="{FF2B5EF4-FFF2-40B4-BE49-F238E27FC236}">
@@ -8448,124 +9333,6 @@
 </p:sld>
 </file>
 
-<file path=ppt/slides/slide5.xml><?xml version="1.0" encoding="utf-8"?>
-<p:sld xmlns:a="http://schemas.openxmlformats.org/drawingml/2006/main" xmlns:r="http://schemas.openxmlformats.org/officeDocument/2006/relationships" xmlns:p="http://schemas.openxmlformats.org/presentationml/2006/main">
-  <p:cSld>
-    <p:spTree>
-      <p:nvGrpSpPr>
-        <p:cNvPr id="1" name=""/>
-        <p:cNvGrpSpPr/>
-        <p:nvPr/>
-      </p:nvGrpSpPr>
-      <p:grpSpPr>
-        <a:xfrm>
-          <a:off x="0" y="0"/>
-          <a:ext cx="0" cy="0"/>
-          <a:chOff x="0" y="0"/>
-          <a:chExt cx="0" cy="0"/>
-        </a:xfrm>
-      </p:grpSpPr>
-      <p:sp>
-        <p:nvSpPr>
-          <p:cNvPr id="2" name="Inhaltsplatzhalter 1">
-            <a:extLst>
-              <a:ext uri="{FF2B5EF4-FFF2-40B4-BE49-F238E27FC236}">
-                <a16:creationId xmlns:a16="http://schemas.microsoft.com/office/drawing/2014/main" id="{332A609A-085D-4532-8AA5-40765BB0C502}"/>
-              </a:ext>
-            </a:extLst>
-          </p:cNvPr>
-          <p:cNvSpPr>
-            <a:spLocks noGrp="1"/>
-          </p:cNvSpPr>
-          <p:nvPr>
-            <p:ph sz="quarter" idx="13"/>
-          </p:nvPr>
-        </p:nvSpPr>
-        <p:spPr/>
-        <p:txBody>
-          <a:bodyPr>
-            <a:normAutofit/>
-          </a:bodyPr>
-          <a:lstStyle/>
-          <a:p>
-            <a:pPr algn="ctr"/>
-            <a:r>
-              <a:rPr lang="de-DE" sz="4400" dirty="0"/>
-              <a:t>PAP/UML irgendwas zum Überblick geben</a:t>
-            </a:r>
-          </a:p>
-        </p:txBody>
-      </p:sp>
-      <p:sp>
-        <p:nvSpPr>
-          <p:cNvPr id="4" name="Titel 3">
-            <a:extLst>
-              <a:ext uri="{FF2B5EF4-FFF2-40B4-BE49-F238E27FC236}">
-                <a16:creationId xmlns:a16="http://schemas.microsoft.com/office/drawing/2014/main" id="{BBAD2FDD-AB6A-4A42-8453-B19CE24AC7FD}"/>
-              </a:ext>
-            </a:extLst>
-          </p:cNvPr>
-          <p:cNvSpPr>
-            <a:spLocks noGrp="1"/>
-          </p:cNvSpPr>
-          <p:nvPr>
-            <p:ph type="title"/>
-          </p:nvPr>
-        </p:nvSpPr>
-        <p:spPr/>
-        <p:txBody>
-          <a:bodyPr/>
-          <a:lstStyle/>
-          <a:p>
-            <a:r>
-              <a:rPr lang="de-DE" dirty="0" err="1"/>
-              <a:t>Tracegenerator</a:t>
-            </a:r>
-            <a:r>
-              <a:rPr lang="de-DE" dirty="0"/>
-              <a:t> – Der Aufbau</a:t>
-            </a:r>
-          </a:p>
-        </p:txBody>
-      </p:sp>
-      <p:sp>
-        <p:nvSpPr>
-          <p:cNvPr id="6" name="Textplatzhalter 5">
-            <a:extLst>
-              <a:ext uri="{FF2B5EF4-FFF2-40B4-BE49-F238E27FC236}">
-                <a16:creationId xmlns:a16="http://schemas.microsoft.com/office/drawing/2014/main" id="{B06D0D46-67E1-481C-9B44-29337C626A64}"/>
-              </a:ext>
-            </a:extLst>
-          </p:cNvPr>
-          <p:cNvSpPr>
-            <a:spLocks noGrp="1"/>
-          </p:cNvSpPr>
-          <p:nvPr>
-            <p:ph type="body" sz="quarter" idx="16"/>
-          </p:nvPr>
-        </p:nvSpPr>
-        <p:spPr/>
-        <p:txBody>
-          <a:bodyPr/>
-          <a:lstStyle/>
-          <a:p>
-            <a:endParaRPr lang="de-DE" dirty="0"/>
-          </a:p>
-        </p:txBody>
-      </p:sp>
-    </p:spTree>
-    <p:extLst>
-      <p:ext uri="{BB962C8B-B14F-4D97-AF65-F5344CB8AC3E}">
-        <p14:creationId xmlns:p14="http://schemas.microsoft.com/office/powerpoint/2010/main" val="1663749880"/>
-      </p:ext>
-    </p:extLst>
-  </p:cSld>
-  <p:clrMapOvr>
-    <a:masterClrMapping/>
-  </p:clrMapOvr>
-</p:sld>
-</file>
-
 <file path=ppt/slides/slide6.xml><?xml version="1.0" encoding="utf-8"?>
 <p:sld xmlns:a="http://schemas.openxmlformats.org/drawingml/2006/main" xmlns:r="http://schemas.openxmlformats.org/officeDocument/2006/relationships" xmlns:p="http://schemas.openxmlformats.org/presentationml/2006/main">
   <p:cSld>
@@ -8585,6 +9352,124 @@
       </p:grpSpPr>
       <p:sp>
         <p:nvSpPr>
+          <p:cNvPr id="2" name="Inhaltsplatzhalter 1">
+            <a:extLst>
+              <a:ext uri="{FF2B5EF4-FFF2-40B4-BE49-F238E27FC236}">
+                <a16:creationId xmlns:a16="http://schemas.microsoft.com/office/drawing/2014/main" id="{332A609A-085D-4532-8AA5-40765BB0C502}"/>
+              </a:ext>
+            </a:extLst>
+          </p:cNvPr>
+          <p:cNvSpPr>
+            <a:spLocks noGrp="1"/>
+          </p:cNvSpPr>
+          <p:nvPr>
+            <p:ph sz="quarter" idx="13"/>
+          </p:nvPr>
+        </p:nvSpPr>
+        <p:spPr/>
+        <p:txBody>
+          <a:bodyPr>
+            <a:normAutofit/>
+          </a:bodyPr>
+          <a:lstStyle/>
+          <a:p>
+            <a:pPr algn="ctr"/>
+            <a:r>
+              <a:rPr lang="de-DE" sz="4400" dirty="0"/>
+              <a:t>PAP/UML irgendwas zum Überblick geben</a:t>
+            </a:r>
+          </a:p>
+        </p:txBody>
+      </p:sp>
+      <p:sp>
+        <p:nvSpPr>
+          <p:cNvPr id="4" name="Titel 3">
+            <a:extLst>
+              <a:ext uri="{FF2B5EF4-FFF2-40B4-BE49-F238E27FC236}">
+                <a16:creationId xmlns:a16="http://schemas.microsoft.com/office/drawing/2014/main" id="{BBAD2FDD-AB6A-4A42-8453-B19CE24AC7FD}"/>
+              </a:ext>
+            </a:extLst>
+          </p:cNvPr>
+          <p:cNvSpPr>
+            <a:spLocks noGrp="1"/>
+          </p:cNvSpPr>
+          <p:nvPr>
+            <p:ph type="title"/>
+          </p:nvPr>
+        </p:nvSpPr>
+        <p:spPr/>
+        <p:txBody>
+          <a:bodyPr/>
+          <a:lstStyle/>
+          <a:p>
+            <a:r>
+              <a:rPr lang="de-DE" dirty="0" err="1"/>
+              <a:t>Tracegenerator</a:t>
+            </a:r>
+            <a:r>
+              <a:rPr lang="de-DE" dirty="0"/>
+              <a:t> – Der Aufbau</a:t>
+            </a:r>
+          </a:p>
+        </p:txBody>
+      </p:sp>
+      <p:sp>
+        <p:nvSpPr>
+          <p:cNvPr id="6" name="Textplatzhalter 5">
+            <a:extLst>
+              <a:ext uri="{FF2B5EF4-FFF2-40B4-BE49-F238E27FC236}">
+                <a16:creationId xmlns:a16="http://schemas.microsoft.com/office/drawing/2014/main" id="{B06D0D46-67E1-481C-9B44-29337C626A64}"/>
+              </a:ext>
+            </a:extLst>
+          </p:cNvPr>
+          <p:cNvSpPr>
+            <a:spLocks noGrp="1"/>
+          </p:cNvSpPr>
+          <p:nvPr>
+            <p:ph type="body" sz="quarter" idx="16"/>
+          </p:nvPr>
+        </p:nvSpPr>
+        <p:spPr/>
+        <p:txBody>
+          <a:bodyPr/>
+          <a:lstStyle/>
+          <a:p>
+            <a:endParaRPr lang="de-DE" dirty="0"/>
+          </a:p>
+        </p:txBody>
+      </p:sp>
+    </p:spTree>
+    <p:extLst>
+      <p:ext uri="{BB962C8B-B14F-4D97-AF65-F5344CB8AC3E}">
+        <p14:creationId xmlns:p14="http://schemas.microsoft.com/office/powerpoint/2010/main" val="1663749880"/>
+      </p:ext>
+    </p:extLst>
+  </p:cSld>
+  <p:clrMapOvr>
+    <a:masterClrMapping/>
+  </p:clrMapOvr>
+</p:sld>
+</file>
+
+<file path=ppt/slides/slide7.xml><?xml version="1.0" encoding="utf-8"?>
+<p:sld xmlns:a="http://schemas.openxmlformats.org/drawingml/2006/main" xmlns:r="http://schemas.openxmlformats.org/officeDocument/2006/relationships" xmlns:p="http://schemas.openxmlformats.org/presentationml/2006/main">
+  <p:cSld>
+    <p:spTree>
+      <p:nvGrpSpPr>
+        <p:cNvPr id="1" name=""/>
+        <p:cNvGrpSpPr/>
+        <p:nvPr/>
+      </p:nvGrpSpPr>
+      <p:grpSpPr>
+        <a:xfrm>
+          <a:off x="0" y="0"/>
+          <a:ext cx="0" cy="0"/>
+          <a:chOff x="0" y="0"/>
+          <a:chExt cx="0" cy="0"/>
+        </a:xfrm>
+      </p:grpSpPr>
+      <p:sp>
+        <p:nvSpPr>
           <p:cNvPr id="3" name="Inhaltsplatzhalter 2">
             <a:extLst>
               <a:ext uri="{FF2B5EF4-FFF2-40B4-BE49-F238E27FC236}">
@@ -8601,13 +9486,58 @@
         </p:nvSpPr>
         <p:spPr>
           <a:xfrm>
-            <a:off x="378000" y="1548000"/>
-            <a:ext cx="8353425" cy="4319587"/>
+            <a:off x="378000" y="3504844"/>
+            <a:ext cx="8353425" cy="2362743"/>
           </a:xfrm>
         </p:spPr>
         <p:txBody>
           <a:bodyPr/>
           <a:lstStyle/>
+          <a:p>
+            <a:pPr marL="0" indent="0">
+              <a:buNone/>
+            </a:pPr>
+            <a:endParaRPr lang="de-DE" dirty="0"/>
+          </a:p>
+          <a:p>
+            <a:pPr marL="0" indent="0">
+              <a:buNone/>
+            </a:pPr>
+            <a:r>
+              <a:rPr lang="de-DE" dirty="0"/>
+              <a:t>Validierungstool</a:t>
+            </a:r>
+          </a:p>
+          <a:p>
+            <a:pPr marL="0" indent="0">
+              <a:buNone/>
+            </a:pPr>
+            <a:r>
+              <a:rPr lang="de-DE" dirty="0"/>
+              <a:t>0000001111100000001111111</a:t>
+            </a:r>
+          </a:p>
+          <a:p>
+            <a:pPr marL="0" indent="0">
+              <a:buNone/>
+            </a:pPr>
+            <a:endParaRPr lang="de-DE" sz="100" dirty="0"/>
+          </a:p>
+          <a:p>
+            <a:pPr marL="0" indent="0">
+              <a:buNone/>
+            </a:pPr>
+            <a:r>
+              <a:rPr lang="de-DE" dirty="0"/>
+              <a:t>   -6        5        -7          7</a:t>
+            </a:r>
+          </a:p>
+          <a:p>
+            <a:pPr marL="0" indent="0">
+              <a:buNone/>
+            </a:pPr>
+            <a:endParaRPr lang="de-DE" dirty="0"/>
+          </a:p>
           <a:p>
             <a:pPr marL="0" indent="0">
               <a:buNone/>
@@ -8666,12 +9596,665 @@
           </a:p>
         </p:txBody>
       </p:sp>
-      <p:sp>
-        <p:nvSpPr>
-          <p:cNvPr id="6" name="Rechteck 5">
+      <p:grpSp>
+        <p:nvGrpSpPr>
+          <p:cNvPr id="30" name="Gruppieren 29">
             <a:extLst>
               <a:ext uri="{FF2B5EF4-FFF2-40B4-BE49-F238E27FC236}">
-                <a16:creationId xmlns:a16="http://schemas.microsoft.com/office/drawing/2014/main" id="{AAD5A990-427D-4504-BEEF-41CBA2A0D005}"/>
+                <a16:creationId xmlns:a16="http://schemas.microsoft.com/office/drawing/2014/main" id="{E5547A03-AAE5-0F47-AF17-25FE373DC2BF}"/>
+              </a:ext>
+            </a:extLst>
+          </p:cNvPr>
+          <p:cNvGrpSpPr/>
+          <p:nvPr/>
+        </p:nvGrpSpPr>
+        <p:grpSpPr>
+          <a:xfrm>
+            <a:off x="107504" y="1556792"/>
+            <a:ext cx="8856984" cy="1948052"/>
+            <a:chOff x="107504" y="2888939"/>
+            <a:chExt cx="8856984" cy="1948052"/>
+          </a:xfrm>
+        </p:grpSpPr>
+        <p:sp>
+          <p:nvSpPr>
+            <p:cNvPr id="6" name="Rechteck 5">
+              <a:extLst>
+                <a:ext uri="{FF2B5EF4-FFF2-40B4-BE49-F238E27FC236}">
+                  <a16:creationId xmlns:a16="http://schemas.microsoft.com/office/drawing/2014/main" id="{AAD5A990-427D-4504-BEEF-41CBA2A0D005}"/>
+                </a:ext>
+              </a:extLst>
+            </p:cNvPr>
+            <p:cNvSpPr/>
+            <p:nvPr/>
+          </p:nvSpPr>
+          <p:spPr>
+            <a:xfrm>
+              <a:off x="107504" y="2888939"/>
+              <a:ext cx="1944216" cy="792088"/>
+            </a:xfrm>
+            <a:prstGeom prst="rect">
+              <a:avLst/>
+            </a:prstGeom>
+            <a:ln>
+              <a:noFill/>
+            </a:ln>
+          </p:spPr>
+          <p:style>
+            <a:lnRef idx="2">
+              <a:schemeClr val="accent1">
+                <a:shade val="50000"/>
+              </a:schemeClr>
+            </a:lnRef>
+            <a:fillRef idx="1">
+              <a:schemeClr val="accent1"/>
+            </a:fillRef>
+            <a:effectRef idx="0">
+              <a:schemeClr val="accent1"/>
+            </a:effectRef>
+            <a:fontRef idx="minor">
+              <a:schemeClr val="lt1"/>
+            </a:fontRef>
+          </p:style>
+          <p:txBody>
+            <a:bodyPr rtlCol="0" anchor="ctr"/>
+            <a:lstStyle/>
+            <a:p>
+              <a:pPr algn="ctr"/>
+              <a:r>
+                <a:rPr lang="de-DE" dirty="0" err="1"/>
+                <a:t>Netem</a:t>
+              </a:r>
+              <a:r>
+                <a:rPr lang="de-DE" dirty="0"/>
+                <a:t> Modell-parametrisierung</a:t>
+              </a:r>
+            </a:p>
+          </p:txBody>
+        </p:sp>
+        <p:sp>
+          <p:nvSpPr>
+            <p:cNvPr id="9" name="Rechteck 8">
+              <a:extLst>
+                <a:ext uri="{FF2B5EF4-FFF2-40B4-BE49-F238E27FC236}">
+                  <a16:creationId xmlns:a16="http://schemas.microsoft.com/office/drawing/2014/main" id="{FB87D958-A1E4-49A6-97D9-AA4DE9550B37}"/>
+                </a:ext>
+              </a:extLst>
+            </p:cNvPr>
+            <p:cNvSpPr/>
+            <p:nvPr/>
+          </p:nvSpPr>
+          <p:spPr>
+            <a:xfrm>
+              <a:off x="2411760" y="2888939"/>
+              <a:ext cx="1944216" cy="792088"/>
+            </a:xfrm>
+            <a:prstGeom prst="rect">
+              <a:avLst/>
+            </a:prstGeom>
+            <a:ln>
+              <a:noFill/>
+            </a:ln>
+          </p:spPr>
+          <p:style>
+            <a:lnRef idx="2">
+              <a:schemeClr val="accent1">
+                <a:shade val="50000"/>
+              </a:schemeClr>
+            </a:lnRef>
+            <a:fillRef idx="1">
+              <a:schemeClr val="accent1"/>
+            </a:fillRef>
+            <a:effectRef idx="0">
+              <a:schemeClr val="accent1"/>
+            </a:effectRef>
+            <a:fontRef idx="minor">
+              <a:schemeClr val="lt1"/>
+            </a:fontRef>
+          </p:style>
+          <p:txBody>
+            <a:bodyPr rtlCol="0" anchor="ctr"/>
+            <a:lstStyle/>
+            <a:p>
+              <a:pPr algn="ctr"/>
+              <a:r>
+                <a:rPr lang="de-DE" dirty="0"/>
+                <a:t>Lokaler Ping mit 200000 Paketen</a:t>
+              </a:r>
+            </a:p>
+          </p:txBody>
+        </p:sp>
+        <p:sp>
+          <p:nvSpPr>
+            <p:cNvPr id="10" name="Rechteck 9">
+              <a:extLst>
+                <a:ext uri="{FF2B5EF4-FFF2-40B4-BE49-F238E27FC236}">
+                  <a16:creationId xmlns:a16="http://schemas.microsoft.com/office/drawing/2014/main" id="{FB276C29-DF37-40D3-8388-A7ACC13600F1}"/>
+                </a:ext>
+              </a:extLst>
+            </p:cNvPr>
+            <p:cNvSpPr/>
+            <p:nvPr/>
+          </p:nvSpPr>
+          <p:spPr>
+            <a:xfrm>
+              <a:off x="4716016" y="2895189"/>
+              <a:ext cx="1944216" cy="792088"/>
+            </a:xfrm>
+            <a:prstGeom prst="rect">
+              <a:avLst/>
+            </a:prstGeom>
+            <a:ln>
+              <a:noFill/>
+            </a:ln>
+          </p:spPr>
+          <p:style>
+            <a:lnRef idx="2">
+              <a:schemeClr val="accent1">
+                <a:shade val="50000"/>
+              </a:schemeClr>
+            </a:lnRef>
+            <a:fillRef idx="1">
+              <a:schemeClr val="accent1"/>
+            </a:fillRef>
+            <a:effectRef idx="0">
+              <a:schemeClr val="accent1"/>
+            </a:effectRef>
+            <a:fontRef idx="minor">
+              <a:schemeClr val="lt1"/>
+            </a:fontRef>
+          </p:style>
+          <p:txBody>
+            <a:bodyPr rtlCol="0" anchor="ctr"/>
+            <a:lstStyle/>
+            <a:p>
+              <a:pPr algn="ctr"/>
+              <a:r>
+                <a:rPr lang="de-DE" dirty="0"/>
+                <a:t>Ausgabe loggen und parsen</a:t>
+              </a:r>
+            </a:p>
+          </p:txBody>
+        </p:sp>
+        <p:sp>
+          <p:nvSpPr>
+            <p:cNvPr id="11" name="Rechteck 10">
+              <a:extLst>
+                <a:ext uri="{FF2B5EF4-FFF2-40B4-BE49-F238E27FC236}">
+                  <a16:creationId xmlns:a16="http://schemas.microsoft.com/office/drawing/2014/main" id="{23E800F7-4FAD-4507-9EF3-37D376AE3C43}"/>
+                </a:ext>
+              </a:extLst>
+            </p:cNvPr>
+            <p:cNvSpPr/>
+            <p:nvPr/>
+          </p:nvSpPr>
+          <p:spPr>
+            <a:xfrm>
+              <a:off x="107504" y="4041068"/>
+              <a:ext cx="1944216" cy="792088"/>
+            </a:xfrm>
+            <a:prstGeom prst="rect">
+              <a:avLst/>
+            </a:prstGeom>
+            <a:ln>
+              <a:noFill/>
+            </a:ln>
+          </p:spPr>
+          <p:style>
+            <a:lnRef idx="2">
+              <a:schemeClr val="accent1">
+                <a:shade val="50000"/>
+              </a:schemeClr>
+            </a:lnRef>
+            <a:fillRef idx="1">
+              <a:schemeClr val="accent1"/>
+            </a:fillRef>
+            <a:effectRef idx="0">
+              <a:schemeClr val="accent1"/>
+            </a:effectRef>
+            <a:fontRef idx="minor">
+              <a:schemeClr val="lt1"/>
+            </a:fontRef>
+          </p:style>
+          <p:txBody>
+            <a:bodyPr rtlCol="0" anchor="ctr"/>
+            <a:lstStyle/>
+            <a:p>
+              <a:pPr algn="ctr"/>
+              <a:r>
+                <a:rPr lang="de-DE" dirty="0"/>
+                <a:t>Generator </a:t>
+              </a:r>
+              <a:r>
+                <a:rPr lang="de-DE" dirty="0" err="1"/>
+                <a:t>parametrisierung</a:t>
+              </a:r>
+              <a:endParaRPr lang="de-DE" dirty="0"/>
+            </a:p>
+          </p:txBody>
+        </p:sp>
+        <p:sp>
+          <p:nvSpPr>
+            <p:cNvPr id="12" name="Rechteck 11">
+              <a:extLst>
+                <a:ext uri="{FF2B5EF4-FFF2-40B4-BE49-F238E27FC236}">
+                  <a16:creationId xmlns:a16="http://schemas.microsoft.com/office/drawing/2014/main" id="{0FCF6306-A8E8-43BC-B850-A078E3A4975B}"/>
+                </a:ext>
+              </a:extLst>
+            </p:cNvPr>
+            <p:cNvSpPr/>
+            <p:nvPr/>
+          </p:nvSpPr>
+          <p:spPr>
+            <a:xfrm>
+              <a:off x="2411760" y="4041068"/>
+              <a:ext cx="1944216" cy="792088"/>
+            </a:xfrm>
+            <a:prstGeom prst="rect">
+              <a:avLst/>
+            </a:prstGeom>
+            <a:ln>
+              <a:noFill/>
+            </a:ln>
+          </p:spPr>
+          <p:style>
+            <a:lnRef idx="2">
+              <a:schemeClr val="accent1">
+                <a:shade val="50000"/>
+              </a:schemeClr>
+            </a:lnRef>
+            <a:fillRef idx="1">
+              <a:schemeClr val="accent1"/>
+            </a:fillRef>
+            <a:effectRef idx="0">
+              <a:schemeClr val="accent1"/>
+            </a:effectRef>
+            <a:fontRef idx="minor">
+              <a:schemeClr val="lt1"/>
+            </a:fontRef>
+          </p:style>
+          <p:txBody>
+            <a:bodyPr rtlCol="0" anchor="ctr"/>
+            <a:lstStyle/>
+            <a:p>
+              <a:pPr algn="ctr"/>
+              <a:r>
+                <a:rPr lang="de-DE" dirty="0"/>
+                <a:t>Trace generieren</a:t>
+              </a:r>
+            </a:p>
+          </p:txBody>
+        </p:sp>
+        <p:cxnSp>
+          <p:nvCxnSpPr>
+            <p:cNvPr id="14" name="Gerade Verbindung mit Pfeil 13">
+              <a:extLst>
+                <a:ext uri="{FF2B5EF4-FFF2-40B4-BE49-F238E27FC236}">
+                  <a16:creationId xmlns:a16="http://schemas.microsoft.com/office/drawing/2014/main" id="{731D7DEF-4C07-47C5-8FED-3218E3B179D6}"/>
+                </a:ext>
+              </a:extLst>
+            </p:cNvPr>
+            <p:cNvCxnSpPr>
+              <a:cxnSpLocks/>
+              <a:stCxn id="6" idx="3"/>
+              <a:endCxn id="9" idx="1"/>
+            </p:cNvCxnSpPr>
+            <p:nvPr/>
+          </p:nvCxnSpPr>
+          <p:spPr>
+            <a:xfrm>
+              <a:off x="2051720" y="3284983"/>
+              <a:ext cx="360040" cy="0"/>
+            </a:xfrm>
+            <a:prstGeom prst="straightConnector1">
+              <a:avLst/>
+            </a:prstGeom>
+            <a:ln w="25400">
+              <a:tailEnd type="triangle"/>
+            </a:ln>
+          </p:spPr>
+          <p:style>
+            <a:lnRef idx="1">
+              <a:schemeClr val="accent1"/>
+            </a:lnRef>
+            <a:fillRef idx="0">
+              <a:schemeClr val="accent1"/>
+            </a:fillRef>
+            <a:effectRef idx="0">
+              <a:schemeClr val="accent1"/>
+            </a:effectRef>
+            <a:fontRef idx="minor">
+              <a:schemeClr val="tx1"/>
+            </a:fontRef>
+          </p:style>
+        </p:cxnSp>
+        <p:cxnSp>
+          <p:nvCxnSpPr>
+            <p:cNvPr id="16" name="Gerade Verbindung mit Pfeil 15">
+              <a:extLst>
+                <a:ext uri="{FF2B5EF4-FFF2-40B4-BE49-F238E27FC236}">
+                  <a16:creationId xmlns:a16="http://schemas.microsoft.com/office/drawing/2014/main" id="{8FF5869B-3223-4CAB-BC6D-4211ED90250F}"/>
+                </a:ext>
+              </a:extLst>
+            </p:cNvPr>
+            <p:cNvCxnSpPr>
+              <a:stCxn id="9" idx="3"/>
+              <a:endCxn id="10" idx="1"/>
+            </p:cNvCxnSpPr>
+            <p:nvPr/>
+          </p:nvCxnSpPr>
+          <p:spPr>
+            <a:xfrm>
+              <a:off x="4355976" y="3284983"/>
+              <a:ext cx="360040" cy="6250"/>
+            </a:xfrm>
+            <a:prstGeom prst="straightConnector1">
+              <a:avLst/>
+            </a:prstGeom>
+            <a:ln w="25400">
+              <a:tailEnd type="triangle"/>
+            </a:ln>
+          </p:spPr>
+          <p:style>
+            <a:lnRef idx="1">
+              <a:schemeClr val="accent1"/>
+            </a:lnRef>
+            <a:fillRef idx="0">
+              <a:schemeClr val="accent1"/>
+            </a:fillRef>
+            <a:effectRef idx="0">
+              <a:schemeClr val="accent1"/>
+            </a:effectRef>
+            <a:fontRef idx="minor">
+              <a:schemeClr val="tx1"/>
+            </a:fontRef>
+          </p:style>
+        </p:cxnSp>
+        <p:cxnSp>
+          <p:nvCxnSpPr>
+            <p:cNvPr id="18" name="Gerade Verbindung mit Pfeil 17">
+              <a:extLst>
+                <a:ext uri="{FF2B5EF4-FFF2-40B4-BE49-F238E27FC236}">
+                  <a16:creationId xmlns:a16="http://schemas.microsoft.com/office/drawing/2014/main" id="{880D10A3-A786-4E1D-AC92-5B457DE8A9D7}"/>
+                </a:ext>
+              </a:extLst>
+            </p:cNvPr>
+            <p:cNvCxnSpPr>
+              <a:stCxn id="11" idx="3"/>
+              <a:endCxn id="12" idx="1"/>
+            </p:cNvCxnSpPr>
+            <p:nvPr/>
+          </p:nvCxnSpPr>
+          <p:spPr>
+            <a:xfrm>
+              <a:off x="2051720" y="4437112"/>
+              <a:ext cx="360040" cy="0"/>
+            </a:xfrm>
+            <a:prstGeom prst="straightConnector1">
+              <a:avLst/>
+            </a:prstGeom>
+            <a:ln w="25400">
+              <a:tailEnd type="triangle"/>
+            </a:ln>
+          </p:spPr>
+          <p:style>
+            <a:lnRef idx="1">
+              <a:schemeClr val="accent1"/>
+            </a:lnRef>
+            <a:fillRef idx="0">
+              <a:schemeClr val="accent1"/>
+            </a:fillRef>
+            <a:effectRef idx="0">
+              <a:schemeClr val="accent1"/>
+            </a:effectRef>
+            <a:fontRef idx="minor">
+              <a:schemeClr val="tx1"/>
+            </a:fontRef>
+          </p:style>
+        </p:cxnSp>
+        <p:sp>
+          <p:nvSpPr>
+            <p:cNvPr id="19" name="Rechteck 18">
+              <a:extLst>
+                <a:ext uri="{FF2B5EF4-FFF2-40B4-BE49-F238E27FC236}">
+                  <a16:creationId xmlns:a16="http://schemas.microsoft.com/office/drawing/2014/main" id="{C66C4AE3-0C7A-4031-A9AC-FB73C53BFDD4}"/>
+                </a:ext>
+              </a:extLst>
+            </p:cNvPr>
+            <p:cNvSpPr/>
+            <p:nvPr/>
+          </p:nvSpPr>
+          <p:spPr>
+            <a:xfrm>
+              <a:off x="4716016" y="4044903"/>
+              <a:ext cx="1944216" cy="792088"/>
+            </a:xfrm>
+            <a:prstGeom prst="rect">
+              <a:avLst/>
+            </a:prstGeom>
+            <a:ln>
+              <a:noFill/>
+            </a:ln>
+          </p:spPr>
+          <p:style>
+            <a:lnRef idx="2">
+              <a:schemeClr val="accent1">
+                <a:shade val="50000"/>
+              </a:schemeClr>
+            </a:lnRef>
+            <a:fillRef idx="1">
+              <a:schemeClr val="accent1"/>
+            </a:fillRef>
+            <a:effectRef idx="0">
+              <a:schemeClr val="accent1"/>
+            </a:effectRef>
+            <a:fontRef idx="minor">
+              <a:schemeClr val="lt1"/>
+            </a:fontRef>
+          </p:style>
+          <p:txBody>
+            <a:bodyPr rtlCol="0" anchor="ctr"/>
+            <a:lstStyle/>
+            <a:p>
+              <a:pPr algn="ctr"/>
+              <a:r>
+                <a:rPr lang="de-DE" dirty="0"/>
+                <a:t>Parse mit </a:t>
+              </a:r>
+              <a:r>
+                <a:rPr lang="de-DE" dirty="0" err="1"/>
+                <a:t>Validationtool</a:t>
+              </a:r>
+              <a:endParaRPr lang="de-DE" dirty="0"/>
+            </a:p>
+          </p:txBody>
+        </p:sp>
+        <p:cxnSp>
+          <p:nvCxnSpPr>
+            <p:cNvPr id="21" name="Gerade Verbindung mit Pfeil 20">
+              <a:extLst>
+                <a:ext uri="{FF2B5EF4-FFF2-40B4-BE49-F238E27FC236}">
+                  <a16:creationId xmlns:a16="http://schemas.microsoft.com/office/drawing/2014/main" id="{9BFE06F3-A17D-4C3D-82C9-DD5671608A58}"/>
+                </a:ext>
+              </a:extLst>
+            </p:cNvPr>
+            <p:cNvCxnSpPr>
+              <a:stCxn id="10" idx="2"/>
+              <a:endCxn id="19" idx="0"/>
+            </p:cNvCxnSpPr>
+            <p:nvPr/>
+          </p:nvCxnSpPr>
+          <p:spPr>
+            <a:xfrm>
+              <a:off x="5688124" y="3687277"/>
+              <a:ext cx="0" cy="357626"/>
+            </a:xfrm>
+            <a:prstGeom prst="straightConnector1">
+              <a:avLst/>
+            </a:prstGeom>
+            <a:ln w="25400">
+              <a:tailEnd type="triangle"/>
+            </a:ln>
+          </p:spPr>
+          <p:style>
+            <a:lnRef idx="1">
+              <a:schemeClr val="accent1"/>
+            </a:lnRef>
+            <a:fillRef idx="0">
+              <a:schemeClr val="accent1"/>
+            </a:fillRef>
+            <a:effectRef idx="0">
+              <a:schemeClr val="accent1"/>
+            </a:effectRef>
+            <a:fontRef idx="minor">
+              <a:schemeClr val="tx1"/>
+            </a:fontRef>
+          </p:style>
+        </p:cxnSp>
+        <p:cxnSp>
+          <p:nvCxnSpPr>
+            <p:cNvPr id="23" name="Gerade Verbindung mit Pfeil 22">
+              <a:extLst>
+                <a:ext uri="{FF2B5EF4-FFF2-40B4-BE49-F238E27FC236}">
+                  <a16:creationId xmlns:a16="http://schemas.microsoft.com/office/drawing/2014/main" id="{400E31F3-1A24-4F52-A449-AB24561768FA}"/>
+                </a:ext>
+              </a:extLst>
+            </p:cNvPr>
+            <p:cNvCxnSpPr>
+              <a:stCxn id="12" idx="3"/>
+              <a:endCxn id="19" idx="1"/>
+            </p:cNvCxnSpPr>
+            <p:nvPr/>
+          </p:nvCxnSpPr>
+          <p:spPr>
+            <a:xfrm>
+              <a:off x="4355976" y="4437112"/>
+              <a:ext cx="360040" cy="3835"/>
+            </a:xfrm>
+            <a:prstGeom prst="straightConnector1">
+              <a:avLst/>
+            </a:prstGeom>
+            <a:ln w="25400">
+              <a:tailEnd type="triangle"/>
+            </a:ln>
+          </p:spPr>
+          <p:style>
+            <a:lnRef idx="1">
+              <a:schemeClr val="accent1"/>
+            </a:lnRef>
+            <a:fillRef idx="0">
+              <a:schemeClr val="accent1"/>
+            </a:fillRef>
+            <a:effectRef idx="0">
+              <a:schemeClr val="accent1"/>
+            </a:effectRef>
+            <a:fontRef idx="minor">
+              <a:schemeClr val="tx1"/>
+            </a:fontRef>
+          </p:style>
+        </p:cxnSp>
+        <p:sp>
+          <p:nvSpPr>
+            <p:cNvPr id="24" name="Rechteck 23">
+              <a:extLst>
+                <a:ext uri="{FF2B5EF4-FFF2-40B4-BE49-F238E27FC236}">
+                  <a16:creationId xmlns:a16="http://schemas.microsoft.com/office/drawing/2014/main" id="{801F9D84-7598-4B94-80DA-E06D447A9562}"/>
+                </a:ext>
+              </a:extLst>
+            </p:cNvPr>
+            <p:cNvSpPr/>
+            <p:nvPr/>
+          </p:nvSpPr>
+          <p:spPr>
+            <a:xfrm>
+              <a:off x="7020272" y="4041068"/>
+              <a:ext cx="1944216" cy="792088"/>
+            </a:xfrm>
+            <a:prstGeom prst="rect">
+              <a:avLst/>
+            </a:prstGeom>
+            <a:ln>
+              <a:noFill/>
+            </a:ln>
+          </p:spPr>
+          <p:style>
+            <a:lnRef idx="2">
+              <a:schemeClr val="accent1">
+                <a:shade val="50000"/>
+              </a:schemeClr>
+            </a:lnRef>
+            <a:fillRef idx="1">
+              <a:schemeClr val="accent1"/>
+            </a:fillRef>
+            <a:effectRef idx="0">
+              <a:schemeClr val="accent1"/>
+            </a:effectRef>
+            <a:fontRef idx="minor">
+              <a:schemeClr val="lt1"/>
+            </a:fontRef>
+          </p:style>
+          <p:txBody>
+            <a:bodyPr rtlCol="0" anchor="ctr"/>
+            <a:lstStyle/>
+            <a:p>
+              <a:pPr algn="ctr"/>
+              <a:r>
+                <a:rPr lang="de-DE" dirty="0"/>
+                <a:t>Kolmogorov-Smirnov Test</a:t>
+              </a:r>
+            </a:p>
+          </p:txBody>
+        </p:sp>
+        <p:cxnSp>
+          <p:nvCxnSpPr>
+            <p:cNvPr id="26" name="Gerade Verbindung mit Pfeil 25">
+              <a:extLst>
+                <a:ext uri="{FF2B5EF4-FFF2-40B4-BE49-F238E27FC236}">
+                  <a16:creationId xmlns:a16="http://schemas.microsoft.com/office/drawing/2014/main" id="{738E34D9-E6F5-4739-AC86-1866A5FF4AAA}"/>
+                </a:ext>
+              </a:extLst>
+            </p:cNvPr>
+            <p:cNvCxnSpPr>
+              <a:cxnSpLocks/>
+              <a:stCxn id="19" idx="3"/>
+              <a:endCxn id="24" idx="1"/>
+            </p:cNvCxnSpPr>
+            <p:nvPr/>
+          </p:nvCxnSpPr>
+          <p:spPr>
+            <a:xfrm flipV="1">
+              <a:off x="6660232" y="4437112"/>
+              <a:ext cx="360040" cy="3835"/>
+            </a:xfrm>
+            <a:prstGeom prst="straightConnector1">
+              <a:avLst/>
+            </a:prstGeom>
+            <a:ln w="25400">
+              <a:tailEnd type="triangle"/>
+            </a:ln>
+          </p:spPr>
+          <p:style>
+            <a:lnRef idx="1">
+              <a:schemeClr val="accent1"/>
+            </a:lnRef>
+            <a:fillRef idx="0">
+              <a:schemeClr val="accent1"/>
+            </a:fillRef>
+            <a:effectRef idx="0">
+              <a:schemeClr val="accent1"/>
+            </a:effectRef>
+            <a:fontRef idx="minor">
+              <a:schemeClr val="tx1"/>
+            </a:fontRef>
+          </p:style>
+        </p:cxnSp>
+      </p:grpSp>
+      <p:sp>
+        <p:nvSpPr>
+          <p:cNvPr id="31" name="Geschweifte Klammer links 30">
+            <a:extLst>
+              <a:ext uri="{FF2B5EF4-FFF2-40B4-BE49-F238E27FC236}">
+                <a16:creationId xmlns:a16="http://schemas.microsoft.com/office/drawing/2014/main" id="{E6C330F5-D7A1-9F47-905A-AB629B362A11}"/>
               </a:ext>
             </a:extLst>
           </p:cNvPr>
@@ -8679,288 +10262,13 @@
           <p:nvPr/>
         </p:nvSpPr>
         <p:spPr>
-          <a:xfrm>
-            <a:off x="467544" y="2060848"/>
-            <a:ext cx="1944216" cy="792088"/>
+          <a:xfrm rot="16200000">
+            <a:off x="755576" y="4293095"/>
+            <a:ext cx="216024" cy="792088"/>
           </a:xfrm>
-          <a:prstGeom prst="rect">
+          <a:prstGeom prst="leftBrace">
             <a:avLst/>
           </a:prstGeom>
-          <a:ln>
-            <a:noFill/>
-          </a:ln>
-        </p:spPr>
-        <p:style>
-          <a:lnRef idx="2">
-            <a:schemeClr val="accent1">
-              <a:shade val="50000"/>
-            </a:schemeClr>
-          </a:lnRef>
-          <a:fillRef idx="1">
-            <a:schemeClr val="accent1"/>
-          </a:fillRef>
-          <a:effectRef idx="0">
-            <a:schemeClr val="accent1"/>
-          </a:effectRef>
-          <a:fontRef idx="minor">
-            <a:schemeClr val="lt1"/>
-          </a:fontRef>
-        </p:style>
-        <p:txBody>
-          <a:bodyPr rtlCol="0" anchor="ctr"/>
-          <a:lstStyle/>
-          <a:p>
-            <a:pPr algn="ctr"/>
-            <a:r>
-              <a:rPr lang="de-DE" dirty="0" err="1"/>
-              <a:t>Netem</a:t>
-            </a:r>
-            <a:r>
-              <a:rPr lang="de-DE" dirty="0"/>
-              <a:t> Modell-parametrisierung</a:t>
-            </a:r>
-          </a:p>
-        </p:txBody>
-      </p:sp>
-      <p:sp>
-        <p:nvSpPr>
-          <p:cNvPr id="9" name="Rechteck 8">
-            <a:extLst>
-              <a:ext uri="{FF2B5EF4-FFF2-40B4-BE49-F238E27FC236}">
-                <a16:creationId xmlns:a16="http://schemas.microsoft.com/office/drawing/2014/main" id="{FB87D958-A1E4-49A6-97D9-AA4DE9550B37}"/>
-              </a:ext>
-            </a:extLst>
-          </p:cNvPr>
-          <p:cNvSpPr/>
-          <p:nvPr/>
-        </p:nvSpPr>
-        <p:spPr>
-          <a:xfrm>
-            <a:off x="2915816" y="2060848"/>
-            <a:ext cx="1944216" cy="792088"/>
-          </a:xfrm>
-          <a:prstGeom prst="rect">
-            <a:avLst/>
-          </a:prstGeom>
-          <a:ln>
-            <a:noFill/>
-          </a:ln>
-        </p:spPr>
-        <p:style>
-          <a:lnRef idx="2">
-            <a:schemeClr val="accent1">
-              <a:shade val="50000"/>
-            </a:schemeClr>
-          </a:lnRef>
-          <a:fillRef idx="1">
-            <a:schemeClr val="accent1"/>
-          </a:fillRef>
-          <a:effectRef idx="0">
-            <a:schemeClr val="accent1"/>
-          </a:effectRef>
-          <a:fontRef idx="minor">
-            <a:schemeClr val="lt1"/>
-          </a:fontRef>
-        </p:style>
-        <p:txBody>
-          <a:bodyPr rtlCol="0" anchor="ctr"/>
-          <a:lstStyle/>
-          <a:p>
-            <a:pPr algn="ctr"/>
-            <a:r>
-              <a:rPr lang="de-DE" dirty="0"/>
-              <a:t>Lokaler Ping mit 200000 Paketen</a:t>
-            </a:r>
-          </a:p>
-        </p:txBody>
-      </p:sp>
-      <p:sp>
-        <p:nvSpPr>
-          <p:cNvPr id="10" name="Rechteck 9">
-            <a:extLst>
-              <a:ext uri="{FF2B5EF4-FFF2-40B4-BE49-F238E27FC236}">
-                <a16:creationId xmlns:a16="http://schemas.microsoft.com/office/drawing/2014/main" id="{FB276C29-DF37-40D3-8388-A7ACC13600F1}"/>
-              </a:ext>
-            </a:extLst>
-          </p:cNvPr>
-          <p:cNvSpPr/>
-          <p:nvPr/>
-        </p:nvSpPr>
-        <p:spPr>
-          <a:xfrm>
-            <a:off x="5364088" y="2060848"/>
-            <a:ext cx="1944216" cy="792088"/>
-          </a:xfrm>
-          <a:prstGeom prst="rect">
-            <a:avLst/>
-          </a:prstGeom>
-          <a:ln>
-            <a:noFill/>
-          </a:ln>
-        </p:spPr>
-        <p:style>
-          <a:lnRef idx="2">
-            <a:schemeClr val="accent1">
-              <a:shade val="50000"/>
-            </a:schemeClr>
-          </a:lnRef>
-          <a:fillRef idx="1">
-            <a:schemeClr val="accent1"/>
-          </a:fillRef>
-          <a:effectRef idx="0">
-            <a:schemeClr val="accent1"/>
-          </a:effectRef>
-          <a:fontRef idx="minor">
-            <a:schemeClr val="lt1"/>
-          </a:fontRef>
-        </p:style>
-        <p:txBody>
-          <a:bodyPr rtlCol="0" anchor="ctr"/>
-          <a:lstStyle/>
-          <a:p>
-            <a:pPr algn="ctr"/>
-            <a:r>
-              <a:rPr lang="de-DE" dirty="0"/>
-              <a:t>Ausgabe loggen und parsen</a:t>
-            </a:r>
-          </a:p>
-        </p:txBody>
-      </p:sp>
-      <p:sp>
-        <p:nvSpPr>
-          <p:cNvPr id="11" name="Rechteck 10">
-            <a:extLst>
-              <a:ext uri="{FF2B5EF4-FFF2-40B4-BE49-F238E27FC236}">
-                <a16:creationId xmlns:a16="http://schemas.microsoft.com/office/drawing/2014/main" id="{23E800F7-4FAD-4507-9EF3-37D376AE3C43}"/>
-              </a:ext>
-            </a:extLst>
-          </p:cNvPr>
-          <p:cNvSpPr/>
-          <p:nvPr/>
-        </p:nvSpPr>
-        <p:spPr>
-          <a:xfrm>
-            <a:off x="467544" y="3212977"/>
-            <a:ext cx="1944216" cy="792088"/>
-          </a:xfrm>
-          <a:prstGeom prst="rect">
-            <a:avLst/>
-          </a:prstGeom>
-          <a:ln>
-            <a:noFill/>
-          </a:ln>
-        </p:spPr>
-        <p:style>
-          <a:lnRef idx="2">
-            <a:schemeClr val="accent1">
-              <a:shade val="50000"/>
-            </a:schemeClr>
-          </a:lnRef>
-          <a:fillRef idx="1">
-            <a:schemeClr val="accent1"/>
-          </a:fillRef>
-          <a:effectRef idx="0">
-            <a:schemeClr val="accent1"/>
-          </a:effectRef>
-          <a:fontRef idx="minor">
-            <a:schemeClr val="lt1"/>
-          </a:fontRef>
-        </p:style>
-        <p:txBody>
-          <a:bodyPr rtlCol="0" anchor="ctr"/>
-          <a:lstStyle/>
-          <a:p>
-            <a:pPr algn="ctr"/>
-            <a:r>
-              <a:rPr lang="de-DE" dirty="0"/>
-              <a:t>Generator </a:t>
-            </a:r>
-            <a:r>
-              <a:rPr lang="de-DE" dirty="0" err="1"/>
-              <a:t>parametrisierung</a:t>
-            </a:r>
-            <a:endParaRPr lang="de-DE" dirty="0"/>
-          </a:p>
-        </p:txBody>
-      </p:sp>
-      <p:sp>
-        <p:nvSpPr>
-          <p:cNvPr id="12" name="Rechteck 11">
-            <a:extLst>
-              <a:ext uri="{FF2B5EF4-FFF2-40B4-BE49-F238E27FC236}">
-                <a16:creationId xmlns:a16="http://schemas.microsoft.com/office/drawing/2014/main" id="{0FCF6306-A8E8-43BC-B850-A078E3A4975B}"/>
-              </a:ext>
-            </a:extLst>
-          </p:cNvPr>
-          <p:cNvSpPr/>
-          <p:nvPr/>
-        </p:nvSpPr>
-        <p:spPr>
-          <a:xfrm>
-            <a:off x="2915816" y="3212977"/>
-            <a:ext cx="1944216" cy="792088"/>
-          </a:xfrm>
-          <a:prstGeom prst="rect">
-            <a:avLst/>
-          </a:prstGeom>
-          <a:ln>
-            <a:noFill/>
-          </a:ln>
-        </p:spPr>
-        <p:style>
-          <a:lnRef idx="2">
-            <a:schemeClr val="accent1">
-              <a:shade val="50000"/>
-            </a:schemeClr>
-          </a:lnRef>
-          <a:fillRef idx="1">
-            <a:schemeClr val="accent1"/>
-          </a:fillRef>
-          <a:effectRef idx="0">
-            <a:schemeClr val="accent1"/>
-          </a:effectRef>
-          <a:fontRef idx="minor">
-            <a:schemeClr val="lt1"/>
-          </a:fontRef>
-        </p:style>
-        <p:txBody>
-          <a:bodyPr rtlCol="0" anchor="ctr"/>
-          <a:lstStyle/>
-          <a:p>
-            <a:pPr algn="ctr"/>
-            <a:r>
-              <a:rPr lang="de-DE" dirty="0"/>
-              <a:t>Trace generieren</a:t>
-            </a:r>
-          </a:p>
-        </p:txBody>
-      </p:sp>
-      <p:cxnSp>
-        <p:nvCxnSpPr>
-          <p:cNvPr id="14" name="Gerade Verbindung mit Pfeil 13">
-            <a:extLst>
-              <a:ext uri="{FF2B5EF4-FFF2-40B4-BE49-F238E27FC236}">
-                <a16:creationId xmlns:a16="http://schemas.microsoft.com/office/drawing/2014/main" id="{731D7DEF-4C07-47C5-8FED-3218E3B179D6}"/>
-              </a:ext>
-            </a:extLst>
-          </p:cNvPr>
-          <p:cNvCxnSpPr>
-            <a:stCxn id="6" idx="3"/>
-            <a:endCxn id="9" idx="1"/>
-          </p:cNvCxnSpPr>
-          <p:nvPr/>
-        </p:nvCxnSpPr>
-        <p:spPr>
-          <a:xfrm>
-            <a:off x="2411760" y="2456892"/>
-            <a:ext cx="504056" cy="0"/>
-          </a:xfrm>
-          <a:prstGeom prst="straightConnector1">
-            <a:avLst/>
-          </a:prstGeom>
-          <a:ln w="19050">
-            <a:tailEnd type="triangle"/>
-          </a:ln>
         </p:spPr>
         <p:style>
           <a:lnRef idx="1">
@@ -8976,33 +10284,35 @@
             <a:schemeClr val="tx1"/>
           </a:fontRef>
         </p:style>
-      </p:cxnSp>
-      <p:cxnSp>
-        <p:nvCxnSpPr>
-          <p:cNvPr id="16" name="Gerade Verbindung mit Pfeil 15">
+        <p:txBody>
+          <a:bodyPr rtlCol="0" anchor="ctr"/>
+          <a:lstStyle/>
+          <a:p>
+            <a:pPr algn="ctr"/>
+            <a:endParaRPr lang="de-DE"/>
+          </a:p>
+        </p:txBody>
+      </p:sp>
+      <p:sp>
+        <p:nvSpPr>
+          <p:cNvPr id="32" name="Geschweifte Klammer links 31">
             <a:extLst>
               <a:ext uri="{FF2B5EF4-FFF2-40B4-BE49-F238E27FC236}">
-                <a16:creationId xmlns:a16="http://schemas.microsoft.com/office/drawing/2014/main" id="{8FF5869B-3223-4CAB-BC6D-4211ED90250F}"/>
+                <a16:creationId xmlns:a16="http://schemas.microsoft.com/office/drawing/2014/main" id="{CA9C7FEB-356B-5248-9947-52BAD5B0DA3E}"/>
               </a:ext>
             </a:extLst>
           </p:cNvPr>
-          <p:cNvCxnSpPr>
-            <a:stCxn id="9" idx="3"/>
-            <a:endCxn id="10" idx="1"/>
-          </p:cNvCxnSpPr>
+          <p:cNvSpPr/>
           <p:nvPr/>
-        </p:nvCxnSpPr>
+        </p:nvSpPr>
         <p:spPr>
-          <a:xfrm>
-            <a:off x="4860032" y="2456892"/>
-            <a:ext cx="504056" cy="0"/>
+          <a:xfrm rot="16200000">
+            <a:off x="1476934" y="4366382"/>
+            <a:ext cx="213467" cy="648072"/>
           </a:xfrm>
-          <a:prstGeom prst="straightConnector1">
+          <a:prstGeom prst="leftBrace">
             <a:avLst/>
           </a:prstGeom>
-          <a:ln w="19050">
-            <a:tailEnd type="triangle"/>
-          </a:ln>
         </p:spPr>
         <p:style>
           <a:lnRef idx="1">
@@ -9018,33 +10328,35 @@
             <a:schemeClr val="tx1"/>
           </a:fontRef>
         </p:style>
-      </p:cxnSp>
-      <p:cxnSp>
-        <p:nvCxnSpPr>
-          <p:cNvPr id="18" name="Gerade Verbindung mit Pfeil 17">
+        <p:txBody>
+          <a:bodyPr rtlCol="0" anchor="ctr"/>
+          <a:lstStyle/>
+          <a:p>
+            <a:pPr algn="ctr"/>
+            <a:endParaRPr lang="de-DE"/>
+          </a:p>
+        </p:txBody>
+      </p:sp>
+      <p:sp>
+        <p:nvSpPr>
+          <p:cNvPr id="33" name="Geschweifte Klammer links 32">
             <a:extLst>
               <a:ext uri="{FF2B5EF4-FFF2-40B4-BE49-F238E27FC236}">
-                <a16:creationId xmlns:a16="http://schemas.microsoft.com/office/drawing/2014/main" id="{880D10A3-A786-4E1D-AC92-5B457DE8A9D7}"/>
+                <a16:creationId xmlns:a16="http://schemas.microsoft.com/office/drawing/2014/main" id="{FE9564B3-360B-7642-BB67-F0F67F8192BE}"/>
               </a:ext>
             </a:extLst>
           </p:cNvPr>
-          <p:cNvCxnSpPr>
-            <a:stCxn id="11" idx="3"/>
-            <a:endCxn id="12" idx="1"/>
-          </p:cNvCxnSpPr>
+          <p:cNvSpPr/>
           <p:nvPr/>
-        </p:nvCxnSpPr>
+        </p:nvSpPr>
         <p:spPr>
-          <a:xfrm>
-            <a:off x="2411760" y="3609021"/>
-            <a:ext cx="504056" cy="0"/>
+          <a:xfrm rot="16200000">
+            <a:off x="2287504" y="4204951"/>
+            <a:ext cx="212400" cy="972000"/>
           </a:xfrm>
-          <a:prstGeom prst="straightConnector1">
+          <a:prstGeom prst="leftBrace">
             <a:avLst/>
           </a:prstGeom>
-          <a:ln w="19050">
-            <a:tailEnd type="triangle"/>
-          </a:ln>
         </p:spPr>
         <p:style>
           <a:lnRef idx="1">
@@ -9060,13 +10372,21 @@
             <a:schemeClr val="tx1"/>
           </a:fontRef>
         </p:style>
-      </p:cxnSp>
-      <p:sp>
-        <p:nvSpPr>
-          <p:cNvPr id="19" name="Rechteck 18">
+        <p:txBody>
+          <a:bodyPr rtlCol="0" anchor="ctr"/>
+          <a:lstStyle/>
+          <a:p>
+            <a:pPr algn="ctr"/>
+            <a:endParaRPr lang="de-DE"/>
+          </a:p>
+        </p:txBody>
+      </p:sp>
+      <p:sp>
+        <p:nvSpPr>
+          <p:cNvPr id="34" name="Geschweifte Klammer links 33">
             <a:extLst>
               <a:ext uri="{FF2B5EF4-FFF2-40B4-BE49-F238E27FC236}">
-                <a16:creationId xmlns:a16="http://schemas.microsoft.com/office/drawing/2014/main" id="{C66C4AE3-0C7A-4031-A9AC-FB73C53BFDD4}"/>
+                <a16:creationId xmlns:a16="http://schemas.microsoft.com/office/drawing/2014/main" id="{D1FDB56D-1DCB-8B43-A49D-2AAB09ED235F}"/>
               </a:ext>
             </a:extLst>
           </p:cNvPr>
@@ -9074,76 +10394,13 @@
           <p:nvPr/>
         </p:nvSpPr>
         <p:spPr>
-          <a:xfrm>
-            <a:off x="5364088" y="3212977"/>
-            <a:ext cx="1944216" cy="792088"/>
+          <a:xfrm rot="16200000">
+            <a:off x="3223608" y="4240847"/>
+            <a:ext cx="212400" cy="900208"/>
           </a:xfrm>
-          <a:prstGeom prst="rect">
+          <a:prstGeom prst="leftBrace">
             <a:avLst/>
           </a:prstGeom>
-          <a:ln>
-            <a:noFill/>
-          </a:ln>
-        </p:spPr>
-        <p:style>
-          <a:lnRef idx="2">
-            <a:schemeClr val="accent1">
-              <a:shade val="50000"/>
-            </a:schemeClr>
-          </a:lnRef>
-          <a:fillRef idx="1">
-            <a:schemeClr val="accent1"/>
-          </a:fillRef>
-          <a:effectRef idx="0">
-            <a:schemeClr val="accent1"/>
-          </a:effectRef>
-          <a:fontRef idx="minor">
-            <a:schemeClr val="lt1"/>
-          </a:fontRef>
-        </p:style>
-        <p:txBody>
-          <a:bodyPr rtlCol="0" anchor="ctr"/>
-          <a:lstStyle/>
-          <a:p>
-            <a:pPr algn="ctr"/>
-            <a:r>
-              <a:rPr lang="de-DE" dirty="0"/>
-              <a:t>Parse mit </a:t>
-            </a:r>
-            <a:r>
-              <a:rPr lang="de-DE" dirty="0" err="1"/>
-              <a:t>Validationtool</a:t>
-            </a:r>
-            <a:endParaRPr lang="de-DE" dirty="0"/>
-          </a:p>
-        </p:txBody>
-      </p:sp>
-      <p:cxnSp>
-        <p:nvCxnSpPr>
-          <p:cNvPr id="21" name="Gerade Verbindung mit Pfeil 20">
-            <a:extLst>
-              <a:ext uri="{FF2B5EF4-FFF2-40B4-BE49-F238E27FC236}">
-                <a16:creationId xmlns:a16="http://schemas.microsoft.com/office/drawing/2014/main" id="{9BFE06F3-A17D-4C3D-82C9-DD5671608A58}"/>
-              </a:ext>
-            </a:extLst>
-          </p:cNvPr>
-          <p:cNvCxnSpPr>
-            <a:stCxn id="10" idx="2"/>
-            <a:endCxn id="19" idx="0"/>
-          </p:cNvCxnSpPr>
-          <p:nvPr/>
-        </p:nvCxnSpPr>
-        <p:spPr>
-          <a:xfrm>
-            <a:off x="6336196" y="2852936"/>
-            <a:ext cx="0" cy="360041"/>
-          </a:xfrm>
-          <a:prstGeom prst="straightConnector1">
-            <a:avLst/>
-          </a:prstGeom>
-          <a:ln w="19050">
-            <a:tailEnd type="triangle"/>
-          </a:ln>
         </p:spPr>
         <p:style>
           <a:lnRef idx="1">
@@ -9159,143 +10416,15 @@
             <a:schemeClr val="tx1"/>
           </a:fontRef>
         </p:style>
-      </p:cxnSp>
-      <p:cxnSp>
-        <p:nvCxnSpPr>
-          <p:cNvPr id="23" name="Gerade Verbindung mit Pfeil 22">
-            <a:extLst>
-              <a:ext uri="{FF2B5EF4-FFF2-40B4-BE49-F238E27FC236}">
-                <a16:creationId xmlns:a16="http://schemas.microsoft.com/office/drawing/2014/main" id="{400E31F3-1A24-4F52-A449-AB24561768FA}"/>
-              </a:ext>
-            </a:extLst>
-          </p:cNvPr>
-          <p:cNvCxnSpPr>
-            <a:stCxn id="12" idx="3"/>
-            <a:endCxn id="19" idx="1"/>
-          </p:cNvCxnSpPr>
-          <p:nvPr/>
-        </p:nvCxnSpPr>
-        <p:spPr>
-          <a:xfrm>
-            <a:off x="4860032" y="3609021"/>
-            <a:ext cx="504056" cy="0"/>
-          </a:xfrm>
-          <a:prstGeom prst="straightConnector1">
-            <a:avLst/>
-          </a:prstGeom>
-          <a:ln w="19050">
-            <a:tailEnd type="triangle"/>
-          </a:ln>
-        </p:spPr>
-        <p:style>
-          <a:lnRef idx="1">
-            <a:schemeClr val="accent1"/>
-          </a:lnRef>
-          <a:fillRef idx="0">
-            <a:schemeClr val="accent1"/>
-          </a:fillRef>
-          <a:effectRef idx="0">
-            <a:schemeClr val="accent1"/>
-          </a:effectRef>
-          <a:fontRef idx="minor">
-            <a:schemeClr val="tx1"/>
-          </a:fontRef>
-        </p:style>
-      </p:cxnSp>
-      <p:sp>
-        <p:nvSpPr>
-          <p:cNvPr id="24" name="Rechteck 23">
-            <a:extLst>
-              <a:ext uri="{FF2B5EF4-FFF2-40B4-BE49-F238E27FC236}">
-                <a16:creationId xmlns:a16="http://schemas.microsoft.com/office/drawing/2014/main" id="{801F9D84-7598-4B94-80DA-E06D447A9562}"/>
-              </a:ext>
-            </a:extLst>
-          </p:cNvPr>
-          <p:cNvSpPr/>
-          <p:nvPr/>
-        </p:nvSpPr>
-        <p:spPr>
-          <a:xfrm>
-            <a:off x="5364088" y="4401109"/>
-            <a:ext cx="1944216" cy="792088"/>
-          </a:xfrm>
-          <a:prstGeom prst="rect">
-            <a:avLst/>
-          </a:prstGeom>
-          <a:ln>
-            <a:noFill/>
-          </a:ln>
-        </p:spPr>
-        <p:style>
-          <a:lnRef idx="2">
-            <a:schemeClr val="accent1">
-              <a:shade val="50000"/>
-            </a:schemeClr>
-          </a:lnRef>
-          <a:fillRef idx="1">
-            <a:schemeClr val="accent1"/>
-          </a:fillRef>
-          <a:effectRef idx="0">
-            <a:schemeClr val="accent1"/>
-          </a:effectRef>
-          <a:fontRef idx="minor">
-            <a:schemeClr val="lt1"/>
-          </a:fontRef>
-        </p:style>
         <p:txBody>
           <a:bodyPr rtlCol="0" anchor="ctr"/>
           <a:lstStyle/>
           <a:p>
             <a:pPr algn="ctr"/>
-            <a:r>
-              <a:rPr lang="de-DE" dirty="0"/>
-              <a:t>Kolmogorov-Smirnov Test</a:t>
-            </a:r>
-          </a:p>
-        </p:txBody>
-      </p:sp>
-      <p:cxnSp>
-        <p:nvCxnSpPr>
-          <p:cNvPr id="26" name="Gerade Verbindung mit Pfeil 25">
-            <a:extLst>
-              <a:ext uri="{FF2B5EF4-FFF2-40B4-BE49-F238E27FC236}">
-                <a16:creationId xmlns:a16="http://schemas.microsoft.com/office/drawing/2014/main" id="{738E34D9-E6F5-4739-AC86-1866A5FF4AAA}"/>
-              </a:ext>
-            </a:extLst>
-          </p:cNvPr>
-          <p:cNvCxnSpPr>
-            <a:stCxn id="19" idx="2"/>
-            <a:endCxn id="24" idx="0"/>
-          </p:cNvCxnSpPr>
-          <p:nvPr/>
-        </p:nvCxnSpPr>
-        <p:spPr>
-          <a:xfrm>
-            <a:off x="6336196" y="4005065"/>
-            <a:ext cx="0" cy="396044"/>
-          </a:xfrm>
-          <a:prstGeom prst="straightConnector1">
-            <a:avLst/>
-          </a:prstGeom>
-          <a:ln w="19050">
-            <a:tailEnd type="triangle"/>
-          </a:ln>
-        </p:spPr>
-        <p:style>
-          <a:lnRef idx="1">
-            <a:schemeClr val="accent1"/>
-          </a:lnRef>
-          <a:fillRef idx="0">
-            <a:schemeClr val="accent1"/>
-          </a:fillRef>
-          <a:effectRef idx="0">
-            <a:schemeClr val="accent1"/>
-          </a:effectRef>
-          <a:fontRef idx="minor">
-            <a:schemeClr val="tx1"/>
-          </a:fontRef>
-        </p:style>
-      </p:cxnSp>
+            <a:endParaRPr lang="de-DE"/>
+          </a:p>
+        </p:txBody>
+      </p:sp>
     </p:spTree>
     <p:extLst>
       <p:ext uri="{BB962C8B-B14F-4D97-AF65-F5344CB8AC3E}">
@@ -9309,7 +10438,7 @@
 </p:sld>
 </file>
 
-<file path=ppt/slides/slide7.xml><?xml version="1.0" encoding="utf-8"?>
+<file path=ppt/slides/slide8.xml><?xml version="1.0" encoding="utf-8"?>
 <p:sld xmlns:a="http://schemas.openxmlformats.org/drawingml/2006/main" xmlns:r="http://schemas.openxmlformats.org/officeDocument/2006/relationships" xmlns:p="http://schemas.openxmlformats.org/presentationml/2006/main">
   <p:cSld>
     <p:spTree>
@@ -9430,7 +10559,7 @@
 </p:sld>
 </file>
 
-<file path=ppt/slides/slide8.xml><?xml version="1.0" encoding="utf-8"?>
+<file path=ppt/slides/slide9.xml><?xml version="1.0" encoding="utf-8"?>
 <p:sld xmlns:a="http://schemas.openxmlformats.org/drawingml/2006/main" xmlns:r="http://schemas.openxmlformats.org/officeDocument/2006/relationships" xmlns:p="http://schemas.openxmlformats.org/presentationml/2006/main">
   <p:cSld>
     <p:spTree>
@@ -12332,341 +13461,6 @@
 </p:sld>
 </file>
 
-<file path=ppt/slides/slide9.xml><?xml version="1.0" encoding="utf-8"?>
-<p:sld xmlns:a="http://schemas.openxmlformats.org/drawingml/2006/main" xmlns:r="http://schemas.openxmlformats.org/officeDocument/2006/relationships" xmlns:p="http://schemas.openxmlformats.org/presentationml/2006/main">
-  <p:cSld>
-    <p:spTree>
-      <p:nvGrpSpPr>
-        <p:cNvPr id="1" name=""/>
-        <p:cNvGrpSpPr/>
-        <p:nvPr/>
-      </p:nvGrpSpPr>
-      <p:grpSpPr>
-        <a:xfrm>
-          <a:off x="0" y="0"/>
-          <a:ext cx="0" cy="0"/>
-          <a:chOff x="0" y="0"/>
-          <a:chExt cx="0" cy="0"/>
-        </a:xfrm>
-      </p:grpSpPr>
-      <p:sp>
-        <p:nvSpPr>
-          <p:cNvPr id="2" name="Inhaltsplatzhalter 1">
-            <a:extLst>
-              <a:ext uri="{FF2B5EF4-FFF2-40B4-BE49-F238E27FC236}">
-                <a16:creationId xmlns:a16="http://schemas.microsoft.com/office/drawing/2014/main" id="{75560F39-53A9-4D65-81BC-9EF49E3C9C4C}"/>
-              </a:ext>
-            </a:extLst>
-          </p:cNvPr>
-          <p:cNvSpPr>
-            <a:spLocks noGrp="1"/>
-          </p:cNvSpPr>
-          <p:nvPr>
-            <p:ph sz="quarter" idx="13"/>
-          </p:nvPr>
-        </p:nvSpPr>
-        <p:spPr/>
-        <p:txBody>
-          <a:bodyPr/>
-          <a:lstStyle/>
-          <a:p>
-            <a:r>
-              <a:rPr lang="de-DE" dirty="0"/>
-              <a:t>Bernoulli, Simple Gilbert</a:t>
-            </a:r>
-          </a:p>
-          <a:p>
-            <a:pPr lvl="1"/>
-            <a:r>
-              <a:rPr lang="de-DE" sz="1800" dirty="0">
-                <a:sym typeface="Wingdings" panose="05000000000000000000" pitchFamily="2" charset="2"/>
-              </a:rPr>
-              <a:t>Zustände eindeutig erkennbar</a:t>
-            </a:r>
-          </a:p>
-          <a:p>
-            <a:pPr lvl="1"/>
-            <a:r>
-              <a:rPr lang="de-DE" sz="1800" dirty="0">
-                <a:sym typeface="Wingdings" panose="05000000000000000000" pitchFamily="2" charset="2"/>
-              </a:rPr>
-              <a:t>Trivial, Zuverlässig</a:t>
-            </a:r>
-          </a:p>
-          <a:p>
-            <a:r>
-              <a:rPr lang="de-DE" dirty="0">
-                <a:sym typeface="Wingdings" panose="05000000000000000000" pitchFamily="2" charset="2"/>
-              </a:rPr>
-              <a:t>Gilbert</a:t>
-            </a:r>
-          </a:p>
-          <a:p>
-            <a:pPr lvl="1"/>
-            <a:r>
-              <a:rPr lang="de-DE" sz="1800" dirty="0">
-                <a:sym typeface="Wingdings" panose="05000000000000000000" pitchFamily="2" charset="2"/>
-              </a:rPr>
-              <a:t>Gilberts Methode zur Parameterschätzung</a:t>
-            </a:r>
-          </a:p>
-          <a:p>
-            <a:pPr lvl="1"/>
-            <a:r>
-              <a:rPr lang="de-DE" sz="1800" dirty="0">
-                <a:sym typeface="Wingdings" panose="05000000000000000000" pitchFamily="2" charset="2"/>
-              </a:rPr>
-              <a:t>Problem: Sehr instabil, Parameter können unmögliche Werte annehmen</a:t>
-            </a:r>
-          </a:p>
-          <a:p>
-            <a:r>
-              <a:rPr lang="de-DE" dirty="0">
-                <a:sym typeface="Wingdings" panose="05000000000000000000" pitchFamily="2" charset="2"/>
-              </a:rPr>
-              <a:t>Gilbert-Elliot, 4-State-Markov</a:t>
-            </a:r>
-          </a:p>
-          <a:p>
-            <a:pPr lvl="1"/>
-            <a:r>
-              <a:rPr lang="de-DE" sz="1800" dirty="0">
-                <a:sym typeface="Wingdings" panose="05000000000000000000" pitchFamily="2" charset="2"/>
-              </a:rPr>
-              <a:t>Schwellenwerte für einzelne Zustände definieren</a:t>
-            </a:r>
-          </a:p>
-          <a:p>
-            <a:pPr lvl="1"/>
-            <a:r>
-              <a:rPr lang="de-DE" sz="1800" dirty="0">
-                <a:sym typeface="Wingdings" panose="05000000000000000000" pitchFamily="2" charset="2"/>
-              </a:rPr>
-              <a:t>Gilbert: RFC3611 empfiehlt 16 </a:t>
-            </a:r>
-            <a:r>
-              <a:rPr lang="de-DE" sz="1800" i="1" dirty="0">
-                <a:sym typeface="Wingdings" panose="05000000000000000000" pitchFamily="2" charset="2"/>
-              </a:rPr>
-              <a:t>„</a:t>
-            </a:r>
-            <a:r>
-              <a:rPr lang="de-DE" sz="1800" i="1" dirty="0" err="1">
-                <a:sym typeface="Wingdings" panose="05000000000000000000" pitchFamily="2" charset="2"/>
-              </a:rPr>
-              <a:t>corresponds</a:t>
-            </a:r>
-            <a:r>
-              <a:rPr lang="de-DE" sz="1800" i="1" dirty="0">
-                <a:sym typeface="Wingdings" panose="05000000000000000000" pitchFamily="2" charset="2"/>
-              </a:rPr>
-              <a:t> </a:t>
-            </a:r>
-            <a:r>
-              <a:rPr lang="de-DE" sz="1800" i="1" dirty="0" err="1">
-                <a:sym typeface="Wingdings" panose="05000000000000000000" pitchFamily="2" charset="2"/>
-              </a:rPr>
-              <a:t>to</a:t>
-            </a:r>
-            <a:r>
-              <a:rPr lang="de-DE" sz="1800" i="1" dirty="0">
-                <a:sym typeface="Wingdings" panose="05000000000000000000" pitchFamily="2" charset="2"/>
-              </a:rPr>
-              <a:t> </a:t>
-            </a:r>
-            <a:r>
-              <a:rPr lang="de-DE" sz="1800" i="1" dirty="0" err="1">
-                <a:sym typeface="Wingdings" panose="05000000000000000000" pitchFamily="2" charset="2"/>
-              </a:rPr>
-              <a:t>gap</a:t>
-            </a:r>
-            <a:r>
-              <a:rPr lang="de-DE" sz="1800" i="1" dirty="0">
-                <a:sym typeface="Wingdings" panose="05000000000000000000" pitchFamily="2" charset="2"/>
-              </a:rPr>
-              <a:t> </a:t>
-            </a:r>
-            <a:r>
-              <a:rPr lang="de-DE" sz="1800" i="1" dirty="0" err="1">
-                <a:sym typeface="Wingdings" panose="05000000000000000000" pitchFamily="2" charset="2"/>
-              </a:rPr>
-              <a:t>characteristics</a:t>
-            </a:r>
-            <a:r>
-              <a:rPr lang="de-DE" sz="1800" i="1" dirty="0">
-                <a:sym typeface="Wingdings" panose="05000000000000000000" pitchFamily="2" charset="2"/>
-              </a:rPr>
-              <a:t> </a:t>
-            </a:r>
-            <a:r>
-              <a:rPr lang="de-DE" sz="1800" i="1" dirty="0" err="1">
-                <a:sym typeface="Wingdings" panose="05000000000000000000" pitchFamily="2" charset="2"/>
-              </a:rPr>
-              <a:t>of</a:t>
-            </a:r>
-            <a:r>
-              <a:rPr lang="de-DE" sz="1800" i="1" dirty="0">
-                <a:sym typeface="Wingdings" panose="05000000000000000000" pitchFamily="2" charset="2"/>
-              </a:rPr>
-              <a:t> </a:t>
-            </a:r>
-            <a:r>
-              <a:rPr lang="de-DE" sz="1800" i="1" dirty="0" err="1">
-                <a:sym typeface="Wingdings" panose="05000000000000000000" pitchFamily="2" charset="2"/>
-              </a:rPr>
-              <a:t>good</a:t>
-            </a:r>
-            <a:r>
-              <a:rPr lang="de-DE" sz="1800" i="1" dirty="0">
-                <a:sym typeface="Wingdings" panose="05000000000000000000" pitchFamily="2" charset="2"/>
-              </a:rPr>
-              <a:t> </a:t>
-            </a:r>
-            <a:r>
-              <a:rPr lang="de-DE" sz="1800" i="1" dirty="0" err="1">
-                <a:sym typeface="Wingdings" panose="05000000000000000000" pitchFamily="2" charset="2"/>
-              </a:rPr>
-              <a:t>quality</a:t>
-            </a:r>
-            <a:r>
-              <a:rPr lang="de-DE" sz="1800" i="1" dirty="0">
-                <a:sym typeface="Wingdings" panose="05000000000000000000" pitchFamily="2" charset="2"/>
-              </a:rPr>
-              <a:t>“</a:t>
-            </a:r>
-          </a:p>
-          <a:p>
-            <a:pPr lvl="1"/>
-            <a:r>
-              <a:rPr lang="de-DE" sz="1800" dirty="0">
-                <a:sym typeface="Wingdings" panose="05000000000000000000" pitchFamily="2" charset="2"/>
-              </a:rPr>
-              <a:t>4-State-Markov:</a:t>
-            </a:r>
-            <a:r>
-              <a:rPr lang="de-DE" sz="1800" i="1" dirty="0">
-                <a:sym typeface="Wingdings" panose="05000000000000000000" pitchFamily="2" charset="2"/>
-              </a:rPr>
-              <a:t> </a:t>
-            </a:r>
-            <a:r>
-              <a:rPr lang="de-DE" sz="1800" dirty="0">
-                <a:sym typeface="Wingdings" panose="05000000000000000000" pitchFamily="2" charset="2"/>
-              </a:rPr>
-              <a:t>Keine Literaturangabe  </a:t>
-            </a:r>
-            <a:r>
-              <a:rPr lang="de-DE" sz="1800" dirty="0" err="1">
-                <a:sym typeface="Wingdings" panose="05000000000000000000" pitchFamily="2" charset="2"/>
-              </a:rPr>
-              <a:t>Educated</a:t>
-            </a:r>
-            <a:r>
-              <a:rPr lang="de-DE" sz="1800" dirty="0">
-                <a:sym typeface="Wingdings" panose="05000000000000000000" pitchFamily="2" charset="2"/>
-              </a:rPr>
-              <a:t> </a:t>
-            </a:r>
-            <a:r>
-              <a:rPr lang="de-DE" sz="1800" dirty="0" err="1">
-                <a:sym typeface="Wingdings" panose="05000000000000000000" pitchFamily="2" charset="2"/>
-              </a:rPr>
-              <a:t>Guessing</a:t>
-            </a:r>
-            <a:endParaRPr lang="de-DE" sz="1800" dirty="0">
-              <a:sym typeface="Wingdings" panose="05000000000000000000" pitchFamily="2" charset="2"/>
-            </a:endParaRPr>
-          </a:p>
-          <a:p>
-            <a:pPr lvl="1"/>
-            <a:r>
-              <a:rPr lang="de-DE" sz="1800" dirty="0">
-                <a:sym typeface="Wingdings" panose="05000000000000000000" pitchFamily="2" charset="2"/>
-              </a:rPr>
-              <a:t>Zustände in gegebenem Trace zählen</a:t>
-            </a:r>
-          </a:p>
-          <a:p>
-            <a:pPr lvl="1"/>
-            <a:r>
-              <a:rPr lang="de-DE" sz="1800" dirty="0">
-                <a:sym typeface="Wingdings" panose="05000000000000000000" pitchFamily="2" charset="2"/>
-              </a:rPr>
-              <a:t>Ergebnisse sind sehr instabil</a:t>
-            </a:r>
-          </a:p>
-          <a:p>
-            <a:pPr lvl="1"/>
-            <a:endParaRPr lang="de-DE" sz="1800" dirty="0"/>
-          </a:p>
-        </p:txBody>
-      </p:sp>
-      <p:sp>
-        <p:nvSpPr>
-          <p:cNvPr id="3" name="Textplatzhalter 2">
-            <a:extLst>
-              <a:ext uri="{FF2B5EF4-FFF2-40B4-BE49-F238E27FC236}">
-                <a16:creationId xmlns:a16="http://schemas.microsoft.com/office/drawing/2014/main" id="{C86455D3-63E3-4BB9-B3C6-B0AB42EE712A}"/>
-              </a:ext>
-            </a:extLst>
-          </p:cNvPr>
-          <p:cNvSpPr>
-            <a:spLocks noGrp="1"/>
-          </p:cNvSpPr>
-          <p:nvPr>
-            <p:ph type="body" sz="quarter" idx="16"/>
-          </p:nvPr>
-        </p:nvSpPr>
-        <p:spPr/>
-        <p:txBody>
-          <a:bodyPr/>
-          <a:lstStyle/>
-          <a:p>
-            <a:endParaRPr lang="de-DE"/>
-          </a:p>
-        </p:txBody>
-      </p:sp>
-      <p:sp>
-        <p:nvSpPr>
-          <p:cNvPr id="4" name="Titel 3">
-            <a:extLst>
-              <a:ext uri="{FF2B5EF4-FFF2-40B4-BE49-F238E27FC236}">
-                <a16:creationId xmlns:a16="http://schemas.microsoft.com/office/drawing/2014/main" id="{AD1E7E5B-6FBD-4402-872A-3E7A13139C26}"/>
-              </a:ext>
-            </a:extLst>
-          </p:cNvPr>
-          <p:cNvSpPr>
-            <a:spLocks noGrp="1"/>
-          </p:cNvSpPr>
-          <p:nvPr>
-            <p:ph type="title"/>
-          </p:nvPr>
-        </p:nvSpPr>
-        <p:spPr/>
-        <p:txBody>
-          <a:bodyPr/>
-          <a:lstStyle/>
-          <a:p>
-            <a:r>
-              <a:rPr lang="de-DE" dirty="0"/>
-              <a:t>Parameterschätzung aus Traces</a:t>
-            </a:r>
-          </a:p>
-        </p:txBody>
-      </p:sp>
-    </p:spTree>
-    <p:extLst>
-      <p:ext uri="{BB962C8B-B14F-4D97-AF65-F5344CB8AC3E}">
-        <p14:creationId xmlns:p14="http://schemas.microsoft.com/office/powerpoint/2010/main" val="4142453788"/>
-      </p:ext>
-    </p:extLst>
-  </p:cSld>
-  <p:clrMapOvr>
-    <a:masterClrMapping/>
-  </p:clrMapOvr>
-</p:sld>
-</file>
-
 <file path=ppt/theme/theme1.xml><?xml version="1.0" encoding="utf-8"?>
 <a:theme xmlns:a="http://schemas.openxmlformats.org/drawingml/2006/main" name="ERCIS Presentation Template_Deutsch">
   <a:themeElements>

--- a/Prototyp_Präsentation.pptx
+++ b/Prototyp_Präsentation.pptx
@@ -9487,11 +9487,13 @@
         <p:spPr>
           <a:xfrm>
             <a:off x="378000" y="3504844"/>
-            <a:ext cx="8353425" cy="2362743"/>
+            <a:ext cx="8353425" cy="2804476"/>
           </a:xfrm>
         </p:spPr>
         <p:txBody>
-          <a:bodyPr/>
+          <a:bodyPr>
+            <a:normAutofit/>
+          </a:bodyPr>
           <a:lstStyle/>
           <a:p>
             <a:pPr marL="0" indent="0">
@@ -9530,6 +9532,21 @@
             <a:r>
               <a:rPr lang="de-DE" dirty="0"/>
               <a:t>   -6        5        -7          7</a:t>
+            </a:r>
+          </a:p>
+          <a:p>
+            <a:pPr marL="0" indent="0">
+              <a:buNone/>
+            </a:pPr>
+            <a:endParaRPr lang="de-DE" sz="500" dirty="0"/>
+          </a:p>
+          <a:p>
+            <a:pPr marL="0" indent="0">
+              <a:buNone/>
+            </a:pPr>
+            <a:r>
+              <a:rPr lang="de-DE" dirty="0"/>
+              <a:t>                  ECDF</a:t>
             </a:r>
           </a:p>
           <a:p>
@@ -10397,6 +10414,50 @@
           <a:xfrm rot="16200000">
             <a:off x="3223608" y="4240847"/>
             <a:ext cx="212400" cy="900208"/>
+          </a:xfrm>
+          <a:prstGeom prst="leftBrace">
+            <a:avLst/>
+          </a:prstGeom>
+        </p:spPr>
+        <p:style>
+          <a:lnRef idx="1">
+            <a:schemeClr val="accent1"/>
+          </a:lnRef>
+          <a:fillRef idx="0">
+            <a:schemeClr val="accent1"/>
+          </a:fillRef>
+          <a:effectRef idx="0">
+            <a:schemeClr val="accent1"/>
+          </a:effectRef>
+          <a:fontRef idx="minor">
+            <a:schemeClr val="tx1"/>
+          </a:fontRef>
+        </p:style>
+        <p:txBody>
+          <a:bodyPr rtlCol="0" anchor="ctr"/>
+          <a:lstStyle/>
+          <a:p>
+            <a:pPr algn="ctr"/>
+            <a:endParaRPr lang="de-DE"/>
+          </a:p>
+        </p:txBody>
+      </p:sp>
+      <p:sp>
+        <p:nvSpPr>
+          <p:cNvPr id="35" name="Geschweifte Klammer links 34">
+            <a:extLst>
+              <a:ext uri="{FF2B5EF4-FFF2-40B4-BE49-F238E27FC236}">
+                <a16:creationId xmlns:a16="http://schemas.microsoft.com/office/drawing/2014/main" id="{CD3E26A2-70FD-1545-A048-8D7E317F2FCC}"/>
+              </a:ext>
+            </a:extLst>
+          </p:cNvPr>
+          <p:cNvSpPr/>
+          <p:nvPr/>
+        </p:nvSpPr>
+        <p:spPr>
+          <a:xfrm rot="16200000">
+            <a:off x="1905282" y="3786618"/>
+            <a:ext cx="292876" cy="2736304"/>
           </a:xfrm>
           <a:prstGeom prst="leftBrace">
             <a:avLst/>

--- a/Prototyp_Präsentation.pptx
+++ b/Prototyp_Präsentation.pptx
@@ -4834,7 +4834,7 @@
           <p:cNvPr id="3" name="Grafik 2">
             <a:extLst>
               <a:ext uri="{FF2B5EF4-FFF2-40B4-BE49-F238E27FC236}">
-                <a16:creationId xmlns:a16="http://schemas.microsoft.com/office/drawing/2014/main" xmlns="" id="{1EEFDB2F-69CA-41B6-AA51-A6B9E84B3412}"/>
+                <a16:creationId xmlns="" xmlns:a16="http://schemas.microsoft.com/office/drawing/2014/main" id="{1EEFDB2F-69CA-41B6-AA51-A6B9E84B3412}"/>
               </a:ext>
             </a:extLst>
           </p:cNvPr>
@@ -5254,7 +5254,7 @@
           <p:cNvPr id="3" name="Textplatzhalter 2">
             <a:extLst>
               <a:ext uri="{FF2B5EF4-FFF2-40B4-BE49-F238E27FC236}">
-                <a16:creationId xmlns:a16="http://schemas.microsoft.com/office/drawing/2014/main" xmlns="" id="{B41F85F4-D12A-4EEB-AE84-6818834123CE}"/>
+                <a16:creationId xmlns="" xmlns:a16="http://schemas.microsoft.com/office/drawing/2014/main" id="{B41F85F4-D12A-4EEB-AE84-6818834123CE}"/>
               </a:ext>
             </a:extLst>
           </p:cNvPr>
@@ -5282,7 +5282,7 @@
           <p:cNvPr id="4" name="Titel 3">
             <a:extLst>
               <a:ext uri="{FF2B5EF4-FFF2-40B4-BE49-F238E27FC236}">
-                <a16:creationId xmlns:a16="http://schemas.microsoft.com/office/drawing/2014/main" xmlns="" id="{5EEBBA3E-6D1F-4F8A-B3AC-81DFD9F10333}"/>
+                <a16:creationId xmlns="" xmlns:a16="http://schemas.microsoft.com/office/drawing/2014/main" id="{5EEBBA3E-6D1F-4F8A-B3AC-81DFD9F10333}"/>
               </a:ext>
             </a:extLst>
           </p:cNvPr>
@@ -5310,7 +5310,7 @@
           <p:cNvPr id="10" name="Inhaltsplatzhalter 9">
             <a:extLst>
               <a:ext uri="{FF2B5EF4-FFF2-40B4-BE49-F238E27FC236}">
-                <a16:creationId xmlns:a16="http://schemas.microsoft.com/office/drawing/2014/main" xmlns="" id="{049B8DB9-9975-4836-A25A-1D4323BDA049}"/>
+                <a16:creationId xmlns="" xmlns:a16="http://schemas.microsoft.com/office/drawing/2014/main" id="{049B8DB9-9975-4836-A25A-1D4323BDA049}"/>
               </a:ext>
             </a:extLst>
           </p:cNvPr>
@@ -5352,7 +5352,7 @@
           <p:cNvPr id="11" name="Textfeld 10">
             <a:extLst>
               <a:ext uri="{FF2B5EF4-FFF2-40B4-BE49-F238E27FC236}">
-                <a16:creationId xmlns:a16="http://schemas.microsoft.com/office/drawing/2014/main" xmlns="" id="{076E8B02-0F5A-4743-A401-99B93ED2AC75}"/>
+                <a16:creationId xmlns="" xmlns:a16="http://schemas.microsoft.com/office/drawing/2014/main" id="{076E8B02-0F5A-4743-A401-99B93ED2AC75}"/>
               </a:ext>
             </a:extLst>
           </p:cNvPr>
@@ -5387,7 +5387,7 @@
           <p:cNvPr id="13" name="Grafik 12">
             <a:extLst>
               <a:ext uri="{FF2B5EF4-FFF2-40B4-BE49-F238E27FC236}">
-                <a16:creationId xmlns:a16="http://schemas.microsoft.com/office/drawing/2014/main" xmlns="" id="{7D5AE52C-36B7-42DE-AEFE-58BF36B5B8D5}"/>
+                <a16:creationId xmlns="" xmlns:a16="http://schemas.microsoft.com/office/drawing/2014/main" id="{7D5AE52C-36B7-42DE-AEFE-58BF36B5B8D5}"/>
               </a:ext>
             </a:extLst>
           </p:cNvPr>
@@ -5430,7 +5430,7 @@
           <p:cNvPr id="14" name="Textfeld 13">
             <a:extLst>
               <a:ext uri="{FF2B5EF4-FFF2-40B4-BE49-F238E27FC236}">
-                <a16:creationId xmlns:a16="http://schemas.microsoft.com/office/drawing/2014/main" xmlns="" id="{EA36F0B0-44B0-4F0A-9538-B007AB8DA688}"/>
+                <a16:creationId xmlns="" xmlns:a16="http://schemas.microsoft.com/office/drawing/2014/main" id="{EA36F0B0-44B0-4F0A-9538-B007AB8DA688}"/>
               </a:ext>
             </a:extLst>
           </p:cNvPr>
@@ -5466,7 +5466,7 @@
           <p:cNvPr id="16" name="Grafik 15">
             <a:extLst>
               <a:ext uri="{FF2B5EF4-FFF2-40B4-BE49-F238E27FC236}">
-                <a16:creationId xmlns:a16="http://schemas.microsoft.com/office/drawing/2014/main" xmlns="" id="{2F8AF20D-7859-47E1-9255-5F3A2114F883}"/>
+                <a16:creationId xmlns="" xmlns:a16="http://schemas.microsoft.com/office/drawing/2014/main" id="{2F8AF20D-7859-47E1-9255-5F3A2114F883}"/>
               </a:ext>
             </a:extLst>
           </p:cNvPr>
@@ -5509,7 +5509,7 @@
           <p:cNvPr id="17" name="Textfeld 16">
             <a:extLst>
               <a:ext uri="{FF2B5EF4-FFF2-40B4-BE49-F238E27FC236}">
-                <a16:creationId xmlns:a16="http://schemas.microsoft.com/office/drawing/2014/main" xmlns="" id="{058C3C86-7C94-4DF2-85CF-FFEDBF3CA54C}"/>
+                <a16:creationId xmlns="" xmlns:a16="http://schemas.microsoft.com/office/drawing/2014/main" id="{058C3C86-7C94-4DF2-85CF-FFEDBF3CA54C}"/>
               </a:ext>
             </a:extLst>
           </p:cNvPr>
@@ -5544,7 +5544,7 @@
           <p:cNvPr id="19" name="Grafik 18">
             <a:extLst>
               <a:ext uri="{FF2B5EF4-FFF2-40B4-BE49-F238E27FC236}">
-                <a16:creationId xmlns:a16="http://schemas.microsoft.com/office/drawing/2014/main" xmlns="" id="{CC4B7762-C765-43D1-8234-31A79B3802E8}"/>
+                <a16:creationId xmlns="" xmlns:a16="http://schemas.microsoft.com/office/drawing/2014/main" id="{CC4B7762-C765-43D1-8234-31A79B3802E8}"/>
               </a:ext>
             </a:extLst>
           </p:cNvPr>
@@ -5587,7 +5587,7 @@
           <p:cNvPr id="20" name="Textfeld 19">
             <a:extLst>
               <a:ext uri="{FF2B5EF4-FFF2-40B4-BE49-F238E27FC236}">
-                <a16:creationId xmlns:a16="http://schemas.microsoft.com/office/drawing/2014/main" xmlns="" id="{80B5BF40-BE5C-4E14-8085-8EE2470E46AD}"/>
+                <a16:creationId xmlns="" xmlns:a16="http://schemas.microsoft.com/office/drawing/2014/main" id="{80B5BF40-BE5C-4E14-8085-8EE2470E46AD}"/>
               </a:ext>
             </a:extLst>
           </p:cNvPr>
@@ -5622,7 +5622,7 @@
           <p:cNvPr id="22" name="Grafik 21">
             <a:extLst>
               <a:ext uri="{FF2B5EF4-FFF2-40B4-BE49-F238E27FC236}">
-                <a16:creationId xmlns:a16="http://schemas.microsoft.com/office/drawing/2014/main" xmlns="" id="{072D6007-4B21-4570-94BC-A75C155DFA42}"/>
+                <a16:creationId xmlns="" xmlns:a16="http://schemas.microsoft.com/office/drawing/2014/main" id="{072D6007-4B21-4570-94BC-A75C155DFA42}"/>
               </a:ext>
             </a:extLst>
           </p:cNvPr>
@@ -5665,7 +5665,7 @@
           <p:cNvPr id="23" name="Textfeld 22">
             <a:extLst>
               <a:ext uri="{FF2B5EF4-FFF2-40B4-BE49-F238E27FC236}">
-                <a16:creationId xmlns:a16="http://schemas.microsoft.com/office/drawing/2014/main" xmlns="" id="{442C92EF-2B28-497F-AA96-A746583567CD}"/>
+                <a16:creationId xmlns="" xmlns:a16="http://schemas.microsoft.com/office/drawing/2014/main" id="{442C92EF-2B28-497F-AA96-A746583567CD}"/>
               </a:ext>
             </a:extLst>
           </p:cNvPr>
@@ -5700,7 +5700,7 @@
           <p:cNvPr id="25" name="Grafik 24">
             <a:extLst>
               <a:ext uri="{FF2B5EF4-FFF2-40B4-BE49-F238E27FC236}">
-                <a16:creationId xmlns:a16="http://schemas.microsoft.com/office/drawing/2014/main" xmlns="" id="{34F80897-BC5C-4FD9-84C0-F14447E773B0}"/>
+                <a16:creationId xmlns="" xmlns:a16="http://schemas.microsoft.com/office/drawing/2014/main" id="{34F80897-BC5C-4FD9-84C0-F14447E773B0}"/>
               </a:ext>
             </a:extLst>
           </p:cNvPr>
@@ -5743,7 +5743,7 @@
           <p:cNvPr id="26" name="Textfeld 25">
             <a:extLst>
               <a:ext uri="{FF2B5EF4-FFF2-40B4-BE49-F238E27FC236}">
-                <a16:creationId xmlns:a16="http://schemas.microsoft.com/office/drawing/2014/main" xmlns="" id="{5B278A79-8701-4EE4-8216-2F732E0E3ABE}"/>
+                <a16:creationId xmlns="" xmlns:a16="http://schemas.microsoft.com/office/drawing/2014/main" id="{5B278A79-8701-4EE4-8216-2F732E0E3ABE}"/>
               </a:ext>
             </a:extLst>
           </p:cNvPr>
@@ -5778,7 +5778,7 @@
           <p:cNvPr id="27" name="Grafik 26">
             <a:extLst>
               <a:ext uri="{FF2B5EF4-FFF2-40B4-BE49-F238E27FC236}">
-                <a16:creationId xmlns:a16="http://schemas.microsoft.com/office/drawing/2014/main" xmlns="" id="{41DFA58C-CCAE-4BE3-9930-3128677701BB}"/>
+                <a16:creationId xmlns="" xmlns:a16="http://schemas.microsoft.com/office/drawing/2014/main" id="{41DFA58C-CCAE-4BE3-9930-3128677701BB}"/>
               </a:ext>
             </a:extLst>
           </p:cNvPr>
@@ -5821,7 +5821,7 @@
           <p:cNvPr id="28" name="Textfeld 27">
             <a:extLst>
               <a:ext uri="{FF2B5EF4-FFF2-40B4-BE49-F238E27FC236}">
-                <a16:creationId xmlns:a16="http://schemas.microsoft.com/office/drawing/2014/main" xmlns="" id="{4E05330B-6274-4924-829C-07C0D2E340F6}"/>
+                <a16:creationId xmlns="" xmlns:a16="http://schemas.microsoft.com/office/drawing/2014/main" id="{4E05330B-6274-4924-829C-07C0D2E340F6}"/>
               </a:ext>
             </a:extLst>
           </p:cNvPr>
@@ -5856,7 +5856,7 @@
           <p:cNvPr id="30" name="Grafik 29">
             <a:extLst>
               <a:ext uri="{FF2B5EF4-FFF2-40B4-BE49-F238E27FC236}">
-                <a16:creationId xmlns:a16="http://schemas.microsoft.com/office/drawing/2014/main" xmlns="" id="{7D4FF43B-34A4-46B2-8E09-DA381A2631C1}"/>
+                <a16:creationId xmlns="" xmlns:a16="http://schemas.microsoft.com/office/drawing/2014/main" id="{7D4FF43B-34A4-46B2-8E09-DA381A2631C1}"/>
               </a:ext>
             </a:extLst>
           </p:cNvPr>
@@ -5899,7 +5899,7 @@
           <p:cNvPr id="31" name="Textfeld 30">
             <a:extLst>
               <a:ext uri="{FF2B5EF4-FFF2-40B4-BE49-F238E27FC236}">
-                <a16:creationId xmlns:a16="http://schemas.microsoft.com/office/drawing/2014/main" xmlns="" id="{D91C2819-14EE-49A3-9B74-3E932580C111}"/>
+                <a16:creationId xmlns="" xmlns:a16="http://schemas.microsoft.com/office/drawing/2014/main" id="{D91C2819-14EE-49A3-9B74-3E932580C111}"/>
               </a:ext>
             </a:extLst>
           </p:cNvPr>
@@ -5934,7 +5934,7 @@
           <p:cNvPr id="33" name="Grafik 32">
             <a:extLst>
               <a:ext uri="{FF2B5EF4-FFF2-40B4-BE49-F238E27FC236}">
-                <a16:creationId xmlns:a16="http://schemas.microsoft.com/office/drawing/2014/main" xmlns="" id="{0EE475AC-6C82-409F-B939-DF2228CA61D7}"/>
+                <a16:creationId xmlns="" xmlns:a16="http://schemas.microsoft.com/office/drawing/2014/main" id="{0EE475AC-6C82-409F-B939-DF2228CA61D7}"/>
               </a:ext>
             </a:extLst>
           </p:cNvPr>
@@ -5977,7 +5977,7 @@
           <p:cNvPr id="35" name="Grafik 34">
             <a:extLst>
               <a:ext uri="{FF2B5EF4-FFF2-40B4-BE49-F238E27FC236}">
-                <a16:creationId xmlns:a16="http://schemas.microsoft.com/office/drawing/2014/main" xmlns="" id="{163FAC0D-268B-4A2B-8618-C38856433345}"/>
+                <a16:creationId xmlns="" xmlns:a16="http://schemas.microsoft.com/office/drawing/2014/main" id="{163FAC0D-268B-4A2B-8618-C38856433345}"/>
               </a:ext>
             </a:extLst>
           </p:cNvPr>
@@ -6020,7 +6020,7 @@
           <p:cNvPr id="36" name="Textfeld 35">
             <a:extLst>
               <a:ext uri="{FF2B5EF4-FFF2-40B4-BE49-F238E27FC236}">
-                <a16:creationId xmlns:a16="http://schemas.microsoft.com/office/drawing/2014/main" xmlns="" id="{B2A80469-81E7-4DAD-AE7F-10EAD123DC6B}"/>
+                <a16:creationId xmlns="" xmlns:a16="http://schemas.microsoft.com/office/drawing/2014/main" id="{B2A80469-81E7-4DAD-AE7F-10EAD123DC6B}"/>
               </a:ext>
             </a:extLst>
           </p:cNvPr>
@@ -6061,7 +6061,7 @@
           <p:cNvPr id="38" name="Verbinder: gewinkelt 37">
             <a:extLst>
               <a:ext uri="{FF2B5EF4-FFF2-40B4-BE49-F238E27FC236}">
-                <a16:creationId xmlns:a16="http://schemas.microsoft.com/office/drawing/2014/main" xmlns="" id="{CF4F3C85-CFB8-4258-B9F4-A24102EBAC3D}"/>
+                <a16:creationId xmlns="" xmlns:a16="http://schemas.microsoft.com/office/drawing/2014/main" id="{CF4F3C85-CFB8-4258-B9F4-A24102EBAC3D}"/>
               </a:ext>
             </a:extLst>
           </p:cNvPr>
@@ -6103,7 +6103,7 @@
           <p:cNvPr id="40" name="Verbinder: gewinkelt 39">
             <a:extLst>
               <a:ext uri="{FF2B5EF4-FFF2-40B4-BE49-F238E27FC236}">
-                <a16:creationId xmlns:a16="http://schemas.microsoft.com/office/drawing/2014/main" xmlns="" id="{C9FC908A-5524-437C-8348-96DC6AA32318}"/>
+                <a16:creationId xmlns="" xmlns:a16="http://schemas.microsoft.com/office/drawing/2014/main" id="{C9FC908A-5524-437C-8348-96DC6AA32318}"/>
               </a:ext>
             </a:extLst>
           </p:cNvPr>
@@ -6146,7 +6146,7 @@
           <p:cNvPr id="42" name="Gerade Verbindung mit Pfeil 41">
             <a:extLst>
               <a:ext uri="{FF2B5EF4-FFF2-40B4-BE49-F238E27FC236}">
-                <a16:creationId xmlns:a16="http://schemas.microsoft.com/office/drawing/2014/main" xmlns="" id="{325214D7-7C1C-404B-A28F-79883E3F3B99}"/>
+                <a16:creationId xmlns="" xmlns:a16="http://schemas.microsoft.com/office/drawing/2014/main" id="{325214D7-7C1C-404B-A28F-79883E3F3B99}"/>
               </a:ext>
             </a:extLst>
           </p:cNvPr>
@@ -6188,7 +6188,7 @@
           <p:cNvPr id="44" name="Gerade Verbindung mit Pfeil 43">
             <a:extLst>
               <a:ext uri="{FF2B5EF4-FFF2-40B4-BE49-F238E27FC236}">
-                <a16:creationId xmlns:a16="http://schemas.microsoft.com/office/drawing/2014/main" xmlns="" id="{CFAEB258-AA82-46E5-9939-B86180756520}"/>
+                <a16:creationId xmlns="" xmlns:a16="http://schemas.microsoft.com/office/drawing/2014/main" id="{CFAEB258-AA82-46E5-9939-B86180756520}"/>
               </a:ext>
             </a:extLst>
           </p:cNvPr>
@@ -6230,7 +6230,7 @@
           <p:cNvPr id="46" name="Gerade Verbindung mit Pfeil 45">
             <a:extLst>
               <a:ext uri="{FF2B5EF4-FFF2-40B4-BE49-F238E27FC236}">
-                <a16:creationId xmlns:a16="http://schemas.microsoft.com/office/drawing/2014/main" xmlns="" id="{9B9345AC-880E-4068-8A5B-7710722DB148}"/>
+                <a16:creationId xmlns="" xmlns:a16="http://schemas.microsoft.com/office/drawing/2014/main" id="{9B9345AC-880E-4068-8A5B-7710722DB148}"/>
               </a:ext>
             </a:extLst>
           </p:cNvPr>
@@ -6272,7 +6272,7 @@
           <p:cNvPr id="48" name="Verbinder: gewinkelt 47">
             <a:extLst>
               <a:ext uri="{FF2B5EF4-FFF2-40B4-BE49-F238E27FC236}">
-                <a16:creationId xmlns:a16="http://schemas.microsoft.com/office/drawing/2014/main" xmlns="" id="{511BE8F9-14BC-4F23-BB65-52309440A130}"/>
+                <a16:creationId xmlns="" xmlns:a16="http://schemas.microsoft.com/office/drawing/2014/main" id="{511BE8F9-14BC-4F23-BB65-52309440A130}"/>
               </a:ext>
             </a:extLst>
           </p:cNvPr>
@@ -6314,7 +6314,7 @@
           <p:cNvPr id="50" name="Verbinder: gewinkelt 49">
             <a:extLst>
               <a:ext uri="{FF2B5EF4-FFF2-40B4-BE49-F238E27FC236}">
-                <a16:creationId xmlns:a16="http://schemas.microsoft.com/office/drawing/2014/main" xmlns="" id="{141A9E80-3FA4-4A04-95AD-0696ECA18008}"/>
+                <a16:creationId xmlns="" xmlns:a16="http://schemas.microsoft.com/office/drawing/2014/main" id="{141A9E80-3FA4-4A04-95AD-0696ECA18008}"/>
               </a:ext>
             </a:extLst>
           </p:cNvPr>
@@ -6356,7 +6356,7 @@
           <p:cNvPr id="52" name="Verbinder: gewinkelt 51">
             <a:extLst>
               <a:ext uri="{FF2B5EF4-FFF2-40B4-BE49-F238E27FC236}">
-                <a16:creationId xmlns:a16="http://schemas.microsoft.com/office/drawing/2014/main" xmlns="" id="{F2F2EB6E-63E9-44CC-B650-FDAA5D0719E6}"/>
+                <a16:creationId xmlns="" xmlns:a16="http://schemas.microsoft.com/office/drawing/2014/main" id="{F2F2EB6E-63E9-44CC-B650-FDAA5D0719E6}"/>
               </a:ext>
             </a:extLst>
           </p:cNvPr>
@@ -6399,7 +6399,7 @@
           <p:cNvPr id="54" name="Gerade Verbindung mit Pfeil 53">
             <a:extLst>
               <a:ext uri="{FF2B5EF4-FFF2-40B4-BE49-F238E27FC236}">
-                <a16:creationId xmlns:a16="http://schemas.microsoft.com/office/drawing/2014/main" xmlns="" id="{4F8E0718-3995-4824-9114-378358C83DC2}"/>
+                <a16:creationId xmlns="" xmlns:a16="http://schemas.microsoft.com/office/drawing/2014/main" id="{4F8E0718-3995-4824-9114-378358C83DC2}"/>
               </a:ext>
             </a:extLst>
           </p:cNvPr>
@@ -6441,7 +6441,7 @@
           <p:cNvPr id="59" name="Inhaltsplatzhalter 2">
             <a:extLst>
               <a:ext uri="{FF2B5EF4-FFF2-40B4-BE49-F238E27FC236}">
-                <a16:creationId xmlns:a16="http://schemas.microsoft.com/office/drawing/2014/main" xmlns="" id="{47ED36AE-F229-4868-8536-D7DC96FB76F9}"/>
+                <a16:creationId xmlns="" xmlns:a16="http://schemas.microsoft.com/office/drawing/2014/main" id="{47ED36AE-F229-4868-8536-D7DC96FB76F9}"/>
               </a:ext>
             </a:extLst>
           </p:cNvPr>
@@ -6685,7 +6685,7 @@
           <p:cNvPr id="60" name="Gruppieren 59">
             <a:extLst>
               <a:ext uri="{FF2B5EF4-FFF2-40B4-BE49-F238E27FC236}">
-                <a16:creationId xmlns:a16="http://schemas.microsoft.com/office/drawing/2014/main" xmlns="" id="{594FCFBB-7B78-431B-8B57-FEAD4056D683}"/>
+                <a16:creationId xmlns="" xmlns:a16="http://schemas.microsoft.com/office/drawing/2014/main" id="{594FCFBB-7B78-431B-8B57-FEAD4056D683}"/>
               </a:ext>
             </a:extLst>
           </p:cNvPr>
@@ -6705,7 +6705,7 @@
             <p:cNvPr id="61" name="Geschweifte Klammer links 60">
               <a:extLst>
                 <a:ext uri="{FF2B5EF4-FFF2-40B4-BE49-F238E27FC236}">
-                  <a16:creationId xmlns:a16="http://schemas.microsoft.com/office/drawing/2014/main" xmlns="" id="{B701AF09-9E34-4242-965B-406FBC84373E}"/>
+                  <a16:creationId xmlns="" xmlns:a16="http://schemas.microsoft.com/office/drawing/2014/main" id="{B701AF09-9E34-4242-965B-406FBC84373E}"/>
                 </a:ext>
               </a:extLst>
             </p:cNvPr>
@@ -6749,7 +6749,7 @@
             <p:cNvPr id="62" name="Geschweifte Klammer links 61">
               <a:extLst>
                 <a:ext uri="{FF2B5EF4-FFF2-40B4-BE49-F238E27FC236}">
-                  <a16:creationId xmlns:a16="http://schemas.microsoft.com/office/drawing/2014/main" xmlns="" id="{F3CEAF78-C865-416F-AF3C-BD5E519BB757}"/>
+                  <a16:creationId xmlns="" xmlns:a16="http://schemas.microsoft.com/office/drawing/2014/main" id="{F3CEAF78-C865-416F-AF3C-BD5E519BB757}"/>
                 </a:ext>
               </a:extLst>
             </p:cNvPr>
@@ -6793,7 +6793,7 @@
             <p:cNvPr id="63" name="Geschweifte Klammer links 62">
               <a:extLst>
                 <a:ext uri="{FF2B5EF4-FFF2-40B4-BE49-F238E27FC236}">
-                  <a16:creationId xmlns:a16="http://schemas.microsoft.com/office/drawing/2014/main" xmlns="" id="{768CB2BC-A54B-4AEA-A0F0-368DF73F6814}"/>
+                  <a16:creationId xmlns="" xmlns:a16="http://schemas.microsoft.com/office/drawing/2014/main" id="{768CB2BC-A54B-4AEA-A0F0-368DF73F6814}"/>
                 </a:ext>
               </a:extLst>
             </p:cNvPr>
@@ -6837,7 +6837,7 @@
             <p:cNvPr id="64" name="Geschweifte Klammer links 63">
               <a:extLst>
                 <a:ext uri="{FF2B5EF4-FFF2-40B4-BE49-F238E27FC236}">
-                  <a16:creationId xmlns:a16="http://schemas.microsoft.com/office/drawing/2014/main" xmlns="" id="{2AA1AB46-F95D-4441-9EBB-94737B479912}"/>
+                  <a16:creationId xmlns="" xmlns:a16="http://schemas.microsoft.com/office/drawing/2014/main" id="{2AA1AB46-F95D-4441-9EBB-94737B479912}"/>
                 </a:ext>
               </a:extLst>
             </p:cNvPr>
@@ -6881,7 +6881,7 @@
             <p:cNvPr id="65" name="Geschweifte Klammer links 64">
               <a:extLst>
                 <a:ext uri="{FF2B5EF4-FFF2-40B4-BE49-F238E27FC236}">
-                  <a16:creationId xmlns:a16="http://schemas.microsoft.com/office/drawing/2014/main" xmlns="" id="{2CDA09F2-AF4E-458C-BE44-9D1CAE26CFFF}"/>
+                  <a16:creationId xmlns="" xmlns:a16="http://schemas.microsoft.com/office/drawing/2014/main" id="{2CDA09F2-AF4E-458C-BE44-9D1CAE26CFFF}"/>
                 </a:ext>
               </a:extLst>
             </p:cNvPr>
@@ -6926,7 +6926,7 @@
           <p:cNvPr id="66" name="Gerader Verbinder 65">
             <a:extLst>
               <a:ext uri="{FF2B5EF4-FFF2-40B4-BE49-F238E27FC236}">
-                <a16:creationId xmlns:a16="http://schemas.microsoft.com/office/drawing/2014/main" xmlns="" id="{2858B0EE-7D3F-43F1-B44C-AB95CB1E9380}"/>
+                <a16:creationId xmlns="" xmlns:a16="http://schemas.microsoft.com/office/drawing/2014/main" id="{2858B0EE-7D3F-43F1-B44C-AB95CB1E9380}"/>
               </a:ext>
             </a:extLst>
           </p:cNvPr>
@@ -6995,7 +6995,7 @@
           <p:cNvPr id="6" name="Inhaltsplatzhalter 5">
             <a:extLst>
               <a:ext uri="{FF2B5EF4-FFF2-40B4-BE49-F238E27FC236}">
-                <a16:creationId xmlns:a16="http://schemas.microsoft.com/office/drawing/2014/main" xmlns="" id="{76339824-7CC5-4CEC-AF07-4BBF7CE8BABC}"/>
+                <a16:creationId xmlns="" xmlns:a16="http://schemas.microsoft.com/office/drawing/2014/main" id="{76339824-7CC5-4CEC-AF07-4BBF7CE8BABC}"/>
               </a:ext>
             </a:extLst>
           </p:cNvPr>
@@ -7030,7 +7030,7 @@
           <p:cNvPr id="3" name="Textplatzhalter 2">
             <a:extLst>
               <a:ext uri="{FF2B5EF4-FFF2-40B4-BE49-F238E27FC236}">
-                <a16:creationId xmlns:a16="http://schemas.microsoft.com/office/drawing/2014/main" xmlns="" id="{8AB1F12B-A0B2-45A8-B9EB-B9AE90C54409}"/>
+                <a16:creationId xmlns="" xmlns:a16="http://schemas.microsoft.com/office/drawing/2014/main" id="{8AB1F12B-A0B2-45A8-B9EB-B9AE90C54409}"/>
               </a:ext>
             </a:extLst>
           </p:cNvPr>
@@ -7058,7 +7058,7 @@
           <p:cNvPr id="4" name="Titel 3">
             <a:extLst>
               <a:ext uri="{FF2B5EF4-FFF2-40B4-BE49-F238E27FC236}">
-                <a16:creationId xmlns:a16="http://schemas.microsoft.com/office/drawing/2014/main" xmlns="" id="{ED90C955-EFCD-4335-BB9B-4F706C8DC06B}"/>
+                <a16:creationId xmlns="" xmlns:a16="http://schemas.microsoft.com/office/drawing/2014/main" id="{ED90C955-EFCD-4335-BB9B-4F706C8DC06B}"/>
               </a:ext>
             </a:extLst>
           </p:cNvPr>
@@ -7116,7 +7116,7 @@
           <p:cNvPr id="5" name="Inhaltsplatzhalter 4">
             <a:extLst>
               <a:ext uri="{FF2B5EF4-FFF2-40B4-BE49-F238E27FC236}">
-                <a16:creationId xmlns:a16="http://schemas.microsoft.com/office/drawing/2014/main" xmlns="" id="{27B55C01-150C-412B-B8A7-287505F6C5A2}"/>
+                <a16:creationId xmlns="" xmlns:a16="http://schemas.microsoft.com/office/drawing/2014/main" id="{27B55C01-150C-412B-B8A7-287505F6C5A2}"/>
               </a:ext>
             </a:extLst>
           </p:cNvPr>
@@ -7146,42 +7146,42 @@
                 <a:gridCol w="1392238">
                   <a:extLst>
                     <a:ext uri="{9D8B030D-6E8A-4147-A177-3AD203B41FA5}">
-                      <a16:colId xmlns:a16="http://schemas.microsoft.com/office/drawing/2014/main" xmlns="" val="2171424835"/>
+                      <a16:colId xmlns="" xmlns:a16="http://schemas.microsoft.com/office/drawing/2014/main" val="2171424835"/>
                     </a:ext>
                   </a:extLst>
                 </a:gridCol>
                 <a:gridCol w="1217761">
                   <a:extLst>
                     <a:ext uri="{9D8B030D-6E8A-4147-A177-3AD203B41FA5}">
-                      <a16:colId xmlns:a16="http://schemas.microsoft.com/office/drawing/2014/main" xmlns="" val="447786077"/>
+                      <a16:colId xmlns="" xmlns:a16="http://schemas.microsoft.com/office/drawing/2014/main" val="447786077"/>
                     </a:ext>
                   </a:extLst>
                 </a:gridCol>
                 <a:gridCol w="1224136">
                   <a:extLst>
                     <a:ext uri="{9D8B030D-6E8A-4147-A177-3AD203B41FA5}">
-                      <a16:colId xmlns:a16="http://schemas.microsoft.com/office/drawing/2014/main" xmlns="" val="3559991766"/>
+                      <a16:colId xmlns="" xmlns:a16="http://schemas.microsoft.com/office/drawing/2014/main" val="3559991766"/>
                     </a:ext>
                   </a:extLst>
                 </a:gridCol>
                 <a:gridCol w="1296144">
                   <a:extLst>
                     <a:ext uri="{9D8B030D-6E8A-4147-A177-3AD203B41FA5}">
-                      <a16:colId xmlns:a16="http://schemas.microsoft.com/office/drawing/2014/main" xmlns="" val="58671158"/>
+                      <a16:colId xmlns="" xmlns:a16="http://schemas.microsoft.com/office/drawing/2014/main" val="58671158"/>
                     </a:ext>
                   </a:extLst>
                 </a:gridCol>
                 <a:gridCol w="1296144">
                   <a:extLst>
                     <a:ext uri="{9D8B030D-6E8A-4147-A177-3AD203B41FA5}">
-                      <a16:colId xmlns:a16="http://schemas.microsoft.com/office/drawing/2014/main" xmlns="" val="551523310"/>
+                      <a16:colId xmlns="" xmlns:a16="http://schemas.microsoft.com/office/drawing/2014/main" val="551523310"/>
                     </a:ext>
                   </a:extLst>
                 </a:gridCol>
                 <a:gridCol w="1927005">
                   <a:extLst>
                     <a:ext uri="{9D8B030D-6E8A-4147-A177-3AD203B41FA5}">
-                      <a16:colId xmlns:a16="http://schemas.microsoft.com/office/drawing/2014/main" xmlns="" val="3925189939"/>
+                      <a16:colId xmlns="" xmlns:a16="http://schemas.microsoft.com/office/drawing/2014/main" val="3925189939"/>
                     </a:ext>
                   </a:extLst>
                 </a:gridCol>
@@ -7274,7 +7274,7 @@
                 </a:tc>
                 <a:extLst>
                   <a:ext uri="{0D108BD9-81ED-4DB2-BD59-A6C34878D82A}">
-                    <a16:rowId xmlns:a16="http://schemas.microsoft.com/office/drawing/2014/main" xmlns="" val="2609186871"/>
+                    <a16:rowId xmlns="" xmlns:a16="http://schemas.microsoft.com/office/drawing/2014/main" val="2609186871"/>
                   </a:ext>
                 </a:extLst>
               </a:tr>
@@ -7456,7 +7456,7 @@
                 </a:tc>
                 <a:extLst>
                   <a:ext uri="{0D108BD9-81ED-4DB2-BD59-A6C34878D82A}">
-                    <a16:rowId xmlns:a16="http://schemas.microsoft.com/office/drawing/2014/main" xmlns="" val="386559297"/>
+                    <a16:rowId xmlns="" xmlns:a16="http://schemas.microsoft.com/office/drawing/2014/main" val="386559297"/>
                   </a:ext>
                 </a:extLst>
               </a:tr>
@@ -7630,7 +7630,7 @@
                 </a:tc>
                 <a:extLst>
                   <a:ext uri="{0D108BD9-81ED-4DB2-BD59-A6C34878D82A}">
-                    <a16:rowId xmlns:a16="http://schemas.microsoft.com/office/drawing/2014/main" xmlns="" val="3969875259"/>
+                    <a16:rowId xmlns="" xmlns:a16="http://schemas.microsoft.com/office/drawing/2014/main" val="3969875259"/>
                   </a:ext>
                 </a:extLst>
               </a:tr>
@@ -7748,7 +7748,7 @@
                 </a:tc>
                 <a:extLst>
                   <a:ext uri="{0D108BD9-81ED-4DB2-BD59-A6C34878D82A}">
-                    <a16:rowId xmlns:a16="http://schemas.microsoft.com/office/drawing/2014/main" xmlns="" val="1704449759"/>
+                    <a16:rowId xmlns="" xmlns:a16="http://schemas.microsoft.com/office/drawing/2014/main" val="1704449759"/>
                   </a:ext>
                 </a:extLst>
               </a:tr>
@@ -7839,7 +7839,7 @@
                 </a:tc>
                 <a:extLst>
                   <a:ext uri="{0D108BD9-81ED-4DB2-BD59-A6C34878D82A}">
-                    <a16:rowId xmlns:a16="http://schemas.microsoft.com/office/drawing/2014/main" xmlns="" val="896673889"/>
+                    <a16:rowId xmlns="" xmlns:a16="http://schemas.microsoft.com/office/drawing/2014/main" val="896673889"/>
                   </a:ext>
                 </a:extLst>
               </a:tr>
@@ -7934,7 +7934,7 @@
                 </a:tc>
                 <a:extLst>
                   <a:ext uri="{0D108BD9-81ED-4DB2-BD59-A6C34878D82A}">
-                    <a16:rowId xmlns:a16="http://schemas.microsoft.com/office/drawing/2014/main" xmlns="" val="3293938892"/>
+                    <a16:rowId xmlns="" xmlns:a16="http://schemas.microsoft.com/office/drawing/2014/main" val="3293938892"/>
                   </a:ext>
                 </a:extLst>
               </a:tr>
@@ -8025,7 +8025,7 @@
                 </a:tc>
                 <a:extLst>
                   <a:ext uri="{0D108BD9-81ED-4DB2-BD59-A6C34878D82A}">
-                    <a16:rowId xmlns:a16="http://schemas.microsoft.com/office/drawing/2014/main" xmlns="" val="3737057194"/>
+                    <a16:rowId xmlns="" xmlns:a16="http://schemas.microsoft.com/office/drawing/2014/main" val="3737057194"/>
                   </a:ext>
                 </a:extLst>
               </a:tr>
@@ -8120,7 +8120,7 @@
                 </a:tc>
                 <a:extLst>
                   <a:ext uri="{0D108BD9-81ED-4DB2-BD59-A6C34878D82A}">
-                    <a16:rowId xmlns:a16="http://schemas.microsoft.com/office/drawing/2014/main" xmlns="" val="2202356645"/>
+                    <a16:rowId xmlns="" xmlns:a16="http://schemas.microsoft.com/office/drawing/2014/main" val="2202356645"/>
                   </a:ext>
                 </a:extLst>
               </a:tr>
@@ -8133,7 +8133,7 @@
           <p:cNvPr id="3" name="Textplatzhalter 2">
             <a:extLst>
               <a:ext uri="{FF2B5EF4-FFF2-40B4-BE49-F238E27FC236}">
-                <a16:creationId xmlns:a16="http://schemas.microsoft.com/office/drawing/2014/main" xmlns="" id="{D87AF0AF-E13F-4919-BF0A-CD1FCE210718}"/>
+                <a16:creationId xmlns="" xmlns:a16="http://schemas.microsoft.com/office/drawing/2014/main" id="{D87AF0AF-E13F-4919-BF0A-CD1FCE210718}"/>
               </a:ext>
             </a:extLst>
           </p:cNvPr>
@@ -8161,7 +8161,7 @@
           <p:cNvPr id="4" name="Titel 3">
             <a:extLst>
               <a:ext uri="{FF2B5EF4-FFF2-40B4-BE49-F238E27FC236}">
-                <a16:creationId xmlns:a16="http://schemas.microsoft.com/office/drawing/2014/main" xmlns="" id="{5B7B9FC6-1632-4D81-8547-8AB88FBFCB60}"/>
+                <a16:creationId xmlns="" xmlns:a16="http://schemas.microsoft.com/office/drawing/2014/main" id="{5B7B9FC6-1632-4D81-8547-8AB88FBFCB60}"/>
               </a:ext>
             </a:extLst>
           </p:cNvPr>
@@ -8189,7 +8189,7 @@
           <p:cNvPr id="7" name="Grafik 6" descr="Warnung">
             <a:extLst>
               <a:ext uri="{FF2B5EF4-FFF2-40B4-BE49-F238E27FC236}">
-                <a16:creationId xmlns:a16="http://schemas.microsoft.com/office/drawing/2014/main" xmlns="" id="{840F3546-FA1C-47F6-B4B0-3C1E5FEFD598}"/>
+                <a16:creationId xmlns="" xmlns:a16="http://schemas.microsoft.com/office/drawing/2014/main" id="{840F3546-FA1C-47F6-B4B0-3C1E5FEFD598}"/>
               </a:ext>
             </a:extLst>
           </p:cNvPr>
@@ -8205,7 +8205,7 @@
                 <a14:useLocalDpi xmlns:a14="http://schemas.microsoft.com/office/drawing/2010/main" val="0"/>
               </a:ext>
               <a:ext uri="{96DAC541-7B7A-43D3-8B79-37D633B846F1}">
-                <asvg:svgBlip xmlns:asvg="http://schemas.microsoft.com/office/drawing/2016/SVG/main" xmlns="" r:embed="rId3"/>
+                <asvg:svgBlip xmlns="" xmlns:asvg="http://schemas.microsoft.com/office/drawing/2016/SVG/main" r:embed="rId3"/>
               </a:ext>
             </a:extLst>
           </a:blip>
@@ -8228,7 +8228,7 @@
           <p:cNvPr id="9" name="Grafik 8" descr="Daumen hoch">
             <a:extLst>
               <a:ext uri="{FF2B5EF4-FFF2-40B4-BE49-F238E27FC236}">
-                <a16:creationId xmlns:a16="http://schemas.microsoft.com/office/drawing/2014/main" xmlns="" id="{5119DCC4-4415-406B-ADB1-CEB87C6BCF78}"/>
+                <a16:creationId xmlns="" xmlns:a16="http://schemas.microsoft.com/office/drawing/2014/main" id="{5119DCC4-4415-406B-ADB1-CEB87C6BCF78}"/>
               </a:ext>
             </a:extLst>
           </p:cNvPr>
@@ -8244,7 +8244,7 @@
                 <a14:useLocalDpi xmlns:a14="http://schemas.microsoft.com/office/drawing/2010/main" val="0"/>
               </a:ext>
               <a:ext uri="{96DAC541-7B7A-43D3-8B79-37D633B846F1}">
-                <asvg:svgBlip xmlns:asvg="http://schemas.microsoft.com/office/drawing/2016/SVG/main" xmlns="" r:embed="rId5"/>
+                <asvg:svgBlip xmlns="" xmlns:asvg="http://schemas.microsoft.com/office/drawing/2016/SVG/main" r:embed="rId5"/>
               </a:ext>
             </a:extLst>
           </a:blip>
@@ -8267,7 +8267,7 @@
           <p:cNvPr id="10" name="Grafik 9" descr="Daumen hoch">
             <a:extLst>
               <a:ext uri="{FF2B5EF4-FFF2-40B4-BE49-F238E27FC236}">
-                <a16:creationId xmlns:a16="http://schemas.microsoft.com/office/drawing/2014/main" xmlns="" id="{A0DFE121-8887-4513-9768-BA4F8FA0C69C}"/>
+                <a16:creationId xmlns="" xmlns:a16="http://schemas.microsoft.com/office/drawing/2014/main" id="{A0DFE121-8887-4513-9768-BA4F8FA0C69C}"/>
               </a:ext>
             </a:extLst>
           </p:cNvPr>
@@ -8283,7 +8283,7 @@
                 <a14:useLocalDpi xmlns:a14="http://schemas.microsoft.com/office/drawing/2010/main" val="0"/>
               </a:ext>
               <a:ext uri="{96DAC541-7B7A-43D3-8B79-37D633B846F1}">
-                <asvg:svgBlip xmlns:asvg="http://schemas.microsoft.com/office/drawing/2016/SVG/main" xmlns="" r:embed="rId5"/>
+                <asvg:svgBlip xmlns="" xmlns:asvg="http://schemas.microsoft.com/office/drawing/2016/SVG/main" r:embed="rId5"/>
               </a:ext>
             </a:extLst>
           </a:blip>
@@ -8306,7 +8306,7 @@
           <p:cNvPr id="11" name="Grafik 10" descr="Daumen hoch">
             <a:extLst>
               <a:ext uri="{FF2B5EF4-FFF2-40B4-BE49-F238E27FC236}">
-                <a16:creationId xmlns:a16="http://schemas.microsoft.com/office/drawing/2014/main" xmlns="" id="{BA108369-2300-4E3B-BB32-886FEC96E9BF}"/>
+                <a16:creationId xmlns="" xmlns:a16="http://schemas.microsoft.com/office/drawing/2014/main" id="{BA108369-2300-4E3B-BB32-886FEC96E9BF}"/>
               </a:ext>
             </a:extLst>
           </p:cNvPr>
@@ -8322,7 +8322,7 @@
                 <a14:useLocalDpi xmlns:a14="http://schemas.microsoft.com/office/drawing/2010/main" val="0"/>
               </a:ext>
               <a:ext uri="{96DAC541-7B7A-43D3-8B79-37D633B846F1}">
-                <asvg:svgBlip xmlns:asvg="http://schemas.microsoft.com/office/drawing/2016/SVG/main" xmlns="" r:embed="rId5"/>
+                <asvg:svgBlip xmlns="" xmlns:asvg="http://schemas.microsoft.com/office/drawing/2016/SVG/main" r:embed="rId5"/>
               </a:ext>
             </a:extLst>
           </a:blip>
@@ -8345,7 +8345,7 @@
           <p:cNvPr id="12" name="Grafik 11" descr="Daumen hoch">
             <a:extLst>
               <a:ext uri="{FF2B5EF4-FFF2-40B4-BE49-F238E27FC236}">
-                <a16:creationId xmlns:a16="http://schemas.microsoft.com/office/drawing/2014/main" xmlns="" id="{00951350-E27C-4A65-9BC8-F44DF9425D08}"/>
+                <a16:creationId xmlns="" xmlns:a16="http://schemas.microsoft.com/office/drawing/2014/main" id="{00951350-E27C-4A65-9BC8-F44DF9425D08}"/>
               </a:ext>
             </a:extLst>
           </p:cNvPr>
@@ -8361,7 +8361,7 @@
                 <a14:useLocalDpi xmlns:a14="http://schemas.microsoft.com/office/drawing/2010/main" val="0"/>
               </a:ext>
               <a:ext uri="{96DAC541-7B7A-43D3-8B79-37D633B846F1}">
-                <asvg:svgBlip xmlns:asvg="http://schemas.microsoft.com/office/drawing/2016/SVG/main" xmlns="" r:embed="rId5"/>
+                <asvg:svgBlip xmlns="" xmlns:asvg="http://schemas.microsoft.com/office/drawing/2016/SVG/main" r:embed="rId5"/>
               </a:ext>
             </a:extLst>
           </a:blip>
@@ -8384,7 +8384,7 @@
           <p:cNvPr id="13" name="Grafik 12" descr="Daumen hoch">
             <a:extLst>
               <a:ext uri="{FF2B5EF4-FFF2-40B4-BE49-F238E27FC236}">
-                <a16:creationId xmlns:a16="http://schemas.microsoft.com/office/drawing/2014/main" xmlns="" id="{1AADA306-3FBD-41E3-98E8-A0F477BB6962}"/>
+                <a16:creationId xmlns="" xmlns:a16="http://schemas.microsoft.com/office/drawing/2014/main" id="{1AADA306-3FBD-41E3-98E8-A0F477BB6962}"/>
               </a:ext>
             </a:extLst>
           </p:cNvPr>
@@ -8400,7 +8400,7 @@
                 <a14:useLocalDpi xmlns:a14="http://schemas.microsoft.com/office/drawing/2010/main" val="0"/>
               </a:ext>
               <a:ext uri="{96DAC541-7B7A-43D3-8B79-37D633B846F1}">
-                <asvg:svgBlip xmlns:asvg="http://schemas.microsoft.com/office/drawing/2016/SVG/main" xmlns="" r:embed="rId5"/>
+                <asvg:svgBlip xmlns="" xmlns:asvg="http://schemas.microsoft.com/office/drawing/2016/SVG/main" r:embed="rId5"/>
               </a:ext>
             </a:extLst>
           </a:blip>
@@ -8453,7 +8453,7 @@
           <p:cNvPr id="2" name="Inhaltsplatzhalter 1">
             <a:extLst>
               <a:ext uri="{FF2B5EF4-FFF2-40B4-BE49-F238E27FC236}">
-                <a16:creationId xmlns:a16="http://schemas.microsoft.com/office/drawing/2014/main" xmlns="" id="{75560F39-53A9-4D65-81BC-9EF49E3C9C4C}"/>
+                <a16:creationId xmlns="" xmlns:a16="http://schemas.microsoft.com/office/drawing/2014/main" id="{75560F39-53A9-4D65-81BC-9EF49E3C9C4C}"/>
               </a:ext>
             </a:extLst>
           </p:cNvPr>
@@ -8705,7 +8705,7 @@
           <p:cNvPr id="3" name="Textplatzhalter 2">
             <a:extLst>
               <a:ext uri="{FF2B5EF4-FFF2-40B4-BE49-F238E27FC236}">
-                <a16:creationId xmlns:a16="http://schemas.microsoft.com/office/drawing/2014/main" xmlns="" id="{C86455D3-63E3-4BB9-B3C6-B0AB42EE712A}"/>
+                <a16:creationId xmlns="" xmlns:a16="http://schemas.microsoft.com/office/drawing/2014/main" id="{C86455D3-63E3-4BB9-B3C6-B0AB42EE712A}"/>
               </a:ext>
             </a:extLst>
           </p:cNvPr>
@@ -8730,7 +8730,7 @@
           <p:cNvPr id="4" name="Titel 3">
             <a:extLst>
               <a:ext uri="{FF2B5EF4-FFF2-40B4-BE49-F238E27FC236}">
-                <a16:creationId xmlns:a16="http://schemas.microsoft.com/office/drawing/2014/main" xmlns="" id="{AD1E7E5B-6FBD-4402-872A-3E7A13139C26}"/>
+                <a16:creationId xmlns="" xmlns:a16="http://schemas.microsoft.com/office/drawing/2014/main" id="{AD1E7E5B-6FBD-4402-872A-3E7A13139C26}"/>
               </a:ext>
             </a:extLst>
           </p:cNvPr>
@@ -8758,7 +8758,7 @@
           <p:cNvPr id="5" name="Textfeld 4">
             <a:extLst>
               <a:ext uri="{FF2B5EF4-FFF2-40B4-BE49-F238E27FC236}">
-                <a16:creationId xmlns:a16="http://schemas.microsoft.com/office/drawing/2014/main" xmlns="" id="{22F2EAF2-F95A-476B-B4EF-8958E0264A00}"/>
+                <a16:creationId xmlns="" xmlns:a16="http://schemas.microsoft.com/office/drawing/2014/main" id="{22F2EAF2-F95A-476B-B4EF-8958E0264A00}"/>
               </a:ext>
             </a:extLst>
           </p:cNvPr>
@@ -8807,7 +8807,7 @@
           <p:cNvPr id="6" name="Gerader Verbinder 5">
             <a:extLst>
               <a:ext uri="{FF2B5EF4-FFF2-40B4-BE49-F238E27FC236}">
-                <a16:creationId xmlns:a16="http://schemas.microsoft.com/office/drawing/2014/main" xmlns="" id="{21CB8178-F7C0-4EED-A266-2BBA70519E37}"/>
+                <a16:creationId xmlns="" xmlns:a16="http://schemas.microsoft.com/office/drawing/2014/main" id="{21CB8178-F7C0-4EED-A266-2BBA70519E37}"/>
               </a:ext>
             </a:extLst>
           </p:cNvPr>
@@ -8846,7 +8846,7 @@
           <p:cNvPr id="7" name="Gerader Verbinder 6">
             <a:extLst>
               <a:ext uri="{FF2B5EF4-FFF2-40B4-BE49-F238E27FC236}">
-                <a16:creationId xmlns:a16="http://schemas.microsoft.com/office/drawing/2014/main" xmlns="" id="{1BE0D5F7-5FB6-4058-93BB-04E37B532FF8}"/>
+                <a16:creationId xmlns="" xmlns:a16="http://schemas.microsoft.com/office/drawing/2014/main" id="{1BE0D5F7-5FB6-4058-93BB-04E37B532FF8}"/>
               </a:ext>
             </a:extLst>
           </p:cNvPr>
@@ -8885,7 +8885,7 @@
           <p:cNvPr id="8" name="Gerader Verbinder 7">
             <a:extLst>
               <a:ext uri="{FF2B5EF4-FFF2-40B4-BE49-F238E27FC236}">
-                <a16:creationId xmlns:a16="http://schemas.microsoft.com/office/drawing/2014/main" xmlns="" id="{D28DBFB7-B14A-4D42-AA7D-903E83D442C2}"/>
+                <a16:creationId xmlns="" xmlns:a16="http://schemas.microsoft.com/office/drawing/2014/main" id="{D28DBFB7-B14A-4D42-AA7D-903E83D442C2}"/>
               </a:ext>
             </a:extLst>
           </p:cNvPr>
@@ -8954,7 +8954,7 @@
           <p:cNvPr id="2" name="Inhaltsplatzhalter 1">
             <a:extLst>
               <a:ext uri="{FF2B5EF4-FFF2-40B4-BE49-F238E27FC236}">
-                <a16:creationId xmlns:a16="http://schemas.microsoft.com/office/drawing/2014/main" xmlns="" id="{D25C5B4F-3373-4F6D-BD35-9708A631E836}"/>
+                <a16:creationId xmlns="" xmlns:a16="http://schemas.microsoft.com/office/drawing/2014/main" id="{D25C5B4F-3373-4F6D-BD35-9708A631E836}"/>
               </a:ext>
             </a:extLst>
           </p:cNvPr>
@@ -8991,7 +8991,7 @@
           <p:cNvPr id="3" name="Textplatzhalter 2">
             <a:extLst>
               <a:ext uri="{FF2B5EF4-FFF2-40B4-BE49-F238E27FC236}">
-                <a16:creationId xmlns:a16="http://schemas.microsoft.com/office/drawing/2014/main" xmlns="" id="{674603E4-0971-4191-98C4-D28EAF1FAFD3}"/>
+                <a16:creationId xmlns="" xmlns:a16="http://schemas.microsoft.com/office/drawing/2014/main" id="{674603E4-0971-4191-98C4-D28EAF1FAFD3}"/>
               </a:ext>
             </a:extLst>
           </p:cNvPr>
@@ -9019,7 +9019,7 @@
           <p:cNvPr id="4" name="Titel 3">
             <a:extLst>
               <a:ext uri="{FF2B5EF4-FFF2-40B4-BE49-F238E27FC236}">
-                <a16:creationId xmlns:a16="http://schemas.microsoft.com/office/drawing/2014/main" xmlns="" id="{550D027C-1901-47D0-9440-6FAFFF484304}"/>
+                <a16:creationId xmlns="" xmlns:a16="http://schemas.microsoft.com/office/drawing/2014/main" id="{550D027C-1901-47D0-9440-6FAFFF484304}"/>
               </a:ext>
             </a:extLst>
           </p:cNvPr>
@@ -9077,7 +9077,7 @@
           <p:cNvPr id="2" name="Inhaltsplatzhalter 1">
             <a:extLst>
               <a:ext uri="{FF2B5EF4-FFF2-40B4-BE49-F238E27FC236}">
-                <a16:creationId xmlns:a16="http://schemas.microsoft.com/office/drawing/2014/main" xmlns="" id="{8E71C57D-497F-4F81-AB45-35CAD748F91D}"/>
+                <a16:creationId xmlns="" xmlns:a16="http://schemas.microsoft.com/office/drawing/2014/main" id="{8E71C57D-497F-4F81-AB45-35CAD748F91D}"/>
               </a:ext>
             </a:extLst>
           </p:cNvPr>
@@ -9136,7 +9136,7 @@
           <p:cNvPr id="3" name="Textplatzhalter 2">
             <a:extLst>
               <a:ext uri="{FF2B5EF4-FFF2-40B4-BE49-F238E27FC236}">
-                <a16:creationId xmlns:a16="http://schemas.microsoft.com/office/drawing/2014/main" xmlns="" id="{AFC03702-82AE-4968-8CE9-ACB56FFAB208}"/>
+                <a16:creationId xmlns="" xmlns:a16="http://schemas.microsoft.com/office/drawing/2014/main" id="{AFC03702-82AE-4968-8CE9-ACB56FFAB208}"/>
               </a:ext>
             </a:extLst>
           </p:cNvPr>
@@ -9161,7 +9161,7 @@
           <p:cNvPr id="4" name="Titel 3">
             <a:extLst>
               <a:ext uri="{FF2B5EF4-FFF2-40B4-BE49-F238E27FC236}">
-                <a16:creationId xmlns:a16="http://schemas.microsoft.com/office/drawing/2014/main" xmlns="" id="{0C5B5D85-55FC-4C92-84D9-986AEB5C8CD9}"/>
+                <a16:creationId xmlns="" xmlns:a16="http://schemas.microsoft.com/office/drawing/2014/main" id="{0C5B5D85-55FC-4C92-84D9-986AEB5C8CD9}"/>
               </a:ext>
             </a:extLst>
           </p:cNvPr>
@@ -9622,7 +9622,7 @@
           <p:cNvPr id="2" name="Inhaltsplatzhalter 1">
             <a:extLst>
               <a:ext uri="{FF2B5EF4-FFF2-40B4-BE49-F238E27FC236}">
-                <a16:creationId xmlns:a16="http://schemas.microsoft.com/office/drawing/2014/main" xmlns="" id="{8D1273FF-CE22-4141-9C1B-D675AE60D1EC}"/>
+                <a16:creationId xmlns="" xmlns:a16="http://schemas.microsoft.com/office/drawing/2014/main" id="{8D1273FF-CE22-4141-9C1B-D675AE60D1EC}"/>
               </a:ext>
             </a:extLst>
           </p:cNvPr>
@@ -9650,7 +9650,7 @@
           <p:cNvPr id="4" name="Titel 3">
             <a:extLst>
               <a:ext uri="{FF2B5EF4-FFF2-40B4-BE49-F238E27FC236}">
-                <a16:creationId xmlns:a16="http://schemas.microsoft.com/office/drawing/2014/main" xmlns="" id="{D4FE9BD5-EC96-4A47-B2EA-CF32E3C24478}"/>
+                <a16:creationId xmlns="" xmlns:a16="http://schemas.microsoft.com/office/drawing/2014/main" id="{D4FE9BD5-EC96-4A47-B2EA-CF32E3C24478}"/>
               </a:ext>
             </a:extLst>
           </p:cNvPr>
@@ -9678,7 +9678,7 @@
           <p:cNvPr id="5" name="Rectangle 15">
             <a:extLst>
               <a:ext uri="{FF2B5EF4-FFF2-40B4-BE49-F238E27FC236}">
-                <a16:creationId xmlns:a16="http://schemas.microsoft.com/office/drawing/2014/main" xmlns="" id="{F901CD2E-EAAC-4AB3-BF54-22245FBC4D53}"/>
+                <a16:creationId xmlns="" xmlns:a16="http://schemas.microsoft.com/office/drawing/2014/main" id="{F901CD2E-EAAC-4AB3-BF54-22245FBC4D53}"/>
               </a:ext>
             </a:extLst>
           </p:cNvPr>
@@ -9748,7 +9748,7 @@
           <p:cNvPr id="6" name="Rectangle 16">
             <a:extLst>
               <a:ext uri="{FF2B5EF4-FFF2-40B4-BE49-F238E27FC236}">
-                <a16:creationId xmlns:a16="http://schemas.microsoft.com/office/drawing/2014/main" xmlns="" id="{ADC29463-FE0F-4AF3-BFC7-31999B049136}"/>
+                <a16:creationId xmlns="" xmlns:a16="http://schemas.microsoft.com/office/drawing/2014/main" id="{ADC29463-FE0F-4AF3-BFC7-31999B049136}"/>
               </a:ext>
             </a:extLst>
           </p:cNvPr>
@@ -9920,7 +9920,7 @@
           <p:cNvPr id="7" name="Rectangle 17">
             <a:extLst>
               <a:ext uri="{FF2B5EF4-FFF2-40B4-BE49-F238E27FC236}">
-                <a16:creationId xmlns:a16="http://schemas.microsoft.com/office/drawing/2014/main" xmlns="" id="{8FB3E245-8A06-4D02-9D5A-3F61903D3CBA}"/>
+                <a16:creationId xmlns="" xmlns:a16="http://schemas.microsoft.com/office/drawing/2014/main" id="{8FB3E245-8A06-4D02-9D5A-3F61903D3CBA}"/>
               </a:ext>
             </a:extLst>
           </p:cNvPr>
@@ -9984,7 +9984,7 @@
           <p:cNvPr id="8" name="Rectangle 18">
             <a:extLst>
               <a:ext uri="{FF2B5EF4-FFF2-40B4-BE49-F238E27FC236}">
-                <a16:creationId xmlns:a16="http://schemas.microsoft.com/office/drawing/2014/main" xmlns="" id="{345DE662-B8A9-4FB2-B4E9-9352407DB0F1}"/>
+                <a16:creationId xmlns="" xmlns:a16="http://schemas.microsoft.com/office/drawing/2014/main" id="{345DE662-B8A9-4FB2-B4E9-9352407DB0F1}"/>
               </a:ext>
             </a:extLst>
           </p:cNvPr>
@@ -10114,7 +10114,7 @@
           <p:cNvPr id="9" name="Rectangle 19">
             <a:extLst>
               <a:ext uri="{FF2B5EF4-FFF2-40B4-BE49-F238E27FC236}">
-                <a16:creationId xmlns:a16="http://schemas.microsoft.com/office/drawing/2014/main" xmlns="" id="{E51A808E-A680-42BB-A9C3-6F017AD51722}"/>
+                <a16:creationId xmlns="" xmlns:a16="http://schemas.microsoft.com/office/drawing/2014/main" id="{E51A808E-A680-42BB-A9C3-6F017AD51722}"/>
               </a:ext>
             </a:extLst>
           </p:cNvPr>
@@ -10202,7 +10202,7 @@
           <p:cNvPr id="10" name="Rectangle 20">
             <a:extLst>
               <a:ext uri="{FF2B5EF4-FFF2-40B4-BE49-F238E27FC236}">
-                <a16:creationId xmlns:a16="http://schemas.microsoft.com/office/drawing/2014/main" xmlns="" id="{C3BDF81A-3DA5-4D9F-AB44-0A6135BD2538}"/>
+                <a16:creationId xmlns="" xmlns:a16="http://schemas.microsoft.com/office/drawing/2014/main" id="{C3BDF81A-3DA5-4D9F-AB44-0A6135BD2538}"/>
               </a:ext>
             </a:extLst>
           </p:cNvPr>
@@ -10287,7 +10287,7 @@
           <p:cNvPr id="17" name="Multiplication Sign 30">
             <a:extLst>
               <a:ext uri="{FF2B5EF4-FFF2-40B4-BE49-F238E27FC236}">
-                <a16:creationId xmlns:a16="http://schemas.microsoft.com/office/drawing/2014/main" xmlns="" id="{BC61C337-F2E6-4B33-8759-2E7841389C4D}"/>
+                <a16:creationId xmlns="" xmlns:a16="http://schemas.microsoft.com/office/drawing/2014/main" id="{BC61C337-F2E6-4B33-8759-2E7841389C4D}"/>
               </a:ext>
             </a:extLst>
           </p:cNvPr>
@@ -10331,7 +10331,7 @@
           <p:cNvPr id="18" name="Multiplication Sign 32">
             <a:extLst>
               <a:ext uri="{FF2B5EF4-FFF2-40B4-BE49-F238E27FC236}">
-                <a16:creationId xmlns:a16="http://schemas.microsoft.com/office/drawing/2014/main" xmlns="" id="{4DF6B5A2-4E9B-4ECC-B410-E85936F752E9}"/>
+                <a16:creationId xmlns="" xmlns:a16="http://schemas.microsoft.com/office/drawing/2014/main" id="{4DF6B5A2-4E9B-4ECC-B410-E85936F752E9}"/>
               </a:ext>
             </a:extLst>
           </p:cNvPr>
@@ -10375,7 +10375,7 @@
           <p:cNvPr id="22" name="Smiley Face 36">
             <a:extLst>
               <a:ext uri="{FF2B5EF4-FFF2-40B4-BE49-F238E27FC236}">
-                <a16:creationId xmlns:a16="http://schemas.microsoft.com/office/drawing/2014/main" xmlns="" id="{C6ECDD20-B117-4436-BE0F-9177540690FF}"/>
+                <a16:creationId xmlns="" xmlns:a16="http://schemas.microsoft.com/office/drawing/2014/main" id="{C6ECDD20-B117-4436-BE0F-9177540690FF}"/>
               </a:ext>
             </a:extLst>
           </p:cNvPr>
@@ -10419,7 +10419,7 @@
           <p:cNvPr id="23" name="Rechteck 22">
             <a:extLst>
               <a:ext uri="{FF2B5EF4-FFF2-40B4-BE49-F238E27FC236}">
-                <a16:creationId xmlns:a16="http://schemas.microsoft.com/office/drawing/2014/main" xmlns="" id="{B4A21F9F-2B09-4CD7-B007-B9EAC5254CBF}"/>
+                <a16:creationId xmlns="" xmlns:a16="http://schemas.microsoft.com/office/drawing/2014/main" id="{B4A21F9F-2B09-4CD7-B007-B9EAC5254CBF}"/>
               </a:ext>
             </a:extLst>
           </p:cNvPr>
@@ -10468,7 +10468,7 @@
           <p:cNvPr id="24" name="Gerade Verbindung mit Pfeil 23">
             <a:extLst>
               <a:ext uri="{FF2B5EF4-FFF2-40B4-BE49-F238E27FC236}">
-                <a16:creationId xmlns:a16="http://schemas.microsoft.com/office/drawing/2014/main" xmlns="" id="{2AEDD393-887A-449D-99C3-93CB947D02C7}"/>
+                <a16:creationId xmlns="" xmlns:a16="http://schemas.microsoft.com/office/drawing/2014/main" id="{2AEDD393-887A-449D-99C3-93CB947D02C7}"/>
               </a:ext>
             </a:extLst>
           </p:cNvPr>
@@ -10511,7 +10511,7 @@
           <p:cNvPr id="27" name="Gerade Verbindung mit Pfeil 26">
             <a:extLst>
               <a:ext uri="{FF2B5EF4-FFF2-40B4-BE49-F238E27FC236}">
-                <a16:creationId xmlns:a16="http://schemas.microsoft.com/office/drawing/2014/main" xmlns="" id="{C93F09F8-DAC2-40E0-AE7E-D02126647BAD}"/>
+                <a16:creationId xmlns="" xmlns:a16="http://schemas.microsoft.com/office/drawing/2014/main" id="{C93F09F8-DAC2-40E0-AE7E-D02126647BAD}"/>
               </a:ext>
             </a:extLst>
           </p:cNvPr>
@@ -10554,7 +10554,7 @@
           <p:cNvPr id="30" name="Gerade Verbindung mit Pfeil 29">
             <a:extLst>
               <a:ext uri="{FF2B5EF4-FFF2-40B4-BE49-F238E27FC236}">
-                <a16:creationId xmlns:a16="http://schemas.microsoft.com/office/drawing/2014/main" xmlns="" id="{19BCDE8C-46A9-4BE8-94B6-455F9CC93C4F}"/>
+                <a16:creationId xmlns="" xmlns:a16="http://schemas.microsoft.com/office/drawing/2014/main" id="{19BCDE8C-46A9-4BE8-94B6-455F9CC93C4F}"/>
               </a:ext>
             </a:extLst>
           </p:cNvPr>
@@ -10730,7 +10730,7 @@
           <p:cNvPr id="4" name="Titel 3">
             <a:extLst>
               <a:ext uri="{FF2B5EF4-FFF2-40B4-BE49-F238E27FC236}">
-                <a16:creationId xmlns:a16="http://schemas.microsoft.com/office/drawing/2014/main" xmlns="" id="{D4FE9BD5-EC96-4A47-B2EA-CF32E3C24478}"/>
+                <a16:creationId xmlns="" xmlns:a16="http://schemas.microsoft.com/office/drawing/2014/main" id="{D4FE9BD5-EC96-4A47-B2EA-CF32E3C24478}"/>
               </a:ext>
             </a:extLst>
           </p:cNvPr>
@@ -10758,7 +10758,7 @@
           <p:cNvPr id="22" name="Rectangle 19">
             <a:extLst>
               <a:ext uri="{FF2B5EF4-FFF2-40B4-BE49-F238E27FC236}">
-                <a16:creationId xmlns:a16="http://schemas.microsoft.com/office/drawing/2014/main" xmlns="" id="{34DA7C6B-BC2C-4C36-B0C0-B953380212A4}"/>
+                <a16:creationId xmlns="" xmlns:a16="http://schemas.microsoft.com/office/drawing/2014/main" id="{34DA7C6B-BC2C-4C36-B0C0-B953380212A4}"/>
               </a:ext>
             </a:extLst>
           </p:cNvPr>
@@ -10846,7 +10846,7 @@
           <p:cNvPr id="23" name="Rectangle 21">
             <a:extLst>
               <a:ext uri="{FF2B5EF4-FFF2-40B4-BE49-F238E27FC236}">
-                <a16:creationId xmlns:a16="http://schemas.microsoft.com/office/drawing/2014/main" xmlns="" id="{5350DF9F-38D3-4D53-8995-B048DD4243D6}"/>
+                <a16:creationId xmlns="" xmlns:a16="http://schemas.microsoft.com/office/drawing/2014/main" id="{5350DF9F-38D3-4D53-8995-B048DD4243D6}"/>
               </a:ext>
             </a:extLst>
           </p:cNvPr>
@@ -10898,7 +10898,7 @@
           <p:cNvPr id="24" name="Rectangle 22">
             <a:extLst>
               <a:ext uri="{FF2B5EF4-FFF2-40B4-BE49-F238E27FC236}">
-                <a16:creationId xmlns:a16="http://schemas.microsoft.com/office/drawing/2014/main" xmlns="" id="{ADC59AFB-8C22-4239-A5EF-BB2D4B908858}"/>
+                <a16:creationId xmlns="" xmlns:a16="http://schemas.microsoft.com/office/drawing/2014/main" id="{ADC59AFB-8C22-4239-A5EF-BB2D4B908858}"/>
               </a:ext>
             </a:extLst>
           </p:cNvPr>
@@ -10950,7 +10950,7 @@
           <p:cNvPr id="25" name="Rectangle 23">
             <a:extLst>
               <a:ext uri="{FF2B5EF4-FFF2-40B4-BE49-F238E27FC236}">
-                <a16:creationId xmlns:a16="http://schemas.microsoft.com/office/drawing/2014/main" xmlns="" id="{DB8F254F-1691-4091-A06C-239BF8D752EE}"/>
+                <a16:creationId xmlns="" xmlns:a16="http://schemas.microsoft.com/office/drawing/2014/main" id="{DB8F254F-1691-4091-A06C-239BF8D752EE}"/>
               </a:ext>
             </a:extLst>
           </p:cNvPr>
@@ -11002,7 +11002,7 @@
           <p:cNvPr id="26" name="Rectangle 24">
             <a:extLst>
               <a:ext uri="{FF2B5EF4-FFF2-40B4-BE49-F238E27FC236}">
-                <a16:creationId xmlns:a16="http://schemas.microsoft.com/office/drawing/2014/main" xmlns="" id="{E92C26D2-248F-4FD7-9E19-8417130B8E10}"/>
+                <a16:creationId xmlns="" xmlns:a16="http://schemas.microsoft.com/office/drawing/2014/main" id="{E92C26D2-248F-4FD7-9E19-8417130B8E10}"/>
               </a:ext>
             </a:extLst>
           </p:cNvPr>
@@ -11052,7 +11052,7 @@
           <p:cNvPr id="27" name="Rectangle 27">
             <a:extLst>
               <a:ext uri="{FF2B5EF4-FFF2-40B4-BE49-F238E27FC236}">
-                <a16:creationId xmlns:a16="http://schemas.microsoft.com/office/drawing/2014/main" xmlns="" id="{E62431FF-7AC8-4928-933F-C55F9C246F10}"/>
+                <a16:creationId xmlns="" xmlns:a16="http://schemas.microsoft.com/office/drawing/2014/main" id="{E62431FF-7AC8-4928-933F-C55F9C246F10}"/>
               </a:ext>
             </a:extLst>
           </p:cNvPr>
@@ -11101,7 +11101,7 @@
           <p:cNvPr id="28" name="Rectangle 28">
             <a:extLst>
               <a:ext uri="{FF2B5EF4-FFF2-40B4-BE49-F238E27FC236}">
-                <a16:creationId xmlns:a16="http://schemas.microsoft.com/office/drawing/2014/main" xmlns="" id="{4F75C6BA-60A4-4C03-AD66-D91F7EA3CA5B}"/>
+                <a16:creationId xmlns="" xmlns:a16="http://schemas.microsoft.com/office/drawing/2014/main" id="{4F75C6BA-60A4-4C03-AD66-D91F7EA3CA5B}"/>
               </a:ext>
             </a:extLst>
           </p:cNvPr>
@@ -11151,7 +11151,7 @@
           <p:cNvPr id="29" name="Multiplication Sign 33">
             <a:extLst>
               <a:ext uri="{FF2B5EF4-FFF2-40B4-BE49-F238E27FC236}">
-                <a16:creationId xmlns:a16="http://schemas.microsoft.com/office/drawing/2014/main" xmlns="" id="{360BEC04-8F3B-4F6E-8F28-689634CA1D6F}"/>
+                <a16:creationId xmlns="" xmlns:a16="http://schemas.microsoft.com/office/drawing/2014/main" id="{360BEC04-8F3B-4F6E-8F28-689634CA1D6F}"/>
               </a:ext>
             </a:extLst>
           </p:cNvPr>
@@ -11195,7 +11195,7 @@
           <p:cNvPr id="30" name="Multiplication Sign 35">
             <a:extLst>
               <a:ext uri="{FF2B5EF4-FFF2-40B4-BE49-F238E27FC236}">
-                <a16:creationId xmlns:a16="http://schemas.microsoft.com/office/drawing/2014/main" xmlns="" id="{EBAC334F-3DA9-43C3-A0D5-C22A333982AF}"/>
+                <a16:creationId xmlns="" xmlns:a16="http://schemas.microsoft.com/office/drawing/2014/main" id="{EBAC334F-3DA9-43C3-A0D5-C22A333982AF}"/>
               </a:ext>
             </a:extLst>
           </p:cNvPr>
@@ -11239,7 +11239,7 @@
           <p:cNvPr id="31" name="Smiley Face 36">
             <a:extLst>
               <a:ext uri="{FF2B5EF4-FFF2-40B4-BE49-F238E27FC236}">
-                <a16:creationId xmlns:a16="http://schemas.microsoft.com/office/drawing/2014/main" xmlns="" id="{04FFD9C4-9E44-4AE6-8E51-995FE9A829B4}"/>
+                <a16:creationId xmlns="" xmlns:a16="http://schemas.microsoft.com/office/drawing/2014/main" id="{04FFD9C4-9E44-4AE6-8E51-995FE9A829B4}"/>
               </a:ext>
             </a:extLst>
           </p:cNvPr>
@@ -11283,7 +11283,7 @@
           <p:cNvPr id="35" name="Gerade Verbindung mit Pfeil 34">
             <a:extLst>
               <a:ext uri="{FF2B5EF4-FFF2-40B4-BE49-F238E27FC236}">
-                <a16:creationId xmlns:a16="http://schemas.microsoft.com/office/drawing/2014/main" xmlns="" id="{8F7F3C35-48FD-4B1F-B5A9-06E1F8EED47C}"/>
+                <a16:creationId xmlns="" xmlns:a16="http://schemas.microsoft.com/office/drawing/2014/main" id="{8F7F3C35-48FD-4B1F-B5A9-06E1F8EED47C}"/>
               </a:ext>
             </a:extLst>
           </p:cNvPr>
@@ -11326,7 +11326,7 @@
           <p:cNvPr id="38" name="Gerade Verbindung mit Pfeil 37">
             <a:extLst>
               <a:ext uri="{FF2B5EF4-FFF2-40B4-BE49-F238E27FC236}">
-                <a16:creationId xmlns:a16="http://schemas.microsoft.com/office/drawing/2014/main" xmlns="" id="{6CE8CB6D-DD20-401B-BD3D-74B6FC91262B}"/>
+                <a16:creationId xmlns="" xmlns:a16="http://schemas.microsoft.com/office/drawing/2014/main" id="{6CE8CB6D-DD20-401B-BD3D-74B6FC91262B}"/>
               </a:ext>
             </a:extLst>
           </p:cNvPr>
@@ -11369,7 +11369,7 @@
           <p:cNvPr id="39" name="Gerade Verbindung mit Pfeil 38">
             <a:extLst>
               <a:ext uri="{FF2B5EF4-FFF2-40B4-BE49-F238E27FC236}">
-                <a16:creationId xmlns:a16="http://schemas.microsoft.com/office/drawing/2014/main" xmlns="" id="{AFD1ECA3-9328-4A71-BD01-2002A621C844}"/>
+                <a16:creationId xmlns="" xmlns:a16="http://schemas.microsoft.com/office/drawing/2014/main" id="{AFD1ECA3-9328-4A71-BD01-2002A621C844}"/>
               </a:ext>
             </a:extLst>
           </p:cNvPr>
@@ -11412,7 +11412,7 @@
           <p:cNvPr id="40" name="Gerade Verbindung mit Pfeil 39">
             <a:extLst>
               <a:ext uri="{FF2B5EF4-FFF2-40B4-BE49-F238E27FC236}">
-                <a16:creationId xmlns:a16="http://schemas.microsoft.com/office/drawing/2014/main" xmlns="" id="{76519D98-F099-4FD8-870D-46DE404D5041}"/>
+                <a16:creationId xmlns="" xmlns:a16="http://schemas.microsoft.com/office/drawing/2014/main" id="{76519D98-F099-4FD8-870D-46DE404D5041}"/>
               </a:ext>
             </a:extLst>
           </p:cNvPr>
@@ -11485,7 +11485,7 @@
           <p:cNvPr id="4" name="Titel 3">
             <a:extLst>
               <a:ext uri="{FF2B5EF4-FFF2-40B4-BE49-F238E27FC236}">
-                <a16:creationId xmlns:a16="http://schemas.microsoft.com/office/drawing/2014/main" xmlns="" id="{057093C0-B422-44E2-8F71-11B7797B5B38}"/>
+                <a16:creationId xmlns="" xmlns:a16="http://schemas.microsoft.com/office/drawing/2014/main" id="{057093C0-B422-44E2-8F71-11B7797B5B38}"/>
               </a:ext>
             </a:extLst>
           </p:cNvPr>
@@ -11513,7 +11513,7 @@
           <p:cNvPr id="15" name="Picture 4" descr="A picture containing screenshot&#10;&#10;Description generated with very high confidence">
             <a:extLst>
               <a:ext uri="{FF2B5EF4-FFF2-40B4-BE49-F238E27FC236}">
-                <a16:creationId xmlns:a16="http://schemas.microsoft.com/office/drawing/2014/main" xmlns="" id="{C5DBDA53-4AC1-49F7-8112-DAC0A188A91B}"/>
+                <a16:creationId xmlns="" xmlns:a16="http://schemas.microsoft.com/office/drawing/2014/main" id="{C5DBDA53-4AC1-49F7-8112-DAC0A188A91B}"/>
               </a:ext>
             </a:extLst>
           </p:cNvPr>
@@ -11573,7 +11573,7 @@
           <p:cNvPr id="2" name="Inhaltsplatzhalter 1">
             <a:extLst>
               <a:ext uri="{FF2B5EF4-FFF2-40B4-BE49-F238E27FC236}">
-                <a16:creationId xmlns:a16="http://schemas.microsoft.com/office/drawing/2014/main" xmlns="" id="{FB13195B-36A8-4E46-BE92-860AE7FAF250}"/>
+                <a16:creationId xmlns="" xmlns:a16="http://schemas.microsoft.com/office/drawing/2014/main" id="{FB13195B-36A8-4E46-BE92-860AE7FAF250}"/>
               </a:ext>
             </a:extLst>
           </p:cNvPr>
@@ -11647,7 +11647,7 @@
           <p:cNvPr id="4" name="Titel 3">
             <a:extLst>
               <a:ext uri="{FF2B5EF4-FFF2-40B4-BE49-F238E27FC236}">
-                <a16:creationId xmlns:a16="http://schemas.microsoft.com/office/drawing/2014/main" xmlns="" id="{EB1B9DE0-20F2-4C7D-9394-F4266764EF92}"/>
+                <a16:creationId xmlns="" xmlns:a16="http://schemas.microsoft.com/office/drawing/2014/main" id="{EB1B9DE0-20F2-4C7D-9394-F4266764EF92}"/>
               </a:ext>
             </a:extLst>
           </p:cNvPr>
@@ -11705,7 +11705,7 @@
           <p:cNvPr id="6" name="Bildplatzhalter 5">
             <a:extLst>
               <a:ext uri="{FF2B5EF4-FFF2-40B4-BE49-F238E27FC236}">
-                <a16:creationId xmlns:a16="http://schemas.microsoft.com/office/drawing/2014/main" xmlns="" id="{B58DD4DB-BA8D-4781-B0CD-3E6F4B6F1B73}"/>
+                <a16:creationId xmlns="" xmlns:a16="http://schemas.microsoft.com/office/drawing/2014/main" id="{B58DD4DB-BA8D-4781-B0CD-3E6F4B6F1B73}"/>
               </a:ext>
             </a:extLst>
           </p:cNvPr>
@@ -11723,7 +11723,7 @@
           <p:cNvPr id="7" name="Textplatzhalter 6">
             <a:extLst>
               <a:ext uri="{FF2B5EF4-FFF2-40B4-BE49-F238E27FC236}">
-                <a16:creationId xmlns:a16="http://schemas.microsoft.com/office/drawing/2014/main" xmlns="" id="{E6C3171B-AA74-43DD-A91C-6ABB649D81BE}"/>
+                <a16:creationId xmlns="" xmlns:a16="http://schemas.microsoft.com/office/drawing/2014/main" id="{E6C3171B-AA74-43DD-A91C-6ABB649D81BE}"/>
               </a:ext>
             </a:extLst>
           </p:cNvPr>
@@ -11748,7 +11748,7 @@
           <p:cNvPr id="5" name="Titel 4">
             <a:extLst>
               <a:ext uri="{FF2B5EF4-FFF2-40B4-BE49-F238E27FC236}">
-                <a16:creationId xmlns:a16="http://schemas.microsoft.com/office/drawing/2014/main" xmlns="" id="{0CA9FA6D-C6BD-4F56-AF5E-40B3D276D269}"/>
+                <a16:creationId xmlns="" xmlns:a16="http://schemas.microsoft.com/office/drawing/2014/main" id="{0CA9FA6D-C6BD-4F56-AF5E-40B3D276D269}"/>
               </a:ext>
             </a:extLst>
           </p:cNvPr>
@@ -11806,7 +11806,7 @@
           <p:cNvPr id="3" name="Inhaltsplatzhalter 2">
             <a:extLst>
               <a:ext uri="{FF2B5EF4-FFF2-40B4-BE49-F238E27FC236}">
-                <a16:creationId xmlns:a16="http://schemas.microsoft.com/office/drawing/2014/main" xmlns="" id="{3DD5E699-B7E9-4615-BA8F-133BCCC8AB34}"/>
+                <a16:creationId xmlns="" xmlns:a16="http://schemas.microsoft.com/office/drawing/2014/main" id="{3DD5E699-B7E9-4615-BA8F-133BCCC8AB34}"/>
               </a:ext>
             </a:extLst>
           </p:cNvPr>
@@ -11901,7 +11901,7 @@
           <p:cNvPr id="5" name="Textplatzhalter 4">
             <a:extLst>
               <a:ext uri="{FF2B5EF4-FFF2-40B4-BE49-F238E27FC236}">
-                <a16:creationId xmlns:a16="http://schemas.microsoft.com/office/drawing/2014/main" xmlns="" id="{D219A850-E36D-44EA-B19B-A0F406516225}"/>
+                <a16:creationId xmlns="" xmlns:a16="http://schemas.microsoft.com/office/drawing/2014/main" id="{D219A850-E36D-44EA-B19B-A0F406516225}"/>
               </a:ext>
             </a:extLst>
           </p:cNvPr>
@@ -11951,7 +11951,7 @@
           <p:cNvPr id="6" name="Rechteck 5">
             <a:extLst>
               <a:ext uri="{FF2B5EF4-FFF2-40B4-BE49-F238E27FC236}">
-                <a16:creationId xmlns:a16="http://schemas.microsoft.com/office/drawing/2014/main" xmlns="" id="{AAD5A990-427D-4504-BEEF-41CBA2A0D005}"/>
+                <a16:creationId xmlns="" xmlns:a16="http://schemas.microsoft.com/office/drawing/2014/main" id="{AAD5A990-427D-4504-BEEF-41CBA2A0D005}"/>
               </a:ext>
             </a:extLst>
           </p:cNvPr>
@@ -12022,7 +12022,7 @@
           <p:cNvPr id="9" name="Rechteck 8">
             <a:extLst>
               <a:ext uri="{FF2B5EF4-FFF2-40B4-BE49-F238E27FC236}">
-                <a16:creationId xmlns:a16="http://schemas.microsoft.com/office/drawing/2014/main" xmlns="" id="{FB87D958-A1E4-49A6-97D9-AA4DE9550B37}"/>
+                <a16:creationId xmlns="" xmlns:a16="http://schemas.microsoft.com/office/drawing/2014/main" id="{FB87D958-A1E4-49A6-97D9-AA4DE9550B37}"/>
               </a:ext>
             </a:extLst>
           </p:cNvPr>
@@ -12085,7 +12085,7 @@
           <p:cNvPr id="10" name="Rechteck 9">
             <a:extLst>
               <a:ext uri="{FF2B5EF4-FFF2-40B4-BE49-F238E27FC236}">
-                <a16:creationId xmlns:a16="http://schemas.microsoft.com/office/drawing/2014/main" xmlns="" id="{FB276C29-DF37-40D3-8388-A7ACC13600F1}"/>
+                <a16:creationId xmlns="" xmlns:a16="http://schemas.microsoft.com/office/drawing/2014/main" id="{FB276C29-DF37-40D3-8388-A7ACC13600F1}"/>
               </a:ext>
             </a:extLst>
           </p:cNvPr>
@@ -12148,7 +12148,7 @@
           <p:cNvPr id="11" name="Rechteck 10">
             <a:extLst>
               <a:ext uri="{FF2B5EF4-FFF2-40B4-BE49-F238E27FC236}">
-                <a16:creationId xmlns:a16="http://schemas.microsoft.com/office/drawing/2014/main" xmlns="" id="{23E800F7-4FAD-4507-9EF3-37D376AE3C43}"/>
+                <a16:creationId xmlns="" xmlns:a16="http://schemas.microsoft.com/office/drawing/2014/main" id="{23E800F7-4FAD-4507-9EF3-37D376AE3C43}"/>
               </a:ext>
             </a:extLst>
           </p:cNvPr>
@@ -12224,7 +12224,7 @@
           <p:cNvPr id="12" name="Rechteck 11">
             <a:extLst>
               <a:ext uri="{FF2B5EF4-FFF2-40B4-BE49-F238E27FC236}">
-                <a16:creationId xmlns:a16="http://schemas.microsoft.com/office/drawing/2014/main" xmlns="" id="{0FCF6306-A8E8-43BC-B850-A078E3A4975B}"/>
+                <a16:creationId xmlns="" xmlns:a16="http://schemas.microsoft.com/office/drawing/2014/main" id="{0FCF6306-A8E8-43BC-B850-A078E3A4975B}"/>
               </a:ext>
             </a:extLst>
           </p:cNvPr>
@@ -12287,7 +12287,7 @@
           <p:cNvPr id="14" name="Gerade Verbindung mit Pfeil 13">
             <a:extLst>
               <a:ext uri="{FF2B5EF4-FFF2-40B4-BE49-F238E27FC236}">
-                <a16:creationId xmlns:a16="http://schemas.microsoft.com/office/drawing/2014/main" xmlns="" id="{731D7DEF-4C07-47C5-8FED-3218E3B179D6}"/>
+                <a16:creationId xmlns="" xmlns:a16="http://schemas.microsoft.com/office/drawing/2014/main" id="{731D7DEF-4C07-47C5-8FED-3218E3B179D6}"/>
               </a:ext>
             </a:extLst>
           </p:cNvPr>
@@ -12330,7 +12330,7 @@
           <p:cNvPr id="16" name="Gerade Verbindung mit Pfeil 15">
             <a:extLst>
               <a:ext uri="{FF2B5EF4-FFF2-40B4-BE49-F238E27FC236}">
-                <a16:creationId xmlns:a16="http://schemas.microsoft.com/office/drawing/2014/main" xmlns="" id="{8FF5869B-3223-4CAB-BC6D-4211ED90250F}"/>
+                <a16:creationId xmlns="" xmlns:a16="http://schemas.microsoft.com/office/drawing/2014/main" id="{8FF5869B-3223-4CAB-BC6D-4211ED90250F}"/>
               </a:ext>
             </a:extLst>
           </p:cNvPr>
@@ -12372,7 +12372,7 @@
           <p:cNvPr id="18" name="Gerade Verbindung mit Pfeil 17">
             <a:extLst>
               <a:ext uri="{FF2B5EF4-FFF2-40B4-BE49-F238E27FC236}">
-                <a16:creationId xmlns:a16="http://schemas.microsoft.com/office/drawing/2014/main" xmlns="" id="{880D10A3-A786-4E1D-AC92-5B457DE8A9D7}"/>
+                <a16:creationId xmlns="" xmlns:a16="http://schemas.microsoft.com/office/drawing/2014/main" id="{880D10A3-A786-4E1D-AC92-5B457DE8A9D7}"/>
               </a:ext>
             </a:extLst>
           </p:cNvPr>
@@ -12414,7 +12414,7 @@
           <p:cNvPr id="19" name="Rechteck 18">
             <a:extLst>
               <a:ext uri="{FF2B5EF4-FFF2-40B4-BE49-F238E27FC236}">
-                <a16:creationId xmlns:a16="http://schemas.microsoft.com/office/drawing/2014/main" xmlns="" id="{C66C4AE3-0C7A-4031-A9AC-FB73C53BFDD4}"/>
+                <a16:creationId xmlns="" xmlns:a16="http://schemas.microsoft.com/office/drawing/2014/main" id="{C66C4AE3-0C7A-4031-A9AC-FB73C53BFDD4}"/>
               </a:ext>
             </a:extLst>
           </p:cNvPr>
@@ -12477,7 +12477,7 @@
           <p:cNvPr id="21" name="Gerade Verbindung mit Pfeil 20">
             <a:extLst>
               <a:ext uri="{FF2B5EF4-FFF2-40B4-BE49-F238E27FC236}">
-                <a16:creationId xmlns:a16="http://schemas.microsoft.com/office/drawing/2014/main" xmlns="" id="{9BFE06F3-A17D-4C3D-82C9-DD5671608A58}"/>
+                <a16:creationId xmlns="" xmlns:a16="http://schemas.microsoft.com/office/drawing/2014/main" id="{9BFE06F3-A17D-4C3D-82C9-DD5671608A58}"/>
               </a:ext>
             </a:extLst>
           </p:cNvPr>
@@ -12519,7 +12519,7 @@
           <p:cNvPr id="23" name="Gerade Verbindung mit Pfeil 22">
             <a:extLst>
               <a:ext uri="{FF2B5EF4-FFF2-40B4-BE49-F238E27FC236}">
-                <a16:creationId xmlns:a16="http://schemas.microsoft.com/office/drawing/2014/main" xmlns="" id="{400E31F3-1A24-4F52-A449-AB24561768FA}"/>
+                <a16:creationId xmlns="" xmlns:a16="http://schemas.microsoft.com/office/drawing/2014/main" id="{400E31F3-1A24-4F52-A449-AB24561768FA}"/>
               </a:ext>
             </a:extLst>
           </p:cNvPr>
@@ -12561,7 +12561,7 @@
           <p:cNvPr id="24" name="Rechteck 23">
             <a:extLst>
               <a:ext uri="{FF2B5EF4-FFF2-40B4-BE49-F238E27FC236}">
-                <a16:creationId xmlns:a16="http://schemas.microsoft.com/office/drawing/2014/main" xmlns="" id="{801F9D84-7598-4B94-80DA-E06D447A9562}"/>
+                <a16:creationId xmlns="" xmlns:a16="http://schemas.microsoft.com/office/drawing/2014/main" id="{801F9D84-7598-4B94-80DA-E06D447A9562}"/>
               </a:ext>
             </a:extLst>
           </p:cNvPr>
@@ -12624,7 +12624,7 @@
           <p:cNvPr id="26" name="Gerade Verbindung mit Pfeil 25">
             <a:extLst>
               <a:ext uri="{FF2B5EF4-FFF2-40B4-BE49-F238E27FC236}">
-                <a16:creationId xmlns:a16="http://schemas.microsoft.com/office/drawing/2014/main" xmlns="" id="{738E34D9-E6F5-4739-AC86-1866A5FF4AAA}"/>
+                <a16:creationId xmlns="" xmlns:a16="http://schemas.microsoft.com/office/drawing/2014/main" id="{738E34D9-E6F5-4739-AC86-1866A5FF4AAA}"/>
               </a:ext>
             </a:extLst>
           </p:cNvPr>
@@ -12667,7 +12667,7 @@
           <p:cNvPr id="2" name="Gruppieren 1">
             <a:extLst>
               <a:ext uri="{FF2B5EF4-FFF2-40B4-BE49-F238E27FC236}">
-                <a16:creationId xmlns:a16="http://schemas.microsoft.com/office/drawing/2014/main" xmlns="" id="{2F7A74DD-E2B5-4108-BC91-E36EBDA1AF17}"/>
+                <a16:creationId xmlns="" xmlns:a16="http://schemas.microsoft.com/office/drawing/2014/main" id="{2F7A74DD-E2B5-4108-BC91-E36EBDA1AF17}"/>
               </a:ext>
             </a:extLst>
           </p:cNvPr>
@@ -12687,7 +12687,7 @@
             <p:cNvPr id="31" name="Geschweifte Klammer links 30">
               <a:extLst>
                 <a:ext uri="{FF2B5EF4-FFF2-40B4-BE49-F238E27FC236}">
-                  <a16:creationId xmlns:a16="http://schemas.microsoft.com/office/drawing/2014/main" xmlns="" id="{E6C330F5-D7A1-9F47-905A-AB629B362A11}"/>
+                  <a16:creationId xmlns="" xmlns:a16="http://schemas.microsoft.com/office/drawing/2014/main" id="{E6C330F5-D7A1-9F47-905A-AB629B362A11}"/>
                 </a:ext>
               </a:extLst>
             </p:cNvPr>
@@ -12731,7 +12731,7 @@
             <p:cNvPr id="32" name="Geschweifte Klammer links 31">
               <a:extLst>
                 <a:ext uri="{FF2B5EF4-FFF2-40B4-BE49-F238E27FC236}">
-                  <a16:creationId xmlns:a16="http://schemas.microsoft.com/office/drawing/2014/main" xmlns="" id="{CA9C7FEB-356B-5248-9947-52BAD5B0DA3E}"/>
+                  <a16:creationId xmlns="" xmlns:a16="http://schemas.microsoft.com/office/drawing/2014/main" id="{CA9C7FEB-356B-5248-9947-52BAD5B0DA3E}"/>
                 </a:ext>
               </a:extLst>
             </p:cNvPr>
@@ -12775,7 +12775,7 @@
             <p:cNvPr id="33" name="Geschweifte Klammer links 32">
               <a:extLst>
                 <a:ext uri="{FF2B5EF4-FFF2-40B4-BE49-F238E27FC236}">
-                  <a16:creationId xmlns:a16="http://schemas.microsoft.com/office/drawing/2014/main" xmlns="" id="{FE9564B3-360B-7642-BB67-F0F67F8192BE}"/>
+                  <a16:creationId xmlns="" xmlns:a16="http://schemas.microsoft.com/office/drawing/2014/main" id="{FE9564B3-360B-7642-BB67-F0F67F8192BE}"/>
                 </a:ext>
               </a:extLst>
             </p:cNvPr>
@@ -12819,7 +12819,7 @@
             <p:cNvPr id="34" name="Geschweifte Klammer links 33">
               <a:extLst>
                 <a:ext uri="{FF2B5EF4-FFF2-40B4-BE49-F238E27FC236}">
-                  <a16:creationId xmlns:a16="http://schemas.microsoft.com/office/drawing/2014/main" xmlns="" id="{D1FDB56D-1DCB-8B43-A49D-2AAB09ED235F}"/>
+                  <a16:creationId xmlns="" xmlns:a16="http://schemas.microsoft.com/office/drawing/2014/main" id="{D1FDB56D-1DCB-8B43-A49D-2AAB09ED235F}"/>
                 </a:ext>
               </a:extLst>
             </p:cNvPr>
@@ -12863,7 +12863,7 @@
             <p:cNvPr id="35" name="Geschweifte Klammer links 34">
               <a:extLst>
                 <a:ext uri="{FF2B5EF4-FFF2-40B4-BE49-F238E27FC236}">
-                  <a16:creationId xmlns:a16="http://schemas.microsoft.com/office/drawing/2014/main" xmlns="" id="{CD3E26A2-70FD-1545-A048-8D7E317F2FCC}"/>
+                  <a16:creationId xmlns="" xmlns:a16="http://schemas.microsoft.com/office/drawing/2014/main" id="{CD3E26A2-70FD-1545-A048-8D7E317F2FCC}"/>
                 </a:ext>
               </a:extLst>
             </p:cNvPr>
@@ -12908,7 +12908,7 @@
           <p:cNvPr id="25" name="Gerader Verbinder 24">
             <a:extLst>
               <a:ext uri="{FF2B5EF4-FFF2-40B4-BE49-F238E27FC236}">
-                <a16:creationId xmlns:a16="http://schemas.microsoft.com/office/drawing/2014/main" xmlns="" id="{80989AF3-CE0A-444F-B5DC-0D5D80EE3A76}"/>
+                <a16:creationId xmlns="" xmlns:a16="http://schemas.microsoft.com/office/drawing/2014/main" id="{80989AF3-CE0A-444F-B5DC-0D5D80EE3A76}"/>
               </a:ext>
             </a:extLst>
           </p:cNvPr>
@@ -12979,7 +12979,7 @@
               <p:cNvPr id="2" name="Inhaltsplatzhalter 1">
                 <a:extLst>
                   <a:ext uri="{FF2B5EF4-FFF2-40B4-BE49-F238E27FC236}">
-                    <a16:creationId xmlns:a16="http://schemas.microsoft.com/office/drawing/2014/main" xmlns="" id="{7F85237B-B366-4954-AFB2-EBA80A45FF85}"/>
+                    <a16:creationId xmlns="" xmlns:a16="http://schemas.microsoft.com/office/drawing/2014/main" id="{7F85237B-B366-4954-AFB2-EBA80A45FF85}"/>
                   </a:ext>
                 </a:extLst>
               </p:cNvPr>
@@ -13369,7 +13369,7 @@
           <p:cNvPr id="3" name="Textplatzhalter 2">
             <a:extLst>
               <a:ext uri="{FF2B5EF4-FFF2-40B4-BE49-F238E27FC236}">
-                <a16:creationId xmlns:a16="http://schemas.microsoft.com/office/drawing/2014/main" xmlns="" id="{9150CC4E-ADCB-4708-B741-5317462F0B9B}"/>
+                <a16:creationId xmlns="" xmlns:a16="http://schemas.microsoft.com/office/drawing/2014/main" id="{9150CC4E-ADCB-4708-B741-5317462F0B9B}"/>
               </a:ext>
             </a:extLst>
           </p:cNvPr>
@@ -13394,7 +13394,7 @@
           <p:cNvPr id="4" name="Titel 3">
             <a:extLst>
               <a:ext uri="{FF2B5EF4-FFF2-40B4-BE49-F238E27FC236}">
-                <a16:creationId xmlns:a16="http://schemas.microsoft.com/office/drawing/2014/main" xmlns="" id="{E7A76C3D-4322-4965-8C19-4BCC43581DDB}"/>
+                <a16:creationId xmlns="" xmlns:a16="http://schemas.microsoft.com/office/drawing/2014/main" id="{E7A76C3D-4322-4965-8C19-4BCC43581DDB}"/>
               </a:ext>
             </a:extLst>
           </p:cNvPr>
@@ -13452,7 +13452,7 @@
           <p:cNvPr id="2" name="Inhaltsplatzhalter 1">
             <a:extLst>
               <a:ext uri="{FF2B5EF4-FFF2-40B4-BE49-F238E27FC236}">
-                <a16:creationId xmlns:a16="http://schemas.microsoft.com/office/drawing/2014/main" xmlns="" id="{5A26C74B-65F2-42F7-B98C-1D5E93473F28}"/>
+                <a16:creationId xmlns="" xmlns:a16="http://schemas.microsoft.com/office/drawing/2014/main" id="{5A26C74B-65F2-42F7-B98C-1D5E93473F28}"/>
               </a:ext>
             </a:extLst>
           </p:cNvPr>
@@ -13477,7 +13477,7 @@
           <p:cNvPr id="3" name="Textplatzhalter 2">
             <a:extLst>
               <a:ext uri="{FF2B5EF4-FFF2-40B4-BE49-F238E27FC236}">
-                <a16:creationId xmlns:a16="http://schemas.microsoft.com/office/drawing/2014/main" xmlns="" id="{3D52AA3D-B300-420C-BAA3-F87EFB0D9E5A}"/>
+                <a16:creationId xmlns="" xmlns:a16="http://schemas.microsoft.com/office/drawing/2014/main" id="{3D52AA3D-B300-420C-BAA3-F87EFB0D9E5A}"/>
               </a:ext>
             </a:extLst>
           </p:cNvPr>
@@ -13502,7 +13502,7 @@
           <p:cNvPr id="4" name="Titel 3">
             <a:extLst>
               <a:ext uri="{FF2B5EF4-FFF2-40B4-BE49-F238E27FC236}">
-                <a16:creationId xmlns:a16="http://schemas.microsoft.com/office/drawing/2014/main" xmlns="" id="{55E08C7E-8070-4511-8A1E-DDE3D659CF07}"/>
+                <a16:creationId xmlns="" xmlns:a16="http://schemas.microsoft.com/office/drawing/2014/main" id="{55E08C7E-8070-4511-8A1E-DDE3D659CF07}"/>
               </a:ext>
             </a:extLst>
           </p:cNvPr>
@@ -13530,7 +13530,7 @@
           <p:cNvPr id="5" name="Inhaltsplatzhalter 4">
             <a:extLst>
               <a:ext uri="{FF2B5EF4-FFF2-40B4-BE49-F238E27FC236}">
-                <a16:creationId xmlns:a16="http://schemas.microsoft.com/office/drawing/2014/main" xmlns="" id="{26491CF7-7620-438B-BBB5-1E5FC57C5A56}"/>
+                <a16:creationId xmlns="" xmlns:a16="http://schemas.microsoft.com/office/drawing/2014/main" id="{26491CF7-7620-438B-BBB5-1E5FC57C5A56}"/>
               </a:ext>
             </a:extLst>
           </p:cNvPr>
@@ -13559,42 +13559,42 @@
                 <a:gridCol w="1392238">
                   <a:extLst>
                     <a:ext uri="{9D8B030D-6E8A-4147-A177-3AD203B41FA5}">
-                      <a16:colId xmlns:a16="http://schemas.microsoft.com/office/drawing/2014/main" xmlns="" val="2171424835"/>
+                      <a16:colId xmlns="" xmlns:a16="http://schemas.microsoft.com/office/drawing/2014/main" val="2171424835"/>
                     </a:ext>
                   </a:extLst>
                 </a:gridCol>
                 <a:gridCol w="1217761">
                   <a:extLst>
                     <a:ext uri="{9D8B030D-6E8A-4147-A177-3AD203B41FA5}">
-                      <a16:colId xmlns:a16="http://schemas.microsoft.com/office/drawing/2014/main" xmlns="" val="447786077"/>
+                      <a16:colId xmlns="" xmlns:a16="http://schemas.microsoft.com/office/drawing/2014/main" val="447786077"/>
                     </a:ext>
                   </a:extLst>
                 </a:gridCol>
                 <a:gridCol w="1224136">
                   <a:extLst>
                     <a:ext uri="{9D8B030D-6E8A-4147-A177-3AD203B41FA5}">
-                      <a16:colId xmlns:a16="http://schemas.microsoft.com/office/drawing/2014/main" xmlns="" val="3559991766"/>
+                      <a16:colId xmlns="" xmlns:a16="http://schemas.microsoft.com/office/drawing/2014/main" val="3559991766"/>
                     </a:ext>
                   </a:extLst>
                 </a:gridCol>
                 <a:gridCol w="1296144">
                   <a:extLst>
                     <a:ext uri="{9D8B030D-6E8A-4147-A177-3AD203B41FA5}">
-                      <a16:colId xmlns:a16="http://schemas.microsoft.com/office/drawing/2014/main" xmlns="" val="58671158"/>
+                      <a16:colId xmlns="" xmlns:a16="http://schemas.microsoft.com/office/drawing/2014/main" val="58671158"/>
                     </a:ext>
                   </a:extLst>
                 </a:gridCol>
                 <a:gridCol w="1296144">
                   <a:extLst>
                     <a:ext uri="{9D8B030D-6E8A-4147-A177-3AD203B41FA5}">
-                      <a16:colId xmlns:a16="http://schemas.microsoft.com/office/drawing/2014/main" xmlns="" val="551523310"/>
+                      <a16:colId xmlns="" xmlns:a16="http://schemas.microsoft.com/office/drawing/2014/main" val="551523310"/>
                     </a:ext>
                   </a:extLst>
                 </a:gridCol>
                 <a:gridCol w="1927005">
                   <a:extLst>
                     <a:ext uri="{9D8B030D-6E8A-4147-A177-3AD203B41FA5}">
-                      <a16:colId xmlns:a16="http://schemas.microsoft.com/office/drawing/2014/main" xmlns="" val="3925189939"/>
+                      <a16:colId xmlns="" xmlns:a16="http://schemas.microsoft.com/office/drawing/2014/main" val="3925189939"/>
                     </a:ext>
                   </a:extLst>
                 </a:gridCol>
@@ -13687,7 +13687,7 @@
                 </a:tc>
                 <a:extLst>
                   <a:ext uri="{0D108BD9-81ED-4DB2-BD59-A6C34878D82A}">
-                    <a16:rowId xmlns:a16="http://schemas.microsoft.com/office/drawing/2014/main" xmlns="" val="2609186871"/>
+                    <a16:rowId xmlns="" xmlns:a16="http://schemas.microsoft.com/office/drawing/2014/main" val="2609186871"/>
                   </a:ext>
                 </a:extLst>
               </a:tr>
@@ -13869,7 +13869,7 @@
                 </a:tc>
                 <a:extLst>
                   <a:ext uri="{0D108BD9-81ED-4DB2-BD59-A6C34878D82A}">
-                    <a16:rowId xmlns:a16="http://schemas.microsoft.com/office/drawing/2014/main" xmlns="" val="386559297"/>
+                    <a16:rowId xmlns="" xmlns:a16="http://schemas.microsoft.com/office/drawing/2014/main" val="386559297"/>
                   </a:ext>
                 </a:extLst>
               </a:tr>
@@ -14043,7 +14043,7 @@
                 </a:tc>
                 <a:extLst>
                   <a:ext uri="{0D108BD9-81ED-4DB2-BD59-A6C34878D82A}">
-                    <a16:rowId xmlns:a16="http://schemas.microsoft.com/office/drawing/2014/main" xmlns="" val="3969875259"/>
+                    <a16:rowId xmlns="" xmlns:a16="http://schemas.microsoft.com/office/drawing/2014/main" val="3969875259"/>
                   </a:ext>
                 </a:extLst>
               </a:tr>
@@ -14161,7 +14161,7 @@
                 </a:tc>
                 <a:extLst>
                   <a:ext uri="{0D108BD9-81ED-4DB2-BD59-A6C34878D82A}">
-                    <a16:rowId xmlns:a16="http://schemas.microsoft.com/office/drawing/2014/main" xmlns="" val="1704449759"/>
+                    <a16:rowId xmlns="" xmlns:a16="http://schemas.microsoft.com/office/drawing/2014/main" val="1704449759"/>
                   </a:ext>
                 </a:extLst>
               </a:tr>
@@ -14252,7 +14252,7 @@
                 </a:tc>
                 <a:extLst>
                   <a:ext uri="{0D108BD9-81ED-4DB2-BD59-A6C34878D82A}">
-                    <a16:rowId xmlns:a16="http://schemas.microsoft.com/office/drawing/2014/main" xmlns="" val="896673889"/>
+                    <a16:rowId xmlns="" xmlns:a16="http://schemas.microsoft.com/office/drawing/2014/main" val="896673889"/>
                   </a:ext>
                 </a:extLst>
               </a:tr>
@@ -14347,7 +14347,7 @@
                 </a:tc>
                 <a:extLst>
                   <a:ext uri="{0D108BD9-81ED-4DB2-BD59-A6C34878D82A}">
-                    <a16:rowId xmlns:a16="http://schemas.microsoft.com/office/drawing/2014/main" xmlns="" val="3293938892"/>
+                    <a16:rowId xmlns="" xmlns:a16="http://schemas.microsoft.com/office/drawing/2014/main" val="3293938892"/>
                   </a:ext>
                 </a:extLst>
               </a:tr>
@@ -14438,7 +14438,7 @@
                 </a:tc>
                 <a:extLst>
                   <a:ext uri="{0D108BD9-81ED-4DB2-BD59-A6C34878D82A}">
-                    <a16:rowId xmlns:a16="http://schemas.microsoft.com/office/drawing/2014/main" xmlns="" val="3737057194"/>
+                    <a16:rowId xmlns="" xmlns:a16="http://schemas.microsoft.com/office/drawing/2014/main" val="3737057194"/>
                   </a:ext>
                 </a:extLst>
               </a:tr>
@@ -14533,7 +14533,7 @@
                 </a:tc>
                 <a:extLst>
                   <a:ext uri="{0D108BD9-81ED-4DB2-BD59-A6C34878D82A}">
-                    <a16:rowId xmlns:a16="http://schemas.microsoft.com/office/drawing/2014/main" xmlns="" val="2202356645"/>
+                    <a16:rowId xmlns="" xmlns:a16="http://schemas.microsoft.com/office/drawing/2014/main" val="2202356645"/>
                   </a:ext>
                 </a:extLst>
               </a:tr>
@@ -14578,7 +14578,7 @@
               <p:cNvPr id="2" name="Inhaltsplatzhalter 1">
                 <a:extLst>
                   <a:ext uri="{FF2B5EF4-FFF2-40B4-BE49-F238E27FC236}">
-                    <a16:creationId xmlns:a16="http://schemas.microsoft.com/office/drawing/2014/main" xmlns="" id="{E25907DF-7D59-4808-AB31-12745F21C1E4}"/>
+                    <a16:creationId xmlns="" xmlns:a16="http://schemas.microsoft.com/office/drawing/2014/main" id="{E25907DF-7D59-4808-AB31-12745F21C1E4}"/>
                   </a:ext>
                 </a:extLst>
               </p:cNvPr>
@@ -15083,7 +15083,7 @@
           <p:cNvPr id="3" name="Textplatzhalter 2">
             <a:extLst>
               <a:ext uri="{FF2B5EF4-FFF2-40B4-BE49-F238E27FC236}">
-                <a16:creationId xmlns:a16="http://schemas.microsoft.com/office/drawing/2014/main" xmlns="" id="{45F789E4-F554-4101-90E2-79FB8A2E27E1}"/>
+                <a16:creationId xmlns="" xmlns:a16="http://schemas.microsoft.com/office/drawing/2014/main" id="{45F789E4-F554-4101-90E2-79FB8A2E27E1}"/>
               </a:ext>
             </a:extLst>
           </p:cNvPr>
@@ -15111,7 +15111,7 @@
           <p:cNvPr id="4" name="Titel 3">
             <a:extLst>
               <a:ext uri="{FF2B5EF4-FFF2-40B4-BE49-F238E27FC236}">
-                <a16:creationId xmlns:a16="http://schemas.microsoft.com/office/drawing/2014/main" xmlns="" id="{0C8871E8-0942-4370-9815-3741C31E81AD}"/>
+                <a16:creationId xmlns="" xmlns:a16="http://schemas.microsoft.com/office/drawing/2014/main" id="{0C8871E8-0942-4370-9815-3741C31E81AD}"/>
               </a:ext>
             </a:extLst>
           </p:cNvPr>
@@ -15139,7 +15139,7 @@
           <p:cNvPr id="6" name="Grafik 5">
             <a:extLst>
               <a:ext uri="{FF2B5EF4-FFF2-40B4-BE49-F238E27FC236}">
-                <a16:creationId xmlns:a16="http://schemas.microsoft.com/office/drawing/2014/main" xmlns="" id="{477408CE-B38A-4430-96E4-051DD561EA4D}"/>
+                <a16:creationId xmlns="" xmlns:a16="http://schemas.microsoft.com/office/drawing/2014/main" id="{477408CE-B38A-4430-96E4-051DD561EA4D}"/>
               </a:ext>
             </a:extLst>
           </p:cNvPr>
@@ -15205,7 +15205,7 @@
           <p:cNvPr id="3" name="Textplatzhalter 2">
             <a:extLst>
               <a:ext uri="{FF2B5EF4-FFF2-40B4-BE49-F238E27FC236}">
-                <a16:creationId xmlns:a16="http://schemas.microsoft.com/office/drawing/2014/main" xmlns="" id="{4B9491D8-3F8F-4266-B90D-2C5C8397C6F3}"/>
+                <a16:creationId xmlns="" xmlns:a16="http://schemas.microsoft.com/office/drawing/2014/main" id="{4B9491D8-3F8F-4266-B90D-2C5C8397C6F3}"/>
               </a:ext>
             </a:extLst>
           </p:cNvPr>
@@ -15233,7 +15233,7 @@
           <p:cNvPr id="4" name="Titel 3">
             <a:extLst>
               <a:ext uri="{FF2B5EF4-FFF2-40B4-BE49-F238E27FC236}">
-                <a16:creationId xmlns:a16="http://schemas.microsoft.com/office/drawing/2014/main" xmlns="" id="{150710C2-C659-4B2D-AA9C-86DE569C9E61}"/>
+                <a16:creationId xmlns="" xmlns:a16="http://schemas.microsoft.com/office/drawing/2014/main" id="{150710C2-C659-4B2D-AA9C-86DE569C9E61}"/>
               </a:ext>
             </a:extLst>
           </p:cNvPr>
@@ -15261,7 +15261,7 @@
           <p:cNvPr id="7" name="Inhaltsplatzhalter 6">
             <a:extLst>
               <a:ext uri="{FF2B5EF4-FFF2-40B4-BE49-F238E27FC236}">
-                <a16:creationId xmlns:a16="http://schemas.microsoft.com/office/drawing/2014/main" xmlns="" id="{BE318253-1358-420E-A3EB-DFBA0A5A2DE1}"/>
+                <a16:creationId xmlns="" xmlns:a16="http://schemas.microsoft.com/office/drawing/2014/main" id="{BE318253-1358-420E-A3EB-DFBA0A5A2DE1}"/>
               </a:ext>
             </a:extLst>
           </p:cNvPr>
@@ -15286,7 +15286,7 @@
           <p:cNvPr id="8" name="Inhaltsplatzhalter 5">
             <a:extLst>
               <a:ext uri="{FF2B5EF4-FFF2-40B4-BE49-F238E27FC236}">
-                <a16:creationId xmlns:a16="http://schemas.microsoft.com/office/drawing/2014/main" xmlns="" id="{11D3CBF4-ABEF-4138-A4A7-73A5263BAE08}"/>
+                <a16:creationId xmlns="" xmlns:a16="http://schemas.microsoft.com/office/drawing/2014/main" id="{11D3CBF4-ABEF-4138-A4A7-73A5263BAE08}"/>
               </a:ext>
             </a:extLst>
           </p:cNvPr>
@@ -15352,7 +15352,7 @@
           <p:cNvPr id="3" name="Textplatzhalter 2">
             <a:extLst>
               <a:ext uri="{FF2B5EF4-FFF2-40B4-BE49-F238E27FC236}">
-                <a16:creationId xmlns:a16="http://schemas.microsoft.com/office/drawing/2014/main" xmlns="" id="{55CA06D9-4935-440B-84DE-F7502AB8F623}"/>
+                <a16:creationId xmlns="" xmlns:a16="http://schemas.microsoft.com/office/drawing/2014/main" id="{55CA06D9-4935-440B-84DE-F7502AB8F623}"/>
               </a:ext>
             </a:extLst>
           </p:cNvPr>
@@ -15377,7 +15377,7 @@
           <p:cNvPr id="4" name="Titel 3">
             <a:extLst>
               <a:ext uri="{FF2B5EF4-FFF2-40B4-BE49-F238E27FC236}">
-                <a16:creationId xmlns:a16="http://schemas.microsoft.com/office/drawing/2014/main" xmlns="" id="{AFE695EE-746C-4FF4-88E5-60C74570C69D}"/>
+                <a16:creationId xmlns="" xmlns:a16="http://schemas.microsoft.com/office/drawing/2014/main" id="{AFE695EE-746C-4FF4-88E5-60C74570C69D}"/>
               </a:ext>
             </a:extLst>
           </p:cNvPr>
@@ -15405,7 +15405,7 @@
           <p:cNvPr id="10" name="Inhaltsplatzhalter 9">
             <a:extLst>
               <a:ext uri="{FF2B5EF4-FFF2-40B4-BE49-F238E27FC236}">
-                <a16:creationId xmlns:a16="http://schemas.microsoft.com/office/drawing/2014/main" xmlns="" id="{C5CB7856-4B86-445F-9DA8-79F7E504B277}"/>
+                <a16:creationId xmlns="" xmlns:a16="http://schemas.microsoft.com/office/drawing/2014/main" id="{C5CB7856-4B86-445F-9DA8-79F7E504B277}"/>
               </a:ext>
             </a:extLst>
           </p:cNvPr>
@@ -15434,7 +15434,7 @@
           <p:cNvPr id="12" name="Grafik 11">
             <a:extLst>
               <a:ext uri="{FF2B5EF4-FFF2-40B4-BE49-F238E27FC236}">
-                <a16:creationId xmlns:a16="http://schemas.microsoft.com/office/drawing/2014/main" xmlns="" id="{667F7240-2304-45F8-90DC-2FB93EE3EF93}"/>
+                <a16:creationId xmlns="" xmlns:a16="http://schemas.microsoft.com/office/drawing/2014/main" id="{667F7240-2304-45F8-90DC-2FB93EE3EF93}"/>
               </a:ext>
             </a:extLst>
           </p:cNvPr>
@@ -15593,7 +15593,7 @@
           <p:cNvPr id="5" name="Picture 4" descr="A picture containing screenshot&#10;&#10;Description generated with very high confidence">
             <a:extLst>
               <a:ext uri="{FF2B5EF4-FFF2-40B4-BE49-F238E27FC236}">
-                <a16:creationId xmlns:a16="http://schemas.microsoft.com/office/drawing/2014/main" xmlns="" id="{77F2C647-A27B-425B-8A74-DC22BABE3913}"/>
+                <a16:creationId xmlns="" xmlns:a16="http://schemas.microsoft.com/office/drawing/2014/main" id="{77F2C647-A27B-425B-8A74-DC22BABE3913}"/>
               </a:ext>
             </a:extLst>
           </p:cNvPr>
@@ -15680,7 +15680,7 @@
           <p:cNvPr id="2" name="Titel 1">
             <a:extLst>
               <a:ext uri="{FF2B5EF4-FFF2-40B4-BE49-F238E27FC236}">
-                <a16:creationId xmlns:a16="http://schemas.microsoft.com/office/drawing/2014/main" xmlns="" id="{8EAC9A62-EB39-4758-A100-08AA4FA2CB5E}"/>
+                <a16:creationId xmlns="" xmlns:a16="http://schemas.microsoft.com/office/drawing/2014/main" id="{8EAC9A62-EB39-4758-A100-08AA4FA2CB5E}"/>
               </a:ext>
             </a:extLst>
           </p:cNvPr>
@@ -15713,7 +15713,7 @@
           <p:cNvPr id="3" name="Inhaltsplatzhalter 2">
             <a:extLst>
               <a:ext uri="{FF2B5EF4-FFF2-40B4-BE49-F238E27FC236}">
-                <a16:creationId xmlns:a16="http://schemas.microsoft.com/office/drawing/2014/main" xmlns="" id="{7B6F27E4-144D-4DB3-8C29-9D8697D42257}"/>
+                <a16:creationId xmlns="" xmlns:a16="http://schemas.microsoft.com/office/drawing/2014/main" id="{7B6F27E4-144D-4DB3-8C29-9D8697D42257}"/>
               </a:ext>
             </a:extLst>
           </p:cNvPr>
@@ -15809,7 +15809,7 @@
           <p:cNvPr id="4" name="Textplatzhalter 3">
             <a:extLst>
               <a:ext uri="{FF2B5EF4-FFF2-40B4-BE49-F238E27FC236}">
-                <a16:creationId xmlns:a16="http://schemas.microsoft.com/office/drawing/2014/main" xmlns="" id="{F418CE97-2B50-4D86-9424-F175A039EAAA}"/>
+                <a16:creationId xmlns="" xmlns:a16="http://schemas.microsoft.com/office/drawing/2014/main" id="{F418CE97-2B50-4D86-9424-F175A039EAAA}"/>
               </a:ext>
             </a:extLst>
           </p:cNvPr>
@@ -15837,7 +15837,7 @@
           <p:cNvPr id="6" name="Gerader Verbinder 5">
             <a:extLst>
               <a:ext uri="{FF2B5EF4-FFF2-40B4-BE49-F238E27FC236}">
-                <a16:creationId xmlns:a16="http://schemas.microsoft.com/office/drawing/2014/main" xmlns="" id="{CB4C4FFD-2896-4D70-96EC-0A041D4DBCDB}"/>
+                <a16:creationId xmlns="" xmlns:a16="http://schemas.microsoft.com/office/drawing/2014/main" id="{CB4C4FFD-2896-4D70-96EC-0A041D4DBCDB}"/>
               </a:ext>
             </a:extLst>
           </p:cNvPr>
@@ -15876,7 +15876,7 @@
           <p:cNvPr id="12" name="Gerader Verbinder 11">
             <a:extLst>
               <a:ext uri="{FF2B5EF4-FFF2-40B4-BE49-F238E27FC236}">
-                <a16:creationId xmlns:a16="http://schemas.microsoft.com/office/drawing/2014/main" xmlns="" id="{BB86637A-50B2-4ACE-B24A-7F1B0BEEA11D}"/>
+                <a16:creationId xmlns="" xmlns:a16="http://schemas.microsoft.com/office/drawing/2014/main" id="{BB86637A-50B2-4ACE-B24A-7F1B0BEEA11D}"/>
               </a:ext>
             </a:extLst>
           </p:cNvPr>
@@ -15915,7 +15915,7 @@
           <p:cNvPr id="13" name="Rechteck 12">
             <a:extLst>
               <a:ext uri="{FF2B5EF4-FFF2-40B4-BE49-F238E27FC236}">
-                <a16:creationId xmlns:a16="http://schemas.microsoft.com/office/drawing/2014/main" xmlns="" id="{A7F515B2-AA98-4FD2-8DAA-BCA824EF6D08}"/>
+                <a16:creationId xmlns="" xmlns:a16="http://schemas.microsoft.com/office/drawing/2014/main" id="{A7F515B2-AA98-4FD2-8DAA-BCA824EF6D08}"/>
               </a:ext>
             </a:extLst>
           </p:cNvPr>
@@ -16038,7 +16038,7 @@
           <p:cNvPr id="14" name="Rechteck 13">
             <a:extLst>
               <a:ext uri="{FF2B5EF4-FFF2-40B4-BE49-F238E27FC236}">
-                <a16:creationId xmlns:a16="http://schemas.microsoft.com/office/drawing/2014/main" xmlns="" id="{E67E1956-D05A-4024-A304-2FBE430E6202}"/>
+                <a16:creationId xmlns="" xmlns:a16="http://schemas.microsoft.com/office/drawing/2014/main" id="{E67E1956-D05A-4024-A304-2FBE430E6202}"/>
               </a:ext>
             </a:extLst>
           </p:cNvPr>
@@ -16114,7 +16114,7 @@
           <p:cNvPr id="15" name="Pfeil: nach rechts 14">
             <a:extLst>
               <a:ext uri="{FF2B5EF4-FFF2-40B4-BE49-F238E27FC236}">
-                <a16:creationId xmlns:a16="http://schemas.microsoft.com/office/drawing/2014/main" xmlns="" id="{D5FA78D1-9992-42D2-B2EB-BF866D7917FB}"/>
+                <a16:creationId xmlns="" xmlns:a16="http://schemas.microsoft.com/office/drawing/2014/main" id="{D5FA78D1-9992-42D2-B2EB-BF866D7917FB}"/>
               </a:ext>
             </a:extLst>
           </p:cNvPr>
@@ -16163,7 +16163,7 @@
           <p:cNvPr id="17" name="Rechteck 16">
             <a:extLst>
               <a:ext uri="{FF2B5EF4-FFF2-40B4-BE49-F238E27FC236}">
-                <a16:creationId xmlns:a16="http://schemas.microsoft.com/office/drawing/2014/main" xmlns="" id="{BC42ED1F-86FF-476B-B177-FCD8EDBC9603}"/>
+                <a16:creationId xmlns="" xmlns:a16="http://schemas.microsoft.com/office/drawing/2014/main" id="{BC42ED1F-86FF-476B-B177-FCD8EDBC9603}"/>
               </a:ext>
             </a:extLst>
           </p:cNvPr>
@@ -16265,7 +16265,7 @@
           <p:cNvPr id="11" name="Abgerundetes Rechteck 10">
             <a:extLst>
               <a:ext uri="{FF2B5EF4-FFF2-40B4-BE49-F238E27FC236}">
-                <a16:creationId xmlns:a16="http://schemas.microsoft.com/office/drawing/2014/main" xmlns="" id="{BF525568-FD4C-AE48-AD97-13C41EAE51F5}"/>
+                <a16:creationId xmlns="" xmlns:a16="http://schemas.microsoft.com/office/drawing/2014/main" id="{BF525568-FD4C-AE48-AD97-13C41EAE51F5}"/>
               </a:ext>
             </a:extLst>
           </p:cNvPr>
@@ -16313,7 +16313,7 @@
           <p:cNvPr id="3" name="Titel 2">
             <a:extLst>
               <a:ext uri="{FF2B5EF4-FFF2-40B4-BE49-F238E27FC236}">
-                <a16:creationId xmlns:a16="http://schemas.microsoft.com/office/drawing/2014/main" xmlns="" id="{286634E7-D4A9-3F4A-A3F0-5438BD879568}"/>
+                <a16:creationId xmlns="" xmlns:a16="http://schemas.microsoft.com/office/drawing/2014/main" id="{286634E7-D4A9-3F4A-A3F0-5438BD879568}"/>
               </a:ext>
             </a:extLst>
           </p:cNvPr>
@@ -16342,7 +16342,7 @@
           <p:cNvPr id="6" name="Abgerundetes Rechteck 5">
             <a:extLst>
               <a:ext uri="{FF2B5EF4-FFF2-40B4-BE49-F238E27FC236}">
-                <a16:creationId xmlns:a16="http://schemas.microsoft.com/office/drawing/2014/main" xmlns="" id="{F7798EFE-4085-8546-8572-4EE9B0AF6675}"/>
+                <a16:creationId xmlns="" xmlns:a16="http://schemas.microsoft.com/office/drawing/2014/main" id="{F7798EFE-4085-8546-8572-4EE9B0AF6675}"/>
               </a:ext>
             </a:extLst>
           </p:cNvPr>
@@ -16404,7 +16404,7 @@
           <p:cNvPr id="7" name="Rechteck 6">
             <a:extLst>
               <a:ext uri="{FF2B5EF4-FFF2-40B4-BE49-F238E27FC236}">
-                <a16:creationId xmlns:a16="http://schemas.microsoft.com/office/drawing/2014/main" xmlns="" id="{E0CFADD7-1DEE-8A44-B07F-5D0B40C0062D}"/>
+                <a16:creationId xmlns="" xmlns:a16="http://schemas.microsoft.com/office/drawing/2014/main" id="{E0CFADD7-1DEE-8A44-B07F-5D0B40C0062D}"/>
               </a:ext>
             </a:extLst>
           </p:cNvPr>
@@ -16465,7 +16465,7 @@
           <p:cNvPr id="8" name="Rechteck 7">
             <a:extLst>
               <a:ext uri="{FF2B5EF4-FFF2-40B4-BE49-F238E27FC236}">
-                <a16:creationId xmlns:a16="http://schemas.microsoft.com/office/drawing/2014/main" xmlns="" id="{B9C702B5-8A9B-0347-A216-735E38F31E4B}"/>
+                <a16:creationId xmlns="" xmlns:a16="http://schemas.microsoft.com/office/drawing/2014/main" id="{B9C702B5-8A9B-0347-A216-735E38F31E4B}"/>
               </a:ext>
             </a:extLst>
           </p:cNvPr>
@@ -16526,7 +16526,7 @@
           <p:cNvPr id="9" name="Rechteck 8">
             <a:extLst>
               <a:ext uri="{FF2B5EF4-FFF2-40B4-BE49-F238E27FC236}">
-                <a16:creationId xmlns:a16="http://schemas.microsoft.com/office/drawing/2014/main" xmlns="" id="{70EED48D-FB2B-A143-8C94-EF037FAC96EA}"/>
+                <a16:creationId xmlns="" xmlns:a16="http://schemas.microsoft.com/office/drawing/2014/main" id="{70EED48D-FB2B-A143-8C94-EF037FAC96EA}"/>
               </a:ext>
             </a:extLst>
           </p:cNvPr>
@@ -16587,7 +16587,7 @@
           <p:cNvPr id="10" name="Abgerundetes Rechteck 9">
             <a:extLst>
               <a:ext uri="{FF2B5EF4-FFF2-40B4-BE49-F238E27FC236}">
-                <a16:creationId xmlns:a16="http://schemas.microsoft.com/office/drawing/2014/main" xmlns="" id="{0132577E-A34E-DB47-88F5-BEFD0CC0E83E}"/>
+                <a16:creationId xmlns="" xmlns:a16="http://schemas.microsoft.com/office/drawing/2014/main" id="{0132577E-A34E-DB47-88F5-BEFD0CC0E83E}"/>
               </a:ext>
             </a:extLst>
           </p:cNvPr>
@@ -16649,7 +16649,7 @@
           <p:cNvPr id="14" name="Abgerundetes Rechteck 13">
             <a:extLst>
               <a:ext uri="{FF2B5EF4-FFF2-40B4-BE49-F238E27FC236}">
-                <a16:creationId xmlns:a16="http://schemas.microsoft.com/office/drawing/2014/main" xmlns="" id="{6B6DB4BD-31D3-8F45-B5CE-4DFEA5F13C87}"/>
+                <a16:creationId xmlns="" xmlns:a16="http://schemas.microsoft.com/office/drawing/2014/main" id="{6B6DB4BD-31D3-8F45-B5CE-4DFEA5F13C87}"/>
               </a:ext>
             </a:extLst>
           </p:cNvPr>
@@ -16707,7 +16707,7 @@
           <p:cNvPr id="15" name="Abgerundetes Rechteck 14">
             <a:extLst>
               <a:ext uri="{FF2B5EF4-FFF2-40B4-BE49-F238E27FC236}">
-                <a16:creationId xmlns:a16="http://schemas.microsoft.com/office/drawing/2014/main" xmlns="" id="{DB4DB3BC-AFC6-0344-97B9-8D7FE97831D0}"/>
+                <a16:creationId xmlns="" xmlns:a16="http://schemas.microsoft.com/office/drawing/2014/main" id="{DB4DB3BC-AFC6-0344-97B9-8D7FE97831D0}"/>
               </a:ext>
             </a:extLst>
           </p:cNvPr>
@@ -17202,7 +17202,7 @@
           <p:cNvPr id="55" name="Textplatzhalter 3">
             <a:extLst>
               <a:ext uri="{FF2B5EF4-FFF2-40B4-BE49-F238E27FC236}">
-                <a16:creationId xmlns:a16="http://schemas.microsoft.com/office/drawing/2014/main" xmlns="" id="{F418CE97-2B50-4D86-9424-F175A039EAAA}"/>
+                <a16:creationId xmlns="" xmlns:a16="http://schemas.microsoft.com/office/drawing/2014/main" id="{F418CE97-2B50-4D86-9424-F175A039EAAA}"/>
               </a:ext>
             </a:extLst>
           </p:cNvPr>
@@ -17273,7 +17273,7 @@
           <p:cNvPr id="11" name="Abgerundetes Rechteck 10">
             <a:extLst>
               <a:ext uri="{FF2B5EF4-FFF2-40B4-BE49-F238E27FC236}">
-                <a16:creationId xmlns:a16="http://schemas.microsoft.com/office/drawing/2014/main" xmlns="" id="{BF525568-FD4C-AE48-AD97-13C41EAE51F5}"/>
+                <a16:creationId xmlns="" xmlns:a16="http://schemas.microsoft.com/office/drawing/2014/main" id="{BF525568-FD4C-AE48-AD97-13C41EAE51F5}"/>
               </a:ext>
             </a:extLst>
           </p:cNvPr>
@@ -17321,7 +17321,7 @@
           <p:cNvPr id="3" name="Titel 2">
             <a:extLst>
               <a:ext uri="{FF2B5EF4-FFF2-40B4-BE49-F238E27FC236}">
-                <a16:creationId xmlns:a16="http://schemas.microsoft.com/office/drawing/2014/main" xmlns="" id="{286634E7-D4A9-3F4A-A3F0-5438BD879568}"/>
+                <a16:creationId xmlns="" xmlns:a16="http://schemas.microsoft.com/office/drawing/2014/main" id="{286634E7-D4A9-3F4A-A3F0-5438BD879568}"/>
               </a:ext>
             </a:extLst>
           </p:cNvPr>
@@ -17350,7 +17350,7 @@
           <p:cNvPr id="6" name="Abgerundetes Rechteck 5">
             <a:extLst>
               <a:ext uri="{FF2B5EF4-FFF2-40B4-BE49-F238E27FC236}">
-                <a16:creationId xmlns:a16="http://schemas.microsoft.com/office/drawing/2014/main" xmlns="" id="{F7798EFE-4085-8546-8572-4EE9B0AF6675}"/>
+                <a16:creationId xmlns="" xmlns:a16="http://schemas.microsoft.com/office/drawing/2014/main" id="{F7798EFE-4085-8546-8572-4EE9B0AF6675}"/>
               </a:ext>
             </a:extLst>
           </p:cNvPr>
@@ -17412,7 +17412,7 @@
           <p:cNvPr id="7" name="Rechteck 6">
             <a:extLst>
               <a:ext uri="{FF2B5EF4-FFF2-40B4-BE49-F238E27FC236}">
-                <a16:creationId xmlns:a16="http://schemas.microsoft.com/office/drawing/2014/main" xmlns="" id="{E0CFADD7-1DEE-8A44-B07F-5D0B40C0062D}"/>
+                <a16:creationId xmlns="" xmlns:a16="http://schemas.microsoft.com/office/drawing/2014/main" id="{E0CFADD7-1DEE-8A44-B07F-5D0B40C0062D}"/>
               </a:ext>
             </a:extLst>
           </p:cNvPr>
@@ -17473,7 +17473,7 @@
           <p:cNvPr id="8" name="Rechteck 7">
             <a:extLst>
               <a:ext uri="{FF2B5EF4-FFF2-40B4-BE49-F238E27FC236}">
-                <a16:creationId xmlns:a16="http://schemas.microsoft.com/office/drawing/2014/main" xmlns="" id="{B9C702B5-8A9B-0347-A216-735E38F31E4B}"/>
+                <a16:creationId xmlns="" xmlns:a16="http://schemas.microsoft.com/office/drawing/2014/main" id="{B9C702B5-8A9B-0347-A216-735E38F31E4B}"/>
               </a:ext>
             </a:extLst>
           </p:cNvPr>
@@ -17534,7 +17534,7 @@
           <p:cNvPr id="9" name="Rechteck 8">
             <a:extLst>
               <a:ext uri="{FF2B5EF4-FFF2-40B4-BE49-F238E27FC236}">
-                <a16:creationId xmlns:a16="http://schemas.microsoft.com/office/drawing/2014/main" xmlns="" id="{70EED48D-FB2B-A143-8C94-EF037FAC96EA}"/>
+                <a16:creationId xmlns="" xmlns:a16="http://schemas.microsoft.com/office/drawing/2014/main" id="{70EED48D-FB2B-A143-8C94-EF037FAC96EA}"/>
               </a:ext>
             </a:extLst>
           </p:cNvPr>
@@ -17595,7 +17595,7 @@
           <p:cNvPr id="10" name="Abgerundetes Rechteck 9">
             <a:extLst>
               <a:ext uri="{FF2B5EF4-FFF2-40B4-BE49-F238E27FC236}">
-                <a16:creationId xmlns:a16="http://schemas.microsoft.com/office/drawing/2014/main" xmlns="" id="{0132577E-A34E-DB47-88F5-BEFD0CC0E83E}"/>
+                <a16:creationId xmlns="" xmlns:a16="http://schemas.microsoft.com/office/drawing/2014/main" id="{0132577E-A34E-DB47-88F5-BEFD0CC0E83E}"/>
               </a:ext>
             </a:extLst>
           </p:cNvPr>
@@ -17657,7 +17657,7 @@
           <p:cNvPr id="14" name="Abgerundetes Rechteck 13">
             <a:extLst>
               <a:ext uri="{FF2B5EF4-FFF2-40B4-BE49-F238E27FC236}">
-                <a16:creationId xmlns:a16="http://schemas.microsoft.com/office/drawing/2014/main" xmlns="" id="{6B6DB4BD-31D3-8F45-B5CE-4DFEA5F13C87}"/>
+                <a16:creationId xmlns="" xmlns:a16="http://schemas.microsoft.com/office/drawing/2014/main" id="{6B6DB4BD-31D3-8F45-B5CE-4DFEA5F13C87}"/>
               </a:ext>
             </a:extLst>
           </p:cNvPr>
@@ -17715,7 +17715,7 @@
           <p:cNvPr id="15" name="Abgerundetes Rechteck 14">
             <a:extLst>
               <a:ext uri="{FF2B5EF4-FFF2-40B4-BE49-F238E27FC236}">
-                <a16:creationId xmlns:a16="http://schemas.microsoft.com/office/drawing/2014/main" xmlns="" id="{DB4DB3BC-AFC6-0344-97B9-8D7FE97831D0}"/>
+                <a16:creationId xmlns="" xmlns:a16="http://schemas.microsoft.com/office/drawing/2014/main" id="{DB4DB3BC-AFC6-0344-97B9-8D7FE97831D0}"/>
               </a:ext>
             </a:extLst>
           </p:cNvPr>
@@ -18210,7 +18210,7 @@
           <p:cNvPr id="55" name="Textplatzhalter 3">
             <a:extLst>
               <a:ext uri="{FF2B5EF4-FFF2-40B4-BE49-F238E27FC236}">
-                <a16:creationId xmlns:a16="http://schemas.microsoft.com/office/drawing/2014/main" xmlns="" id="{F418CE97-2B50-4D86-9424-F175A039EAAA}"/>
+                <a16:creationId xmlns="" xmlns:a16="http://schemas.microsoft.com/office/drawing/2014/main" id="{F418CE97-2B50-4D86-9424-F175A039EAAA}"/>
               </a:ext>
             </a:extLst>
           </p:cNvPr>
@@ -18819,7 +18819,7 @@
           <p:cNvPr id="11" name="Abgerundetes Rechteck 10">
             <a:extLst>
               <a:ext uri="{FF2B5EF4-FFF2-40B4-BE49-F238E27FC236}">
-                <a16:creationId xmlns:a16="http://schemas.microsoft.com/office/drawing/2014/main" xmlns="" id="{BF525568-FD4C-AE48-AD97-13C41EAE51F5}"/>
+                <a16:creationId xmlns="" xmlns:a16="http://schemas.microsoft.com/office/drawing/2014/main" id="{BF525568-FD4C-AE48-AD97-13C41EAE51F5}"/>
               </a:ext>
             </a:extLst>
           </p:cNvPr>
@@ -18867,7 +18867,7 @@
           <p:cNvPr id="3" name="Titel 2">
             <a:extLst>
               <a:ext uri="{FF2B5EF4-FFF2-40B4-BE49-F238E27FC236}">
-                <a16:creationId xmlns:a16="http://schemas.microsoft.com/office/drawing/2014/main" xmlns="" id="{286634E7-D4A9-3F4A-A3F0-5438BD879568}"/>
+                <a16:creationId xmlns="" xmlns:a16="http://schemas.microsoft.com/office/drawing/2014/main" id="{286634E7-D4A9-3F4A-A3F0-5438BD879568}"/>
               </a:ext>
             </a:extLst>
           </p:cNvPr>
@@ -18896,7 +18896,7 @@
           <p:cNvPr id="6" name="Abgerundetes Rechteck 5">
             <a:extLst>
               <a:ext uri="{FF2B5EF4-FFF2-40B4-BE49-F238E27FC236}">
-                <a16:creationId xmlns:a16="http://schemas.microsoft.com/office/drawing/2014/main" xmlns="" id="{F7798EFE-4085-8546-8572-4EE9B0AF6675}"/>
+                <a16:creationId xmlns="" xmlns:a16="http://schemas.microsoft.com/office/drawing/2014/main" id="{F7798EFE-4085-8546-8572-4EE9B0AF6675}"/>
               </a:ext>
             </a:extLst>
           </p:cNvPr>
@@ -18958,7 +18958,7 @@
           <p:cNvPr id="7" name="Rechteck 6">
             <a:extLst>
               <a:ext uri="{FF2B5EF4-FFF2-40B4-BE49-F238E27FC236}">
-                <a16:creationId xmlns:a16="http://schemas.microsoft.com/office/drawing/2014/main" xmlns="" id="{E0CFADD7-1DEE-8A44-B07F-5D0B40C0062D}"/>
+                <a16:creationId xmlns="" xmlns:a16="http://schemas.microsoft.com/office/drawing/2014/main" id="{E0CFADD7-1DEE-8A44-B07F-5D0B40C0062D}"/>
               </a:ext>
             </a:extLst>
           </p:cNvPr>
@@ -19019,7 +19019,7 @@
           <p:cNvPr id="8" name="Rechteck 7">
             <a:extLst>
               <a:ext uri="{FF2B5EF4-FFF2-40B4-BE49-F238E27FC236}">
-                <a16:creationId xmlns:a16="http://schemas.microsoft.com/office/drawing/2014/main" xmlns="" id="{B9C702B5-8A9B-0347-A216-735E38F31E4B}"/>
+                <a16:creationId xmlns="" xmlns:a16="http://schemas.microsoft.com/office/drawing/2014/main" id="{B9C702B5-8A9B-0347-A216-735E38F31E4B}"/>
               </a:ext>
             </a:extLst>
           </p:cNvPr>
@@ -19080,7 +19080,7 @@
           <p:cNvPr id="9" name="Rechteck 8">
             <a:extLst>
               <a:ext uri="{FF2B5EF4-FFF2-40B4-BE49-F238E27FC236}">
-                <a16:creationId xmlns:a16="http://schemas.microsoft.com/office/drawing/2014/main" xmlns="" id="{70EED48D-FB2B-A143-8C94-EF037FAC96EA}"/>
+                <a16:creationId xmlns="" xmlns:a16="http://schemas.microsoft.com/office/drawing/2014/main" id="{70EED48D-FB2B-A143-8C94-EF037FAC96EA}"/>
               </a:ext>
             </a:extLst>
           </p:cNvPr>
@@ -19141,7 +19141,7 @@
           <p:cNvPr id="10" name="Abgerundetes Rechteck 9">
             <a:extLst>
               <a:ext uri="{FF2B5EF4-FFF2-40B4-BE49-F238E27FC236}">
-                <a16:creationId xmlns:a16="http://schemas.microsoft.com/office/drawing/2014/main" xmlns="" id="{0132577E-A34E-DB47-88F5-BEFD0CC0E83E}"/>
+                <a16:creationId xmlns="" xmlns:a16="http://schemas.microsoft.com/office/drawing/2014/main" id="{0132577E-A34E-DB47-88F5-BEFD0CC0E83E}"/>
               </a:ext>
             </a:extLst>
           </p:cNvPr>
@@ -19203,7 +19203,7 @@
           <p:cNvPr id="14" name="Abgerundetes Rechteck 13">
             <a:extLst>
               <a:ext uri="{FF2B5EF4-FFF2-40B4-BE49-F238E27FC236}">
-                <a16:creationId xmlns:a16="http://schemas.microsoft.com/office/drawing/2014/main" xmlns="" id="{6B6DB4BD-31D3-8F45-B5CE-4DFEA5F13C87}"/>
+                <a16:creationId xmlns="" xmlns:a16="http://schemas.microsoft.com/office/drawing/2014/main" id="{6B6DB4BD-31D3-8F45-B5CE-4DFEA5F13C87}"/>
               </a:ext>
             </a:extLst>
           </p:cNvPr>
@@ -19261,7 +19261,7 @@
           <p:cNvPr id="15" name="Abgerundetes Rechteck 14">
             <a:extLst>
               <a:ext uri="{FF2B5EF4-FFF2-40B4-BE49-F238E27FC236}">
-                <a16:creationId xmlns:a16="http://schemas.microsoft.com/office/drawing/2014/main" xmlns="" id="{DB4DB3BC-AFC6-0344-97B9-8D7FE97831D0}"/>
+                <a16:creationId xmlns="" xmlns:a16="http://schemas.microsoft.com/office/drawing/2014/main" id="{DB4DB3BC-AFC6-0344-97B9-8D7FE97831D0}"/>
               </a:ext>
             </a:extLst>
           </p:cNvPr>
@@ -19612,7 +19612,7 @@
         <p:spPr>
           <a:xfrm>
             <a:off x="177234" y="1847462"/>
-            <a:ext cx="1265090" cy="261610"/>
+            <a:ext cx="1406154" cy="261610"/>
           </a:xfrm>
           <a:prstGeom prst="rect">
             <a:avLst/>
@@ -19626,20 +19626,16 @@
           <a:lstStyle/>
           <a:p>
             <a:r>
-              <a:rPr lang="de-DE" sz="1100" dirty="0" smtClean="0"/>
-              <a:t>Real-</a:t>
-            </a:r>
-            <a:r>
-              <a:rPr lang="de-DE" sz="1100" dirty="0" err="1" smtClean="0"/>
-              <a:t>world</a:t>
-            </a:r>
-            <a:r>
               <a:rPr lang="de-DE" sz="1100" dirty="0"/>
-              <a:t> </a:t>
-            </a:r>
-            <a:r>
-              <a:rPr lang="de-DE" sz="1100" dirty="0" smtClean="0"/>
-              <a:t>Trace</a:t>
+              <a:t>.</a:t>
+            </a:r>
+            <a:r>
+              <a:rPr lang="de-DE" sz="1100" dirty="0" err="1"/>
+              <a:t>pcap</a:t>
+            </a:r>
+            <a:r>
+              <a:rPr lang="de-DE" sz="1100" dirty="0"/>
+              <a:t> oder ping log</a:t>
             </a:r>
             <a:endParaRPr lang="de-DE" sz="1100" dirty="0"/>
           </a:p>
@@ -19756,7 +19752,7 @@
           <p:cNvPr id="55" name="Textplatzhalter 3">
             <a:extLst>
               <a:ext uri="{FF2B5EF4-FFF2-40B4-BE49-F238E27FC236}">
-                <a16:creationId xmlns:a16="http://schemas.microsoft.com/office/drawing/2014/main" xmlns="" id="{F418CE97-2B50-4D86-9424-F175A039EAAA}"/>
+                <a16:creationId xmlns="" xmlns:a16="http://schemas.microsoft.com/office/drawing/2014/main" id="{F418CE97-2B50-4D86-9424-F175A039EAAA}"/>
               </a:ext>
             </a:extLst>
           </p:cNvPr>
@@ -20357,7 +20353,7 @@
           <p:cNvPr id="11" name="Abgerundetes Rechteck 10">
             <a:extLst>
               <a:ext uri="{FF2B5EF4-FFF2-40B4-BE49-F238E27FC236}">
-                <a16:creationId xmlns:a16="http://schemas.microsoft.com/office/drawing/2014/main" xmlns="" id="{BF525568-FD4C-AE48-AD97-13C41EAE51F5}"/>
+                <a16:creationId xmlns="" xmlns:a16="http://schemas.microsoft.com/office/drawing/2014/main" id="{BF525568-FD4C-AE48-AD97-13C41EAE51F5}"/>
               </a:ext>
             </a:extLst>
           </p:cNvPr>
@@ -20405,7 +20401,7 @@
           <p:cNvPr id="3" name="Titel 2">
             <a:extLst>
               <a:ext uri="{FF2B5EF4-FFF2-40B4-BE49-F238E27FC236}">
-                <a16:creationId xmlns:a16="http://schemas.microsoft.com/office/drawing/2014/main" xmlns="" id="{286634E7-D4A9-3F4A-A3F0-5438BD879568}"/>
+                <a16:creationId xmlns="" xmlns:a16="http://schemas.microsoft.com/office/drawing/2014/main" id="{286634E7-D4A9-3F4A-A3F0-5438BD879568}"/>
               </a:ext>
             </a:extLst>
           </p:cNvPr>
@@ -20434,7 +20430,7 @@
           <p:cNvPr id="6" name="Abgerundetes Rechteck 5">
             <a:extLst>
               <a:ext uri="{FF2B5EF4-FFF2-40B4-BE49-F238E27FC236}">
-                <a16:creationId xmlns:a16="http://schemas.microsoft.com/office/drawing/2014/main" xmlns="" id="{F7798EFE-4085-8546-8572-4EE9B0AF6675}"/>
+                <a16:creationId xmlns="" xmlns:a16="http://schemas.microsoft.com/office/drawing/2014/main" id="{F7798EFE-4085-8546-8572-4EE9B0AF6675}"/>
               </a:ext>
             </a:extLst>
           </p:cNvPr>
@@ -20496,7 +20492,7 @@
           <p:cNvPr id="7" name="Rechteck 6">
             <a:extLst>
               <a:ext uri="{FF2B5EF4-FFF2-40B4-BE49-F238E27FC236}">
-                <a16:creationId xmlns:a16="http://schemas.microsoft.com/office/drawing/2014/main" xmlns="" id="{E0CFADD7-1DEE-8A44-B07F-5D0B40C0062D}"/>
+                <a16:creationId xmlns="" xmlns:a16="http://schemas.microsoft.com/office/drawing/2014/main" id="{E0CFADD7-1DEE-8A44-B07F-5D0B40C0062D}"/>
               </a:ext>
             </a:extLst>
           </p:cNvPr>
@@ -20557,7 +20553,7 @@
           <p:cNvPr id="8" name="Rechteck 7">
             <a:extLst>
               <a:ext uri="{FF2B5EF4-FFF2-40B4-BE49-F238E27FC236}">
-                <a16:creationId xmlns:a16="http://schemas.microsoft.com/office/drawing/2014/main" xmlns="" id="{B9C702B5-8A9B-0347-A216-735E38F31E4B}"/>
+                <a16:creationId xmlns="" xmlns:a16="http://schemas.microsoft.com/office/drawing/2014/main" id="{B9C702B5-8A9B-0347-A216-735E38F31E4B}"/>
               </a:ext>
             </a:extLst>
           </p:cNvPr>
@@ -20618,7 +20614,7 @@
           <p:cNvPr id="9" name="Rechteck 8">
             <a:extLst>
               <a:ext uri="{FF2B5EF4-FFF2-40B4-BE49-F238E27FC236}">
-                <a16:creationId xmlns:a16="http://schemas.microsoft.com/office/drawing/2014/main" xmlns="" id="{70EED48D-FB2B-A143-8C94-EF037FAC96EA}"/>
+                <a16:creationId xmlns="" xmlns:a16="http://schemas.microsoft.com/office/drawing/2014/main" id="{70EED48D-FB2B-A143-8C94-EF037FAC96EA}"/>
               </a:ext>
             </a:extLst>
           </p:cNvPr>
@@ -20679,7 +20675,7 @@
           <p:cNvPr id="10" name="Abgerundetes Rechteck 9">
             <a:extLst>
               <a:ext uri="{FF2B5EF4-FFF2-40B4-BE49-F238E27FC236}">
-                <a16:creationId xmlns:a16="http://schemas.microsoft.com/office/drawing/2014/main" xmlns="" id="{0132577E-A34E-DB47-88F5-BEFD0CC0E83E}"/>
+                <a16:creationId xmlns="" xmlns:a16="http://schemas.microsoft.com/office/drawing/2014/main" id="{0132577E-A34E-DB47-88F5-BEFD0CC0E83E}"/>
               </a:ext>
             </a:extLst>
           </p:cNvPr>
@@ -20741,7 +20737,7 @@
           <p:cNvPr id="14" name="Abgerundetes Rechteck 13">
             <a:extLst>
               <a:ext uri="{FF2B5EF4-FFF2-40B4-BE49-F238E27FC236}">
-                <a16:creationId xmlns:a16="http://schemas.microsoft.com/office/drawing/2014/main" xmlns="" id="{6B6DB4BD-31D3-8F45-B5CE-4DFEA5F13C87}"/>
+                <a16:creationId xmlns="" xmlns:a16="http://schemas.microsoft.com/office/drawing/2014/main" id="{6B6DB4BD-31D3-8F45-B5CE-4DFEA5F13C87}"/>
               </a:ext>
             </a:extLst>
           </p:cNvPr>
@@ -20799,7 +20795,7 @@
           <p:cNvPr id="15" name="Abgerundetes Rechteck 14">
             <a:extLst>
               <a:ext uri="{FF2B5EF4-FFF2-40B4-BE49-F238E27FC236}">
-                <a16:creationId xmlns:a16="http://schemas.microsoft.com/office/drawing/2014/main" xmlns="" id="{DB4DB3BC-AFC6-0344-97B9-8D7FE97831D0}"/>
+                <a16:creationId xmlns="" xmlns:a16="http://schemas.microsoft.com/office/drawing/2014/main" id="{DB4DB3BC-AFC6-0344-97B9-8D7FE97831D0}"/>
               </a:ext>
             </a:extLst>
           </p:cNvPr>
@@ -21150,7 +21146,7 @@
         <p:spPr>
           <a:xfrm>
             <a:off x="177234" y="1847462"/>
-            <a:ext cx="1265090" cy="261610"/>
+            <a:ext cx="1406154" cy="261610"/>
           </a:xfrm>
           <a:prstGeom prst="rect">
             <a:avLst/>
@@ -21165,19 +21161,15 @@
           <a:p>
             <a:r>
               <a:rPr lang="de-DE" sz="1100" dirty="0" smtClean="0"/>
-              <a:t>Real-</a:t>
+              <a:t>.</a:t>
             </a:r>
             <a:r>
               <a:rPr lang="de-DE" sz="1100" dirty="0" err="1" smtClean="0"/>
-              <a:t>world</a:t>
-            </a:r>
-            <a:r>
-              <a:rPr lang="de-DE" sz="1100" dirty="0"/>
-              <a:t> </a:t>
+              <a:t>pcap</a:t>
             </a:r>
             <a:r>
               <a:rPr lang="de-DE" sz="1100" dirty="0" smtClean="0"/>
-              <a:t>Trace</a:t>
+              <a:t> oder ping log</a:t>
             </a:r>
             <a:endParaRPr lang="de-DE" sz="1100" dirty="0"/>
           </a:p>
@@ -21294,7 +21286,7 @@
           <p:cNvPr id="55" name="Textplatzhalter 3">
             <a:extLst>
               <a:ext uri="{FF2B5EF4-FFF2-40B4-BE49-F238E27FC236}">
-                <a16:creationId xmlns:a16="http://schemas.microsoft.com/office/drawing/2014/main" xmlns="" id="{F418CE97-2B50-4D86-9424-F175A039EAAA}"/>
+                <a16:creationId xmlns="" xmlns:a16="http://schemas.microsoft.com/office/drawing/2014/main" id="{F418CE97-2B50-4D86-9424-F175A039EAAA}"/>
               </a:ext>
             </a:extLst>
           </p:cNvPr>
@@ -22015,7 +22007,7 @@
           <p:cNvPr id="2" name="Inhaltsplatzhalter 1">
             <a:extLst>
               <a:ext uri="{FF2B5EF4-FFF2-40B4-BE49-F238E27FC236}">
-                <a16:creationId xmlns:a16="http://schemas.microsoft.com/office/drawing/2014/main" xmlns="" id="{332A609A-085D-4532-8AA5-40765BB0C502}"/>
+                <a16:creationId xmlns="" xmlns:a16="http://schemas.microsoft.com/office/drawing/2014/main" id="{332A609A-085D-4532-8AA5-40765BB0C502}"/>
               </a:ext>
             </a:extLst>
           </p:cNvPr>
@@ -22047,7 +22039,7 @@
           <p:cNvPr id="4" name="Titel 3">
             <a:extLst>
               <a:ext uri="{FF2B5EF4-FFF2-40B4-BE49-F238E27FC236}">
-                <a16:creationId xmlns:a16="http://schemas.microsoft.com/office/drawing/2014/main" xmlns="" id="{BBAD2FDD-AB6A-4A42-8453-B19CE24AC7FD}"/>
+                <a16:creationId xmlns="" xmlns:a16="http://schemas.microsoft.com/office/drawing/2014/main" id="{BBAD2FDD-AB6A-4A42-8453-B19CE24AC7FD}"/>
               </a:ext>
             </a:extLst>
           </p:cNvPr>
@@ -22079,7 +22071,7 @@
           <p:cNvPr id="6" name="Textplatzhalter 5">
             <a:extLst>
               <a:ext uri="{FF2B5EF4-FFF2-40B4-BE49-F238E27FC236}">
-                <a16:creationId xmlns:a16="http://schemas.microsoft.com/office/drawing/2014/main" xmlns="" id="{B06D0D46-67E1-481C-9B44-29337C626A64}"/>
+                <a16:creationId xmlns="" xmlns:a16="http://schemas.microsoft.com/office/drawing/2014/main" id="{B06D0D46-67E1-481C-9B44-29337C626A64}"/>
               </a:ext>
             </a:extLst>
           </p:cNvPr>

--- a/Prototyp_Präsentation.pptx
+++ b/Prototyp_Präsentation.pptx
@@ -19,11 +19,11 @@
     <p:sldId id="286" r:id="rId7"/>
     <p:sldId id="287" r:id="rId8"/>
     <p:sldId id="288" r:id="rId9"/>
-    <p:sldId id="269" r:id="rId10"/>
-    <p:sldId id="278" r:id="rId11"/>
-    <p:sldId id="273" r:id="rId12"/>
-    <p:sldId id="277" r:id="rId13"/>
-    <p:sldId id="274" r:id="rId14"/>
+    <p:sldId id="278" r:id="rId10"/>
+    <p:sldId id="273" r:id="rId11"/>
+    <p:sldId id="277" r:id="rId12"/>
+    <p:sldId id="290" r:id="rId13"/>
+    <p:sldId id="289" r:id="rId14"/>
     <p:sldId id="275" r:id="rId15"/>
     <p:sldId id="271" r:id="rId16"/>
     <p:sldId id="272" r:id="rId17"/>
@@ -260,7 +260,7 @@
             <a:fld id="{DD95B663-A359-4E54-8989-6E815F050B49}" type="datetimeFigureOut">
               <a:rPr lang="de-DE" smtClean="0"/>
               <a:pPr/>
-              <a:t>02.07.2018</a:t>
+              <a:t>03.07.2018</a:t>
             </a:fld>
             <a:endParaRPr lang="de-DE" dirty="0"/>
           </a:p>
@@ -427,7 +427,7 @@
             <a:fld id="{6DC243D8-2C9D-447E-8AC2-008C661E1A6F}" type="datetimeFigureOut">
               <a:rPr lang="de-DE" smtClean="0"/>
               <a:pPr/>
-              <a:t>02.07.2018</a:t>
+              <a:t>03.07.2018</a:t>
             </a:fld>
             <a:endParaRPr lang="de-DE" dirty="0"/>
           </a:p>
@@ -848,6 +848,91 @@
             <a:fld id="{87FFBBB1-C8EB-4E56-B1DB-58475CA8EC6C}" type="slidenum">
               <a:rPr lang="de-DE" smtClean="0"/>
               <a:pPr/>
+              <a:t>18</a:t>
+            </a:fld>
+            <a:endParaRPr lang="de-DE" dirty="0"/>
+          </a:p>
+        </p:txBody>
+      </p:sp>
+    </p:spTree>
+    <p:extLst>
+      <p:ext uri="{BB962C8B-B14F-4D97-AF65-F5344CB8AC3E}">
+        <p14:creationId xmlns:p14="http://schemas.microsoft.com/office/powerpoint/2010/main" val="2196684775"/>
+      </p:ext>
+    </p:extLst>
+  </p:cSld>
+  <p:clrMapOvr>
+    <a:masterClrMapping/>
+  </p:clrMapOvr>
+</p:notes>
+</file>
+
+<file path=ppt/notesSlides/notesSlide11.xml><?xml version="1.0" encoding="utf-8"?>
+<p:notes xmlns:a="http://schemas.openxmlformats.org/drawingml/2006/main" xmlns:r="http://schemas.openxmlformats.org/officeDocument/2006/relationships" xmlns:p="http://schemas.openxmlformats.org/presentationml/2006/main">
+  <p:cSld>
+    <p:spTree>
+      <p:nvGrpSpPr>
+        <p:cNvPr id="1" name=""/>
+        <p:cNvGrpSpPr/>
+        <p:nvPr/>
+      </p:nvGrpSpPr>
+      <p:grpSpPr>
+        <a:xfrm>
+          <a:off x="0" y="0"/>
+          <a:ext cx="0" cy="0"/>
+          <a:chOff x="0" y="0"/>
+          <a:chExt cx="0" cy="0"/>
+        </a:xfrm>
+      </p:grpSpPr>
+      <p:sp>
+        <p:nvSpPr>
+          <p:cNvPr id="2" name="Folienbildplatzhalter 1"/>
+          <p:cNvSpPr>
+            <a:spLocks noGrp="1" noRot="1" noChangeAspect="1"/>
+          </p:cNvSpPr>
+          <p:nvPr>
+            <p:ph type="sldImg"/>
+          </p:nvPr>
+        </p:nvSpPr>
+        <p:spPr/>
+      </p:sp>
+      <p:sp>
+        <p:nvSpPr>
+          <p:cNvPr id="3" name="Notizenplatzhalter 2"/>
+          <p:cNvSpPr>
+            <a:spLocks noGrp="1"/>
+          </p:cNvSpPr>
+          <p:nvPr>
+            <p:ph type="body" idx="1"/>
+          </p:nvPr>
+        </p:nvSpPr>
+        <p:spPr/>
+        <p:txBody>
+          <a:bodyPr/>
+          <a:lstStyle/>
+          <a:p>
+            <a:endParaRPr lang="de-DE" dirty="0"/>
+          </a:p>
+        </p:txBody>
+      </p:sp>
+      <p:sp>
+        <p:nvSpPr>
+          <p:cNvPr id="4" name="Foliennummernplatzhalter 3"/>
+          <p:cNvSpPr>
+            <a:spLocks noGrp="1"/>
+          </p:cNvSpPr>
+          <p:nvPr>
+            <p:ph type="sldNum" sz="quarter" idx="10"/>
+          </p:nvPr>
+        </p:nvSpPr>
+        <p:spPr/>
+        <p:txBody>
+          <a:bodyPr/>
+          <a:lstStyle/>
+          <a:p>
+            <a:fld id="{87FFBBB1-C8EB-4E56-B1DB-58475CA8EC6C}" type="slidenum">
+              <a:rPr lang="de-DE" smtClean="0"/>
+              <a:pPr/>
               <a:t>24</a:t>
             </a:fld>
             <a:endParaRPr lang="de-DE" dirty="0"/>
@@ -867,7 +952,109 @@
 </p:notes>
 </file>
 
-<file path=ppt/notesSlides/notesSlide11.xml><?xml version="1.0" encoding="utf-8"?>
+<file path=ppt/notesSlides/notesSlide12.xml><?xml version="1.0" encoding="utf-8"?>
+<p:notes xmlns:a="http://schemas.openxmlformats.org/drawingml/2006/main" xmlns:r="http://schemas.openxmlformats.org/officeDocument/2006/relationships" xmlns:p="http://schemas.openxmlformats.org/presentationml/2006/main">
+  <p:cSld>
+    <p:spTree>
+      <p:nvGrpSpPr>
+        <p:cNvPr id="1" name=""/>
+        <p:cNvGrpSpPr/>
+        <p:nvPr/>
+      </p:nvGrpSpPr>
+      <p:grpSpPr>
+        <a:xfrm>
+          <a:off x="0" y="0"/>
+          <a:ext cx="0" cy="0"/>
+          <a:chOff x="0" y="0"/>
+          <a:chExt cx="0" cy="0"/>
+        </a:xfrm>
+      </p:grpSpPr>
+      <p:sp>
+        <p:nvSpPr>
+          <p:cNvPr id="2" name="Folienbildplatzhalter 1"/>
+          <p:cNvSpPr>
+            <a:spLocks noGrp="1" noRot="1" noChangeAspect="1"/>
+          </p:cNvSpPr>
+          <p:nvPr>
+            <p:ph type="sldImg"/>
+          </p:nvPr>
+        </p:nvSpPr>
+        <p:spPr/>
+      </p:sp>
+      <p:sp>
+        <p:nvSpPr>
+          <p:cNvPr id="3" name="Notizenplatzhalter 2"/>
+          <p:cNvSpPr>
+            <a:spLocks noGrp="1"/>
+          </p:cNvSpPr>
+          <p:nvPr>
+            <p:ph type="body" idx="1"/>
+          </p:nvPr>
+        </p:nvSpPr>
+        <p:spPr/>
+        <p:txBody>
+          <a:bodyPr/>
+          <a:lstStyle/>
+          <a:p>
+            <a:r>
+              <a:rPr lang="de-DE" dirty="0"/>
+              <a:t>B: P(0) = 50 mal die 0; 20 mal die 00. P(0|0) = 20/50</a:t>
+            </a:r>
+          </a:p>
+          <a:p>
+            <a:r>
+              <a:rPr lang="de-DE" dirty="0"/>
+              <a:t>P(000) = </a:t>
+            </a:r>
+            <a:r>
+              <a:rPr lang="de-DE" dirty="0" err="1"/>
+              <a:t>Absolutanzahl</a:t>
+            </a:r>
+            <a:r>
+              <a:rPr lang="de-DE" dirty="0"/>
+              <a:t> wie oft das Pattern auftritt </a:t>
+            </a:r>
+          </a:p>
+        </p:txBody>
+      </p:sp>
+      <p:sp>
+        <p:nvSpPr>
+          <p:cNvPr id="4" name="Foliennummernplatzhalter 3"/>
+          <p:cNvSpPr>
+            <a:spLocks noGrp="1"/>
+          </p:cNvSpPr>
+          <p:nvPr>
+            <p:ph type="sldNum" sz="quarter" idx="10"/>
+          </p:nvPr>
+        </p:nvSpPr>
+        <p:spPr/>
+        <p:txBody>
+          <a:bodyPr/>
+          <a:lstStyle/>
+          <a:p>
+            <a:fld id="{87FFBBB1-C8EB-4E56-B1DB-58475CA8EC6C}" type="slidenum">
+              <a:rPr lang="de-DE" smtClean="0"/>
+              <a:pPr/>
+              <a:t>27</a:t>
+            </a:fld>
+            <a:endParaRPr lang="de-DE" dirty="0"/>
+          </a:p>
+        </p:txBody>
+      </p:sp>
+    </p:spTree>
+    <p:extLst>
+      <p:ext uri="{BB962C8B-B14F-4D97-AF65-F5344CB8AC3E}">
+        <p14:creationId xmlns:p14="http://schemas.microsoft.com/office/powerpoint/2010/main" val="2523783322"/>
+      </p:ext>
+    </p:extLst>
+  </p:cSld>
+  <p:clrMapOvr>
+    <a:masterClrMapping/>
+  </p:clrMapOvr>
+</p:notes>
+</file>
+
+<file path=ppt/notesSlides/notesSlide13.xml><?xml version="1.0" encoding="utf-8"?>
 <p:notes xmlns:a="http://schemas.openxmlformats.org/drawingml/2006/main" xmlns:r="http://schemas.openxmlformats.org/officeDocument/2006/relationships" xmlns:p="http://schemas.openxmlformats.org/presentationml/2006/main">
   <p:cSld>
     <p:spTree>
@@ -1315,7 +1502,7 @@
             <a:fld id="{87FFBBB1-C8EB-4E56-B1DB-58475CA8EC6C}" type="slidenum">
               <a:rPr lang="de-DE" smtClean="0"/>
               <a:pPr/>
-              <a:t>10</a:t>
+              <a:t>9</a:t>
             </a:fld>
             <a:endParaRPr lang="de-DE" dirty="0"/>
           </a:p>
@@ -1400,7 +1587,7 @@
             <a:fld id="{87FFBBB1-C8EB-4E56-B1DB-58475CA8EC6C}" type="slidenum">
               <a:rPr lang="de-DE" smtClean="0"/>
               <a:pPr/>
-              <a:t>11</a:t>
+              <a:t>10</a:t>
             </a:fld>
             <a:endParaRPr lang="de-DE" dirty="0"/>
           </a:p>
@@ -1485,7 +1672,7 @@
             <a:fld id="{87FFBBB1-C8EB-4E56-B1DB-58475CA8EC6C}" type="slidenum">
               <a:rPr lang="de-DE" smtClean="0"/>
               <a:pPr/>
-              <a:t>16</a:t>
+              <a:t>12</a:t>
             </a:fld>
             <a:endParaRPr lang="de-DE" dirty="0"/>
           </a:p>
@@ -1494,7 +1681,7 @@
     </p:spTree>
     <p:extLst>
       <p:ext uri="{BB962C8B-B14F-4D97-AF65-F5344CB8AC3E}">
-        <p14:creationId xmlns:p14="http://schemas.microsoft.com/office/powerpoint/2010/main" val="769058487"/>
+        <p14:creationId xmlns:p14="http://schemas.microsoft.com/office/powerpoint/2010/main" val="3794565930"/>
       </p:ext>
     </p:extLst>
   </p:cSld>
@@ -1570,7 +1757,7 @@
             <a:fld id="{87FFBBB1-C8EB-4E56-B1DB-58475CA8EC6C}" type="slidenum">
               <a:rPr lang="de-DE" smtClean="0"/>
               <a:pPr/>
-              <a:t>17</a:t>
+              <a:t>16</a:t>
             </a:fld>
             <a:endParaRPr lang="de-DE" dirty="0"/>
           </a:p>
@@ -1579,7 +1766,7 @@
     </p:spTree>
     <p:extLst>
       <p:ext uri="{BB962C8B-B14F-4D97-AF65-F5344CB8AC3E}">
-        <p14:creationId xmlns:p14="http://schemas.microsoft.com/office/powerpoint/2010/main" val="3253419186"/>
+        <p14:creationId xmlns:p14="http://schemas.microsoft.com/office/powerpoint/2010/main" val="769058487"/>
       </p:ext>
     </p:extLst>
   </p:cSld>
@@ -1655,7 +1842,7 @@
             <a:fld id="{87FFBBB1-C8EB-4E56-B1DB-58475CA8EC6C}" type="slidenum">
               <a:rPr lang="de-DE" smtClean="0"/>
               <a:pPr/>
-              <a:t>18</a:t>
+              <a:t>17</a:t>
             </a:fld>
             <a:endParaRPr lang="de-DE" dirty="0"/>
           </a:p>
@@ -1664,7 +1851,7 @@
     </p:spTree>
     <p:extLst>
       <p:ext uri="{BB962C8B-B14F-4D97-AF65-F5344CB8AC3E}">
-        <p14:creationId xmlns:p14="http://schemas.microsoft.com/office/powerpoint/2010/main" val="2196684775"/>
+        <p14:creationId xmlns:p14="http://schemas.microsoft.com/office/powerpoint/2010/main" val="3253419186"/>
       </p:ext>
     </p:extLst>
   </p:cSld>
@@ -1764,15 +1951,6 @@
                 <a:spcPts val="300"/>
               </a:spcAft>
             </a:pPr>
-            <a:r>
-              <a:rPr lang="de-DE" sz="1100" b="0" cap="none" baseline="0" noProof="0" dirty="0">
-                <a:solidFill>
-                  <a:schemeClr val="bg1"/>
-                </a:solidFill>
-                <a:latin typeface="Trebuchet MS" pitchFamily="34" charset="0"/>
-              </a:rPr>
-              <a:t/>
-            </a:r>
             <a:br>
               <a:rPr lang="de-DE" sz="1100" b="0" cap="none" baseline="0" noProof="0" dirty="0">
                 <a:solidFill>
@@ -1888,15 +2066,6 @@
                 <a:spcPts val="300"/>
               </a:spcAft>
             </a:pPr>
-            <a:r>
-              <a:rPr lang="de-DE" sz="1050" b="0" cap="none" baseline="0" dirty="0">
-                <a:solidFill>
-                  <a:schemeClr val="bg1"/>
-                </a:solidFill>
-                <a:latin typeface="Trebuchet MS" pitchFamily="34" charset="0"/>
-              </a:rPr>
-              <a:t/>
-            </a:r>
             <a:br>
               <a:rPr lang="de-DE" sz="1050" b="0" cap="none" baseline="0" dirty="0">
                 <a:solidFill>
@@ -4800,15 +4969,6 @@
               </a:rPr>
               <a:t>‹Nr.›</a:t>
             </a:fld>
-            <a:r>
-              <a:rPr lang="de-DE" sz="1100" b="0" cap="none" baseline="0" noProof="0" dirty="0">
-                <a:solidFill>
-                  <a:schemeClr val="bg1"/>
-                </a:solidFill>
-                <a:latin typeface="Trebuchet MS" pitchFamily="34" charset="0"/>
-              </a:rPr>
-              <a:t/>
-            </a:r>
             <a:br>
               <a:rPr lang="de-DE" sz="1100" b="0" cap="none" baseline="0" noProof="0" dirty="0">
                 <a:solidFill>
@@ -4834,7 +4994,7 @@
           <p:cNvPr id="3" name="Grafik 2">
             <a:extLst>
               <a:ext uri="{FF2B5EF4-FFF2-40B4-BE49-F238E27FC236}">
-                <a16:creationId xmlns="" xmlns:a16="http://schemas.microsoft.com/office/drawing/2014/main" id="{1EEFDB2F-69CA-41B6-AA51-A6B9E84B3412}"/>
+                <a16:creationId xmlns:a16="http://schemas.microsoft.com/office/drawing/2014/main" id="{1EEFDB2F-69CA-41B6-AA51-A6B9E84B3412}"/>
               </a:ext>
             </a:extLst>
           </p:cNvPr>
@@ -5249,1753 +5409,12 @@
           <a:chExt cx="0" cy="0"/>
         </a:xfrm>
       </p:grpSpPr>
-      <p:sp>
-        <p:nvSpPr>
-          <p:cNvPr id="3" name="Textplatzhalter 2">
-            <a:extLst>
-              <a:ext uri="{FF2B5EF4-FFF2-40B4-BE49-F238E27FC236}">
-                <a16:creationId xmlns="" xmlns:a16="http://schemas.microsoft.com/office/drawing/2014/main" id="{B41F85F4-D12A-4EEB-AE84-6818834123CE}"/>
-              </a:ext>
-            </a:extLst>
-          </p:cNvPr>
-          <p:cNvSpPr>
-            <a:spLocks noGrp="1"/>
-          </p:cNvSpPr>
-          <p:nvPr>
-            <p:ph type="body" sz="quarter" idx="16"/>
-          </p:nvPr>
-        </p:nvSpPr>
-        <p:spPr/>
-        <p:txBody>
-          <a:bodyPr/>
-          <a:lstStyle/>
-          <a:p>
-            <a:r>
-              <a:rPr lang="de-DE" dirty="0"/>
-              <a:t>Ablauf</a:t>
-            </a:r>
-          </a:p>
-        </p:txBody>
-      </p:sp>
-      <p:sp>
-        <p:nvSpPr>
-          <p:cNvPr id="4" name="Titel 3">
-            <a:extLst>
-              <a:ext uri="{FF2B5EF4-FFF2-40B4-BE49-F238E27FC236}">
-                <a16:creationId xmlns="" xmlns:a16="http://schemas.microsoft.com/office/drawing/2014/main" id="{5EEBBA3E-6D1F-4F8A-B3AC-81DFD9F10333}"/>
-              </a:ext>
-            </a:extLst>
-          </p:cNvPr>
-          <p:cNvSpPr>
-            <a:spLocks noGrp="1"/>
-          </p:cNvSpPr>
-          <p:nvPr>
-            <p:ph type="title"/>
-          </p:nvPr>
-        </p:nvSpPr>
-        <p:spPr/>
-        <p:txBody>
-          <a:bodyPr/>
-          <a:lstStyle/>
-          <a:p>
-            <a:r>
-              <a:rPr lang="de-DE" dirty="0"/>
-              <a:t>Modell-Validierung</a:t>
-            </a:r>
-          </a:p>
-        </p:txBody>
-      </p:sp>
-      <p:pic>
-        <p:nvPicPr>
-          <p:cNvPr id="10" name="Inhaltsplatzhalter 9">
-            <a:extLst>
-              <a:ext uri="{FF2B5EF4-FFF2-40B4-BE49-F238E27FC236}">
-                <a16:creationId xmlns="" xmlns:a16="http://schemas.microsoft.com/office/drawing/2014/main" id="{049B8DB9-9975-4836-A25A-1D4323BDA049}"/>
-              </a:ext>
-            </a:extLst>
-          </p:cNvPr>
-          <p:cNvPicPr>
-            <a:picLocks noGrp="1" noChangeAspect="1"/>
-          </p:cNvPicPr>
-          <p:nvPr>
-            <p:ph sz="quarter" idx="13"/>
-          </p:nvPr>
-        </p:nvPicPr>
-        <p:blipFill>
-          <a:blip r:embed="rId3">
-            <a:duotone>
-              <a:schemeClr val="accent1">
-                <a:shade val="45000"/>
-                <a:satMod val="135000"/>
-              </a:schemeClr>
-              <a:prstClr val="white"/>
-            </a:duotone>
-            <a:extLst>
-              <a:ext uri="{28A0092B-C50C-407E-A947-70E740481C1C}">
-                <a14:useLocalDpi xmlns:a14="http://schemas.microsoft.com/office/drawing/2010/main" val="0"/>
-              </a:ext>
-            </a:extLst>
-          </a:blip>
-          <a:stretch>
-            <a:fillRect/>
-          </a:stretch>
-        </p:blipFill>
-        <p:spPr>
-          <a:xfrm>
-            <a:off x="532275" y="2279096"/>
-            <a:ext cx="650296" cy="650296"/>
-          </a:xfrm>
-        </p:spPr>
-      </p:pic>
-      <p:sp>
-        <p:nvSpPr>
-          <p:cNvPr id="11" name="Textfeld 10">
-            <a:extLst>
-              <a:ext uri="{FF2B5EF4-FFF2-40B4-BE49-F238E27FC236}">
-                <a16:creationId xmlns="" xmlns:a16="http://schemas.microsoft.com/office/drawing/2014/main" id="{076E8B02-0F5A-4743-A401-99B93ED2AC75}"/>
-              </a:ext>
-            </a:extLst>
-          </p:cNvPr>
-          <p:cNvSpPr txBox="1"/>
-          <p:nvPr/>
-        </p:nvSpPr>
-        <p:spPr>
-          <a:xfrm>
-            <a:off x="226288" y="2843644"/>
-            <a:ext cx="1262269" cy="369332"/>
-          </a:xfrm>
-          <a:prstGeom prst="rect">
-            <a:avLst/>
-          </a:prstGeom>
-          <a:noFill/>
-        </p:spPr>
-        <p:txBody>
-          <a:bodyPr wrap="none" rtlCol="0">
-            <a:spAutoFit/>
-          </a:bodyPr>
-          <a:lstStyle/>
-          <a:p>
-            <a:r>
-              <a:rPr lang="de-DE" dirty="0"/>
-              <a:t>Parameter</a:t>
-            </a:r>
-          </a:p>
-        </p:txBody>
-      </p:sp>
-      <p:pic>
-        <p:nvPicPr>
-          <p:cNvPr id="13" name="Grafik 12">
-            <a:extLst>
-              <a:ext uri="{FF2B5EF4-FFF2-40B4-BE49-F238E27FC236}">
-                <a16:creationId xmlns="" xmlns:a16="http://schemas.microsoft.com/office/drawing/2014/main" id="{7D5AE52C-36B7-42DE-AEFE-58BF36B5B8D5}"/>
-              </a:ext>
-            </a:extLst>
-          </p:cNvPr>
-          <p:cNvPicPr>
-            <a:picLocks noChangeAspect="1"/>
-          </p:cNvPicPr>
-          <p:nvPr/>
-        </p:nvPicPr>
-        <p:blipFill>
-          <a:blip r:embed="rId4">
-            <a:duotone>
-              <a:schemeClr val="accent1">
-                <a:shade val="45000"/>
-                <a:satMod val="135000"/>
-              </a:schemeClr>
-              <a:prstClr val="white"/>
-            </a:duotone>
-            <a:extLst>
-              <a:ext uri="{28A0092B-C50C-407E-A947-70E740481C1C}">
-                <a14:useLocalDpi xmlns:a14="http://schemas.microsoft.com/office/drawing/2010/main" val="0"/>
-              </a:ext>
-            </a:extLst>
-          </a:blip>
-          <a:stretch>
-            <a:fillRect/>
-          </a:stretch>
-        </p:blipFill>
-        <p:spPr>
-          <a:xfrm>
-            <a:off x="1979712" y="1628800"/>
-            <a:ext cx="650296" cy="650296"/>
-          </a:xfrm>
-          <a:prstGeom prst="rect">
-            <a:avLst/>
-          </a:prstGeom>
-        </p:spPr>
-      </p:pic>
-      <p:sp>
-        <p:nvSpPr>
-          <p:cNvPr id="14" name="Textfeld 13">
-            <a:extLst>
-              <a:ext uri="{FF2B5EF4-FFF2-40B4-BE49-F238E27FC236}">
-                <a16:creationId xmlns="" xmlns:a16="http://schemas.microsoft.com/office/drawing/2014/main" id="{EA36F0B0-44B0-4F0A-9538-B007AB8DA688}"/>
-              </a:ext>
-            </a:extLst>
-          </p:cNvPr>
-          <p:cNvSpPr txBox="1"/>
-          <p:nvPr/>
-        </p:nvSpPr>
-        <p:spPr>
-          <a:xfrm>
-            <a:off x="1902651" y="2197796"/>
-            <a:ext cx="869149" cy="369332"/>
-          </a:xfrm>
-          <a:prstGeom prst="rect">
-            <a:avLst/>
-          </a:prstGeom>
-          <a:noFill/>
-        </p:spPr>
-        <p:txBody>
-          <a:bodyPr wrap="none" rtlCol="0">
-            <a:spAutoFit/>
-          </a:bodyPr>
-          <a:lstStyle/>
-          <a:p>
-            <a:r>
-              <a:rPr lang="de-DE" dirty="0" err="1"/>
-              <a:t>Netem</a:t>
-            </a:r>
-            <a:endParaRPr lang="de-DE" dirty="0"/>
-          </a:p>
-        </p:txBody>
-      </p:sp>
-      <p:pic>
-        <p:nvPicPr>
-          <p:cNvPr id="16" name="Grafik 15">
-            <a:extLst>
-              <a:ext uri="{FF2B5EF4-FFF2-40B4-BE49-F238E27FC236}">
-                <a16:creationId xmlns="" xmlns:a16="http://schemas.microsoft.com/office/drawing/2014/main" id="{2F8AF20D-7859-47E1-9255-5F3A2114F883}"/>
-              </a:ext>
-            </a:extLst>
-          </p:cNvPr>
-          <p:cNvPicPr>
-            <a:picLocks noChangeAspect="1"/>
-          </p:cNvPicPr>
-          <p:nvPr/>
-        </p:nvPicPr>
-        <p:blipFill>
-          <a:blip r:embed="rId5">
-            <a:duotone>
-              <a:schemeClr val="accent1">
-                <a:shade val="45000"/>
-                <a:satMod val="135000"/>
-              </a:schemeClr>
-              <a:prstClr val="white"/>
-            </a:duotone>
-            <a:extLst>
-              <a:ext uri="{28A0092B-C50C-407E-A947-70E740481C1C}">
-                <a14:useLocalDpi xmlns:a14="http://schemas.microsoft.com/office/drawing/2010/main" val="0"/>
-              </a:ext>
-            </a:extLst>
-          </a:blip>
-          <a:stretch>
-            <a:fillRect/>
-          </a:stretch>
-        </p:blipFill>
-        <p:spPr>
-          <a:xfrm>
-            <a:off x="3491880" y="1628800"/>
-            <a:ext cx="650296" cy="650296"/>
-          </a:xfrm>
-          <a:prstGeom prst="rect">
-            <a:avLst/>
-          </a:prstGeom>
-        </p:spPr>
-      </p:pic>
-      <p:sp>
-        <p:nvSpPr>
-          <p:cNvPr id="17" name="Textfeld 16">
-            <a:extLst>
-              <a:ext uri="{FF2B5EF4-FFF2-40B4-BE49-F238E27FC236}">
-                <a16:creationId xmlns="" xmlns:a16="http://schemas.microsoft.com/office/drawing/2014/main" id="{058C3C86-7C94-4DF2-85CF-FFEDBF3CA54C}"/>
-              </a:ext>
-            </a:extLst>
-          </p:cNvPr>
-          <p:cNvSpPr txBox="1"/>
-          <p:nvPr/>
-        </p:nvSpPr>
-        <p:spPr>
-          <a:xfrm>
-            <a:off x="3491880" y="2197796"/>
-            <a:ext cx="609847" cy="369332"/>
-          </a:xfrm>
-          <a:prstGeom prst="rect">
-            <a:avLst/>
-          </a:prstGeom>
-          <a:noFill/>
-        </p:spPr>
-        <p:txBody>
-          <a:bodyPr wrap="none" rtlCol="0">
-            <a:spAutoFit/>
-          </a:bodyPr>
-          <a:lstStyle/>
-          <a:p>
-            <a:r>
-              <a:rPr lang="de-DE" dirty="0"/>
-              <a:t>Ping</a:t>
-            </a:r>
-          </a:p>
-        </p:txBody>
-      </p:sp>
-      <p:pic>
-        <p:nvPicPr>
-          <p:cNvPr id="19" name="Grafik 18">
-            <a:extLst>
-              <a:ext uri="{FF2B5EF4-FFF2-40B4-BE49-F238E27FC236}">
-                <a16:creationId xmlns="" xmlns:a16="http://schemas.microsoft.com/office/drawing/2014/main" id="{CC4B7762-C765-43D1-8234-31A79B3802E8}"/>
-              </a:ext>
-            </a:extLst>
-          </p:cNvPr>
-          <p:cNvPicPr>
-            <a:picLocks noChangeAspect="1"/>
-          </p:cNvPicPr>
-          <p:nvPr/>
-        </p:nvPicPr>
-        <p:blipFill>
-          <a:blip r:embed="rId6">
-            <a:duotone>
-              <a:schemeClr val="accent1">
-                <a:shade val="45000"/>
-                <a:satMod val="135000"/>
-              </a:schemeClr>
-              <a:prstClr val="white"/>
-            </a:duotone>
-            <a:extLst>
-              <a:ext uri="{28A0092B-C50C-407E-A947-70E740481C1C}">
-                <a14:useLocalDpi xmlns:a14="http://schemas.microsoft.com/office/drawing/2010/main" val="0"/>
-              </a:ext>
-            </a:extLst>
-          </a:blip>
-          <a:stretch>
-            <a:fillRect/>
-          </a:stretch>
-        </p:blipFill>
-        <p:spPr>
-          <a:xfrm>
-            <a:off x="5001826" y="1628800"/>
-            <a:ext cx="650296" cy="650296"/>
-          </a:xfrm>
-          <a:prstGeom prst="rect">
-            <a:avLst/>
-          </a:prstGeom>
-        </p:spPr>
-      </p:pic>
-      <p:sp>
-        <p:nvSpPr>
-          <p:cNvPr id="20" name="Textfeld 19">
-            <a:extLst>
-              <a:ext uri="{FF2B5EF4-FFF2-40B4-BE49-F238E27FC236}">
-                <a16:creationId xmlns="" xmlns:a16="http://schemas.microsoft.com/office/drawing/2014/main" id="{80B5BF40-BE5C-4E14-8085-8EE2470E46AD}"/>
-              </a:ext>
-            </a:extLst>
-          </p:cNvPr>
-          <p:cNvSpPr txBox="1"/>
-          <p:nvPr/>
-        </p:nvSpPr>
-        <p:spPr>
-          <a:xfrm>
-            <a:off x="4966967" y="2197796"/>
-            <a:ext cx="540533" cy="369332"/>
-          </a:xfrm>
-          <a:prstGeom prst="rect">
-            <a:avLst/>
-          </a:prstGeom>
-          <a:noFill/>
-        </p:spPr>
-        <p:txBody>
-          <a:bodyPr wrap="none" rtlCol="0">
-            <a:spAutoFit/>
-          </a:bodyPr>
-          <a:lstStyle/>
-          <a:p>
-            <a:r>
-              <a:rPr lang="de-DE" dirty="0"/>
-              <a:t>Log</a:t>
-            </a:r>
-          </a:p>
-        </p:txBody>
-      </p:sp>
-      <p:pic>
-        <p:nvPicPr>
-          <p:cNvPr id="22" name="Grafik 21">
-            <a:extLst>
-              <a:ext uri="{FF2B5EF4-FFF2-40B4-BE49-F238E27FC236}">
-                <a16:creationId xmlns="" xmlns:a16="http://schemas.microsoft.com/office/drawing/2014/main" id="{072D6007-4B21-4570-94BC-A75C155DFA42}"/>
-              </a:ext>
-            </a:extLst>
-          </p:cNvPr>
-          <p:cNvPicPr>
-            <a:picLocks noChangeAspect="1"/>
-          </p:cNvPicPr>
-          <p:nvPr/>
-        </p:nvPicPr>
-        <p:blipFill>
-          <a:blip r:embed="rId7">
-            <a:duotone>
-              <a:schemeClr val="accent1">
-                <a:shade val="45000"/>
-                <a:satMod val="135000"/>
-              </a:schemeClr>
-              <a:prstClr val="white"/>
-            </a:duotone>
-            <a:extLst>
-              <a:ext uri="{28A0092B-C50C-407E-A947-70E740481C1C}">
-                <a14:useLocalDpi xmlns:a14="http://schemas.microsoft.com/office/drawing/2010/main" val="0"/>
-              </a:ext>
-            </a:extLst>
-          </a:blip>
-          <a:stretch>
-            <a:fillRect/>
-          </a:stretch>
-        </p:blipFill>
-        <p:spPr>
-          <a:xfrm>
-            <a:off x="6372202" y="1628800"/>
-            <a:ext cx="650296" cy="650296"/>
-          </a:xfrm>
-          <a:prstGeom prst="rect">
-            <a:avLst/>
-          </a:prstGeom>
-        </p:spPr>
-      </p:pic>
-      <p:sp>
-        <p:nvSpPr>
-          <p:cNvPr id="23" name="Textfeld 22">
-            <a:extLst>
-              <a:ext uri="{FF2B5EF4-FFF2-40B4-BE49-F238E27FC236}">
-                <a16:creationId xmlns="" xmlns:a16="http://schemas.microsoft.com/office/drawing/2014/main" id="{442C92EF-2B28-497F-AA96-A746583567CD}"/>
-              </a:ext>
-            </a:extLst>
-          </p:cNvPr>
-          <p:cNvSpPr txBox="1"/>
-          <p:nvPr/>
-        </p:nvSpPr>
-        <p:spPr>
-          <a:xfrm>
-            <a:off x="6330711" y="2197796"/>
-            <a:ext cx="745973" cy="369332"/>
-          </a:xfrm>
-          <a:prstGeom prst="rect">
-            <a:avLst/>
-          </a:prstGeom>
-          <a:noFill/>
-        </p:spPr>
-        <p:txBody>
-          <a:bodyPr wrap="none" rtlCol="0">
-            <a:spAutoFit/>
-          </a:bodyPr>
-          <a:lstStyle/>
-          <a:p>
-            <a:r>
-              <a:rPr lang="de-DE" dirty="0"/>
-              <a:t>Trace</a:t>
-            </a:r>
-          </a:p>
-        </p:txBody>
-      </p:sp>
-      <p:pic>
-        <p:nvPicPr>
-          <p:cNvPr id="25" name="Grafik 24">
-            <a:extLst>
-              <a:ext uri="{FF2B5EF4-FFF2-40B4-BE49-F238E27FC236}">
-                <a16:creationId xmlns="" xmlns:a16="http://schemas.microsoft.com/office/drawing/2014/main" id="{34F80897-BC5C-4FD9-84C0-F14447E773B0}"/>
-              </a:ext>
-            </a:extLst>
-          </p:cNvPr>
-          <p:cNvPicPr>
-            <a:picLocks noChangeAspect="1"/>
-          </p:cNvPicPr>
-          <p:nvPr/>
-        </p:nvPicPr>
-        <p:blipFill>
-          <a:blip r:embed="rId8">
-            <a:duotone>
-              <a:schemeClr val="accent1">
-                <a:shade val="45000"/>
-                <a:satMod val="135000"/>
-              </a:schemeClr>
-              <a:prstClr val="white"/>
-            </a:duotone>
-            <a:extLst>
-              <a:ext uri="{28A0092B-C50C-407E-A947-70E740481C1C}">
-                <a14:useLocalDpi xmlns:a14="http://schemas.microsoft.com/office/drawing/2010/main" val="0"/>
-              </a:ext>
-            </a:extLst>
-          </a:blip>
-          <a:stretch>
-            <a:fillRect/>
-          </a:stretch>
-        </p:blipFill>
-        <p:spPr>
-          <a:xfrm>
-            <a:off x="1979712" y="2844000"/>
-            <a:ext cx="650296" cy="650296"/>
-          </a:xfrm>
-          <a:prstGeom prst="rect">
-            <a:avLst/>
-          </a:prstGeom>
-        </p:spPr>
-      </p:pic>
-      <p:sp>
-        <p:nvSpPr>
-          <p:cNvPr id="26" name="Textfeld 25">
-            <a:extLst>
-              <a:ext uri="{FF2B5EF4-FFF2-40B4-BE49-F238E27FC236}">
-                <a16:creationId xmlns="" xmlns:a16="http://schemas.microsoft.com/office/drawing/2014/main" id="{5B278A79-8701-4EE4-8216-2F732E0E3ABE}"/>
-              </a:ext>
-            </a:extLst>
-          </p:cNvPr>
-          <p:cNvSpPr txBox="1"/>
-          <p:nvPr/>
-        </p:nvSpPr>
-        <p:spPr>
-          <a:xfrm>
-            <a:off x="1719107" y="3401124"/>
-            <a:ext cx="1236236" cy="369332"/>
-          </a:xfrm>
-          <a:prstGeom prst="rect">
-            <a:avLst/>
-          </a:prstGeom>
-          <a:noFill/>
-        </p:spPr>
-        <p:txBody>
-          <a:bodyPr wrap="none" rtlCol="0">
-            <a:spAutoFit/>
-          </a:bodyPr>
-          <a:lstStyle/>
-          <a:p>
-            <a:r>
-              <a:rPr lang="de-DE" dirty="0"/>
-              <a:t>Generator</a:t>
-            </a:r>
-          </a:p>
-        </p:txBody>
-      </p:sp>
-      <p:pic>
-        <p:nvPicPr>
-          <p:cNvPr id="27" name="Grafik 26">
-            <a:extLst>
-              <a:ext uri="{FF2B5EF4-FFF2-40B4-BE49-F238E27FC236}">
-                <a16:creationId xmlns="" xmlns:a16="http://schemas.microsoft.com/office/drawing/2014/main" id="{41DFA58C-CCAE-4BE3-9930-3128677701BB}"/>
-              </a:ext>
-            </a:extLst>
-          </p:cNvPr>
-          <p:cNvPicPr>
-            <a:picLocks noChangeAspect="1"/>
-          </p:cNvPicPr>
-          <p:nvPr/>
-        </p:nvPicPr>
-        <p:blipFill>
-          <a:blip r:embed="rId7">
-            <a:duotone>
-              <a:schemeClr val="accent1">
-                <a:shade val="45000"/>
-                <a:satMod val="135000"/>
-              </a:schemeClr>
-              <a:prstClr val="white"/>
-            </a:duotone>
-            <a:extLst>
-              <a:ext uri="{28A0092B-C50C-407E-A947-70E740481C1C}">
-                <a14:useLocalDpi xmlns:a14="http://schemas.microsoft.com/office/drawing/2010/main" val="0"/>
-              </a:ext>
-            </a:extLst>
-          </a:blip>
-          <a:stretch>
-            <a:fillRect/>
-          </a:stretch>
-        </p:blipFill>
-        <p:spPr>
-          <a:xfrm>
-            <a:off x="3491880" y="2843644"/>
-            <a:ext cx="650296" cy="650296"/>
-          </a:xfrm>
-          <a:prstGeom prst="rect">
-            <a:avLst/>
-          </a:prstGeom>
-        </p:spPr>
-      </p:pic>
-      <p:sp>
-        <p:nvSpPr>
-          <p:cNvPr id="28" name="Textfeld 27">
-            <a:extLst>
-              <a:ext uri="{FF2B5EF4-FFF2-40B4-BE49-F238E27FC236}">
-                <a16:creationId xmlns="" xmlns:a16="http://schemas.microsoft.com/office/drawing/2014/main" id="{4E05330B-6274-4924-829C-07C0D2E340F6}"/>
-              </a:ext>
-            </a:extLst>
-          </p:cNvPr>
-          <p:cNvSpPr txBox="1"/>
-          <p:nvPr/>
-        </p:nvSpPr>
-        <p:spPr>
-          <a:xfrm>
-            <a:off x="3423816" y="3401124"/>
-            <a:ext cx="745973" cy="369332"/>
-          </a:xfrm>
-          <a:prstGeom prst="rect">
-            <a:avLst/>
-          </a:prstGeom>
-          <a:noFill/>
-        </p:spPr>
-        <p:txBody>
-          <a:bodyPr wrap="none" rtlCol="0">
-            <a:spAutoFit/>
-          </a:bodyPr>
-          <a:lstStyle/>
-          <a:p>
-            <a:r>
-              <a:rPr lang="de-DE" dirty="0"/>
-              <a:t>Trace</a:t>
-            </a:r>
-          </a:p>
-        </p:txBody>
-      </p:sp>
-      <p:pic>
-        <p:nvPicPr>
-          <p:cNvPr id="30" name="Grafik 29">
-            <a:extLst>
-              <a:ext uri="{FF2B5EF4-FFF2-40B4-BE49-F238E27FC236}">
-                <a16:creationId xmlns="" xmlns:a16="http://schemas.microsoft.com/office/drawing/2014/main" id="{7D4FF43B-34A4-46B2-8E09-DA381A2631C1}"/>
-              </a:ext>
-            </a:extLst>
-          </p:cNvPr>
-          <p:cNvPicPr>
-            <a:picLocks noChangeAspect="1"/>
-          </p:cNvPicPr>
-          <p:nvPr/>
-        </p:nvPicPr>
-        <p:blipFill>
-          <a:blip r:embed="rId9">
-            <a:duotone>
-              <a:schemeClr val="accent1">
-                <a:shade val="45000"/>
-                <a:satMod val="135000"/>
-              </a:schemeClr>
-              <a:prstClr val="white"/>
-            </a:duotone>
-            <a:extLst>
-              <a:ext uri="{28A0092B-C50C-407E-A947-70E740481C1C}">
-                <a14:useLocalDpi xmlns:a14="http://schemas.microsoft.com/office/drawing/2010/main" val="0"/>
-              </a:ext>
-            </a:extLst>
-          </a:blip>
-          <a:stretch>
-            <a:fillRect/>
-          </a:stretch>
-        </p:blipFill>
-        <p:spPr>
-          <a:xfrm>
-            <a:off x="6372202" y="2843644"/>
-            <a:ext cx="650296" cy="650296"/>
-          </a:xfrm>
-          <a:prstGeom prst="rect">
-            <a:avLst/>
-          </a:prstGeom>
-        </p:spPr>
-      </p:pic>
-      <p:sp>
-        <p:nvSpPr>
-          <p:cNvPr id="31" name="Textfeld 30">
-            <a:extLst>
-              <a:ext uri="{FF2B5EF4-FFF2-40B4-BE49-F238E27FC236}">
-                <a16:creationId xmlns="" xmlns:a16="http://schemas.microsoft.com/office/drawing/2014/main" id="{D91C2819-14EE-49A3-9B74-3E932580C111}"/>
-              </a:ext>
-            </a:extLst>
-          </p:cNvPr>
-          <p:cNvSpPr txBox="1"/>
-          <p:nvPr/>
-        </p:nvSpPr>
-        <p:spPr>
-          <a:xfrm>
-            <a:off x="5868144" y="3401124"/>
-            <a:ext cx="1835246" cy="369332"/>
-          </a:xfrm>
-          <a:prstGeom prst="rect">
-            <a:avLst/>
-          </a:prstGeom>
-          <a:noFill/>
-        </p:spPr>
-        <p:txBody>
-          <a:bodyPr wrap="none" rtlCol="0">
-            <a:spAutoFit/>
-          </a:bodyPr>
-          <a:lstStyle/>
-          <a:p>
-            <a:r>
-              <a:rPr lang="de-DE" dirty="0"/>
-              <a:t>Validierungstool</a:t>
-            </a:r>
-          </a:p>
-        </p:txBody>
-      </p:sp>
-      <p:pic>
-        <p:nvPicPr>
-          <p:cNvPr id="33" name="Grafik 32">
-            <a:extLst>
-              <a:ext uri="{FF2B5EF4-FFF2-40B4-BE49-F238E27FC236}">
-                <a16:creationId xmlns="" xmlns:a16="http://schemas.microsoft.com/office/drawing/2014/main" id="{0EE475AC-6C82-409F-B939-DF2228CA61D7}"/>
-              </a:ext>
-            </a:extLst>
-          </p:cNvPr>
-          <p:cNvPicPr>
-            <a:picLocks noChangeAspect="1"/>
-          </p:cNvPicPr>
-          <p:nvPr/>
-        </p:nvPicPr>
-        <p:blipFill>
-          <a:blip r:embed="rId10">
-            <a:duotone>
-              <a:schemeClr val="accent1">
-                <a:shade val="45000"/>
-                <a:satMod val="135000"/>
-              </a:schemeClr>
-              <a:prstClr val="white"/>
-            </a:duotone>
-            <a:extLst>
-              <a:ext uri="{28A0092B-C50C-407E-A947-70E740481C1C}">
-                <a14:useLocalDpi xmlns:a14="http://schemas.microsoft.com/office/drawing/2010/main" val="0"/>
-              </a:ext>
-            </a:extLst>
-          </a:blip>
-          <a:stretch>
-            <a:fillRect/>
-          </a:stretch>
-        </p:blipFill>
-        <p:spPr>
-          <a:xfrm>
-            <a:off x="7798549" y="2274666"/>
-            <a:ext cx="650296" cy="650296"/>
-          </a:xfrm>
-          <a:prstGeom prst="rect">
-            <a:avLst/>
-          </a:prstGeom>
-        </p:spPr>
-      </p:pic>
-      <p:pic>
-        <p:nvPicPr>
-          <p:cNvPr id="35" name="Grafik 34">
-            <a:extLst>
-              <a:ext uri="{FF2B5EF4-FFF2-40B4-BE49-F238E27FC236}">
-                <a16:creationId xmlns="" xmlns:a16="http://schemas.microsoft.com/office/drawing/2014/main" id="{163FAC0D-268B-4A2B-8618-C38856433345}"/>
-              </a:ext>
-            </a:extLst>
-          </p:cNvPr>
-          <p:cNvPicPr>
-            <a:picLocks noChangeAspect="1"/>
-          </p:cNvPicPr>
-          <p:nvPr/>
-        </p:nvPicPr>
-        <p:blipFill>
-          <a:blip r:embed="rId11">
-            <a:duotone>
-              <a:schemeClr val="accent1">
-                <a:shade val="45000"/>
-                <a:satMod val="135000"/>
-              </a:schemeClr>
-              <a:prstClr val="white"/>
-            </a:duotone>
-            <a:extLst>
-              <a:ext uri="{28A0092B-C50C-407E-A947-70E740481C1C}">
-                <a14:useLocalDpi xmlns:a14="http://schemas.microsoft.com/office/drawing/2010/main" val="0"/>
-              </a:ext>
-            </a:extLst>
-          </a:blip>
-          <a:stretch>
-            <a:fillRect/>
-          </a:stretch>
-        </p:blipFill>
-        <p:spPr>
-          <a:xfrm>
-            <a:off x="8244408" y="2274666"/>
-            <a:ext cx="325148" cy="325148"/>
-          </a:xfrm>
-          <a:prstGeom prst="rect">
-            <a:avLst/>
-          </a:prstGeom>
-        </p:spPr>
-      </p:pic>
-      <p:sp>
-        <p:nvSpPr>
-          <p:cNvPr id="36" name="Textfeld 35">
-            <a:extLst>
-              <a:ext uri="{FF2B5EF4-FFF2-40B4-BE49-F238E27FC236}">
-                <a16:creationId xmlns="" xmlns:a16="http://schemas.microsoft.com/office/drawing/2014/main" id="{B2A80469-81E7-4DAD-AE7F-10EAD123DC6B}"/>
-              </a:ext>
-            </a:extLst>
-          </p:cNvPr>
-          <p:cNvSpPr txBox="1"/>
-          <p:nvPr/>
-        </p:nvSpPr>
-        <p:spPr>
-          <a:xfrm>
-            <a:off x="7453436" y="2860575"/>
-            <a:ext cx="1488677" cy="646331"/>
-          </a:xfrm>
-          <a:prstGeom prst="rect">
-            <a:avLst/>
-          </a:prstGeom>
-          <a:noFill/>
-        </p:spPr>
-        <p:txBody>
-          <a:bodyPr wrap="none" rtlCol="0">
-            <a:spAutoFit/>
-          </a:bodyPr>
-          <a:lstStyle/>
-          <a:p>
-            <a:r>
-              <a:rPr lang="de-DE" dirty="0"/>
-              <a:t>Kolmogorov-</a:t>
-            </a:r>
-          </a:p>
-          <a:p>
-            <a:r>
-              <a:rPr lang="de-DE" dirty="0"/>
-              <a:t>Smirnov Test</a:t>
-            </a:r>
-          </a:p>
-        </p:txBody>
-      </p:sp>
-      <p:cxnSp>
-        <p:nvCxnSpPr>
-          <p:cNvPr id="38" name="Verbinder: gewinkelt 37">
-            <a:extLst>
-              <a:ext uri="{FF2B5EF4-FFF2-40B4-BE49-F238E27FC236}">
-                <a16:creationId xmlns="" xmlns:a16="http://schemas.microsoft.com/office/drawing/2014/main" id="{CF4F3C85-CFB8-4258-B9F4-A24102EBAC3D}"/>
-              </a:ext>
-            </a:extLst>
-          </p:cNvPr>
-          <p:cNvCxnSpPr>
-            <a:stCxn id="10" idx="3"/>
-            <a:endCxn id="13" idx="1"/>
-          </p:cNvCxnSpPr>
-          <p:nvPr/>
-        </p:nvCxnSpPr>
-        <p:spPr>
-          <a:xfrm flipV="1">
-            <a:off x="1182571" y="1953948"/>
-            <a:ext cx="797141" cy="650296"/>
-          </a:xfrm>
-          <a:prstGeom prst="bentConnector3">
-            <a:avLst/>
-          </a:prstGeom>
-          <a:ln w="25400">
-            <a:tailEnd type="triangle"/>
-          </a:ln>
-        </p:spPr>
-        <p:style>
-          <a:lnRef idx="1">
-            <a:schemeClr val="accent1"/>
-          </a:lnRef>
-          <a:fillRef idx="0">
-            <a:schemeClr val="accent1"/>
-          </a:fillRef>
-          <a:effectRef idx="0">
-            <a:schemeClr val="accent1"/>
-          </a:effectRef>
-          <a:fontRef idx="minor">
-            <a:schemeClr val="tx1"/>
-          </a:fontRef>
-        </p:style>
-      </p:cxnSp>
-      <p:cxnSp>
-        <p:nvCxnSpPr>
-          <p:cNvPr id="40" name="Verbinder: gewinkelt 39">
-            <a:extLst>
-              <a:ext uri="{FF2B5EF4-FFF2-40B4-BE49-F238E27FC236}">
-                <a16:creationId xmlns="" xmlns:a16="http://schemas.microsoft.com/office/drawing/2014/main" id="{C9FC908A-5524-437C-8348-96DC6AA32318}"/>
-              </a:ext>
-            </a:extLst>
-          </p:cNvPr>
-          <p:cNvCxnSpPr>
-            <a:cxnSpLocks/>
-            <a:stCxn id="10" idx="3"/>
-            <a:endCxn id="25" idx="1"/>
-          </p:cNvCxnSpPr>
-          <p:nvPr/>
-        </p:nvCxnSpPr>
-        <p:spPr>
-          <a:xfrm>
-            <a:off x="1182571" y="2604244"/>
-            <a:ext cx="797141" cy="564904"/>
-          </a:xfrm>
-          <a:prstGeom prst="bentConnector3">
-            <a:avLst/>
-          </a:prstGeom>
-          <a:ln w="25400">
-            <a:tailEnd type="triangle"/>
-          </a:ln>
-        </p:spPr>
-        <p:style>
-          <a:lnRef idx="1">
-            <a:schemeClr val="accent1"/>
-          </a:lnRef>
-          <a:fillRef idx="0">
-            <a:schemeClr val="accent1"/>
-          </a:fillRef>
-          <a:effectRef idx="0">
-            <a:schemeClr val="accent1"/>
-          </a:effectRef>
-          <a:fontRef idx="minor">
-            <a:schemeClr val="tx1"/>
-          </a:fontRef>
-        </p:style>
-      </p:cxnSp>
-      <p:cxnSp>
-        <p:nvCxnSpPr>
-          <p:cNvPr id="42" name="Gerade Verbindung mit Pfeil 41">
-            <a:extLst>
-              <a:ext uri="{FF2B5EF4-FFF2-40B4-BE49-F238E27FC236}">
-                <a16:creationId xmlns="" xmlns:a16="http://schemas.microsoft.com/office/drawing/2014/main" id="{325214D7-7C1C-404B-A28F-79883E3F3B99}"/>
-              </a:ext>
-            </a:extLst>
-          </p:cNvPr>
-          <p:cNvCxnSpPr>
-            <a:stCxn id="13" idx="3"/>
-            <a:endCxn id="16" idx="1"/>
-          </p:cNvCxnSpPr>
-          <p:nvPr/>
-        </p:nvCxnSpPr>
-        <p:spPr>
-          <a:xfrm>
-            <a:off x="2630008" y="1953948"/>
-            <a:ext cx="861872" cy="0"/>
-          </a:xfrm>
-          <a:prstGeom prst="straightConnector1">
-            <a:avLst/>
-          </a:prstGeom>
-          <a:ln w="25400">
-            <a:tailEnd type="triangle"/>
-          </a:ln>
-        </p:spPr>
-        <p:style>
-          <a:lnRef idx="1">
-            <a:schemeClr val="accent1"/>
-          </a:lnRef>
-          <a:fillRef idx="0">
-            <a:schemeClr val="accent1"/>
-          </a:fillRef>
-          <a:effectRef idx="0">
-            <a:schemeClr val="accent1"/>
-          </a:effectRef>
-          <a:fontRef idx="minor">
-            <a:schemeClr val="tx1"/>
-          </a:fontRef>
-        </p:style>
-      </p:cxnSp>
-      <p:cxnSp>
-        <p:nvCxnSpPr>
-          <p:cNvPr id="44" name="Gerade Verbindung mit Pfeil 43">
-            <a:extLst>
-              <a:ext uri="{FF2B5EF4-FFF2-40B4-BE49-F238E27FC236}">
-                <a16:creationId xmlns="" xmlns:a16="http://schemas.microsoft.com/office/drawing/2014/main" id="{CFAEB258-AA82-46E5-9939-B86180756520}"/>
-              </a:ext>
-            </a:extLst>
-          </p:cNvPr>
-          <p:cNvCxnSpPr>
-            <a:stCxn id="16" idx="3"/>
-            <a:endCxn id="19" idx="1"/>
-          </p:cNvCxnSpPr>
-          <p:nvPr/>
-        </p:nvCxnSpPr>
-        <p:spPr>
-          <a:xfrm>
-            <a:off x="4142176" y="1953948"/>
-            <a:ext cx="859650" cy="0"/>
-          </a:xfrm>
-          <a:prstGeom prst="straightConnector1">
-            <a:avLst/>
-          </a:prstGeom>
-          <a:ln w="25400">
-            <a:tailEnd type="triangle"/>
-          </a:ln>
-        </p:spPr>
-        <p:style>
-          <a:lnRef idx="1">
-            <a:schemeClr val="accent1"/>
-          </a:lnRef>
-          <a:fillRef idx="0">
-            <a:schemeClr val="accent1"/>
-          </a:fillRef>
-          <a:effectRef idx="0">
-            <a:schemeClr val="accent1"/>
-          </a:effectRef>
-          <a:fontRef idx="minor">
-            <a:schemeClr val="tx1"/>
-          </a:fontRef>
-        </p:style>
-      </p:cxnSp>
-      <p:cxnSp>
-        <p:nvCxnSpPr>
-          <p:cNvPr id="46" name="Gerade Verbindung mit Pfeil 45">
-            <a:extLst>
-              <a:ext uri="{FF2B5EF4-FFF2-40B4-BE49-F238E27FC236}">
-                <a16:creationId xmlns="" xmlns:a16="http://schemas.microsoft.com/office/drawing/2014/main" id="{9B9345AC-880E-4068-8A5B-7710722DB148}"/>
-              </a:ext>
-            </a:extLst>
-          </p:cNvPr>
-          <p:cNvCxnSpPr>
-            <a:stCxn id="19" idx="3"/>
-            <a:endCxn id="22" idx="1"/>
-          </p:cNvCxnSpPr>
-          <p:nvPr/>
-        </p:nvCxnSpPr>
-        <p:spPr>
-          <a:xfrm>
-            <a:off x="5652122" y="1953948"/>
-            <a:ext cx="720080" cy="0"/>
-          </a:xfrm>
-          <a:prstGeom prst="straightConnector1">
-            <a:avLst/>
-          </a:prstGeom>
-          <a:ln w="25400">
-            <a:tailEnd type="triangle"/>
-          </a:ln>
-        </p:spPr>
-        <p:style>
-          <a:lnRef idx="1">
-            <a:schemeClr val="accent1"/>
-          </a:lnRef>
-          <a:fillRef idx="0">
-            <a:schemeClr val="accent1"/>
-          </a:fillRef>
-          <a:effectRef idx="0">
-            <a:schemeClr val="accent1"/>
-          </a:effectRef>
-          <a:fontRef idx="minor">
-            <a:schemeClr val="tx1"/>
-          </a:fontRef>
-        </p:style>
-      </p:cxnSp>
-      <p:cxnSp>
-        <p:nvCxnSpPr>
-          <p:cNvPr id="48" name="Verbinder: gewinkelt 47">
-            <a:extLst>
-              <a:ext uri="{FF2B5EF4-FFF2-40B4-BE49-F238E27FC236}">
-                <a16:creationId xmlns="" xmlns:a16="http://schemas.microsoft.com/office/drawing/2014/main" id="{511BE8F9-14BC-4F23-BB65-52309440A130}"/>
-              </a:ext>
-            </a:extLst>
-          </p:cNvPr>
-          <p:cNvCxnSpPr>
-            <a:stCxn id="22" idx="3"/>
-            <a:endCxn id="33" idx="1"/>
-          </p:cNvCxnSpPr>
-          <p:nvPr/>
-        </p:nvCxnSpPr>
-        <p:spPr>
-          <a:xfrm>
-            <a:off x="7022498" y="1953948"/>
-            <a:ext cx="776051" cy="645866"/>
-          </a:xfrm>
-          <a:prstGeom prst="bentConnector3">
-            <a:avLst/>
-          </a:prstGeom>
-          <a:ln w="25400">
-            <a:tailEnd type="triangle"/>
-          </a:ln>
-        </p:spPr>
-        <p:style>
-          <a:lnRef idx="1">
-            <a:schemeClr val="accent1"/>
-          </a:lnRef>
-          <a:fillRef idx="0">
-            <a:schemeClr val="accent1"/>
-          </a:fillRef>
-          <a:effectRef idx="0">
-            <a:schemeClr val="accent1"/>
-          </a:effectRef>
-          <a:fontRef idx="minor">
-            <a:schemeClr val="tx1"/>
-          </a:fontRef>
-        </p:style>
-      </p:cxnSp>
-      <p:cxnSp>
-        <p:nvCxnSpPr>
-          <p:cNvPr id="50" name="Verbinder: gewinkelt 49">
-            <a:extLst>
-              <a:ext uri="{FF2B5EF4-FFF2-40B4-BE49-F238E27FC236}">
-                <a16:creationId xmlns="" xmlns:a16="http://schemas.microsoft.com/office/drawing/2014/main" id="{141A9E80-3FA4-4A04-95AD-0696ECA18008}"/>
-              </a:ext>
-            </a:extLst>
-          </p:cNvPr>
-          <p:cNvCxnSpPr>
-            <a:stCxn id="30" idx="3"/>
-            <a:endCxn id="33" idx="1"/>
-          </p:cNvCxnSpPr>
-          <p:nvPr/>
-        </p:nvCxnSpPr>
-        <p:spPr>
-          <a:xfrm flipV="1">
-            <a:off x="7022498" y="2599814"/>
-            <a:ext cx="776051" cy="568978"/>
-          </a:xfrm>
-          <a:prstGeom prst="bentConnector3">
-            <a:avLst/>
-          </a:prstGeom>
-          <a:ln w="25400">
-            <a:tailEnd type="triangle"/>
-          </a:ln>
-        </p:spPr>
-        <p:style>
-          <a:lnRef idx="1">
-            <a:schemeClr val="accent1"/>
-          </a:lnRef>
-          <a:fillRef idx="0">
-            <a:schemeClr val="accent1"/>
-          </a:fillRef>
-          <a:effectRef idx="0">
-            <a:schemeClr val="accent1"/>
-          </a:effectRef>
-          <a:fontRef idx="minor">
-            <a:schemeClr val="tx1"/>
-          </a:fontRef>
-        </p:style>
-      </p:cxnSp>
-      <p:cxnSp>
-        <p:nvCxnSpPr>
-          <p:cNvPr id="52" name="Verbinder: gewinkelt 51">
-            <a:extLst>
-              <a:ext uri="{FF2B5EF4-FFF2-40B4-BE49-F238E27FC236}">
-                <a16:creationId xmlns="" xmlns:a16="http://schemas.microsoft.com/office/drawing/2014/main" id="{F2F2EB6E-63E9-44CC-B650-FDAA5D0719E6}"/>
-              </a:ext>
-            </a:extLst>
-          </p:cNvPr>
-          <p:cNvCxnSpPr>
-            <a:cxnSpLocks/>
-            <a:stCxn id="25" idx="3"/>
-            <a:endCxn id="27" idx="1"/>
-          </p:cNvCxnSpPr>
-          <p:nvPr/>
-        </p:nvCxnSpPr>
-        <p:spPr>
-          <a:xfrm flipV="1">
-            <a:off x="2630008" y="3168792"/>
-            <a:ext cx="861872" cy="356"/>
-          </a:xfrm>
-          <a:prstGeom prst="bentConnector3">
-            <a:avLst/>
-          </a:prstGeom>
-          <a:ln w="25400">
-            <a:tailEnd type="triangle"/>
-          </a:ln>
-        </p:spPr>
-        <p:style>
-          <a:lnRef idx="1">
-            <a:schemeClr val="accent1"/>
-          </a:lnRef>
-          <a:fillRef idx="0">
-            <a:schemeClr val="accent1"/>
-          </a:fillRef>
-          <a:effectRef idx="0">
-            <a:schemeClr val="accent1"/>
-          </a:effectRef>
-          <a:fontRef idx="minor">
-            <a:schemeClr val="tx1"/>
-          </a:fontRef>
-        </p:style>
-      </p:cxnSp>
-      <p:cxnSp>
-        <p:nvCxnSpPr>
-          <p:cNvPr id="54" name="Gerade Verbindung mit Pfeil 53">
-            <a:extLst>
-              <a:ext uri="{FF2B5EF4-FFF2-40B4-BE49-F238E27FC236}">
-                <a16:creationId xmlns="" xmlns:a16="http://schemas.microsoft.com/office/drawing/2014/main" id="{4F8E0718-3995-4824-9114-378358C83DC2}"/>
-              </a:ext>
-            </a:extLst>
-          </p:cNvPr>
-          <p:cNvCxnSpPr>
-            <a:stCxn id="27" idx="3"/>
-            <a:endCxn id="30" idx="1"/>
-          </p:cNvCxnSpPr>
-          <p:nvPr/>
-        </p:nvCxnSpPr>
-        <p:spPr>
-          <a:xfrm>
-            <a:off x="4142176" y="3168792"/>
-            <a:ext cx="2230026" cy="0"/>
-          </a:xfrm>
-          <a:prstGeom prst="straightConnector1">
-            <a:avLst/>
-          </a:prstGeom>
-          <a:ln w="25400">
-            <a:tailEnd type="triangle"/>
-          </a:ln>
-        </p:spPr>
-        <p:style>
-          <a:lnRef idx="1">
-            <a:schemeClr val="accent1"/>
-          </a:lnRef>
-          <a:fillRef idx="0">
-            <a:schemeClr val="accent1"/>
-          </a:fillRef>
-          <a:effectRef idx="0">
-            <a:schemeClr val="accent1"/>
-          </a:effectRef>
-          <a:fontRef idx="minor">
-            <a:schemeClr val="tx1"/>
-          </a:fontRef>
-        </p:style>
-      </p:cxnSp>
-      <p:sp>
-        <p:nvSpPr>
-          <p:cNvPr id="59" name="Inhaltsplatzhalter 2">
-            <a:extLst>
-              <a:ext uri="{FF2B5EF4-FFF2-40B4-BE49-F238E27FC236}">
-                <a16:creationId xmlns="" xmlns:a16="http://schemas.microsoft.com/office/drawing/2014/main" id="{47ED36AE-F229-4868-8536-D7DC96FB76F9}"/>
-              </a:ext>
-            </a:extLst>
-          </p:cNvPr>
-          <p:cNvSpPr txBox="1">
-            <a:spLocks/>
-          </p:cNvSpPr>
-          <p:nvPr/>
-        </p:nvSpPr>
-        <p:spPr>
-          <a:xfrm>
-            <a:off x="378000" y="3504844"/>
-            <a:ext cx="8353425" cy="2804476"/>
-          </a:xfrm>
-          <a:prstGeom prst="rect">
-            <a:avLst/>
-          </a:prstGeom>
-        </p:spPr>
-        <p:txBody>
-          <a:bodyPr>
-            <a:normAutofit/>
-          </a:bodyPr>
-          <a:lstStyle>
-            <a:lvl1pPr marL="183600" indent="-183600" algn="l" defTabSz="914400" rtl="0" eaLnBrk="1" latinLnBrk="0" hangingPunct="1">
-              <a:spcBef>
-                <a:spcPts val="600"/>
-              </a:spcBef>
-              <a:spcAft>
-                <a:spcPts val="0"/>
-              </a:spcAft>
-              <a:buFont typeface="Wingdings" pitchFamily="2" charset="2"/>
-              <a:buChar char="§"/>
-              <a:defRPr lang="en-US" sz="2000" b="0" kern="1200" spc="0" baseline="0" noProof="0" dirty="0" smtClean="0">
-                <a:solidFill>
-                  <a:srgbClr val="5F5F5F"/>
-                </a:solidFill>
-                <a:latin typeface="Trebuchet MS" pitchFamily="34" charset="0"/>
-                <a:ea typeface="+mn-ea"/>
-                <a:cs typeface="Arial" pitchFamily="34" charset="0"/>
-              </a:defRPr>
-            </a:lvl1pPr>
-            <a:lvl2pPr marL="449263" indent="-182563" algn="l" defTabSz="914400" rtl="0" eaLnBrk="1" latinLnBrk="0" hangingPunct="1">
-              <a:spcBef>
-                <a:spcPts val="300"/>
-              </a:spcBef>
-              <a:buFont typeface="Wingdings" pitchFamily="2" charset="2"/>
-              <a:buChar char="§"/>
-              <a:defRPr sz="2200" b="0" kern="1200">
-                <a:solidFill>
-                  <a:srgbClr val="5F5F5F"/>
-                </a:solidFill>
-                <a:latin typeface="+mn-lt"/>
-                <a:ea typeface="+mn-ea"/>
-                <a:cs typeface="+mn-cs"/>
-              </a:defRPr>
-            </a:lvl2pPr>
-            <a:lvl3pPr marL="806450" indent="-182563" algn="l" defTabSz="914400" rtl="0" eaLnBrk="1" latinLnBrk="0" hangingPunct="1">
-              <a:spcBef>
-                <a:spcPts val="300"/>
-              </a:spcBef>
-              <a:buFont typeface="Wingdings" pitchFamily="2" charset="2"/>
-              <a:buChar char="§"/>
-              <a:defRPr sz="2000" b="0" kern="1200">
-                <a:solidFill>
-                  <a:srgbClr val="5F5F5F"/>
-                </a:solidFill>
-                <a:latin typeface="+mn-lt"/>
-                <a:ea typeface="+mn-ea"/>
-                <a:cs typeface="+mn-cs"/>
-              </a:defRPr>
-            </a:lvl3pPr>
-            <a:lvl4pPr marL="1163638" indent="-174625" algn="l" defTabSz="914400" rtl="0" eaLnBrk="1" latinLnBrk="0" hangingPunct="1">
-              <a:spcBef>
-                <a:spcPct val="20000"/>
-              </a:spcBef>
-              <a:buFont typeface="Wingdings" pitchFamily="2" charset="2"/>
-              <a:buChar char="§"/>
-              <a:defRPr sz="1800" b="0" kern="1200">
-                <a:solidFill>
-                  <a:srgbClr val="5F5F5F"/>
-                </a:solidFill>
-                <a:latin typeface="+mn-lt"/>
-                <a:ea typeface="+mn-ea"/>
-                <a:cs typeface="+mn-cs"/>
-              </a:defRPr>
-            </a:lvl4pPr>
-            <a:lvl5pPr marL="1828800" indent="0" algn="l" defTabSz="914400" rtl="0" eaLnBrk="1" latinLnBrk="0" hangingPunct="1">
-              <a:spcBef>
-                <a:spcPct val="20000"/>
-              </a:spcBef>
-              <a:buFontTx/>
-              <a:buNone/>
-              <a:defRPr sz="2200" b="0" kern="1200">
-                <a:solidFill>
-                  <a:schemeClr val="tx1"/>
-                </a:solidFill>
-                <a:latin typeface="+mn-lt"/>
-                <a:ea typeface="+mn-ea"/>
-                <a:cs typeface="+mn-cs"/>
-              </a:defRPr>
-            </a:lvl5pPr>
-            <a:lvl6pPr marL="2514600" indent="-228600" algn="l" defTabSz="914400" rtl="0" eaLnBrk="1" latinLnBrk="0" hangingPunct="1">
-              <a:spcBef>
-                <a:spcPct val="20000"/>
-              </a:spcBef>
-              <a:buFont typeface="Arial" pitchFamily="34" charset="0"/>
-              <a:buChar char="•"/>
-              <a:defRPr sz="2000" kern="1200">
-                <a:solidFill>
-                  <a:schemeClr val="tx1"/>
-                </a:solidFill>
-                <a:latin typeface="+mn-lt"/>
-                <a:ea typeface="+mn-ea"/>
-                <a:cs typeface="+mn-cs"/>
-              </a:defRPr>
-            </a:lvl6pPr>
-            <a:lvl7pPr marL="2971800" indent="-228600" algn="l" defTabSz="914400" rtl="0" eaLnBrk="1" latinLnBrk="0" hangingPunct="1">
-              <a:spcBef>
-                <a:spcPct val="20000"/>
-              </a:spcBef>
-              <a:buFont typeface="Arial" pitchFamily="34" charset="0"/>
-              <a:buChar char="•"/>
-              <a:defRPr sz="2000" kern="1200">
-                <a:solidFill>
-                  <a:schemeClr val="tx1"/>
-                </a:solidFill>
-                <a:latin typeface="+mn-lt"/>
-                <a:ea typeface="+mn-ea"/>
-                <a:cs typeface="+mn-cs"/>
-              </a:defRPr>
-            </a:lvl7pPr>
-            <a:lvl8pPr marL="3429000" indent="-228600" algn="l" defTabSz="914400" rtl="0" eaLnBrk="1" latinLnBrk="0" hangingPunct="1">
-              <a:spcBef>
-                <a:spcPct val="20000"/>
-              </a:spcBef>
-              <a:buFont typeface="Arial" pitchFamily="34" charset="0"/>
-              <a:buChar char="•"/>
-              <a:defRPr sz="2000" kern="1200">
-                <a:solidFill>
-                  <a:schemeClr val="tx1"/>
-                </a:solidFill>
-                <a:latin typeface="+mn-lt"/>
-                <a:ea typeface="+mn-ea"/>
-                <a:cs typeface="+mn-cs"/>
-              </a:defRPr>
-            </a:lvl8pPr>
-            <a:lvl9pPr marL="3886200" indent="-228600" algn="l" defTabSz="914400" rtl="0" eaLnBrk="1" latinLnBrk="0" hangingPunct="1">
-              <a:spcBef>
-                <a:spcPct val="20000"/>
-              </a:spcBef>
-              <a:buFont typeface="Arial" pitchFamily="34" charset="0"/>
-              <a:buChar char="•"/>
-              <a:defRPr sz="2000" kern="1200">
-                <a:solidFill>
-                  <a:schemeClr val="tx1"/>
-                </a:solidFill>
-                <a:latin typeface="+mn-lt"/>
-                <a:ea typeface="+mn-ea"/>
-                <a:cs typeface="+mn-cs"/>
-              </a:defRPr>
-            </a:lvl9pPr>
-          </a:lstStyle>
-          <a:p>
-            <a:pPr marL="0" indent="0">
-              <a:buFont typeface="Wingdings" pitchFamily="2" charset="2"/>
-              <a:buNone/>
-            </a:pPr>
-            <a:endParaRPr lang="de-DE"/>
-          </a:p>
-          <a:p>
-            <a:pPr marL="0" indent="0">
-              <a:buFont typeface="Wingdings" pitchFamily="2" charset="2"/>
-              <a:buNone/>
-            </a:pPr>
-            <a:r>
-              <a:rPr lang="de-DE"/>
-              <a:t>Validierungstool</a:t>
-            </a:r>
-          </a:p>
-          <a:p>
-            <a:pPr marL="0" indent="0">
-              <a:buFont typeface="Wingdings" pitchFamily="2" charset="2"/>
-              <a:buNone/>
-            </a:pPr>
-            <a:r>
-              <a:rPr lang="de-DE"/>
-              <a:t>Input: 		0000001111100000001111111</a:t>
-            </a:r>
-          </a:p>
-          <a:p>
-            <a:pPr marL="0" indent="0">
-              <a:buFont typeface="Wingdings" pitchFamily="2" charset="2"/>
-              <a:buNone/>
-            </a:pPr>
-            <a:endParaRPr lang="de-DE" sz="100"/>
-          </a:p>
-          <a:p>
-            <a:pPr marL="0" indent="0">
-              <a:buFont typeface="Wingdings" pitchFamily="2" charset="2"/>
-              <a:buNone/>
-            </a:pPr>
-            <a:r>
-              <a:rPr lang="de-DE"/>
-              <a:t>Output:   	   -6        5        -7          7</a:t>
-            </a:r>
-          </a:p>
-          <a:p>
-            <a:pPr marL="0" indent="0">
-              <a:buFont typeface="Wingdings" pitchFamily="2" charset="2"/>
-              <a:buNone/>
-            </a:pPr>
-            <a:endParaRPr lang="de-DE" sz="500"/>
-          </a:p>
-          <a:p>
-            <a:pPr marL="0" indent="0">
-              <a:buFont typeface="Wingdings" pitchFamily="2" charset="2"/>
-              <a:buNone/>
-            </a:pPr>
-            <a:r>
-              <a:rPr lang="de-DE"/>
-              <a:t>R:                  		     ECDF</a:t>
-            </a:r>
-          </a:p>
-          <a:p>
-            <a:pPr marL="0" indent="0">
-              <a:buFont typeface="Wingdings" pitchFamily="2" charset="2"/>
-              <a:buNone/>
-            </a:pPr>
-            <a:endParaRPr lang="de-DE"/>
-          </a:p>
-          <a:p>
-            <a:pPr marL="0" indent="0">
-              <a:buFont typeface="Wingdings" pitchFamily="2" charset="2"/>
-              <a:buNone/>
-            </a:pPr>
-            <a:endParaRPr lang="de-DE"/>
-          </a:p>
-        </p:txBody>
-      </p:sp>
-      <p:grpSp>
-        <p:nvGrpSpPr>
-          <p:cNvPr id="60" name="Gruppieren 59">
-            <a:extLst>
-              <a:ext uri="{FF2B5EF4-FFF2-40B4-BE49-F238E27FC236}">
-                <a16:creationId xmlns="" xmlns:a16="http://schemas.microsoft.com/office/drawing/2014/main" id="{594FCFBB-7B78-431B-8B57-FEAD4056D683}"/>
-              </a:ext>
-            </a:extLst>
-          </p:cNvPr>
-          <p:cNvGrpSpPr/>
-          <p:nvPr/>
-        </p:nvGrpSpPr>
-        <p:grpSpPr>
-          <a:xfrm>
-            <a:off x="2304000" y="4592367"/>
-            <a:ext cx="3312368" cy="708841"/>
-            <a:chOff x="2339752" y="4592367"/>
-            <a:chExt cx="3312368" cy="708841"/>
-          </a:xfrm>
-        </p:grpSpPr>
-        <p:sp>
-          <p:nvSpPr>
-            <p:cNvPr id="61" name="Geschweifte Klammer links 60">
-              <a:extLst>
-                <a:ext uri="{FF2B5EF4-FFF2-40B4-BE49-F238E27FC236}">
-                  <a16:creationId xmlns="" xmlns:a16="http://schemas.microsoft.com/office/drawing/2014/main" id="{B701AF09-9E34-4242-965B-406FBC84373E}"/>
-                </a:ext>
-              </a:extLst>
-            </p:cNvPr>
-            <p:cNvSpPr/>
-            <p:nvPr/>
-          </p:nvSpPr>
-          <p:spPr>
-            <a:xfrm rot="16200000">
-              <a:off x="2627784" y="4304335"/>
-              <a:ext cx="216024" cy="792088"/>
-            </a:xfrm>
-            <a:prstGeom prst="leftBrace">
-              <a:avLst/>
-            </a:prstGeom>
-          </p:spPr>
-          <p:style>
-            <a:lnRef idx="1">
-              <a:schemeClr val="accent1"/>
-            </a:lnRef>
-            <a:fillRef idx="0">
-              <a:schemeClr val="accent1"/>
-            </a:fillRef>
-            <a:effectRef idx="0">
-              <a:schemeClr val="accent1"/>
-            </a:effectRef>
-            <a:fontRef idx="minor">
-              <a:schemeClr val="tx1"/>
-            </a:fontRef>
-          </p:style>
-          <p:txBody>
-            <a:bodyPr rtlCol="0" anchor="ctr"/>
-            <a:lstStyle/>
-            <a:p>
-              <a:pPr algn="ctr"/>
-              <a:endParaRPr lang="de-DE"/>
-            </a:p>
-          </p:txBody>
-        </p:sp>
-        <p:sp>
-          <p:nvSpPr>
-            <p:cNvPr id="62" name="Geschweifte Klammer links 61">
-              <a:extLst>
-                <a:ext uri="{FF2B5EF4-FFF2-40B4-BE49-F238E27FC236}">
-                  <a16:creationId xmlns="" xmlns:a16="http://schemas.microsoft.com/office/drawing/2014/main" id="{F3CEAF78-C865-416F-AF3C-BD5E519BB757}"/>
-                </a:ext>
-              </a:extLst>
-            </p:cNvPr>
-            <p:cNvSpPr/>
-            <p:nvPr/>
-          </p:nvSpPr>
-          <p:spPr>
-            <a:xfrm rot="16200000">
-              <a:off x="3349142" y="4377622"/>
-              <a:ext cx="213467" cy="648072"/>
-            </a:xfrm>
-            <a:prstGeom prst="leftBrace">
-              <a:avLst/>
-            </a:prstGeom>
-          </p:spPr>
-          <p:style>
-            <a:lnRef idx="1">
-              <a:schemeClr val="accent1"/>
-            </a:lnRef>
-            <a:fillRef idx="0">
-              <a:schemeClr val="accent1"/>
-            </a:fillRef>
-            <a:effectRef idx="0">
-              <a:schemeClr val="accent1"/>
-            </a:effectRef>
-            <a:fontRef idx="minor">
-              <a:schemeClr val="tx1"/>
-            </a:fontRef>
-          </p:style>
-          <p:txBody>
-            <a:bodyPr rtlCol="0" anchor="ctr"/>
-            <a:lstStyle/>
-            <a:p>
-              <a:pPr algn="ctr"/>
-              <a:endParaRPr lang="de-DE"/>
-            </a:p>
-          </p:txBody>
-        </p:sp>
-        <p:sp>
-          <p:nvSpPr>
-            <p:cNvPr id="63" name="Geschweifte Klammer links 62">
-              <a:extLst>
-                <a:ext uri="{FF2B5EF4-FFF2-40B4-BE49-F238E27FC236}">
-                  <a16:creationId xmlns="" xmlns:a16="http://schemas.microsoft.com/office/drawing/2014/main" id="{768CB2BC-A54B-4AEA-A0F0-368DF73F6814}"/>
-                </a:ext>
-              </a:extLst>
-            </p:cNvPr>
-            <p:cNvSpPr/>
-            <p:nvPr/>
-          </p:nvSpPr>
-          <p:spPr>
-            <a:xfrm rot="16200000">
-              <a:off x="4159712" y="4216191"/>
-              <a:ext cx="212400" cy="972000"/>
-            </a:xfrm>
-            <a:prstGeom prst="leftBrace">
-              <a:avLst/>
-            </a:prstGeom>
-          </p:spPr>
-          <p:style>
-            <a:lnRef idx="1">
-              <a:schemeClr val="accent1"/>
-            </a:lnRef>
-            <a:fillRef idx="0">
-              <a:schemeClr val="accent1"/>
-            </a:fillRef>
-            <a:effectRef idx="0">
-              <a:schemeClr val="accent1"/>
-            </a:effectRef>
-            <a:fontRef idx="minor">
-              <a:schemeClr val="tx1"/>
-            </a:fontRef>
-          </p:style>
-          <p:txBody>
-            <a:bodyPr rtlCol="0" anchor="ctr"/>
-            <a:lstStyle/>
-            <a:p>
-              <a:pPr algn="ctr"/>
-              <a:endParaRPr lang="de-DE"/>
-            </a:p>
-          </p:txBody>
-        </p:sp>
-        <p:sp>
-          <p:nvSpPr>
-            <p:cNvPr id="64" name="Geschweifte Klammer links 63">
-              <a:extLst>
-                <a:ext uri="{FF2B5EF4-FFF2-40B4-BE49-F238E27FC236}">
-                  <a16:creationId xmlns="" xmlns:a16="http://schemas.microsoft.com/office/drawing/2014/main" id="{2AA1AB46-F95D-4441-9EBB-94737B479912}"/>
-                </a:ext>
-              </a:extLst>
-            </p:cNvPr>
-            <p:cNvSpPr/>
-            <p:nvPr/>
-          </p:nvSpPr>
-          <p:spPr>
-            <a:xfrm rot="16200000">
-              <a:off x="5095816" y="4252087"/>
-              <a:ext cx="212400" cy="900208"/>
-            </a:xfrm>
-            <a:prstGeom prst="leftBrace">
-              <a:avLst/>
-            </a:prstGeom>
-          </p:spPr>
-          <p:style>
-            <a:lnRef idx="1">
-              <a:schemeClr val="accent1"/>
-            </a:lnRef>
-            <a:fillRef idx="0">
-              <a:schemeClr val="accent1"/>
-            </a:fillRef>
-            <a:effectRef idx="0">
-              <a:schemeClr val="accent1"/>
-            </a:effectRef>
-            <a:fontRef idx="minor">
-              <a:schemeClr val="tx1"/>
-            </a:fontRef>
-          </p:style>
-          <p:txBody>
-            <a:bodyPr rtlCol="0" anchor="ctr"/>
-            <a:lstStyle/>
-            <a:p>
-              <a:pPr algn="ctr"/>
-              <a:endParaRPr lang="de-DE"/>
-            </a:p>
-          </p:txBody>
-        </p:sp>
-        <p:sp>
-          <p:nvSpPr>
-            <p:cNvPr id="65" name="Geschweifte Klammer links 64">
-              <a:extLst>
-                <a:ext uri="{FF2B5EF4-FFF2-40B4-BE49-F238E27FC236}">
-                  <a16:creationId xmlns="" xmlns:a16="http://schemas.microsoft.com/office/drawing/2014/main" id="{2CDA09F2-AF4E-458C-BE44-9D1CAE26CFFF}"/>
-                </a:ext>
-              </a:extLst>
-            </p:cNvPr>
-            <p:cNvSpPr/>
-            <p:nvPr/>
-          </p:nvSpPr>
-          <p:spPr>
-            <a:xfrm rot="16200000">
-              <a:off x="3777490" y="3786618"/>
-              <a:ext cx="292876" cy="2736304"/>
-            </a:xfrm>
-            <a:prstGeom prst="leftBrace">
-              <a:avLst/>
-            </a:prstGeom>
-          </p:spPr>
-          <p:style>
-            <a:lnRef idx="1">
-              <a:schemeClr val="accent1"/>
-            </a:lnRef>
-            <a:fillRef idx="0">
-              <a:schemeClr val="accent1"/>
-            </a:fillRef>
-            <a:effectRef idx="0">
-              <a:schemeClr val="accent1"/>
-            </a:effectRef>
-            <a:fontRef idx="minor">
-              <a:schemeClr val="tx1"/>
-            </a:fontRef>
-          </p:style>
-          <p:txBody>
-            <a:bodyPr rtlCol="0" anchor="ctr"/>
-            <a:lstStyle/>
-            <a:p>
-              <a:pPr algn="ctr"/>
-              <a:endParaRPr lang="de-DE"/>
-            </a:p>
-          </p:txBody>
-        </p:sp>
-      </p:grpSp>
-      <p:cxnSp>
-        <p:nvCxnSpPr>
-          <p:cNvPr id="66" name="Gerader Verbinder 65">
-            <a:extLst>
-              <a:ext uri="{FF2B5EF4-FFF2-40B4-BE49-F238E27FC236}">
-                <a16:creationId xmlns="" xmlns:a16="http://schemas.microsoft.com/office/drawing/2014/main" id="{2858B0EE-7D3F-43F1-B44C-AB95CB1E9380}"/>
-              </a:ext>
-            </a:extLst>
-          </p:cNvPr>
-          <p:cNvCxnSpPr>
-            <a:cxnSpLocks/>
-          </p:cNvCxnSpPr>
-          <p:nvPr/>
-        </p:nvCxnSpPr>
-        <p:spPr>
-          <a:xfrm>
-            <a:off x="467544" y="4248000"/>
-            <a:ext cx="8328224" cy="0"/>
-          </a:xfrm>
-          <a:prstGeom prst="line">
-            <a:avLst/>
-          </a:prstGeom>
-          <a:ln w="19050"/>
-        </p:spPr>
-        <p:style>
-          <a:lnRef idx="1">
-            <a:schemeClr val="accent1"/>
-          </a:lnRef>
-          <a:fillRef idx="0">
-            <a:schemeClr val="accent1"/>
-          </a:fillRef>
-          <a:effectRef idx="0">
-            <a:schemeClr val="accent1"/>
-          </a:effectRef>
-          <a:fontRef idx="minor">
-            <a:schemeClr val="tx1"/>
-          </a:fontRef>
-        </p:style>
-      </p:cxnSp>
-    </p:spTree>
-    <p:extLst>
-      <p:ext uri="{BB962C8B-B14F-4D97-AF65-F5344CB8AC3E}">
-        <p14:creationId xmlns:p14="http://schemas.microsoft.com/office/powerpoint/2010/main" val="150613924"/>
-      </p:ext>
-    </p:extLst>
-  </p:cSld>
-  <p:clrMapOvr>
-    <a:masterClrMapping/>
-  </p:clrMapOvr>
-</p:sld>
-</file>
-
-<file path=ppt/slides/slide11.xml><?xml version="1.0" encoding="utf-8"?>
-<p:sld xmlns:a="http://schemas.openxmlformats.org/drawingml/2006/main" xmlns:r="http://schemas.openxmlformats.org/officeDocument/2006/relationships" xmlns:p="http://schemas.openxmlformats.org/presentationml/2006/main">
-  <p:cSld>
-    <p:spTree>
-      <p:nvGrpSpPr>
-        <p:cNvPr id="1" name=""/>
-        <p:cNvGrpSpPr/>
-        <p:nvPr/>
-      </p:nvGrpSpPr>
-      <p:grpSpPr>
-        <a:xfrm>
-          <a:off x="0" y="0"/>
-          <a:ext cx="0" cy="0"/>
-          <a:chOff x="0" y="0"/>
-          <a:chExt cx="0" cy="0"/>
-        </a:xfrm>
-      </p:grpSpPr>
       <p:pic>
         <p:nvPicPr>
           <p:cNvPr id="6" name="Inhaltsplatzhalter 5">
             <a:extLst>
               <a:ext uri="{FF2B5EF4-FFF2-40B4-BE49-F238E27FC236}">
-                <a16:creationId xmlns="" xmlns:a16="http://schemas.microsoft.com/office/drawing/2014/main" id="{76339824-7CC5-4CEC-AF07-4BBF7CE8BABC}"/>
+                <a16:creationId xmlns:a16="http://schemas.microsoft.com/office/drawing/2014/main" id="{76339824-7CC5-4CEC-AF07-4BBF7CE8BABC}"/>
               </a:ext>
             </a:extLst>
           </p:cNvPr>
@@ -7030,7 +5449,7 @@
           <p:cNvPr id="3" name="Textplatzhalter 2">
             <a:extLst>
               <a:ext uri="{FF2B5EF4-FFF2-40B4-BE49-F238E27FC236}">
-                <a16:creationId xmlns="" xmlns:a16="http://schemas.microsoft.com/office/drawing/2014/main" id="{8AB1F12B-A0B2-45A8-B9EB-B9AE90C54409}"/>
+                <a16:creationId xmlns:a16="http://schemas.microsoft.com/office/drawing/2014/main" id="{8AB1F12B-A0B2-45A8-B9EB-B9AE90C54409}"/>
               </a:ext>
             </a:extLst>
           </p:cNvPr>
@@ -7058,7 +5477,7 @@
           <p:cNvPr id="4" name="Titel 3">
             <a:extLst>
               <a:ext uri="{FF2B5EF4-FFF2-40B4-BE49-F238E27FC236}">
-                <a16:creationId xmlns="" xmlns:a16="http://schemas.microsoft.com/office/drawing/2014/main" id="{ED90C955-EFCD-4335-BB9B-4F706C8DC06B}"/>
+                <a16:creationId xmlns:a16="http://schemas.microsoft.com/office/drawing/2014/main" id="{ED90C955-EFCD-4335-BB9B-4F706C8DC06B}"/>
               </a:ext>
             </a:extLst>
           </p:cNvPr>
@@ -7094,7 +5513,7 @@
 </p:sld>
 </file>
 
-<file path=ppt/slides/slide12.xml><?xml version="1.0" encoding="utf-8"?>
+<file path=ppt/slides/slide11.xml><?xml version="1.0" encoding="utf-8"?>
 <p:sld xmlns:a="http://schemas.openxmlformats.org/drawingml/2006/main" xmlns:r="http://schemas.openxmlformats.org/officeDocument/2006/relationships" xmlns:p="http://schemas.openxmlformats.org/presentationml/2006/main">
   <p:cSld>
     <p:spTree>
@@ -7116,7 +5535,7 @@
           <p:cNvPr id="5" name="Inhaltsplatzhalter 4">
             <a:extLst>
               <a:ext uri="{FF2B5EF4-FFF2-40B4-BE49-F238E27FC236}">
-                <a16:creationId xmlns="" xmlns:a16="http://schemas.microsoft.com/office/drawing/2014/main" id="{27B55C01-150C-412B-B8A7-287505F6C5A2}"/>
+                <a16:creationId xmlns:a16="http://schemas.microsoft.com/office/drawing/2014/main" id="{27B55C01-150C-412B-B8A7-287505F6C5A2}"/>
               </a:ext>
             </a:extLst>
           </p:cNvPr>
@@ -7146,42 +5565,42 @@
                 <a:gridCol w="1392238">
                   <a:extLst>
                     <a:ext uri="{9D8B030D-6E8A-4147-A177-3AD203B41FA5}">
-                      <a16:colId xmlns="" xmlns:a16="http://schemas.microsoft.com/office/drawing/2014/main" val="2171424835"/>
+                      <a16:colId xmlns:a16="http://schemas.microsoft.com/office/drawing/2014/main" val="2171424835"/>
                     </a:ext>
                   </a:extLst>
                 </a:gridCol>
                 <a:gridCol w="1217761">
                   <a:extLst>
                     <a:ext uri="{9D8B030D-6E8A-4147-A177-3AD203B41FA5}">
-                      <a16:colId xmlns="" xmlns:a16="http://schemas.microsoft.com/office/drawing/2014/main" val="447786077"/>
+                      <a16:colId xmlns:a16="http://schemas.microsoft.com/office/drawing/2014/main" val="447786077"/>
                     </a:ext>
                   </a:extLst>
                 </a:gridCol>
                 <a:gridCol w="1224136">
                   <a:extLst>
                     <a:ext uri="{9D8B030D-6E8A-4147-A177-3AD203B41FA5}">
-                      <a16:colId xmlns="" xmlns:a16="http://schemas.microsoft.com/office/drawing/2014/main" val="3559991766"/>
+                      <a16:colId xmlns:a16="http://schemas.microsoft.com/office/drawing/2014/main" val="3559991766"/>
                     </a:ext>
                   </a:extLst>
                 </a:gridCol>
                 <a:gridCol w="1296144">
                   <a:extLst>
                     <a:ext uri="{9D8B030D-6E8A-4147-A177-3AD203B41FA5}">
-                      <a16:colId xmlns="" xmlns:a16="http://schemas.microsoft.com/office/drawing/2014/main" val="58671158"/>
+                      <a16:colId xmlns:a16="http://schemas.microsoft.com/office/drawing/2014/main" val="58671158"/>
                     </a:ext>
                   </a:extLst>
                 </a:gridCol>
                 <a:gridCol w="1296144">
                   <a:extLst>
                     <a:ext uri="{9D8B030D-6E8A-4147-A177-3AD203B41FA5}">
-                      <a16:colId xmlns="" xmlns:a16="http://schemas.microsoft.com/office/drawing/2014/main" val="551523310"/>
+                      <a16:colId xmlns:a16="http://schemas.microsoft.com/office/drawing/2014/main" val="551523310"/>
                     </a:ext>
                   </a:extLst>
                 </a:gridCol>
                 <a:gridCol w="1927005">
                   <a:extLst>
                     <a:ext uri="{9D8B030D-6E8A-4147-A177-3AD203B41FA5}">
-                      <a16:colId xmlns="" xmlns:a16="http://schemas.microsoft.com/office/drawing/2014/main" val="3925189939"/>
+                      <a16:colId xmlns:a16="http://schemas.microsoft.com/office/drawing/2014/main" val="3925189939"/>
                     </a:ext>
                   </a:extLst>
                 </a:gridCol>
@@ -7274,7 +5693,7 @@
                 </a:tc>
                 <a:extLst>
                   <a:ext uri="{0D108BD9-81ED-4DB2-BD59-A6C34878D82A}">
-                    <a16:rowId xmlns="" xmlns:a16="http://schemas.microsoft.com/office/drawing/2014/main" val="2609186871"/>
+                    <a16:rowId xmlns:a16="http://schemas.microsoft.com/office/drawing/2014/main" val="2609186871"/>
                   </a:ext>
                 </a:extLst>
               </a:tr>
@@ -7456,7 +5875,7 @@
                 </a:tc>
                 <a:extLst>
                   <a:ext uri="{0D108BD9-81ED-4DB2-BD59-A6C34878D82A}">
-                    <a16:rowId xmlns="" xmlns:a16="http://schemas.microsoft.com/office/drawing/2014/main" val="386559297"/>
+                    <a16:rowId xmlns:a16="http://schemas.microsoft.com/office/drawing/2014/main" val="386559297"/>
                   </a:ext>
                 </a:extLst>
               </a:tr>
@@ -7630,7 +6049,7 @@
                 </a:tc>
                 <a:extLst>
                   <a:ext uri="{0D108BD9-81ED-4DB2-BD59-A6C34878D82A}">
-                    <a16:rowId xmlns="" xmlns:a16="http://schemas.microsoft.com/office/drawing/2014/main" val="3969875259"/>
+                    <a16:rowId xmlns:a16="http://schemas.microsoft.com/office/drawing/2014/main" val="3969875259"/>
                   </a:ext>
                 </a:extLst>
               </a:tr>
@@ -7748,7 +6167,7 @@
                 </a:tc>
                 <a:extLst>
                   <a:ext uri="{0D108BD9-81ED-4DB2-BD59-A6C34878D82A}">
-                    <a16:rowId xmlns="" xmlns:a16="http://schemas.microsoft.com/office/drawing/2014/main" val="1704449759"/>
+                    <a16:rowId xmlns:a16="http://schemas.microsoft.com/office/drawing/2014/main" val="1704449759"/>
                   </a:ext>
                 </a:extLst>
               </a:tr>
@@ -7839,7 +6258,7 @@
                 </a:tc>
                 <a:extLst>
                   <a:ext uri="{0D108BD9-81ED-4DB2-BD59-A6C34878D82A}">
-                    <a16:rowId xmlns="" xmlns:a16="http://schemas.microsoft.com/office/drawing/2014/main" val="896673889"/>
+                    <a16:rowId xmlns:a16="http://schemas.microsoft.com/office/drawing/2014/main" val="896673889"/>
                   </a:ext>
                 </a:extLst>
               </a:tr>
@@ -7934,7 +6353,7 @@
                 </a:tc>
                 <a:extLst>
                   <a:ext uri="{0D108BD9-81ED-4DB2-BD59-A6C34878D82A}">
-                    <a16:rowId xmlns="" xmlns:a16="http://schemas.microsoft.com/office/drawing/2014/main" val="3293938892"/>
+                    <a16:rowId xmlns:a16="http://schemas.microsoft.com/office/drawing/2014/main" val="3293938892"/>
                   </a:ext>
                 </a:extLst>
               </a:tr>
@@ -8025,7 +6444,7 @@
                 </a:tc>
                 <a:extLst>
                   <a:ext uri="{0D108BD9-81ED-4DB2-BD59-A6C34878D82A}">
-                    <a16:rowId xmlns="" xmlns:a16="http://schemas.microsoft.com/office/drawing/2014/main" val="3737057194"/>
+                    <a16:rowId xmlns:a16="http://schemas.microsoft.com/office/drawing/2014/main" val="3737057194"/>
                   </a:ext>
                 </a:extLst>
               </a:tr>
@@ -8120,7 +6539,7 @@
                 </a:tc>
                 <a:extLst>
                   <a:ext uri="{0D108BD9-81ED-4DB2-BD59-A6C34878D82A}">
-                    <a16:rowId xmlns="" xmlns:a16="http://schemas.microsoft.com/office/drawing/2014/main" val="2202356645"/>
+                    <a16:rowId xmlns:a16="http://schemas.microsoft.com/office/drawing/2014/main" val="2202356645"/>
                   </a:ext>
                 </a:extLst>
               </a:tr>
@@ -8133,7 +6552,7 @@
           <p:cNvPr id="3" name="Textplatzhalter 2">
             <a:extLst>
               <a:ext uri="{FF2B5EF4-FFF2-40B4-BE49-F238E27FC236}">
-                <a16:creationId xmlns="" xmlns:a16="http://schemas.microsoft.com/office/drawing/2014/main" id="{D87AF0AF-E13F-4919-BF0A-CD1FCE210718}"/>
+                <a16:creationId xmlns:a16="http://schemas.microsoft.com/office/drawing/2014/main" id="{D87AF0AF-E13F-4919-BF0A-CD1FCE210718}"/>
               </a:ext>
             </a:extLst>
           </p:cNvPr>
@@ -8161,7 +6580,7 @@
           <p:cNvPr id="4" name="Titel 3">
             <a:extLst>
               <a:ext uri="{FF2B5EF4-FFF2-40B4-BE49-F238E27FC236}">
-                <a16:creationId xmlns="" xmlns:a16="http://schemas.microsoft.com/office/drawing/2014/main" id="{5B7B9FC6-1632-4D81-8547-8AB88FBFCB60}"/>
+                <a16:creationId xmlns:a16="http://schemas.microsoft.com/office/drawing/2014/main" id="{5B7B9FC6-1632-4D81-8547-8AB88FBFCB60}"/>
               </a:ext>
             </a:extLst>
           </p:cNvPr>
@@ -8189,7 +6608,7 @@
           <p:cNvPr id="7" name="Grafik 6" descr="Warnung">
             <a:extLst>
               <a:ext uri="{FF2B5EF4-FFF2-40B4-BE49-F238E27FC236}">
-                <a16:creationId xmlns="" xmlns:a16="http://schemas.microsoft.com/office/drawing/2014/main" id="{840F3546-FA1C-47F6-B4B0-3C1E5FEFD598}"/>
+                <a16:creationId xmlns:a16="http://schemas.microsoft.com/office/drawing/2014/main" id="{840F3546-FA1C-47F6-B4B0-3C1E5FEFD598}"/>
               </a:ext>
             </a:extLst>
           </p:cNvPr>
@@ -8205,7 +6624,7 @@
                 <a14:useLocalDpi xmlns:a14="http://schemas.microsoft.com/office/drawing/2010/main" val="0"/>
               </a:ext>
               <a:ext uri="{96DAC541-7B7A-43D3-8B79-37D633B846F1}">
-                <asvg:svgBlip xmlns="" xmlns:asvg="http://schemas.microsoft.com/office/drawing/2016/SVG/main" r:embed="rId3"/>
+                <asvg:svgBlip xmlns:asvg="http://schemas.microsoft.com/office/drawing/2016/SVG/main" r:embed="rId3"/>
               </a:ext>
             </a:extLst>
           </a:blip>
@@ -8228,7 +6647,7 @@
           <p:cNvPr id="9" name="Grafik 8" descr="Daumen hoch">
             <a:extLst>
               <a:ext uri="{FF2B5EF4-FFF2-40B4-BE49-F238E27FC236}">
-                <a16:creationId xmlns="" xmlns:a16="http://schemas.microsoft.com/office/drawing/2014/main" id="{5119DCC4-4415-406B-ADB1-CEB87C6BCF78}"/>
+                <a16:creationId xmlns:a16="http://schemas.microsoft.com/office/drawing/2014/main" id="{5119DCC4-4415-406B-ADB1-CEB87C6BCF78}"/>
               </a:ext>
             </a:extLst>
           </p:cNvPr>
@@ -8244,7 +6663,7 @@
                 <a14:useLocalDpi xmlns:a14="http://schemas.microsoft.com/office/drawing/2010/main" val="0"/>
               </a:ext>
               <a:ext uri="{96DAC541-7B7A-43D3-8B79-37D633B846F1}">
-                <asvg:svgBlip xmlns="" xmlns:asvg="http://schemas.microsoft.com/office/drawing/2016/SVG/main" r:embed="rId5"/>
+                <asvg:svgBlip xmlns:asvg="http://schemas.microsoft.com/office/drawing/2016/SVG/main" r:embed="rId5"/>
               </a:ext>
             </a:extLst>
           </a:blip>
@@ -8267,7 +6686,7 @@
           <p:cNvPr id="10" name="Grafik 9" descr="Daumen hoch">
             <a:extLst>
               <a:ext uri="{FF2B5EF4-FFF2-40B4-BE49-F238E27FC236}">
-                <a16:creationId xmlns="" xmlns:a16="http://schemas.microsoft.com/office/drawing/2014/main" id="{A0DFE121-8887-4513-9768-BA4F8FA0C69C}"/>
+                <a16:creationId xmlns:a16="http://schemas.microsoft.com/office/drawing/2014/main" id="{A0DFE121-8887-4513-9768-BA4F8FA0C69C}"/>
               </a:ext>
             </a:extLst>
           </p:cNvPr>
@@ -8283,7 +6702,7 @@
                 <a14:useLocalDpi xmlns:a14="http://schemas.microsoft.com/office/drawing/2010/main" val="0"/>
               </a:ext>
               <a:ext uri="{96DAC541-7B7A-43D3-8B79-37D633B846F1}">
-                <asvg:svgBlip xmlns="" xmlns:asvg="http://schemas.microsoft.com/office/drawing/2016/SVG/main" r:embed="rId5"/>
+                <asvg:svgBlip xmlns:asvg="http://schemas.microsoft.com/office/drawing/2016/SVG/main" r:embed="rId5"/>
               </a:ext>
             </a:extLst>
           </a:blip>
@@ -8306,7 +6725,7 @@
           <p:cNvPr id="11" name="Grafik 10" descr="Daumen hoch">
             <a:extLst>
               <a:ext uri="{FF2B5EF4-FFF2-40B4-BE49-F238E27FC236}">
-                <a16:creationId xmlns="" xmlns:a16="http://schemas.microsoft.com/office/drawing/2014/main" id="{BA108369-2300-4E3B-BB32-886FEC96E9BF}"/>
+                <a16:creationId xmlns:a16="http://schemas.microsoft.com/office/drawing/2014/main" id="{BA108369-2300-4E3B-BB32-886FEC96E9BF}"/>
               </a:ext>
             </a:extLst>
           </p:cNvPr>
@@ -8322,7 +6741,7 @@
                 <a14:useLocalDpi xmlns:a14="http://schemas.microsoft.com/office/drawing/2010/main" val="0"/>
               </a:ext>
               <a:ext uri="{96DAC541-7B7A-43D3-8B79-37D633B846F1}">
-                <asvg:svgBlip xmlns="" xmlns:asvg="http://schemas.microsoft.com/office/drawing/2016/SVG/main" r:embed="rId5"/>
+                <asvg:svgBlip xmlns:asvg="http://schemas.microsoft.com/office/drawing/2016/SVG/main" r:embed="rId5"/>
               </a:ext>
             </a:extLst>
           </a:blip>
@@ -8345,7 +6764,7 @@
           <p:cNvPr id="12" name="Grafik 11" descr="Daumen hoch">
             <a:extLst>
               <a:ext uri="{FF2B5EF4-FFF2-40B4-BE49-F238E27FC236}">
-                <a16:creationId xmlns="" xmlns:a16="http://schemas.microsoft.com/office/drawing/2014/main" id="{00951350-E27C-4A65-9BC8-F44DF9425D08}"/>
+                <a16:creationId xmlns:a16="http://schemas.microsoft.com/office/drawing/2014/main" id="{00951350-E27C-4A65-9BC8-F44DF9425D08}"/>
               </a:ext>
             </a:extLst>
           </p:cNvPr>
@@ -8361,7 +6780,7 @@
                 <a14:useLocalDpi xmlns:a14="http://schemas.microsoft.com/office/drawing/2010/main" val="0"/>
               </a:ext>
               <a:ext uri="{96DAC541-7B7A-43D3-8B79-37D633B846F1}">
-                <asvg:svgBlip xmlns="" xmlns:asvg="http://schemas.microsoft.com/office/drawing/2016/SVG/main" r:embed="rId5"/>
+                <asvg:svgBlip xmlns:asvg="http://schemas.microsoft.com/office/drawing/2016/SVG/main" r:embed="rId5"/>
               </a:ext>
             </a:extLst>
           </a:blip>
@@ -8384,7 +6803,7 @@
           <p:cNvPr id="13" name="Grafik 12" descr="Daumen hoch">
             <a:extLst>
               <a:ext uri="{FF2B5EF4-FFF2-40B4-BE49-F238E27FC236}">
-                <a16:creationId xmlns="" xmlns:a16="http://schemas.microsoft.com/office/drawing/2014/main" id="{1AADA306-3FBD-41E3-98E8-A0F477BB6962}"/>
+                <a16:creationId xmlns:a16="http://schemas.microsoft.com/office/drawing/2014/main" id="{1AADA306-3FBD-41E3-98E8-A0F477BB6962}"/>
               </a:ext>
             </a:extLst>
           </p:cNvPr>
@@ -8400,7 +6819,7 @@
                 <a14:useLocalDpi xmlns:a14="http://schemas.microsoft.com/office/drawing/2010/main" val="0"/>
               </a:ext>
               <a:ext uri="{96DAC541-7B7A-43D3-8B79-37D633B846F1}">
-                <asvg:svgBlip xmlns="" xmlns:asvg="http://schemas.microsoft.com/office/drawing/2016/SVG/main" r:embed="rId5"/>
+                <asvg:svgBlip xmlns:asvg="http://schemas.microsoft.com/office/drawing/2016/SVG/main" r:embed="rId5"/>
               </a:ext>
             </a:extLst>
           </a:blip>
@@ -8428,6 +6847,1284 @@
   <p:clrMapOvr>
     <a:masterClrMapping/>
   </p:clrMapOvr>
+  <p:timing>
+    <p:tnLst>
+      <p:par>
+        <p:cTn id="1" dur="indefinite" restart="never" nodeType="tmRoot">
+          <p:childTnLst>
+            <p:seq concurrent="1" nextAc="seek">
+              <p:cTn id="2" dur="indefinite" nodeType="mainSeq">
+                <p:childTnLst>
+                  <p:par>
+                    <p:cTn id="3" fill="hold">
+                      <p:stCondLst>
+                        <p:cond delay="indefinite"/>
+                      </p:stCondLst>
+                      <p:childTnLst>
+                        <p:par>
+                          <p:cTn id="4" fill="hold">
+                            <p:stCondLst>
+                              <p:cond delay="0"/>
+                            </p:stCondLst>
+                            <p:childTnLst>
+                              <p:par>
+                                <p:cTn id="5" presetID="1" presetClass="entr" presetSubtype="0" fill="hold" nodeType="clickEffect">
+                                  <p:stCondLst>
+                                    <p:cond delay="0"/>
+                                  </p:stCondLst>
+                                  <p:childTnLst>
+                                    <p:set>
+                                      <p:cBhvr>
+                                        <p:cTn id="6" dur="1" fill="hold">
+                                          <p:stCondLst>
+                                            <p:cond delay="0"/>
+                                          </p:stCondLst>
+                                        </p:cTn>
+                                        <p:tgtEl>
+                                          <p:spTgt spid="7"/>
+                                        </p:tgtEl>
+                                        <p:attrNameLst>
+                                          <p:attrName>style.visibility</p:attrName>
+                                        </p:attrNameLst>
+                                      </p:cBhvr>
+                                      <p:to>
+                                        <p:strVal val="visible"/>
+                                      </p:to>
+                                    </p:set>
+                                  </p:childTnLst>
+                                </p:cTn>
+                              </p:par>
+                              <p:par>
+                                <p:cTn id="7" presetID="1" presetClass="entr" presetSubtype="0" fill="hold" nodeType="withEffect">
+                                  <p:stCondLst>
+                                    <p:cond delay="0"/>
+                                  </p:stCondLst>
+                                  <p:childTnLst>
+                                    <p:set>
+                                      <p:cBhvr>
+                                        <p:cTn id="8" dur="1" fill="hold">
+                                          <p:stCondLst>
+                                            <p:cond delay="0"/>
+                                          </p:stCondLst>
+                                        </p:cTn>
+                                        <p:tgtEl>
+                                          <p:spTgt spid="9"/>
+                                        </p:tgtEl>
+                                        <p:attrNameLst>
+                                          <p:attrName>style.visibility</p:attrName>
+                                        </p:attrNameLst>
+                                      </p:cBhvr>
+                                      <p:to>
+                                        <p:strVal val="visible"/>
+                                      </p:to>
+                                    </p:set>
+                                  </p:childTnLst>
+                                </p:cTn>
+                              </p:par>
+                              <p:par>
+                                <p:cTn id="9" presetID="1" presetClass="entr" presetSubtype="0" fill="hold" nodeType="withEffect">
+                                  <p:stCondLst>
+                                    <p:cond delay="0"/>
+                                  </p:stCondLst>
+                                  <p:childTnLst>
+                                    <p:set>
+                                      <p:cBhvr>
+                                        <p:cTn id="10" dur="1" fill="hold">
+                                          <p:stCondLst>
+                                            <p:cond delay="0"/>
+                                          </p:stCondLst>
+                                        </p:cTn>
+                                        <p:tgtEl>
+                                          <p:spTgt spid="10"/>
+                                        </p:tgtEl>
+                                        <p:attrNameLst>
+                                          <p:attrName>style.visibility</p:attrName>
+                                        </p:attrNameLst>
+                                      </p:cBhvr>
+                                      <p:to>
+                                        <p:strVal val="visible"/>
+                                      </p:to>
+                                    </p:set>
+                                  </p:childTnLst>
+                                </p:cTn>
+                              </p:par>
+                              <p:par>
+                                <p:cTn id="11" presetID="1" presetClass="entr" presetSubtype="0" fill="hold" nodeType="withEffect">
+                                  <p:stCondLst>
+                                    <p:cond delay="0"/>
+                                  </p:stCondLst>
+                                  <p:childTnLst>
+                                    <p:set>
+                                      <p:cBhvr>
+                                        <p:cTn id="12" dur="1" fill="hold">
+                                          <p:stCondLst>
+                                            <p:cond delay="0"/>
+                                          </p:stCondLst>
+                                        </p:cTn>
+                                        <p:tgtEl>
+                                          <p:spTgt spid="11"/>
+                                        </p:tgtEl>
+                                        <p:attrNameLst>
+                                          <p:attrName>style.visibility</p:attrName>
+                                        </p:attrNameLst>
+                                      </p:cBhvr>
+                                      <p:to>
+                                        <p:strVal val="visible"/>
+                                      </p:to>
+                                    </p:set>
+                                  </p:childTnLst>
+                                </p:cTn>
+                              </p:par>
+                              <p:par>
+                                <p:cTn id="13" presetID="1" presetClass="entr" presetSubtype="0" fill="hold" nodeType="withEffect">
+                                  <p:stCondLst>
+                                    <p:cond delay="0"/>
+                                  </p:stCondLst>
+                                  <p:childTnLst>
+                                    <p:set>
+                                      <p:cBhvr>
+                                        <p:cTn id="14" dur="1" fill="hold">
+                                          <p:stCondLst>
+                                            <p:cond delay="0"/>
+                                          </p:stCondLst>
+                                        </p:cTn>
+                                        <p:tgtEl>
+                                          <p:spTgt spid="12"/>
+                                        </p:tgtEl>
+                                        <p:attrNameLst>
+                                          <p:attrName>style.visibility</p:attrName>
+                                        </p:attrNameLst>
+                                      </p:cBhvr>
+                                      <p:to>
+                                        <p:strVal val="visible"/>
+                                      </p:to>
+                                    </p:set>
+                                  </p:childTnLst>
+                                </p:cTn>
+                              </p:par>
+                              <p:par>
+                                <p:cTn id="15" presetID="1" presetClass="entr" presetSubtype="0" fill="hold" nodeType="withEffect">
+                                  <p:stCondLst>
+                                    <p:cond delay="0"/>
+                                  </p:stCondLst>
+                                  <p:childTnLst>
+                                    <p:set>
+                                      <p:cBhvr>
+                                        <p:cTn id="16" dur="1" fill="hold">
+                                          <p:stCondLst>
+                                            <p:cond delay="0"/>
+                                          </p:stCondLst>
+                                        </p:cTn>
+                                        <p:tgtEl>
+                                          <p:spTgt spid="13"/>
+                                        </p:tgtEl>
+                                        <p:attrNameLst>
+                                          <p:attrName>style.visibility</p:attrName>
+                                        </p:attrNameLst>
+                                      </p:cBhvr>
+                                      <p:to>
+                                        <p:strVal val="visible"/>
+                                      </p:to>
+                                    </p:set>
+                                  </p:childTnLst>
+                                </p:cTn>
+                              </p:par>
+                            </p:childTnLst>
+                          </p:cTn>
+                        </p:par>
+                      </p:childTnLst>
+                    </p:cTn>
+                  </p:par>
+                </p:childTnLst>
+              </p:cTn>
+              <p:prevCondLst>
+                <p:cond evt="onPrev" delay="0">
+                  <p:tgtEl>
+                    <p:sldTgt/>
+                  </p:tgtEl>
+                </p:cond>
+              </p:prevCondLst>
+              <p:nextCondLst>
+                <p:cond evt="onNext" delay="0">
+                  <p:tgtEl>
+                    <p:sldTgt/>
+                  </p:tgtEl>
+                </p:cond>
+              </p:nextCondLst>
+            </p:seq>
+          </p:childTnLst>
+        </p:cTn>
+      </p:par>
+    </p:tnLst>
+  </p:timing>
+</p:sld>
+</file>
+
+<file path=ppt/slides/slide12.xml><?xml version="1.0" encoding="utf-8"?>
+<p:sld xmlns:a="http://schemas.openxmlformats.org/drawingml/2006/main" xmlns:r="http://schemas.openxmlformats.org/officeDocument/2006/relationships" xmlns:p="http://schemas.openxmlformats.org/presentationml/2006/main">
+  <p:cSld>
+    <p:spTree>
+      <p:nvGrpSpPr>
+        <p:cNvPr id="1" name=""/>
+        <p:cNvGrpSpPr/>
+        <p:nvPr/>
+      </p:nvGrpSpPr>
+      <p:grpSpPr>
+        <a:xfrm>
+          <a:off x="0" y="0"/>
+          <a:ext cx="0" cy="0"/>
+          <a:chOff x="0" y="0"/>
+          <a:chExt cx="0" cy="0"/>
+        </a:xfrm>
+      </p:grpSpPr>
+      <p:sp>
+        <p:nvSpPr>
+          <p:cNvPr id="7" name="Textplatzhalter 6">
+            <a:extLst>
+              <a:ext uri="{FF2B5EF4-FFF2-40B4-BE49-F238E27FC236}">
+                <a16:creationId xmlns:a16="http://schemas.microsoft.com/office/drawing/2014/main" id="{112ACBD6-D36F-4DEC-850E-91CDDD6FB4F7}"/>
+              </a:ext>
+            </a:extLst>
+          </p:cNvPr>
+          <p:cNvSpPr>
+            <a:spLocks noGrp="1"/>
+          </p:cNvSpPr>
+          <p:nvPr>
+            <p:ph type="body" sz="quarter" idx="17"/>
+          </p:nvPr>
+        </p:nvSpPr>
+        <p:spPr/>
+        <p:txBody>
+          <a:bodyPr/>
+          <a:lstStyle/>
+          <a:p>
+            <a:r>
+              <a:rPr lang="de-DE" dirty="0"/>
+              <a:t>Schätzverfahren</a:t>
+            </a:r>
+          </a:p>
+        </p:txBody>
+      </p:sp>
+      <p:sp>
+        <p:nvSpPr>
+          <p:cNvPr id="6" name="Inhaltsplatzhalter 5">
+            <a:extLst>
+              <a:ext uri="{FF2B5EF4-FFF2-40B4-BE49-F238E27FC236}">
+                <a16:creationId xmlns:a16="http://schemas.microsoft.com/office/drawing/2014/main" id="{1798FB80-BA44-4D0C-AB89-D096003D7214}"/>
+              </a:ext>
+            </a:extLst>
+          </p:cNvPr>
+          <p:cNvSpPr>
+            <a:spLocks noGrp="1"/>
+          </p:cNvSpPr>
+          <p:nvPr>
+            <p:ph sz="quarter" idx="13"/>
+          </p:nvPr>
+        </p:nvSpPr>
+        <p:spPr/>
+        <p:txBody>
+          <a:bodyPr/>
+          <a:lstStyle/>
+          <a:p>
+            <a:pPr marL="0" indent="0">
+              <a:buNone/>
+            </a:pPr>
+            <a:r>
+              <a:rPr lang="de-DE" dirty="0"/>
+              <a:t>Bernoulli, Simple Gilbert</a:t>
+            </a:r>
+          </a:p>
+          <a:p>
+            <a:r>
+              <a:rPr lang="de-DE" sz="1800" dirty="0"/>
+              <a:t>Zustände eindeutig identifizierbar</a:t>
+            </a:r>
+          </a:p>
+          <a:p>
+            <a:r>
+              <a:rPr lang="de-DE" sz="1800" dirty="0">
+                <a:solidFill>
+                  <a:srgbClr val="852339"/>
+                </a:solidFill>
+              </a:rPr>
+              <a:t>Zuverlässig</a:t>
+            </a:r>
+          </a:p>
+          <a:p>
+            <a:endParaRPr lang="de-DE" sz="1800" dirty="0">
+              <a:solidFill>
+                <a:srgbClr val="852339"/>
+              </a:solidFill>
+            </a:endParaRPr>
+          </a:p>
+          <a:p>
+            <a:endParaRPr lang="de-DE" sz="1800" dirty="0">
+              <a:solidFill>
+                <a:srgbClr val="852339"/>
+              </a:solidFill>
+            </a:endParaRPr>
+          </a:p>
+          <a:p>
+            <a:endParaRPr lang="de-DE" sz="1800" dirty="0"/>
+          </a:p>
+          <a:p>
+            <a:pPr marL="0" indent="0">
+              <a:buNone/>
+            </a:pPr>
+            <a:r>
+              <a:rPr lang="de-DE" dirty="0"/>
+              <a:t>Gilbert-Elliot</a:t>
+            </a:r>
+          </a:p>
+          <a:p>
+            <a:r>
+              <a:rPr lang="de-DE" sz="1800" dirty="0" err="1"/>
+              <a:t>Good</a:t>
+            </a:r>
+            <a:r>
+              <a:rPr lang="de-DE" sz="1800" dirty="0"/>
+              <a:t>-State Schwellenwert: </a:t>
+            </a:r>
+            <a:r>
+              <a:rPr lang="de-DE" sz="1800" i="1" dirty="0" err="1"/>
+              <a:t>gMin</a:t>
+            </a:r>
+            <a:endParaRPr lang="de-DE" sz="1800" i="1" dirty="0"/>
+          </a:p>
+          <a:p>
+            <a:r>
+              <a:rPr lang="de-DE" sz="1800" dirty="0"/>
+              <a:t>RFC3611: </a:t>
+            </a:r>
+            <a:r>
+              <a:rPr lang="de-DE" sz="1800" dirty="0" err="1"/>
+              <a:t>gMin</a:t>
+            </a:r>
+            <a:r>
+              <a:rPr lang="de-DE" sz="1800" dirty="0"/>
+              <a:t>=16</a:t>
+            </a:r>
+          </a:p>
+          <a:p>
+            <a:r>
+              <a:rPr lang="de-DE" sz="1800" dirty="0"/>
+              <a:t>Zustände in Trace definieren</a:t>
+            </a:r>
+          </a:p>
+          <a:p>
+            <a:r>
+              <a:rPr lang="de-DE" sz="1800" dirty="0">
+                <a:solidFill>
+                  <a:srgbClr val="852339"/>
+                </a:solidFill>
+              </a:rPr>
+              <a:t>Ergebnis hängt stark von Schwellenwert ab</a:t>
+            </a:r>
+          </a:p>
+          <a:p>
+            <a:endParaRPr lang="de-DE" dirty="0"/>
+          </a:p>
+        </p:txBody>
+      </p:sp>
+      <p:sp>
+        <p:nvSpPr>
+          <p:cNvPr id="8" name="Inhaltsplatzhalter 7">
+            <a:extLst>
+              <a:ext uri="{FF2B5EF4-FFF2-40B4-BE49-F238E27FC236}">
+                <a16:creationId xmlns:a16="http://schemas.microsoft.com/office/drawing/2014/main" id="{8BD16927-EA60-4485-A9B7-0701F2FF3727}"/>
+              </a:ext>
+            </a:extLst>
+          </p:cNvPr>
+          <p:cNvSpPr>
+            <a:spLocks noGrp="1"/>
+          </p:cNvSpPr>
+          <p:nvPr>
+            <p:ph sz="quarter" idx="18"/>
+          </p:nvPr>
+        </p:nvSpPr>
+        <p:spPr/>
+        <p:txBody>
+          <a:bodyPr/>
+          <a:lstStyle/>
+          <a:p>
+            <a:pPr marL="0" indent="0">
+              <a:buNone/>
+            </a:pPr>
+            <a:r>
+              <a:rPr lang="de-DE" dirty="0"/>
+              <a:t>Gilbert</a:t>
+            </a:r>
+          </a:p>
+          <a:p>
+            <a:r>
+              <a:rPr lang="de-DE" sz="1800" dirty="0"/>
+              <a:t>Gilberts Methode</a:t>
+            </a:r>
+          </a:p>
+          <a:p>
+            <a:r>
+              <a:rPr lang="de-DE" sz="1800" dirty="0"/>
+              <a:t>Parameter können unmögliche Werte annehmen</a:t>
+            </a:r>
+          </a:p>
+          <a:p>
+            <a:r>
+              <a:rPr lang="de-DE" sz="1800" dirty="0">
+                <a:solidFill>
+                  <a:srgbClr val="852339"/>
+                </a:solidFill>
+              </a:rPr>
+              <a:t>Unzuverlässig</a:t>
+            </a:r>
+          </a:p>
+          <a:p>
+            <a:endParaRPr lang="de-DE" sz="2300" dirty="0"/>
+          </a:p>
+          <a:p>
+            <a:pPr marL="0" indent="0">
+              <a:buNone/>
+            </a:pPr>
+            <a:r>
+              <a:rPr lang="de-DE" dirty="0"/>
+              <a:t>4-State-Markov</a:t>
+            </a:r>
+          </a:p>
+          <a:p>
+            <a:r>
+              <a:rPr lang="de-DE" sz="1800" dirty="0"/>
+              <a:t>Zwei Schwellenwerte </a:t>
+            </a:r>
+            <a:r>
+              <a:rPr lang="de-DE" sz="1800" i="1" dirty="0" err="1"/>
+              <a:t>gMin</a:t>
+            </a:r>
+            <a:r>
+              <a:rPr lang="de-DE" sz="1800" i="1" dirty="0"/>
+              <a:t>, </a:t>
+            </a:r>
+            <a:r>
+              <a:rPr lang="de-DE" sz="1800" i="1" dirty="0" err="1"/>
+              <a:t>bMin</a:t>
+            </a:r>
+            <a:endParaRPr lang="de-DE" sz="1800" i="1" dirty="0"/>
+          </a:p>
+          <a:p>
+            <a:r>
+              <a:rPr lang="de-DE" sz="1800" dirty="0"/>
+              <a:t>Keine Empfehlungen in der Literatur</a:t>
+            </a:r>
+          </a:p>
+          <a:p>
+            <a:r>
+              <a:rPr lang="de-DE" sz="1800" dirty="0"/>
+              <a:t>Zustände in Trace definieren</a:t>
+            </a:r>
+          </a:p>
+          <a:p>
+            <a:r>
+              <a:rPr lang="de-DE" sz="1800" dirty="0">
+                <a:solidFill>
+                  <a:srgbClr val="852339"/>
+                </a:solidFill>
+              </a:rPr>
+              <a:t>Ergebnis hängt stark von Schwellenwerte ab</a:t>
+            </a:r>
+          </a:p>
+        </p:txBody>
+      </p:sp>
+      <p:sp>
+        <p:nvSpPr>
+          <p:cNvPr id="5" name="Titel 4">
+            <a:extLst>
+              <a:ext uri="{FF2B5EF4-FFF2-40B4-BE49-F238E27FC236}">
+                <a16:creationId xmlns:a16="http://schemas.microsoft.com/office/drawing/2014/main" id="{5494CDEF-C5CB-4317-ACF1-D76569C2DE59}"/>
+              </a:ext>
+            </a:extLst>
+          </p:cNvPr>
+          <p:cNvSpPr>
+            <a:spLocks noGrp="1"/>
+          </p:cNvSpPr>
+          <p:nvPr>
+            <p:ph type="title"/>
+          </p:nvPr>
+        </p:nvSpPr>
+        <p:spPr/>
+        <p:txBody>
+          <a:bodyPr/>
+          <a:lstStyle/>
+          <a:p>
+            <a:r>
+              <a:rPr lang="de-DE" dirty="0"/>
+              <a:t>Parameterschätzung aus Traces</a:t>
+            </a:r>
+          </a:p>
+        </p:txBody>
+      </p:sp>
+      <p:cxnSp>
+        <p:nvCxnSpPr>
+          <p:cNvPr id="12" name="Gerader Verbinder 11">
+            <a:extLst>
+              <a:ext uri="{FF2B5EF4-FFF2-40B4-BE49-F238E27FC236}">
+                <a16:creationId xmlns:a16="http://schemas.microsoft.com/office/drawing/2014/main" id="{E90833A0-37C5-4AE6-B11A-793D396F671B}"/>
+              </a:ext>
+            </a:extLst>
+          </p:cNvPr>
+          <p:cNvCxnSpPr>
+            <a:cxnSpLocks/>
+          </p:cNvCxnSpPr>
+          <p:nvPr/>
+        </p:nvCxnSpPr>
+        <p:spPr>
+          <a:xfrm>
+            <a:off x="467544" y="1916832"/>
+            <a:ext cx="4032448" cy="0"/>
+          </a:xfrm>
+          <a:prstGeom prst="line">
+            <a:avLst/>
+          </a:prstGeom>
+          <a:ln w="19050"/>
+        </p:spPr>
+        <p:style>
+          <a:lnRef idx="1">
+            <a:schemeClr val="accent1"/>
+          </a:lnRef>
+          <a:fillRef idx="0">
+            <a:schemeClr val="accent1"/>
+          </a:fillRef>
+          <a:effectRef idx="0">
+            <a:schemeClr val="accent1"/>
+          </a:effectRef>
+          <a:fontRef idx="minor">
+            <a:schemeClr val="tx1"/>
+          </a:fontRef>
+        </p:style>
+      </p:cxnSp>
+      <p:cxnSp>
+        <p:nvCxnSpPr>
+          <p:cNvPr id="13" name="Gerader Verbinder 12">
+            <a:extLst>
+              <a:ext uri="{FF2B5EF4-FFF2-40B4-BE49-F238E27FC236}">
+                <a16:creationId xmlns:a16="http://schemas.microsoft.com/office/drawing/2014/main" id="{B841C63F-9DE7-43F8-91EB-DEB074F22DDF}"/>
+              </a:ext>
+            </a:extLst>
+          </p:cNvPr>
+          <p:cNvCxnSpPr>
+            <a:cxnSpLocks/>
+          </p:cNvCxnSpPr>
+          <p:nvPr/>
+        </p:nvCxnSpPr>
+        <p:spPr>
+          <a:xfrm>
+            <a:off x="4626473" y="1916832"/>
+            <a:ext cx="4168998" cy="0"/>
+          </a:xfrm>
+          <a:prstGeom prst="line">
+            <a:avLst/>
+          </a:prstGeom>
+          <a:ln w="19050"/>
+        </p:spPr>
+        <p:style>
+          <a:lnRef idx="1">
+            <a:schemeClr val="accent1"/>
+          </a:lnRef>
+          <a:fillRef idx="0">
+            <a:schemeClr val="accent1"/>
+          </a:fillRef>
+          <a:effectRef idx="0">
+            <a:schemeClr val="accent1"/>
+          </a:effectRef>
+          <a:fontRef idx="minor">
+            <a:schemeClr val="tx1"/>
+          </a:fontRef>
+        </p:style>
+      </p:cxnSp>
+      <p:cxnSp>
+        <p:nvCxnSpPr>
+          <p:cNvPr id="14" name="Gerader Verbinder 13">
+            <a:extLst>
+              <a:ext uri="{FF2B5EF4-FFF2-40B4-BE49-F238E27FC236}">
+                <a16:creationId xmlns:a16="http://schemas.microsoft.com/office/drawing/2014/main" id="{EA025E6E-8F2E-4357-AB51-03EA8B786709}"/>
+              </a:ext>
+            </a:extLst>
+          </p:cNvPr>
+          <p:cNvCxnSpPr>
+            <a:cxnSpLocks/>
+          </p:cNvCxnSpPr>
+          <p:nvPr/>
+        </p:nvCxnSpPr>
+        <p:spPr>
+          <a:xfrm>
+            <a:off x="467544" y="4032000"/>
+            <a:ext cx="4032448" cy="0"/>
+          </a:xfrm>
+          <a:prstGeom prst="line">
+            <a:avLst/>
+          </a:prstGeom>
+          <a:ln w="19050"/>
+        </p:spPr>
+        <p:style>
+          <a:lnRef idx="1">
+            <a:schemeClr val="accent1"/>
+          </a:lnRef>
+          <a:fillRef idx="0">
+            <a:schemeClr val="accent1"/>
+          </a:fillRef>
+          <a:effectRef idx="0">
+            <a:schemeClr val="accent1"/>
+          </a:effectRef>
+          <a:fontRef idx="minor">
+            <a:schemeClr val="tx1"/>
+          </a:fontRef>
+        </p:style>
+      </p:cxnSp>
+      <p:cxnSp>
+        <p:nvCxnSpPr>
+          <p:cNvPr id="15" name="Gerader Verbinder 14">
+            <a:extLst>
+              <a:ext uri="{FF2B5EF4-FFF2-40B4-BE49-F238E27FC236}">
+                <a16:creationId xmlns:a16="http://schemas.microsoft.com/office/drawing/2014/main" id="{50FC9DC0-885D-457E-A08F-21BBDFAF24BE}"/>
+              </a:ext>
+            </a:extLst>
+          </p:cNvPr>
+          <p:cNvCxnSpPr>
+            <a:cxnSpLocks/>
+          </p:cNvCxnSpPr>
+          <p:nvPr/>
+        </p:nvCxnSpPr>
+        <p:spPr>
+          <a:xfrm>
+            <a:off x="4626472" y="4032000"/>
+            <a:ext cx="4168998" cy="0"/>
+          </a:xfrm>
+          <a:prstGeom prst="line">
+            <a:avLst/>
+          </a:prstGeom>
+          <a:ln w="19050"/>
+        </p:spPr>
+        <p:style>
+          <a:lnRef idx="1">
+            <a:schemeClr val="accent1"/>
+          </a:lnRef>
+          <a:fillRef idx="0">
+            <a:schemeClr val="accent1"/>
+          </a:fillRef>
+          <a:effectRef idx="0">
+            <a:schemeClr val="accent1"/>
+          </a:effectRef>
+          <a:fontRef idx="minor">
+            <a:schemeClr val="tx1"/>
+          </a:fontRef>
+        </p:style>
+      </p:cxnSp>
+    </p:spTree>
+    <p:extLst>
+      <p:ext uri="{BB962C8B-B14F-4D97-AF65-F5344CB8AC3E}">
+        <p14:creationId xmlns:p14="http://schemas.microsoft.com/office/powerpoint/2010/main" val="2422911155"/>
+      </p:ext>
+    </p:extLst>
+  </p:cSld>
+  <p:clrMapOvr>
+    <a:masterClrMapping/>
+  </p:clrMapOvr>
+  <p:timing>
+    <p:tnLst>
+      <p:par>
+        <p:cTn id="1" dur="indefinite" restart="never" nodeType="tmRoot">
+          <p:childTnLst>
+            <p:seq concurrent="1" nextAc="seek">
+              <p:cTn id="2" dur="indefinite" nodeType="mainSeq">
+                <p:childTnLst>
+                  <p:par>
+                    <p:cTn id="3" fill="hold">
+                      <p:stCondLst>
+                        <p:cond delay="indefinite"/>
+                      </p:stCondLst>
+                      <p:childTnLst>
+                        <p:par>
+                          <p:cTn id="4" fill="hold">
+                            <p:stCondLst>
+                              <p:cond delay="0"/>
+                            </p:stCondLst>
+                            <p:childTnLst>
+                              <p:par>
+                                <p:cTn id="5" presetID="1" presetClass="entr" presetSubtype="0" fill="hold" nodeType="clickEffect">
+                                  <p:stCondLst>
+                                    <p:cond delay="0"/>
+                                  </p:stCondLst>
+                                  <p:childTnLst>
+                                    <p:set>
+                                      <p:cBhvr>
+                                        <p:cTn id="6" dur="1" fill="hold">
+                                          <p:stCondLst>
+                                            <p:cond delay="0"/>
+                                          </p:stCondLst>
+                                        </p:cTn>
+                                        <p:tgtEl>
+                                          <p:spTgt spid="8">
+                                            <p:txEl>
+                                              <p:pRg st="0" end="0"/>
+                                            </p:txEl>
+                                          </p:spTgt>
+                                        </p:tgtEl>
+                                        <p:attrNameLst>
+                                          <p:attrName>style.visibility</p:attrName>
+                                        </p:attrNameLst>
+                                      </p:cBhvr>
+                                      <p:to>
+                                        <p:strVal val="visible"/>
+                                      </p:to>
+                                    </p:set>
+                                  </p:childTnLst>
+                                </p:cTn>
+                              </p:par>
+                              <p:par>
+                                <p:cTn id="7" presetID="1" presetClass="entr" presetSubtype="0" fill="hold" nodeType="withEffect">
+                                  <p:stCondLst>
+                                    <p:cond delay="0"/>
+                                  </p:stCondLst>
+                                  <p:childTnLst>
+                                    <p:set>
+                                      <p:cBhvr>
+                                        <p:cTn id="8" dur="1" fill="hold">
+                                          <p:stCondLst>
+                                            <p:cond delay="0"/>
+                                          </p:stCondLst>
+                                        </p:cTn>
+                                        <p:tgtEl>
+                                          <p:spTgt spid="8">
+                                            <p:txEl>
+                                              <p:pRg st="1" end="1"/>
+                                            </p:txEl>
+                                          </p:spTgt>
+                                        </p:tgtEl>
+                                        <p:attrNameLst>
+                                          <p:attrName>style.visibility</p:attrName>
+                                        </p:attrNameLst>
+                                      </p:cBhvr>
+                                      <p:to>
+                                        <p:strVal val="visible"/>
+                                      </p:to>
+                                    </p:set>
+                                  </p:childTnLst>
+                                </p:cTn>
+                              </p:par>
+                              <p:par>
+                                <p:cTn id="9" presetID="1" presetClass="entr" presetSubtype="0" fill="hold" nodeType="withEffect">
+                                  <p:stCondLst>
+                                    <p:cond delay="0"/>
+                                  </p:stCondLst>
+                                  <p:childTnLst>
+                                    <p:set>
+                                      <p:cBhvr>
+                                        <p:cTn id="10" dur="1" fill="hold">
+                                          <p:stCondLst>
+                                            <p:cond delay="0"/>
+                                          </p:stCondLst>
+                                        </p:cTn>
+                                        <p:tgtEl>
+                                          <p:spTgt spid="8">
+                                            <p:txEl>
+                                              <p:pRg st="2" end="2"/>
+                                            </p:txEl>
+                                          </p:spTgt>
+                                        </p:tgtEl>
+                                        <p:attrNameLst>
+                                          <p:attrName>style.visibility</p:attrName>
+                                        </p:attrNameLst>
+                                      </p:cBhvr>
+                                      <p:to>
+                                        <p:strVal val="visible"/>
+                                      </p:to>
+                                    </p:set>
+                                  </p:childTnLst>
+                                </p:cTn>
+                              </p:par>
+                              <p:par>
+                                <p:cTn id="11" presetID="1" presetClass="entr" presetSubtype="0" fill="hold" nodeType="withEffect">
+                                  <p:stCondLst>
+                                    <p:cond delay="0"/>
+                                  </p:stCondLst>
+                                  <p:childTnLst>
+                                    <p:set>
+                                      <p:cBhvr>
+                                        <p:cTn id="12" dur="1" fill="hold">
+                                          <p:stCondLst>
+                                            <p:cond delay="0"/>
+                                          </p:stCondLst>
+                                        </p:cTn>
+                                        <p:tgtEl>
+                                          <p:spTgt spid="8">
+                                            <p:txEl>
+                                              <p:pRg st="3" end="3"/>
+                                            </p:txEl>
+                                          </p:spTgt>
+                                        </p:tgtEl>
+                                        <p:attrNameLst>
+                                          <p:attrName>style.visibility</p:attrName>
+                                        </p:attrNameLst>
+                                      </p:cBhvr>
+                                      <p:to>
+                                        <p:strVal val="visible"/>
+                                      </p:to>
+                                    </p:set>
+                                  </p:childTnLst>
+                                </p:cTn>
+                              </p:par>
+                              <p:par>
+                                <p:cTn id="13" presetID="1" presetClass="entr" presetSubtype="0" fill="hold" nodeType="withEffect">
+                                  <p:stCondLst>
+                                    <p:cond delay="0"/>
+                                  </p:stCondLst>
+                                  <p:childTnLst>
+                                    <p:set>
+                                      <p:cBhvr>
+                                        <p:cTn id="14" dur="1" fill="hold">
+                                          <p:stCondLst>
+                                            <p:cond delay="0"/>
+                                          </p:stCondLst>
+                                        </p:cTn>
+                                        <p:tgtEl>
+                                          <p:spTgt spid="13"/>
+                                        </p:tgtEl>
+                                        <p:attrNameLst>
+                                          <p:attrName>style.visibility</p:attrName>
+                                        </p:attrNameLst>
+                                      </p:cBhvr>
+                                      <p:to>
+                                        <p:strVal val="visible"/>
+                                      </p:to>
+                                    </p:set>
+                                  </p:childTnLst>
+                                </p:cTn>
+                              </p:par>
+                            </p:childTnLst>
+                          </p:cTn>
+                        </p:par>
+                      </p:childTnLst>
+                    </p:cTn>
+                  </p:par>
+                  <p:par>
+                    <p:cTn id="15" fill="hold">
+                      <p:stCondLst>
+                        <p:cond delay="indefinite"/>
+                      </p:stCondLst>
+                      <p:childTnLst>
+                        <p:par>
+                          <p:cTn id="16" fill="hold">
+                            <p:stCondLst>
+                              <p:cond delay="0"/>
+                            </p:stCondLst>
+                            <p:childTnLst>
+                              <p:par>
+                                <p:cTn id="17" presetID="1" presetClass="entr" presetSubtype="0" fill="hold" nodeType="clickEffect">
+                                  <p:stCondLst>
+                                    <p:cond delay="0"/>
+                                  </p:stCondLst>
+                                  <p:childTnLst>
+                                    <p:set>
+                                      <p:cBhvr>
+                                        <p:cTn id="18" dur="1" fill="hold">
+                                          <p:stCondLst>
+                                            <p:cond delay="0"/>
+                                          </p:stCondLst>
+                                        </p:cTn>
+                                        <p:tgtEl>
+                                          <p:spTgt spid="6">
+                                            <p:txEl>
+                                              <p:pRg st="6" end="6"/>
+                                            </p:txEl>
+                                          </p:spTgt>
+                                        </p:tgtEl>
+                                        <p:attrNameLst>
+                                          <p:attrName>style.visibility</p:attrName>
+                                        </p:attrNameLst>
+                                      </p:cBhvr>
+                                      <p:to>
+                                        <p:strVal val="visible"/>
+                                      </p:to>
+                                    </p:set>
+                                  </p:childTnLst>
+                                </p:cTn>
+                              </p:par>
+                              <p:par>
+                                <p:cTn id="19" presetID="1" presetClass="entr" presetSubtype="0" fill="hold" nodeType="withEffect">
+                                  <p:stCondLst>
+                                    <p:cond delay="0"/>
+                                  </p:stCondLst>
+                                  <p:childTnLst>
+                                    <p:set>
+                                      <p:cBhvr>
+                                        <p:cTn id="20" dur="1" fill="hold">
+                                          <p:stCondLst>
+                                            <p:cond delay="0"/>
+                                          </p:stCondLst>
+                                        </p:cTn>
+                                        <p:tgtEl>
+                                          <p:spTgt spid="6">
+                                            <p:txEl>
+                                              <p:pRg st="7" end="7"/>
+                                            </p:txEl>
+                                          </p:spTgt>
+                                        </p:tgtEl>
+                                        <p:attrNameLst>
+                                          <p:attrName>style.visibility</p:attrName>
+                                        </p:attrNameLst>
+                                      </p:cBhvr>
+                                      <p:to>
+                                        <p:strVal val="visible"/>
+                                      </p:to>
+                                    </p:set>
+                                  </p:childTnLst>
+                                </p:cTn>
+                              </p:par>
+                              <p:par>
+                                <p:cTn id="21" presetID="1" presetClass="entr" presetSubtype="0" fill="hold" nodeType="withEffect">
+                                  <p:stCondLst>
+                                    <p:cond delay="0"/>
+                                  </p:stCondLst>
+                                  <p:childTnLst>
+                                    <p:set>
+                                      <p:cBhvr>
+                                        <p:cTn id="22" dur="1" fill="hold">
+                                          <p:stCondLst>
+                                            <p:cond delay="0"/>
+                                          </p:stCondLst>
+                                        </p:cTn>
+                                        <p:tgtEl>
+                                          <p:spTgt spid="6">
+                                            <p:txEl>
+                                              <p:pRg st="8" end="8"/>
+                                            </p:txEl>
+                                          </p:spTgt>
+                                        </p:tgtEl>
+                                        <p:attrNameLst>
+                                          <p:attrName>style.visibility</p:attrName>
+                                        </p:attrNameLst>
+                                      </p:cBhvr>
+                                      <p:to>
+                                        <p:strVal val="visible"/>
+                                      </p:to>
+                                    </p:set>
+                                  </p:childTnLst>
+                                </p:cTn>
+                              </p:par>
+                              <p:par>
+                                <p:cTn id="23" presetID="1" presetClass="entr" presetSubtype="0" fill="hold" nodeType="withEffect">
+                                  <p:stCondLst>
+                                    <p:cond delay="0"/>
+                                  </p:stCondLst>
+                                  <p:childTnLst>
+                                    <p:set>
+                                      <p:cBhvr>
+                                        <p:cTn id="24" dur="1" fill="hold">
+                                          <p:stCondLst>
+                                            <p:cond delay="0"/>
+                                          </p:stCondLst>
+                                        </p:cTn>
+                                        <p:tgtEl>
+                                          <p:spTgt spid="6">
+                                            <p:txEl>
+                                              <p:pRg st="9" end="9"/>
+                                            </p:txEl>
+                                          </p:spTgt>
+                                        </p:tgtEl>
+                                        <p:attrNameLst>
+                                          <p:attrName>style.visibility</p:attrName>
+                                        </p:attrNameLst>
+                                      </p:cBhvr>
+                                      <p:to>
+                                        <p:strVal val="visible"/>
+                                      </p:to>
+                                    </p:set>
+                                  </p:childTnLst>
+                                </p:cTn>
+                              </p:par>
+                              <p:par>
+                                <p:cTn id="25" presetID="1" presetClass="entr" presetSubtype="0" fill="hold" nodeType="withEffect">
+                                  <p:stCondLst>
+                                    <p:cond delay="0"/>
+                                  </p:stCondLst>
+                                  <p:childTnLst>
+                                    <p:set>
+                                      <p:cBhvr>
+                                        <p:cTn id="26" dur="1" fill="hold">
+                                          <p:stCondLst>
+                                            <p:cond delay="0"/>
+                                          </p:stCondLst>
+                                        </p:cTn>
+                                        <p:tgtEl>
+                                          <p:spTgt spid="6">
+                                            <p:txEl>
+                                              <p:pRg st="10" end="10"/>
+                                            </p:txEl>
+                                          </p:spTgt>
+                                        </p:tgtEl>
+                                        <p:attrNameLst>
+                                          <p:attrName>style.visibility</p:attrName>
+                                        </p:attrNameLst>
+                                      </p:cBhvr>
+                                      <p:to>
+                                        <p:strVal val="visible"/>
+                                      </p:to>
+                                    </p:set>
+                                  </p:childTnLst>
+                                </p:cTn>
+                              </p:par>
+                              <p:par>
+                                <p:cTn id="27" presetID="1" presetClass="entr" presetSubtype="0" fill="hold" nodeType="withEffect">
+                                  <p:stCondLst>
+                                    <p:cond delay="0"/>
+                                  </p:stCondLst>
+                                  <p:childTnLst>
+                                    <p:set>
+                                      <p:cBhvr>
+                                        <p:cTn id="28" dur="1" fill="hold">
+                                          <p:stCondLst>
+                                            <p:cond delay="0"/>
+                                          </p:stCondLst>
+                                        </p:cTn>
+                                        <p:tgtEl>
+                                          <p:spTgt spid="14"/>
+                                        </p:tgtEl>
+                                        <p:attrNameLst>
+                                          <p:attrName>style.visibility</p:attrName>
+                                        </p:attrNameLst>
+                                      </p:cBhvr>
+                                      <p:to>
+                                        <p:strVal val="visible"/>
+                                      </p:to>
+                                    </p:set>
+                                  </p:childTnLst>
+                                </p:cTn>
+                              </p:par>
+                            </p:childTnLst>
+                          </p:cTn>
+                        </p:par>
+                      </p:childTnLst>
+                    </p:cTn>
+                  </p:par>
+                  <p:par>
+                    <p:cTn id="29" fill="hold">
+                      <p:stCondLst>
+                        <p:cond delay="indefinite"/>
+                      </p:stCondLst>
+                      <p:childTnLst>
+                        <p:par>
+                          <p:cTn id="30" fill="hold">
+                            <p:stCondLst>
+                              <p:cond delay="0"/>
+                            </p:stCondLst>
+                            <p:childTnLst>
+                              <p:par>
+                                <p:cTn id="31" presetID="1" presetClass="entr" presetSubtype="0" fill="hold" nodeType="clickEffect">
+                                  <p:stCondLst>
+                                    <p:cond delay="0"/>
+                                  </p:stCondLst>
+                                  <p:childTnLst>
+                                    <p:set>
+                                      <p:cBhvr>
+                                        <p:cTn id="32" dur="1" fill="hold">
+                                          <p:stCondLst>
+                                            <p:cond delay="0"/>
+                                          </p:stCondLst>
+                                        </p:cTn>
+                                        <p:tgtEl>
+                                          <p:spTgt spid="8">
+                                            <p:txEl>
+                                              <p:pRg st="5" end="5"/>
+                                            </p:txEl>
+                                          </p:spTgt>
+                                        </p:tgtEl>
+                                        <p:attrNameLst>
+                                          <p:attrName>style.visibility</p:attrName>
+                                        </p:attrNameLst>
+                                      </p:cBhvr>
+                                      <p:to>
+                                        <p:strVal val="visible"/>
+                                      </p:to>
+                                    </p:set>
+                                  </p:childTnLst>
+                                </p:cTn>
+                              </p:par>
+                              <p:par>
+                                <p:cTn id="33" presetID="1" presetClass="entr" presetSubtype="0" fill="hold" nodeType="withEffect">
+                                  <p:stCondLst>
+                                    <p:cond delay="0"/>
+                                  </p:stCondLst>
+                                  <p:childTnLst>
+                                    <p:set>
+                                      <p:cBhvr>
+                                        <p:cTn id="34" dur="1" fill="hold">
+                                          <p:stCondLst>
+                                            <p:cond delay="0"/>
+                                          </p:stCondLst>
+                                        </p:cTn>
+                                        <p:tgtEl>
+                                          <p:spTgt spid="8">
+                                            <p:txEl>
+                                              <p:pRg st="6" end="6"/>
+                                            </p:txEl>
+                                          </p:spTgt>
+                                        </p:tgtEl>
+                                        <p:attrNameLst>
+                                          <p:attrName>style.visibility</p:attrName>
+                                        </p:attrNameLst>
+                                      </p:cBhvr>
+                                      <p:to>
+                                        <p:strVal val="visible"/>
+                                      </p:to>
+                                    </p:set>
+                                  </p:childTnLst>
+                                </p:cTn>
+                              </p:par>
+                              <p:par>
+                                <p:cTn id="35" presetID="1" presetClass="entr" presetSubtype="0" fill="hold" nodeType="withEffect">
+                                  <p:stCondLst>
+                                    <p:cond delay="0"/>
+                                  </p:stCondLst>
+                                  <p:childTnLst>
+                                    <p:set>
+                                      <p:cBhvr>
+                                        <p:cTn id="36" dur="1" fill="hold">
+                                          <p:stCondLst>
+                                            <p:cond delay="0"/>
+                                          </p:stCondLst>
+                                        </p:cTn>
+                                        <p:tgtEl>
+                                          <p:spTgt spid="8">
+                                            <p:txEl>
+                                              <p:pRg st="7" end="7"/>
+                                            </p:txEl>
+                                          </p:spTgt>
+                                        </p:tgtEl>
+                                        <p:attrNameLst>
+                                          <p:attrName>style.visibility</p:attrName>
+                                        </p:attrNameLst>
+                                      </p:cBhvr>
+                                      <p:to>
+                                        <p:strVal val="visible"/>
+                                      </p:to>
+                                    </p:set>
+                                  </p:childTnLst>
+                                </p:cTn>
+                              </p:par>
+                              <p:par>
+                                <p:cTn id="37" presetID="1" presetClass="entr" presetSubtype="0" fill="hold" nodeType="withEffect">
+                                  <p:stCondLst>
+                                    <p:cond delay="0"/>
+                                  </p:stCondLst>
+                                  <p:childTnLst>
+                                    <p:set>
+                                      <p:cBhvr>
+                                        <p:cTn id="38" dur="1" fill="hold">
+                                          <p:stCondLst>
+                                            <p:cond delay="0"/>
+                                          </p:stCondLst>
+                                        </p:cTn>
+                                        <p:tgtEl>
+                                          <p:spTgt spid="8">
+                                            <p:txEl>
+                                              <p:pRg st="8" end="8"/>
+                                            </p:txEl>
+                                          </p:spTgt>
+                                        </p:tgtEl>
+                                        <p:attrNameLst>
+                                          <p:attrName>style.visibility</p:attrName>
+                                        </p:attrNameLst>
+                                      </p:cBhvr>
+                                      <p:to>
+                                        <p:strVal val="visible"/>
+                                      </p:to>
+                                    </p:set>
+                                  </p:childTnLst>
+                                </p:cTn>
+                              </p:par>
+                              <p:par>
+                                <p:cTn id="39" presetID="1" presetClass="entr" presetSubtype="0" fill="hold" nodeType="withEffect">
+                                  <p:stCondLst>
+                                    <p:cond delay="0"/>
+                                  </p:stCondLst>
+                                  <p:childTnLst>
+                                    <p:set>
+                                      <p:cBhvr>
+                                        <p:cTn id="40" dur="1" fill="hold">
+                                          <p:stCondLst>
+                                            <p:cond delay="0"/>
+                                          </p:stCondLst>
+                                        </p:cTn>
+                                        <p:tgtEl>
+                                          <p:spTgt spid="8">
+                                            <p:txEl>
+                                              <p:pRg st="9" end="9"/>
+                                            </p:txEl>
+                                          </p:spTgt>
+                                        </p:tgtEl>
+                                        <p:attrNameLst>
+                                          <p:attrName>style.visibility</p:attrName>
+                                        </p:attrNameLst>
+                                      </p:cBhvr>
+                                      <p:to>
+                                        <p:strVal val="visible"/>
+                                      </p:to>
+                                    </p:set>
+                                  </p:childTnLst>
+                                </p:cTn>
+                              </p:par>
+                              <p:par>
+                                <p:cTn id="41" presetID="1" presetClass="entr" presetSubtype="0" fill="hold" nodeType="withEffect">
+                                  <p:stCondLst>
+                                    <p:cond delay="0"/>
+                                  </p:stCondLst>
+                                  <p:childTnLst>
+                                    <p:set>
+                                      <p:cBhvr>
+                                        <p:cTn id="42" dur="1" fill="hold">
+                                          <p:stCondLst>
+                                            <p:cond delay="0"/>
+                                          </p:stCondLst>
+                                        </p:cTn>
+                                        <p:tgtEl>
+                                          <p:spTgt spid="15"/>
+                                        </p:tgtEl>
+                                        <p:attrNameLst>
+                                          <p:attrName>style.visibility</p:attrName>
+                                        </p:attrNameLst>
+                                      </p:cBhvr>
+                                      <p:to>
+                                        <p:strVal val="visible"/>
+                                      </p:to>
+                                    </p:set>
+                                  </p:childTnLst>
+                                </p:cTn>
+                              </p:par>
+                            </p:childTnLst>
+                          </p:cTn>
+                        </p:par>
+                      </p:childTnLst>
+                    </p:cTn>
+                  </p:par>
+                </p:childTnLst>
+              </p:cTn>
+              <p:prevCondLst>
+                <p:cond evt="onPrev" delay="0">
+                  <p:tgtEl>
+                    <p:sldTgt/>
+                  </p:tgtEl>
+                </p:cond>
+              </p:prevCondLst>
+              <p:nextCondLst>
+                <p:cond evt="onNext" delay="0">
+                  <p:tgtEl>
+                    <p:sldTgt/>
+                  </p:tgtEl>
+                </p:cond>
+              </p:nextCondLst>
+            </p:seq>
+          </p:childTnLst>
+        </p:cTn>
+      </p:par>
+    </p:tnLst>
+  </p:timing>
 </p:sld>
 </file>
 
@@ -8448,264 +8145,772 @@
           <a:chExt cx="0" cy="0"/>
         </a:xfrm>
       </p:grpSpPr>
-      <p:sp>
-        <p:nvSpPr>
-          <p:cNvPr id="2" name="Inhaltsplatzhalter 1">
+      <p:graphicFrame>
+        <p:nvGraphicFramePr>
+          <p:cNvPr id="5" name="Inhaltsplatzhalter 4">
             <a:extLst>
               <a:ext uri="{FF2B5EF4-FFF2-40B4-BE49-F238E27FC236}">
-                <a16:creationId xmlns="" xmlns:a16="http://schemas.microsoft.com/office/drawing/2014/main" id="{75560F39-53A9-4D65-81BC-9EF49E3C9C4C}"/>
+                <a16:creationId xmlns:a16="http://schemas.microsoft.com/office/drawing/2014/main" id="{9A1C851F-5A70-46E1-BFA8-8B7F3883DCC8}"/>
               </a:ext>
             </a:extLst>
           </p:cNvPr>
-          <p:cNvSpPr>
-            <a:spLocks noGrp="1"/>
-          </p:cNvSpPr>
+          <p:cNvGraphicFramePr>
+            <a:graphicFrameLocks noGrp="1"/>
+          </p:cNvGraphicFramePr>
           <p:nvPr>
             <p:ph sz="quarter" idx="13"/>
+            <p:extLst>
+              <p:ext uri="{D42A27DB-BD31-4B8C-83A1-F6EECF244321}">
+                <p14:modId xmlns:p14="http://schemas.microsoft.com/office/powerpoint/2010/main" val="680340635"/>
+              </p:ext>
+            </p:extLst>
           </p:nvPr>
-        </p:nvSpPr>
-        <p:spPr/>
-        <p:txBody>
-          <a:bodyPr/>
-          <a:lstStyle/>
-          <a:p>
-            <a:r>
-              <a:rPr lang="de-DE" dirty="0"/>
-              <a:t>Bernoulli, Simple Gilbert</a:t>
-            </a:r>
-          </a:p>
-          <a:p>
-            <a:pPr lvl="1"/>
-            <a:r>
-              <a:rPr lang="de-DE" sz="1800" dirty="0">
-                <a:sym typeface="Wingdings" panose="05000000000000000000" pitchFamily="2" charset="2"/>
-              </a:rPr>
-              <a:t>Zustände eindeutig erkennbar</a:t>
-            </a:r>
-          </a:p>
-          <a:p>
-            <a:pPr lvl="1"/>
-            <a:r>
-              <a:rPr lang="de-DE" sz="1800" dirty="0">
-                <a:sym typeface="Wingdings" panose="05000000000000000000" pitchFamily="2" charset="2"/>
-              </a:rPr>
-              <a:t>Trivial, Zuverlässig</a:t>
-            </a:r>
-          </a:p>
-          <a:p>
-            <a:r>
-              <a:rPr lang="de-DE" dirty="0">
-                <a:sym typeface="Wingdings" panose="05000000000000000000" pitchFamily="2" charset="2"/>
-              </a:rPr>
-              <a:t>Gilbert</a:t>
-            </a:r>
-          </a:p>
-          <a:p>
-            <a:pPr lvl="1"/>
-            <a:r>
-              <a:rPr lang="de-DE" sz="1800" dirty="0">
-                <a:sym typeface="Wingdings" panose="05000000000000000000" pitchFamily="2" charset="2"/>
-              </a:rPr>
-              <a:t>Gilberts Methode zur Parameterschätzung</a:t>
-            </a:r>
-          </a:p>
-          <a:p>
-            <a:pPr lvl="1"/>
-            <a:r>
-              <a:rPr lang="de-DE" sz="1800" dirty="0">
-                <a:sym typeface="Wingdings" panose="05000000000000000000" pitchFamily="2" charset="2"/>
-              </a:rPr>
-              <a:t>Problem: Sehr instabil, Parameter können unmögliche Werte annehmen</a:t>
-            </a:r>
-          </a:p>
-          <a:p>
-            <a:r>
-              <a:rPr lang="de-DE" dirty="0">
-                <a:sym typeface="Wingdings" panose="05000000000000000000" pitchFamily="2" charset="2"/>
-              </a:rPr>
-              <a:t>Gilbert-Elliot (GE), 4-State-Markov</a:t>
-            </a:r>
-          </a:p>
-          <a:p>
-            <a:pPr lvl="1"/>
-            <a:r>
-              <a:rPr lang="de-DE" sz="1800" dirty="0">
-                <a:sym typeface="Wingdings" panose="05000000000000000000" pitchFamily="2" charset="2"/>
-              </a:rPr>
-              <a:t>Schwellenwerte für einzelne Zustände definieren</a:t>
-            </a:r>
-          </a:p>
-          <a:p>
-            <a:pPr lvl="1"/>
-            <a:r>
-              <a:rPr lang="de-DE" sz="1800" dirty="0">
-                <a:sym typeface="Wingdings" panose="05000000000000000000" pitchFamily="2" charset="2"/>
-              </a:rPr>
-              <a:t>GE: RFC3611 empfiehlt 16 </a:t>
-            </a:r>
-            <a:r>
-              <a:rPr lang="de-DE" sz="1800" i="1" dirty="0">
-                <a:sym typeface="Wingdings" panose="05000000000000000000" pitchFamily="2" charset="2"/>
-              </a:rPr>
-              <a:t>„</a:t>
-            </a:r>
-            <a:r>
-              <a:rPr lang="de-DE" sz="1800" i="1" dirty="0" err="1">
-                <a:sym typeface="Wingdings" panose="05000000000000000000" pitchFamily="2" charset="2"/>
-              </a:rPr>
-              <a:t>corresponds</a:t>
-            </a:r>
-            <a:r>
-              <a:rPr lang="de-DE" sz="1800" i="1" dirty="0">
-                <a:sym typeface="Wingdings" panose="05000000000000000000" pitchFamily="2" charset="2"/>
-              </a:rPr>
-              <a:t> </a:t>
-            </a:r>
-            <a:r>
-              <a:rPr lang="de-DE" sz="1800" i="1" dirty="0" err="1">
-                <a:sym typeface="Wingdings" panose="05000000000000000000" pitchFamily="2" charset="2"/>
-              </a:rPr>
-              <a:t>to</a:t>
-            </a:r>
-            <a:r>
-              <a:rPr lang="de-DE" sz="1800" i="1" dirty="0">
-                <a:sym typeface="Wingdings" panose="05000000000000000000" pitchFamily="2" charset="2"/>
-              </a:rPr>
-              <a:t> </a:t>
-            </a:r>
-            <a:r>
-              <a:rPr lang="de-DE" sz="1800" i="1" dirty="0" err="1">
-                <a:sym typeface="Wingdings" panose="05000000000000000000" pitchFamily="2" charset="2"/>
-              </a:rPr>
-              <a:t>gap</a:t>
-            </a:r>
-            <a:r>
-              <a:rPr lang="de-DE" sz="1800" i="1" dirty="0">
-                <a:sym typeface="Wingdings" panose="05000000000000000000" pitchFamily="2" charset="2"/>
-              </a:rPr>
-              <a:t> </a:t>
-            </a:r>
-            <a:r>
-              <a:rPr lang="de-DE" sz="1800" i="1" dirty="0" err="1">
-                <a:sym typeface="Wingdings" panose="05000000000000000000" pitchFamily="2" charset="2"/>
-              </a:rPr>
-              <a:t>characteristics</a:t>
-            </a:r>
-            <a:r>
-              <a:rPr lang="de-DE" sz="1800" i="1" dirty="0">
-                <a:sym typeface="Wingdings" panose="05000000000000000000" pitchFamily="2" charset="2"/>
-              </a:rPr>
-              <a:t> </a:t>
-            </a:r>
-            <a:r>
-              <a:rPr lang="de-DE" sz="1800" i="1" dirty="0" err="1">
-                <a:sym typeface="Wingdings" panose="05000000000000000000" pitchFamily="2" charset="2"/>
-              </a:rPr>
-              <a:t>of</a:t>
-            </a:r>
-            <a:r>
-              <a:rPr lang="de-DE" sz="1800" i="1" dirty="0">
-                <a:sym typeface="Wingdings" panose="05000000000000000000" pitchFamily="2" charset="2"/>
-              </a:rPr>
-              <a:t> </a:t>
-            </a:r>
-            <a:r>
-              <a:rPr lang="de-DE" sz="1800" i="1" dirty="0" err="1">
-                <a:sym typeface="Wingdings" panose="05000000000000000000" pitchFamily="2" charset="2"/>
-              </a:rPr>
-              <a:t>good</a:t>
-            </a:r>
-            <a:r>
-              <a:rPr lang="de-DE" sz="1800" i="1" dirty="0">
-                <a:sym typeface="Wingdings" panose="05000000000000000000" pitchFamily="2" charset="2"/>
-              </a:rPr>
-              <a:t> </a:t>
-            </a:r>
-            <a:r>
-              <a:rPr lang="de-DE" sz="1800" i="1" dirty="0" err="1">
-                <a:sym typeface="Wingdings" panose="05000000000000000000" pitchFamily="2" charset="2"/>
-              </a:rPr>
-              <a:t>quality</a:t>
-            </a:r>
-            <a:r>
-              <a:rPr lang="de-DE" sz="1800" i="1" dirty="0">
-                <a:sym typeface="Wingdings" panose="05000000000000000000" pitchFamily="2" charset="2"/>
-              </a:rPr>
-              <a:t>“</a:t>
-            </a:r>
-          </a:p>
-          <a:p>
-            <a:pPr lvl="1"/>
-            <a:r>
-              <a:rPr lang="de-DE" sz="1800" dirty="0">
-                <a:sym typeface="Wingdings" panose="05000000000000000000" pitchFamily="2" charset="2"/>
-              </a:rPr>
-              <a:t>4-State-Markov:</a:t>
-            </a:r>
-            <a:r>
-              <a:rPr lang="de-DE" sz="1800" i="1" dirty="0">
-                <a:sym typeface="Wingdings" panose="05000000000000000000" pitchFamily="2" charset="2"/>
-              </a:rPr>
-              <a:t> </a:t>
-            </a:r>
-            <a:r>
-              <a:rPr lang="de-DE" sz="1800" dirty="0">
-                <a:sym typeface="Wingdings" panose="05000000000000000000" pitchFamily="2" charset="2"/>
-              </a:rPr>
-              <a:t>Keine Literaturangabe  </a:t>
-            </a:r>
-            <a:r>
-              <a:rPr lang="de-DE" sz="1800" dirty="0" err="1">
-                <a:sym typeface="Wingdings" panose="05000000000000000000" pitchFamily="2" charset="2"/>
-              </a:rPr>
-              <a:t>Educated</a:t>
-            </a:r>
-            <a:r>
-              <a:rPr lang="de-DE" sz="1800" dirty="0">
-                <a:sym typeface="Wingdings" panose="05000000000000000000" pitchFamily="2" charset="2"/>
-              </a:rPr>
-              <a:t> </a:t>
-            </a:r>
-            <a:r>
-              <a:rPr lang="de-DE" sz="1800" dirty="0" err="1">
-                <a:sym typeface="Wingdings" panose="05000000000000000000" pitchFamily="2" charset="2"/>
-              </a:rPr>
-              <a:t>Guessing</a:t>
-            </a:r>
-            <a:endParaRPr lang="de-DE" sz="1800" dirty="0">
-              <a:sym typeface="Wingdings" panose="05000000000000000000" pitchFamily="2" charset="2"/>
-            </a:endParaRPr>
-          </a:p>
-          <a:p>
-            <a:pPr lvl="1"/>
-            <a:r>
-              <a:rPr lang="de-DE" sz="1800" dirty="0">
-                <a:sym typeface="Wingdings" panose="05000000000000000000" pitchFamily="2" charset="2"/>
-              </a:rPr>
-              <a:t>Zustände in gegebenem Trace zählen</a:t>
-            </a:r>
-          </a:p>
-          <a:p>
-            <a:pPr lvl="1"/>
-            <a:r>
-              <a:rPr lang="de-DE" sz="1800" dirty="0">
-                <a:sym typeface="Wingdings" panose="05000000000000000000" pitchFamily="2" charset="2"/>
-              </a:rPr>
-              <a:t>Ergebnisse sind sehr instabil</a:t>
-            </a:r>
-          </a:p>
-          <a:p>
-            <a:pPr lvl="1"/>
-            <a:endParaRPr lang="de-DE" sz="1800" dirty="0"/>
-          </a:p>
-        </p:txBody>
-      </p:sp>
+        </p:nvGraphicFramePr>
+        <p:xfrm>
+          <a:off x="377825" y="1547813"/>
+          <a:ext cx="8353428" cy="2966720"/>
+        </p:xfrm>
+        <a:graphic>
+          <a:graphicData uri="http://schemas.openxmlformats.org/drawingml/2006/table">
+            <a:tbl>
+              <a:tblPr firstRow="1" bandRow="1">
+                <a:tableStyleId>{5C22544A-7EE6-4342-B048-85BDC9FD1C3A}</a:tableStyleId>
+              </a:tblPr>
+              <a:tblGrid>
+                <a:gridCol w="1392238">
+                  <a:extLst>
+                    <a:ext uri="{9D8B030D-6E8A-4147-A177-3AD203B41FA5}">
+                      <a16:colId xmlns:a16="http://schemas.microsoft.com/office/drawing/2014/main" val="3266236277"/>
+                    </a:ext>
+                  </a:extLst>
+                </a:gridCol>
+                <a:gridCol w="1392238">
+                  <a:extLst>
+                    <a:ext uri="{9D8B030D-6E8A-4147-A177-3AD203B41FA5}">
+                      <a16:colId xmlns:a16="http://schemas.microsoft.com/office/drawing/2014/main" val="3585552870"/>
+                    </a:ext>
+                  </a:extLst>
+                </a:gridCol>
+                <a:gridCol w="1392238">
+                  <a:extLst>
+                    <a:ext uri="{9D8B030D-6E8A-4147-A177-3AD203B41FA5}">
+                      <a16:colId xmlns:a16="http://schemas.microsoft.com/office/drawing/2014/main" val="2944643000"/>
+                    </a:ext>
+                  </a:extLst>
+                </a:gridCol>
+                <a:gridCol w="1392238">
+                  <a:extLst>
+                    <a:ext uri="{9D8B030D-6E8A-4147-A177-3AD203B41FA5}">
+                      <a16:colId xmlns:a16="http://schemas.microsoft.com/office/drawing/2014/main" val="890614876"/>
+                    </a:ext>
+                  </a:extLst>
+                </a:gridCol>
+                <a:gridCol w="1392238">
+                  <a:extLst>
+                    <a:ext uri="{9D8B030D-6E8A-4147-A177-3AD203B41FA5}">
+                      <a16:colId xmlns:a16="http://schemas.microsoft.com/office/drawing/2014/main" val="1193739766"/>
+                    </a:ext>
+                  </a:extLst>
+                </a:gridCol>
+                <a:gridCol w="1392238">
+                  <a:extLst>
+                    <a:ext uri="{9D8B030D-6E8A-4147-A177-3AD203B41FA5}">
+                      <a16:colId xmlns:a16="http://schemas.microsoft.com/office/drawing/2014/main" val="2996214561"/>
+                    </a:ext>
+                  </a:extLst>
+                </a:gridCol>
+              </a:tblGrid>
+              <a:tr h="370840">
+                <a:tc>
+                  <a:txBody>
+                    <a:bodyPr/>
+                    <a:lstStyle/>
+                    <a:p>
+                      <a:r>
+                        <a:rPr lang="de-DE" dirty="0" err="1"/>
+                        <a:t>gMin</a:t>
+                      </a:r>
+                      <a:endParaRPr lang="de-DE" dirty="0"/>
+                    </a:p>
+                  </a:txBody>
+                  <a:tcPr/>
+                </a:tc>
+                <a:tc>
+                  <a:txBody>
+                    <a:bodyPr/>
+                    <a:lstStyle/>
+                    <a:p>
+                      <a:r>
+                        <a:rPr lang="de-DE" dirty="0"/>
+                        <a:t>p</a:t>
+                      </a:r>
+                    </a:p>
+                  </a:txBody>
+                  <a:tcPr/>
+                </a:tc>
+                <a:tc>
+                  <a:txBody>
+                    <a:bodyPr/>
+                    <a:lstStyle/>
+                    <a:p>
+                      <a:r>
+                        <a:rPr lang="de-DE" dirty="0"/>
+                        <a:t>r</a:t>
+                      </a:r>
+                    </a:p>
+                  </a:txBody>
+                  <a:tcPr/>
+                </a:tc>
+                <a:tc>
+                  <a:txBody>
+                    <a:bodyPr/>
+                    <a:lstStyle/>
+                    <a:p>
+                      <a:r>
+                        <a:rPr lang="de-DE" dirty="0"/>
+                        <a:t>k</a:t>
+                      </a:r>
+                    </a:p>
+                  </a:txBody>
+                  <a:tcPr/>
+                </a:tc>
+                <a:tc>
+                  <a:txBody>
+                    <a:bodyPr/>
+                    <a:lstStyle/>
+                    <a:p>
+                      <a:r>
+                        <a:rPr lang="de-DE" dirty="0"/>
+                        <a:t>h</a:t>
+                      </a:r>
+                    </a:p>
+                  </a:txBody>
+                  <a:tcPr/>
+                </a:tc>
+                <a:tc>
+                  <a:txBody>
+                    <a:bodyPr/>
+                    <a:lstStyle/>
+                    <a:p>
+                      <a:r>
+                        <a:rPr lang="de-DE" dirty="0"/>
+                        <a:t>Verlust [%]</a:t>
+                      </a:r>
+                    </a:p>
+                  </a:txBody>
+                  <a:tcPr/>
+                </a:tc>
+                <a:extLst>
+                  <a:ext uri="{0D108BD9-81ED-4DB2-BD59-A6C34878D82A}">
+                    <a16:rowId xmlns:a16="http://schemas.microsoft.com/office/drawing/2014/main" val="1523691307"/>
+                  </a:ext>
+                </a:extLst>
+              </a:tr>
+              <a:tr h="370840">
+                <a:tc>
+                  <a:txBody>
+                    <a:bodyPr/>
+                    <a:lstStyle/>
+                    <a:p>
+                      <a:r>
+                        <a:rPr lang="de-DE" dirty="0"/>
+                        <a:t>Trace</a:t>
+                      </a:r>
+                    </a:p>
+                  </a:txBody>
+                  <a:tcPr/>
+                </a:tc>
+                <a:tc>
+                  <a:txBody>
+                    <a:bodyPr/>
+                    <a:lstStyle/>
+                    <a:p>
+                      <a:r>
+                        <a:rPr lang="de-DE" dirty="0"/>
+                        <a:t>0,04</a:t>
+                      </a:r>
+                    </a:p>
+                  </a:txBody>
+                  <a:tcPr/>
+                </a:tc>
+                <a:tc>
+                  <a:txBody>
+                    <a:bodyPr/>
+                    <a:lstStyle/>
+                    <a:p>
+                      <a:r>
+                        <a:rPr lang="de-DE" dirty="0"/>
+                        <a:t>0,9</a:t>
+                      </a:r>
+                    </a:p>
+                  </a:txBody>
+                  <a:tcPr/>
+                </a:tc>
+                <a:tc>
+                  <a:txBody>
+                    <a:bodyPr/>
+                    <a:lstStyle/>
+                    <a:p>
+                      <a:r>
+                        <a:rPr lang="de-DE" dirty="0"/>
+                        <a:t>0,95</a:t>
+                      </a:r>
+                    </a:p>
+                  </a:txBody>
+                  <a:tcPr/>
+                </a:tc>
+                <a:tc>
+                  <a:txBody>
+                    <a:bodyPr/>
+                    <a:lstStyle/>
+                    <a:p>
+                      <a:r>
+                        <a:rPr lang="de-DE" dirty="0"/>
+                        <a:t>0,02</a:t>
+                      </a:r>
+                    </a:p>
+                  </a:txBody>
+                  <a:tcPr/>
+                </a:tc>
+                <a:tc>
+                  <a:txBody>
+                    <a:bodyPr/>
+                    <a:lstStyle/>
+                    <a:p>
+                      <a:r>
+                        <a:rPr lang="de-DE" dirty="0"/>
+                        <a:t>6,011</a:t>
+                      </a:r>
+                    </a:p>
+                  </a:txBody>
+                  <a:tcPr/>
+                </a:tc>
+                <a:extLst>
+                  <a:ext uri="{0D108BD9-81ED-4DB2-BD59-A6C34878D82A}">
+                    <a16:rowId xmlns:a16="http://schemas.microsoft.com/office/drawing/2014/main" val="1447774684"/>
+                  </a:ext>
+                </a:extLst>
+              </a:tr>
+              <a:tr h="370840">
+                <a:tc>
+                  <a:txBody>
+                    <a:bodyPr/>
+                    <a:lstStyle/>
+                    <a:p>
+                      <a:r>
+                        <a:rPr lang="de-DE" dirty="0"/>
+                        <a:t>4</a:t>
+                      </a:r>
+                    </a:p>
+                  </a:txBody>
+                  <a:tcPr/>
+                </a:tc>
+                <a:tc>
+                  <a:txBody>
+                    <a:bodyPr/>
+                    <a:lstStyle/>
+                    <a:p>
+                      <a:r>
+                        <a:rPr lang="de-DE" dirty="0"/>
+                        <a:t>0,012</a:t>
+                      </a:r>
+                    </a:p>
+                  </a:txBody>
+                  <a:tcPr/>
+                </a:tc>
+                <a:tc>
+                  <a:txBody>
+                    <a:bodyPr/>
+                    <a:lstStyle/>
+                    <a:p>
+                      <a:r>
+                        <a:rPr lang="de-DE" dirty="0"/>
+                        <a:t>0,249</a:t>
+                      </a:r>
+                    </a:p>
+                  </a:txBody>
+                  <a:tcPr/>
+                </a:tc>
+                <a:tc>
+                  <a:txBody>
+                    <a:bodyPr/>
+                    <a:lstStyle/>
+                    <a:p>
+                      <a:r>
+                        <a:rPr lang="de-DE" dirty="0"/>
+                        <a:t>0,964</a:t>
+                      </a:r>
+                    </a:p>
+                  </a:txBody>
+                  <a:tcPr/>
+                </a:tc>
+                <a:tc>
+                  <a:txBody>
+                    <a:bodyPr/>
+                    <a:lstStyle/>
+                    <a:p>
+                      <a:r>
+                        <a:rPr lang="de-DE" dirty="0"/>
+                        <a:t>0,415</a:t>
+                      </a:r>
+                    </a:p>
+                  </a:txBody>
+                  <a:tcPr/>
+                </a:tc>
+                <a:tc>
+                  <a:txBody>
+                    <a:bodyPr/>
+                    <a:lstStyle/>
+                    <a:p>
+                      <a:r>
+                        <a:rPr lang="de-DE" dirty="0"/>
+                        <a:t>6,039</a:t>
+                      </a:r>
+                    </a:p>
+                  </a:txBody>
+                  <a:tcPr/>
+                </a:tc>
+                <a:extLst>
+                  <a:ext uri="{0D108BD9-81ED-4DB2-BD59-A6C34878D82A}">
+                    <a16:rowId xmlns:a16="http://schemas.microsoft.com/office/drawing/2014/main" val="2978895449"/>
+                  </a:ext>
+                </a:extLst>
+              </a:tr>
+              <a:tr h="370840">
+                <a:tc>
+                  <a:txBody>
+                    <a:bodyPr/>
+                    <a:lstStyle/>
+                    <a:p>
+                      <a:r>
+                        <a:rPr lang="de-DE" dirty="0"/>
+                        <a:t>7</a:t>
+                      </a:r>
+                    </a:p>
+                  </a:txBody>
+                  <a:tcPr/>
+                </a:tc>
+                <a:tc>
+                  <a:txBody>
+                    <a:bodyPr/>
+                    <a:lstStyle/>
+                    <a:p>
+                      <a:r>
+                        <a:rPr lang="de-DE" dirty="0"/>
+                        <a:t>0,016</a:t>
+                      </a:r>
+                    </a:p>
+                  </a:txBody>
+                  <a:tcPr/>
+                </a:tc>
+                <a:tc>
+                  <a:txBody>
+                    <a:bodyPr/>
+                    <a:lstStyle/>
+                    <a:p>
+                      <a:r>
+                        <a:rPr lang="de-DE" dirty="0"/>
+                        <a:t>0,151</a:t>
+                      </a:r>
+                    </a:p>
+                  </a:txBody>
+                  <a:tcPr/>
+                </a:tc>
+                <a:tc>
+                  <a:txBody>
+                    <a:bodyPr/>
+                    <a:lstStyle/>
+                    <a:p>
+                      <a:r>
+                        <a:rPr lang="de-DE" dirty="0"/>
+                        <a:t>0,974</a:t>
+                      </a:r>
+                    </a:p>
+                  </a:txBody>
+                  <a:tcPr/>
+                </a:tc>
+                <a:tc>
+                  <a:txBody>
+                    <a:bodyPr/>
+                    <a:lstStyle/>
+                    <a:p>
+                      <a:r>
+                        <a:rPr lang="de-DE" dirty="0"/>
+                        <a:t>0,607</a:t>
+                      </a:r>
+                    </a:p>
+                  </a:txBody>
+                  <a:tcPr/>
+                </a:tc>
+                <a:tc>
+                  <a:txBody>
+                    <a:bodyPr/>
+                    <a:lstStyle/>
+                    <a:p>
+                      <a:r>
+                        <a:rPr lang="de-DE" dirty="0"/>
+                        <a:t>6,028</a:t>
+                      </a:r>
+                    </a:p>
+                  </a:txBody>
+                  <a:tcPr/>
+                </a:tc>
+                <a:extLst>
+                  <a:ext uri="{0D108BD9-81ED-4DB2-BD59-A6C34878D82A}">
+                    <a16:rowId xmlns:a16="http://schemas.microsoft.com/office/drawing/2014/main" val="2022650887"/>
+                  </a:ext>
+                </a:extLst>
+              </a:tr>
+              <a:tr h="370840">
+                <a:tc>
+                  <a:txBody>
+                    <a:bodyPr/>
+                    <a:lstStyle/>
+                    <a:p>
+                      <a:r>
+                        <a:rPr lang="de-DE" dirty="0"/>
+                        <a:t>10</a:t>
+                      </a:r>
+                    </a:p>
+                  </a:txBody>
+                  <a:tcPr/>
+                </a:tc>
+                <a:tc>
+                  <a:txBody>
+                    <a:bodyPr/>
+                    <a:lstStyle/>
+                    <a:p>
+                      <a:r>
+                        <a:rPr lang="de-DE" dirty="0"/>
+                        <a:t>0,018</a:t>
+                      </a:r>
+                    </a:p>
+                  </a:txBody>
+                  <a:tcPr/>
+                </a:tc>
+                <a:tc>
+                  <a:txBody>
+                    <a:bodyPr/>
+                    <a:lstStyle/>
+                    <a:p>
+                      <a:r>
+                        <a:rPr lang="de-DE" dirty="0"/>
+                        <a:t>0,099</a:t>
+                      </a:r>
+                    </a:p>
+                  </a:txBody>
+                  <a:tcPr/>
+                </a:tc>
+                <a:tc>
+                  <a:txBody>
+                    <a:bodyPr/>
+                    <a:lstStyle/>
+                    <a:p>
+                      <a:r>
+                        <a:rPr lang="de-DE" dirty="0"/>
+                        <a:t>0,981</a:t>
+                      </a:r>
+                    </a:p>
+                  </a:txBody>
+                  <a:tcPr/>
+                </a:tc>
+                <a:tc>
+                  <a:txBody>
+                    <a:bodyPr/>
+                    <a:lstStyle/>
+                    <a:p>
+                      <a:r>
+                        <a:rPr lang="de-DE" dirty="0"/>
+                        <a:t>0,71</a:t>
+                      </a:r>
+                    </a:p>
+                  </a:txBody>
+                  <a:tcPr/>
+                </a:tc>
+                <a:tc>
+                  <a:txBody>
+                    <a:bodyPr/>
+                    <a:lstStyle/>
+                    <a:p>
+                      <a:r>
+                        <a:rPr lang="de-DE" dirty="0"/>
+                        <a:t>6,055</a:t>
+                      </a:r>
+                    </a:p>
+                  </a:txBody>
+                  <a:tcPr/>
+                </a:tc>
+                <a:extLst>
+                  <a:ext uri="{0D108BD9-81ED-4DB2-BD59-A6C34878D82A}">
+                    <a16:rowId xmlns:a16="http://schemas.microsoft.com/office/drawing/2014/main" val="2503017546"/>
+                  </a:ext>
+                </a:extLst>
+              </a:tr>
+              <a:tr h="370840">
+                <a:tc>
+                  <a:txBody>
+                    <a:bodyPr/>
+                    <a:lstStyle/>
+                    <a:p>
+                      <a:r>
+                        <a:rPr lang="de-DE" dirty="0"/>
+                        <a:t>13</a:t>
+                      </a:r>
+                    </a:p>
+                  </a:txBody>
+                  <a:tcPr/>
+                </a:tc>
+                <a:tc>
+                  <a:txBody>
+                    <a:bodyPr/>
+                    <a:lstStyle/>
+                    <a:p>
+                      <a:r>
+                        <a:rPr lang="de-DE" dirty="0"/>
+                        <a:t>0,019</a:t>
+                      </a:r>
+                    </a:p>
+                  </a:txBody>
+                  <a:tcPr/>
+                </a:tc>
+                <a:tc>
+                  <a:txBody>
+                    <a:bodyPr/>
+                    <a:lstStyle/>
+                    <a:p>
+                      <a:r>
+                        <a:rPr lang="de-DE" dirty="0"/>
+                        <a:t>0,069</a:t>
+                      </a:r>
+                    </a:p>
+                  </a:txBody>
+                  <a:tcPr/>
+                </a:tc>
+                <a:tc>
+                  <a:txBody>
+                    <a:bodyPr/>
+                    <a:lstStyle/>
+                    <a:p>
+                      <a:r>
+                        <a:rPr lang="de-DE" dirty="0"/>
+                        <a:t>0,986</a:t>
+                      </a:r>
+                    </a:p>
+                  </a:txBody>
+                  <a:tcPr/>
+                </a:tc>
+                <a:tc>
+                  <a:txBody>
+                    <a:bodyPr/>
+                    <a:lstStyle/>
+                    <a:p>
+                      <a:r>
+                        <a:rPr lang="de-DE" dirty="0"/>
+                        <a:t>0,77</a:t>
+                      </a:r>
+                    </a:p>
+                  </a:txBody>
+                  <a:tcPr/>
+                </a:tc>
+                <a:tc>
+                  <a:txBody>
+                    <a:bodyPr/>
+                    <a:lstStyle/>
+                    <a:p>
+                      <a:r>
+                        <a:rPr lang="de-DE" dirty="0"/>
+                        <a:t>6,102</a:t>
+                      </a:r>
+                    </a:p>
+                  </a:txBody>
+                  <a:tcPr/>
+                </a:tc>
+                <a:extLst>
+                  <a:ext uri="{0D108BD9-81ED-4DB2-BD59-A6C34878D82A}">
+                    <a16:rowId xmlns:a16="http://schemas.microsoft.com/office/drawing/2014/main" val="73461949"/>
+                  </a:ext>
+                </a:extLst>
+              </a:tr>
+              <a:tr h="370840">
+                <a:tc>
+                  <a:txBody>
+                    <a:bodyPr/>
+                    <a:lstStyle/>
+                    <a:p>
+                      <a:r>
+                        <a:rPr lang="de-DE" dirty="0"/>
+                        <a:t>16</a:t>
+                      </a:r>
+                    </a:p>
+                  </a:txBody>
+                  <a:tcPr/>
+                </a:tc>
+                <a:tc>
+                  <a:txBody>
+                    <a:bodyPr/>
+                    <a:lstStyle/>
+                    <a:p>
+                      <a:r>
+                        <a:rPr lang="de-DE" dirty="0"/>
+                        <a:t>0,019</a:t>
+                      </a:r>
+                    </a:p>
+                  </a:txBody>
+                  <a:tcPr/>
+                </a:tc>
+                <a:tc>
+                  <a:txBody>
+                    <a:bodyPr/>
+                    <a:lstStyle/>
+                    <a:p>
+                      <a:r>
+                        <a:rPr lang="de-DE" dirty="0"/>
+                        <a:t>0,051</a:t>
+                      </a:r>
+                    </a:p>
+                  </a:txBody>
+                  <a:tcPr/>
+                </a:tc>
+                <a:tc>
+                  <a:txBody>
+                    <a:bodyPr/>
+                    <a:lstStyle/>
+                    <a:p>
+                      <a:r>
+                        <a:rPr lang="de-DE" dirty="0"/>
+                        <a:t>0,989</a:t>
+                      </a:r>
+                    </a:p>
+                  </a:txBody>
+                  <a:tcPr/>
+                </a:tc>
+                <a:tc>
+                  <a:txBody>
+                    <a:bodyPr/>
+                    <a:lstStyle/>
+                    <a:p>
+                      <a:r>
+                        <a:rPr lang="de-DE" dirty="0"/>
+                        <a:t>0,811</a:t>
+                      </a:r>
+                    </a:p>
+                  </a:txBody>
+                  <a:tcPr/>
+                </a:tc>
+                <a:tc>
+                  <a:txBody>
+                    <a:bodyPr/>
+                    <a:lstStyle/>
+                    <a:p>
+                      <a:r>
+                        <a:rPr lang="de-DE" dirty="0"/>
+                        <a:t>6,066</a:t>
+                      </a:r>
+                    </a:p>
+                  </a:txBody>
+                  <a:tcPr/>
+                </a:tc>
+                <a:extLst>
+                  <a:ext uri="{0D108BD9-81ED-4DB2-BD59-A6C34878D82A}">
+                    <a16:rowId xmlns:a16="http://schemas.microsoft.com/office/drawing/2014/main" val="2756663580"/>
+                  </a:ext>
+                </a:extLst>
+              </a:tr>
+              <a:tr h="370840">
+                <a:tc>
+                  <a:txBody>
+                    <a:bodyPr/>
+                    <a:lstStyle/>
+                    <a:p>
+                      <a:r>
+                        <a:rPr lang="de-DE" dirty="0"/>
+                        <a:t>19</a:t>
+                      </a:r>
+                    </a:p>
+                  </a:txBody>
+                  <a:tcPr/>
+                </a:tc>
+                <a:tc>
+                  <a:txBody>
+                    <a:bodyPr/>
+                    <a:lstStyle/>
+                    <a:p>
+                      <a:r>
+                        <a:rPr lang="de-DE" dirty="0"/>
+                        <a:t>0,019</a:t>
+                      </a:r>
+                    </a:p>
+                  </a:txBody>
+                  <a:tcPr/>
+                </a:tc>
+                <a:tc>
+                  <a:txBody>
+                    <a:bodyPr/>
+                    <a:lstStyle/>
+                    <a:p>
+                      <a:r>
+                        <a:rPr lang="de-DE" dirty="0"/>
+                        <a:t>0,034</a:t>
+                      </a:r>
+                    </a:p>
+                  </a:txBody>
+                  <a:tcPr/>
+                </a:tc>
+                <a:tc>
+                  <a:txBody>
+                    <a:bodyPr/>
+                    <a:lstStyle/>
+                    <a:p>
+                      <a:r>
+                        <a:rPr lang="de-DE" dirty="0"/>
+                        <a:t>0,992</a:t>
+                      </a:r>
+                    </a:p>
+                  </a:txBody>
+                  <a:tcPr/>
+                </a:tc>
+                <a:tc>
+                  <a:txBody>
+                    <a:bodyPr/>
+                    <a:lstStyle/>
+                    <a:p>
+                      <a:r>
+                        <a:rPr lang="de-DE" dirty="0"/>
+                        <a:t>0,838</a:t>
+                      </a:r>
+                    </a:p>
+                  </a:txBody>
+                  <a:tcPr/>
+                </a:tc>
+                <a:tc>
+                  <a:txBody>
+                    <a:bodyPr/>
+                    <a:lstStyle/>
+                    <a:p>
+                      <a:r>
+                        <a:rPr lang="de-DE" dirty="0"/>
+                        <a:t>6,005</a:t>
+                      </a:r>
+                    </a:p>
+                  </a:txBody>
+                  <a:tcPr/>
+                </a:tc>
+                <a:extLst>
+                  <a:ext uri="{0D108BD9-81ED-4DB2-BD59-A6C34878D82A}">
+                    <a16:rowId xmlns:a16="http://schemas.microsoft.com/office/drawing/2014/main" val="1796303189"/>
+                  </a:ext>
+                </a:extLst>
+              </a:tr>
+            </a:tbl>
+          </a:graphicData>
+        </a:graphic>
+      </p:graphicFrame>
       <p:sp>
         <p:nvSpPr>
           <p:cNvPr id="3" name="Textplatzhalter 2">
             <a:extLst>
               <a:ext uri="{FF2B5EF4-FFF2-40B4-BE49-F238E27FC236}">
-                <a16:creationId xmlns="" xmlns:a16="http://schemas.microsoft.com/office/drawing/2014/main" id="{C86455D3-63E3-4BB9-B3C6-B0AB42EE712A}"/>
+                <a16:creationId xmlns:a16="http://schemas.microsoft.com/office/drawing/2014/main" id="{3A93B718-370F-4B09-83B6-96752F484D4A}"/>
               </a:ext>
             </a:extLst>
           </p:cNvPr>
@@ -8721,7 +8926,10 @@
           <a:bodyPr/>
           <a:lstStyle/>
           <a:p>
-            <a:endParaRPr lang="de-DE"/>
+            <a:r>
+              <a:rPr lang="de-DE" dirty="0"/>
+              <a:t>Gilbert-Elliot Ergebnisse</a:t>
+            </a:r>
           </a:p>
         </p:txBody>
       </p:sp>
@@ -8730,7 +8938,7 @@
           <p:cNvPr id="4" name="Titel 3">
             <a:extLst>
               <a:ext uri="{FF2B5EF4-FFF2-40B4-BE49-F238E27FC236}">
-                <a16:creationId xmlns="" xmlns:a16="http://schemas.microsoft.com/office/drawing/2014/main" id="{AD1E7E5B-6FBD-4402-872A-3E7A13139C26}"/>
+                <a16:creationId xmlns:a16="http://schemas.microsoft.com/office/drawing/2014/main" id="{7195F47B-5827-4387-854F-681E5E4E5A90}"/>
               </a:ext>
             </a:extLst>
           </p:cNvPr>
@@ -8753,176 +8961,10 @@
           </a:p>
         </p:txBody>
       </p:sp>
-      <p:sp>
-        <p:nvSpPr>
-          <p:cNvPr id="5" name="Textfeld 4">
-            <a:extLst>
-              <a:ext uri="{FF2B5EF4-FFF2-40B4-BE49-F238E27FC236}">
-                <a16:creationId xmlns="" xmlns:a16="http://schemas.microsoft.com/office/drawing/2014/main" id="{22F2EAF2-F95A-476B-B4EF-8958E0264A00}"/>
-              </a:ext>
-            </a:extLst>
-          </p:cNvPr>
-          <p:cNvSpPr txBox="1"/>
-          <p:nvPr/>
-        </p:nvSpPr>
-        <p:spPr>
-          <a:xfrm>
-            <a:off x="3912597" y="1484784"/>
-            <a:ext cx="5339923" cy="954107"/>
-          </a:xfrm>
-          <a:prstGeom prst="rect">
-            <a:avLst/>
-          </a:prstGeom>
-          <a:noFill/>
-        </p:spPr>
-        <p:txBody>
-          <a:bodyPr wrap="none" rtlCol="0">
-            <a:spAutoFit/>
-          </a:bodyPr>
-          <a:lstStyle/>
-          <a:p>
-            <a:r>
-              <a:rPr lang="de-DE" sz="2800" b="1" dirty="0">
-                <a:solidFill>
-                  <a:srgbClr val="852339"/>
-                </a:solidFill>
-              </a:rPr>
-              <a:t>ANHANG FOLIE ZUM ERKLÄREN</a:t>
-            </a:r>
-          </a:p>
-          <a:p>
-            <a:r>
-              <a:rPr lang="de-DE" sz="2800" b="1" dirty="0">
-                <a:solidFill>
-                  <a:srgbClr val="852339"/>
-                </a:solidFill>
-              </a:rPr>
-              <a:t>DER EINZELNEN METHODEN</a:t>
-            </a:r>
-          </a:p>
-        </p:txBody>
-      </p:sp>
-      <p:cxnSp>
-        <p:nvCxnSpPr>
-          <p:cNvPr id="6" name="Gerader Verbinder 5">
-            <a:extLst>
-              <a:ext uri="{FF2B5EF4-FFF2-40B4-BE49-F238E27FC236}">
-                <a16:creationId xmlns="" xmlns:a16="http://schemas.microsoft.com/office/drawing/2014/main" id="{21CB8178-F7C0-4EED-A266-2BBA70519E37}"/>
-              </a:ext>
-            </a:extLst>
-          </p:cNvPr>
-          <p:cNvCxnSpPr>
-            <a:cxnSpLocks/>
-          </p:cNvCxnSpPr>
-          <p:nvPr/>
-        </p:nvCxnSpPr>
-        <p:spPr>
-          <a:xfrm>
-            <a:off x="467544" y="1890000"/>
-            <a:ext cx="8328224" cy="0"/>
-          </a:xfrm>
-          <a:prstGeom prst="line">
-            <a:avLst/>
-          </a:prstGeom>
-          <a:ln w="19050"/>
-        </p:spPr>
-        <p:style>
-          <a:lnRef idx="1">
-            <a:schemeClr val="accent1"/>
-          </a:lnRef>
-          <a:fillRef idx="0">
-            <a:schemeClr val="accent1"/>
-          </a:fillRef>
-          <a:effectRef idx="0">
-            <a:schemeClr val="accent1"/>
-          </a:effectRef>
-          <a:fontRef idx="minor">
-            <a:schemeClr val="tx1"/>
-          </a:fontRef>
-        </p:style>
-      </p:cxnSp>
-      <p:cxnSp>
-        <p:nvCxnSpPr>
-          <p:cNvPr id="7" name="Gerader Verbinder 6">
-            <a:extLst>
-              <a:ext uri="{FF2B5EF4-FFF2-40B4-BE49-F238E27FC236}">
-                <a16:creationId xmlns="" xmlns:a16="http://schemas.microsoft.com/office/drawing/2014/main" id="{1BE0D5F7-5FB6-4058-93BB-04E37B532FF8}"/>
-              </a:ext>
-            </a:extLst>
-          </p:cNvPr>
-          <p:cNvCxnSpPr>
-            <a:cxnSpLocks/>
-          </p:cNvCxnSpPr>
-          <p:nvPr/>
-        </p:nvCxnSpPr>
-        <p:spPr>
-          <a:xfrm>
-            <a:off x="467544" y="2905200"/>
-            <a:ext cx="8328224" cy="0"/>
-          </a:xfrm>
-          <a:prstGeom prst="line">
-            <a:avLst/>
-          </a:prstGeom>
-          <a:ln w="19050"/>
-        </p:spPr>
-        <p:style>
-          <a:lnRef idx="1">
-            <a:schemeClr val="accent1"/>
-          </a:lnRef>
-          <a:fillRef idx="0">
-            <a:schemeClr val="accent1"/>
-          </a:fillRef>
-          <a:effectRef idx="0">
-            <a:schemeClr val="accent1"/>
-          </a:effectRef>
-          <a:fontRef idx="minor">
-            <a:schemeClr val="tx1"/>
-          </a:fontRef>
-        </p:style>
-      </p:cxnSp>
-      <p:cxnSp>
-        <p:nvCxnSpPr>
-          <p:cNvPr id="8" name="Gerader Verbinder 7">
-            <a:extLst>
-              <a:ext uri="{FF2B5EF4-FFF2-40B4-BE49-F238E27FC236}">
-                <a16:creationId xmlns="" xmlns:a16="http://schemas.microsoft.com/office/drawing/2014/main" id="{D28DBFB7-B14A-4D42-AA7D-903E83D442C2}"/>
-              </a:ext>
-            </a:extLst>
-          </p:cNvPr>
-          <p:cNvCxnSpPr>
-            <a:cxnSpLocks/>
-          </p:cNvCxnSpPr>
-          <p:nvPr/>
-        </p:nvCxnSpPr>
-        <p:spPr>
-          <a:xfrm>
-            <a:off x="467544" y="3909600"/>
-            <a:ext cx="8328224" cy="0"/>
-          </a:xfrm>
-          <a:prstGeom prst="line">
-            <a:avLst/>
-          </a:prstGeom>
-          <a:ln w="19050"/>
-        </p:spPr>
-        <p:style>
-          <a:lnRef idx="1">
-            <a:schemeClr val="accent1"/>
-          </a:lnRef>
-          <a:fillRef idx="0">
-            <a:schemeClr val="accent1"/>
-          </a:fillRef>
-          <a:effectRef idx="0">
-            <a:schemeClr val="accent1"/>
-          </a:effectRef>
-          <a:fontRef idx="minor">
-            <a:schemeClr val="tx1"/>
-          </a:fontRef>
-        </p:style>
-      </p:cxnSp>
     </p:spTree>
     <p:extLst>
       <p:ext uri="{BB962C8B-B14F-4D97-AF65-F5344CB8AC3E}">
-        <p14:creationId xmlns:p14="http://schemas.microsoft.com/office/powerpoint/2010/main" val="4142453788"/>
+        <p14:creationId xmlns:p14="http://schemas.microsoft.com/office/powerpoint/2010/main" val="3115922027"/>
       </p:ext>
     </p:extLst>
   </p:cSld>
@@ -8949,49 +8991,47 @@
           <a:chExt cx="0" cy="0"/>
         </a:xfrm>
       </p:grpSpPr>
-      <p:sp>
-        <p:nvSpPr>
-          <p:cNvPr id="2" name="Inhaltsplatzhalter 1">
+      <p:pic>
+        <p:nvPicPr>
+          <p:cNvPr id="6" name="Inhaltsplatzhalter 5">
             <a:extLst>
               <a:ext uri="{FF2B5EF4-FFF2-40B4-BE49-F238E27FC236}">
-                <a16:creationId xmlns="" xmlns:a16="http://schemas.microsoft.com/office/drawing/2014/main" id="{D25C5B4F-3373-4F6D-BD35-9708A631E836}"/>
+                <a16:creationId xmlns:a16="http://schemas.microsoft.com/office/drawing/2014/main" id="{118D4E4B-3521-4E0A-AE22-469AFA55C4ED}"/>
               </a:ext>
             </a:extLst>
           </p:cNvPr>
-          <p:cNvSpPr>
-            <a:spLocks noGrp="1"/>
-          </p:cNvSpPr>
+          <p:cNvPicPr>
+            <a:picLocks noGrp="1" noChangeAspect="1"/>
+          </p:cNvPicPr>
           <p:nvPr>
             <p:ph sz="quarter" idx="13"/>
           </p:nvPr>
-        </p:nvSpPr>
-        <p:spPr/>
-        <p:txBody>
-          <a:bodyPr>
-            <a:normAutofit/>
-          </a:bodyPr>
-          <a:lstStyle/>
-          <a:p>
-            <a:pPr marL="0" indent="0">
-              <a:buNone/>
-            </a:pPr>
-            <a:r>
-              <a:rPr lang="de-DE" sz="4000" dirty="0">
-                <a:solidFill>
-                  <a:srgbClr val="852339"/>
-                </a:solidFill>
-              </a:rPr>
-              <a:t>PLOT von Gilbert-Elliot mit unterschiedlichen Schwellenwerten</a:t>
-            </a:r>
-          </a:p>
-        </p:txBody>
-      </p:sp>
+        </p:nvPicPr>
+        <p:blipFill>
+          <a:blip r:embed="rId2">
+            <a:extLst>
+              <a:ext uri="{28A0092B-C50C-407E-A947-70E740481C1C}">
+                <a14:useLocalDpi xmlns:a14="http://schemas.microsoft.com/office/drawing/2010/main" val="0"/>
+              </a:ext>
+            </a:extLst>
+          </a:blip>
+          <a:stretch>
+            <a:fillRect/>
+          </a:stretch>
+        </p:blipFill>
+        <p:spPr>
+          <a:xfrm>
+            <a:off x="831966" y="1547813"/>
+            <a:ext cx="7445142" cy="4319587"/>
+          </a:xfrm>
+        </p:spPr>
+      </p:pic>
       <p:sp>
         <p:nvSpPr>
           <p:cNvPr id="3" name="Textplatzhalter 2">
             <a:extLst>
               <a:ext uri="{FF2B5EF4-FFF2-40B4-BE49-F238E27FC236}">
-                <a16:creationId xmlns="" xmlns:a16="http://schemas.microsoft.com/office/drawing/2014/main" id="{674603E4-0971-4191-98C4-D28EAF1FAFD3}"/>
+                <a16:creationId xmlns:a16="http://schemas.microsoft.com/office/drawing/2014/main" id="{674603E4-0971-4191-98C4-D28EAF1FAFD3}"/>
               </a:ext>
             </a:extLst>
           </p:cNvPr>
@@ -9009,7 +9049,7 @@
           <a:p>
             <a:r>
               <a:rPr lang="de-DE" dirty="0"/>
-              <a:t>Ergebnisse</a:t>
+              <a:t>Gilbert-Elliot Ergebnisse</a:t>
             </a:r>
           </a:p>
         </p:txBody>
@@ -9019,7 +9059,7 @@
           <p:cNvPr id="4" name="Titel 3">
             <a:extLst>
               <a:ext uri="{FF2B5EF4-FFF2-40B4-BE49-F238E27FC236}">
-                <a16:creationId xmlns="" xmlns:a16="http://schemas.microsoft.com/office/drawing/2014/main" id="{550D027C-1901-47D0-9440-6FAFFF484304}"/>
+                <a16:creationId xmlns:a16="http://schemas.microsoft.com/office/drawing/2014/main" id="{550D027C-1901-47D0-9440-6FAFFF484304}"/>
               </a:ext>
             </a:extLst>
           </p:cNvPr>
@@ -9077,7 +9117,7 @@
           <p:cNvPr id="2" name="Inhaltsplatzhalter 1">
             <a:extLst>
               <a:ext uri="{FF2B5EF4-FFF2-40B4-BE49-F238E27FC236}">
-                <a16:creationId xmlns="" xmlns:a16="http://schemas.microsoft.com/office/drawing/2014/main" id="{8E71C57D-497F-4F81-AB45-35CAD748F91D}"/>
+                <a16:creationId xmlns:a16="http://schemas.microsoft.com/office/drawing/2014/main" id="{8E71C57D-497F-4F81-AB45-35CAD748F91D}"/>
               </a:ext>
             </a:extLst>
           </p:cNvPr>
@@ -9107,27 +9147,56 @@
           </a:p>
           <a:p>
             <a:r>
-              <a:rPr lang="de-DE" dirty="0" err="1"/>
-              <a:t>Refinement</a:t>
-            </a:r>
-            <a:r>
               <a:rPr lang="de-DE" dirty="0"/>
-              <a:t> der Parameterschätzung aus Trace</a:t>
+              <a:t>Verbesserung der Parameterschätzung aus Trace</a:t>
             </a:r>
           </a:p>
           <a:p>
             <a:pPr lvl="1"/>
             <a:r>
               <a:rPr lang="de-DE" sz="1800" dirty="0"/>
-              <a:t>Gilbert Elliot: </a:t>
+              <a:t>Gilbert, Gilbert-Elliot: </a:t>
+            </a:r>
+            <a:r>
+              <a:rPr lang="de-DE" sz="1800" dirty="0" err="1"/>
+              <a:t>Brute</a:t>
+            </a:r>
+            <a:r>
+              <a:rPr lang="de-DE" sz="1800" dirty="0"/>
+              <a:t>-Force Methode </a:t>
             </a:r>
           </a:p>
           <a:p>
             <a:pPr lvl="1"/>
             <a:r>
               <a:rPr lang="de-DE" sz="1800" dirty="0"/>
-              <a:t>4-State-Markov: Baum-Welch Algorithmus</a:t>
-            </a:r>
+              <a:t>4-State-Markov: Kaum Literatur</a:t>
+            </a:r>
+          </a:p>
+          <a:p>
+            <a:pPr lvl="2"/>
+            <a:r>
+              <a:rPr lang="de-DE" sz="1600" dirty="0"/>
+              <a:t>Möglicher Ansatz: Baum-Welch Algorithmus für das Hidden-Markov-Model</a:t>
+            </a:r>
+          </a:p>
+          <a:p>
+            <a:pPr lvl="2"/>
+            <a:r>
+              <a:rPr lang="de-DE" sz="1600" dirty="0"/>
+              <a:t>Problem: Ist unser Problem ein HMM?</a:t>
+            </a:r>
+          </a:p>
+          <a:p>
+            <a:pPr lvl="2"/>
+            <a:r>
+              <a:rPr lang="de-DE" sz="1600" dirty="0"/>
+              <a:t>Wenn nein: Evtl. transformierbar?</a:t>
+            </a:r>
+          </a:p>
+          <a:p>
+            <a:pPr lvl="2"/>
+            <a:endParaRPr lang="de-DE" sz="1600" dirty="0"/>
           </a:p>
         </p:txBody>
       </p:sp>
@@ -9136,7 +9205,7 @@
           <p:cNvPr id="3" name="Textplatzhalter 2">
             <a:extLst>
               <a:ext uri="{FF2B5EF4-FFF2-40B4-BE49-F238E27FC236}">
-                <a16:creationId xmlns="" xmlns:a16="http://schemas.microsoft.com/office/drawing/2014/main" id="{AFC03702-82AE-4968-8CE9-ACB56FFAB208}"/>
+                <a16:creationId xmlns:a16="http://schemas.microsoft.com/office/drawing/2014/main" id="{AFC03702-82AE-4968-8CE9-ACB56FFAB208}"/>
               </a:ext>
             </a:extLst>
           </p:cNvPr>
@@ -9161,7 +9230,7 @@
           <p:cNvPr id="4" name="Titel 3">
             <a:extLst>
               <a:ext uri="{FF2B5EF4-FFF2-40B4-BE49-F238E27FC236}">
-                <a16:creationId xmlns="" xmlns:a16="http://schemas.microsoft.com/office/drawing/2014/main" id="{0C5B5D85-55FC-4C92-84D9-986AEB5C8CD9}"/>
+                <a16:creationId xmlns:a16="http://schemas.microsoft.com/office/drawing/2014/main" id="{0C5B5D85-55FC-4C92-84D9-986AEB5C8CD9}"/>
               </a:ext>
             </a:extLst>
           </p:cNvPr>
@@ -9622,7 +9691,7 @@
           <p:cNvPr id="2" name="Inhaltsplatzhalter 1">
             <a:extLst>
               <a:ext uri="{FF2B5EF4-FFF2-40B4-BE49-F238E27FC236}">
-                <a16:creationId xmlns="" xmlns:a16="http://schemas.microsoft.com/office/drawing/2014/main" id="{8D1273FF-CE22-4141-9C1B-D675AE60D1EC}"/>
+                <a16:creationId xmlns:a16="http://schemas.microsoft.com/office/drawing/2014/main" id="{8D1273FF-CE22-4141-9C1B-D675AE60D1EC}"/>
               </a:ext>
             </a:extLst>
           </p:cNvPr>
@@ -9650,7 +9719,7 @@
           <p:cNvPr id="4" name="Titel 3">
             <a:extLst>
               <a:ext uri="{FF2B5EF4-FFF2-40B4-BE49-F238E27FC236}">
-                <a16:creationId xmlns="" xmlns:a16="http://schemas.microsoft.com/office/drawing/2014/main" id="{D4FE9BD5-EC96-4A47-B2EA-CF32E3C24478}"/>
+                <a16:creationId xmlns:a16="http://schemas.microsoft.com/office/drawing/2014/main" id="{D4FE9BD5-EC96-4A47-B2EA-CF32E3C24478}"/>
               </a:ext>
             </a:extLst>
           </p:cNvPr>
@@ -9678,7 +9747,7 @@
           <p:cNvPr id="5" name="Rectangle 15">
             <a:extLst>
               <a:ext uri="{FF2B5EF4-FFF2-40B4-BE49-F238E27FC236}">
-                <a16:creationId xmlns="" xmlns:a16="http://schemas.microsoft.com/office/drawing/2014/main" id="{F901CD2E-EAAC-4AB3-BF54-22245FBC4D53}"/>
+                <a16:creationId xmlns:a16="http://schemas.microsoft.com/office/drawing/2014/main" id="{F901CD2E-EAAC-4AB3-BF54-22245FBC4D53}"/>
               </a:ext>
             </a:extLst>
           </p:cNvPr>
@@ -9748,7 +9817,7 @@
           <p:cNvPr id="6" name="Rectangle 16">
             <a:extLst>
               <a:ext uri="{FF2B5EF4-FFF2-40B4-BE49-F238E27FC236}">
-                <a16:creationId xmlns="" xmlns:a16="http://schemas.microsoft.com/office/drawing/2014/main" id="{ADC29463-FE0F-4AF3-BFC7-31999B049136}"/>
+                <a16:creationId xmlns:a16="http://schemas.microsoft.com/office/drawing/2014/main" id="{ADC29463-FE0F-4AF3-BFC7-31999B049136}"/>
               </a:ext>
             </a:extLst>
           </p:cNvPr>
@@ -9920,7 +9989,7 @@
           <p:cNvPr id="7" name="Rectangle 17">
             <a:extLst>
               <a:ext uri="{FF2B5EF4-FFF2-40B4-BE49-F238E27FC236}">
-                <a16:creationId xmlns="" xmlns:a16="http://schemas.microsoft.com/office/drawing/2014/main" id="{8FB3E245-8A06-4D02-9D5A-3F61903D3CBA}"/>
+                <a16:creationId xmlns:a16="http://schemas.microsoft.com/office/drawing/2014/main" id="{8FB3E245-8A06-4D02-9D5A-3F61903D3CBA}"/>
               </a:ext>
             </a:extLst>
           </p:cNvPr>
@@ -9984,7 +10053,7 @@
           <p:cNvPr id="8" name="Rectangle 18">
             <a:extLst>
               <a:ext uri="{FF2B5EF4-FFF2-40B4-BE49-F238E27FC236}">
-                <a16:creationId xmlns="" xmlns:a16="http://schemas.microsoft.com/office/drawing/2014/main" id="{345DE662-B8A9-4FB2-B4E9-9352407DB0F1}"/>
+                <a16:creationId xmlns:a16="http://schemas.microsoft.com/office/drawing/2014/main" id="{345DE662-B8A9-4FB2-B4E9-9352407DB0F1}"/>
               </a:ext>
             </a:extLst>
           </p:cNvPr>
@@ -10114,7 +10183,7 @@
           <p:cNvPr id="9" name="Rectangle 19">
             <a:extLst>
               <a:ext uri="{FF2B5EF4-FFF2-40B4-BE49-F238E27FC236}">
-                <a16:creationId xmlns="" xmlns:a16="http://schemas.microsoft.com/office/drawing/2014/main" id="{E51A808E-A680-42BB-A9C3-6F017AD51722}"/>
+                <a16:creationId xmlns:a16="http://schemas.microsoft.com/office/drawing/2014/main" id="{E51A808E-A680-42BB-A9C3-6F017AD51722}"/>
               </a:ext>
             </a:extLst>
           </p:cNvPr>
@@ -10202,7 +10271,7 @@
           <p:cNvPr id="10" name="Rectangle 20">
             <a:extLst>
               <a:ext uri="{FF2B5EF4-FFF2-40B4-BE49-F238E27FC236}">
-                <a16:creationId xmlns="" xmlns:a16="http://schemas.microsoft.com/office/drawing/2014/main" id="{C3BDF81A-3DA5-4D9F-AB44-0A6135BD2538}"/>
+                <a16:creationId xmlns:a16="http://schemas.microsoft.com/office/drawing/2014/main" id="{C3BDF81A-3DA5-4D9F-AB44-0A6135BD2538}"/>
               </a:ext>
             </a:extLst>
           </p:cNvPr>
@@ -10287,7 +10356,7 @@
           <p:cNvPr id="17" name="Multiplication Sign 30">
             <a:extLst>
               <a:ext uri="{FF2B5EF4-FFF2-40B4-BE49-F238E27FC236}">
-                <a16:creationId xmlns="" xmlns:a16="http://schemas.microsoft.com/office/drawing/2014/main" id="{BC61C337-F2E6-4B33-8759-2E7841389C4D}"/>
+                <a16:creationId xmlns:a16="http://schemas.microsoft.com/office/drawing/2014/main" id="{BC61C337-F2E6-4B33-8759-2E7841389C4D}"/>
               </a:ext>
             </a:extLst>
           </p:cNvPr>
@@ -10331,7 +10400,7 @@
           <p:cNvPr id="18" name="Multiplication Sign 32">
             <a:extLst>
               <a:ext uri="{FF2B5EF4-FFF2-40B4-BE49-F238E27FC236}">
-                <a16:creationId xmlns="" xmlns:a16="http://schemas.microsoft.com/office/drawing/2014/main" id="{4DF6B5A2-4E9B-4ECC-B410-E85936F752E9}"/>
+                <a16:creationId xmlns:a16="http://schemas.microsoft.com/office/drawing/2014/main" id="{4DF6B5A2-4E9B-4ECC-B410-E85936F752E9}"/>
               </a:ext>
             </a:extLst>
           </p:cNvPr>
@@ -10375,7 +10444,7 @@
           <p:cNvPr id="22" name="Smiley Face 36">
             <a:extLst>
               <a:ext uri="{FF2B5EF4-FFF2-40B4-BE49-F238E27FC236}">
-                <a16:creationId xmlns="" xmlns:a16="http://schemas.microsoft.com/office/drawing/2014/main" id="{C6ECDD20-B117-4436-BE0F-9177540690FF}"/>
+                <a16:creationId xmlns:a16="http://schemas.microsoft.com/office/drawing/2014/main" id="{C6ECDD20-B117-4436-BE0F-9177540690FF}"/>
               </a:ext>
             </a:extLst>
           </p:cNvPr>
@@ -10419,7 +10488,7 @@
           <p:cNvPr id="23" name="Rechteck 22">
             <a:extLst>
               <a:ext uri="{FF2B5EF4-FFF2-40B4-BE49-F238E27FC236}">
-                <a16:creationId xmlns="" xmlns:a16="http://schemas.microsoft.com/office/drawing/2014/main" id="{B4A21F9F-2B09-4CD7-B007-B9EAC5254CBF}"/>
+                <a16:creationId xmlns:a16="http://schemas.microsoft.com/office/drawing/2014/main" id="{B4A21F9F-2B09-4CD7-B007-B9EAC5254CBF}"/>
               </a:ext>
             </a:extLst>
           </p:cNvPr>
@@ -10468,7 +10537,7 @@
           <p:cNvPr id="24" name="Gerade Verbindung mit Pfeil 23">
             <a:extLst>
               <a:ext uri="{FF2B5EF4-FFF2-40B4-BE49-F238E27FC236}">
-                <a16:creationId xmlns="" xmlns:a16="http://schemas.microsoft.com/office/drawing/2014/main" id="{2AEDD393-887A-449D-99C3-93CB947D02C7}"/>
+                <a16:creationId xmlns:a16="http://schemas.microsoft.com/office/drawing/2014/main" id="{2AEDD393-887A-449D-99C3-93CB947D02C7}"/>
               </a:ext>
             </a:extLst>
           </p:cNvPr>
@@ -10511,7 +10580,7 @@
           <p:cNvPr id="27" name="Gerade Verbindung mit Pfeil 26">
             <a:extLst>
               <a:ext uri="{FF2B5EF4-FFF2-40B4-BE49-F238E27FC236}">
-                <a16:creationId xmlns="" xmlns:a16="http://schemas.microsoft.com/office/drawing/2014/main" id="{C93F09F8-DAC2-40E0-AE7E-D02126647BAD}"/>
+                <a16:creationId xmlns:a16="http://schemas.microsoft.com/office/drawing/2014/main" id="{C93F09F8-DAC2-40E0-AE7E-D02126647BAD}"/>
               </a:ext>
             </a:extLst>
           </p:cNvPr>
@@ -10554,7 +10623,7 @@
           <p:cNvPr id="30" name="Gerade Verbindung mit Pfeil 29">
             <a:extLst>
               <a:ext uri="{FF2B5EF4-FFF2-40B4-BE49-F238E27FC236}">
-                <a16:creationId xmlns="" xmlns:a16="http://schemas.microsoft.com/office/drawing/2014/main" id="{19BCDE8C-46A9-4BE8-94B6-455F9CC93C4F}"/>
+                <a16:creationId xmlns:a16="http://schemas.microsoft.com/office/drawing/2014/main" id="{19BCDE8C-46A9-4BE8-94B6-455F9CC93C4F}"/>
               </a:ext>
             </a:extLst>
           </p:cNvPr>
@@ -10730,7 +10799,7 @@
           <p:cNvPr id="4" name="Titel 3">
             <a:extLst>
               <a:ext uri="{FF2B5EF4-FFF2-40B4-BE49-F238E27FC236}">
-                <a16:creationId xmlns="" xmlns:a16="http://schemas.microsoft.com/office/drawing/2014/main" id="{D4FE9BD5-EC96-4A47-B2EA-CF32E3C24478}"/>
+                <a16:creationId xmlns:a16="http://schemas.microsoft.com/office/drawing/2014/main" id="{D4FE9BD5-EC96-4A47-B2EA-CF32E3C24478}"/>
               </a:ext>
             </a:extLst>
           </p:cNvPr>
@@ -10758,7 +10827,7 @@
           <p:cNvPr id="22" name="Rectangle 19">
             <a:extLst>
               <a:ext uri="{FF2B5EF4-FFF2-40B4-BE49-F238E27FC236}">
-                <a16:creationId xmlns="" xmlns:a16="http://schemas.microsoft.com/office/drawing/2014/main" id="{34DA7C6B-BC2C-4C36-B0C0-B953380212A4}"/>
+                <a16:creationId xmlns:a16="http://schemas.microsoft.com/office/drawing/2014/main" id="{34DA7C6B-BC2C-4C36-B0C0-B953380212A4}"/>
               </a:ext>
             </a:extLst>
           </p:cNvPr>
@@ -10846,7 +10915,7 @@
           <p:cNvPr id="23" name="Rectangle 21">
             <a:extLst>
               <a:ext uri="{FF2B5EF4-FFF2-40B4-BE49-F238E27FC236}">
-                <a16:creationId xmlns="" xmlns:a16="http://schemas.microsoft.com/office/drawing/2014/main" id="{5350DF9F-38D3-4D53-8995-B048DD4243D6}"/>
+                <a16:creationId xmlns:a16="http://schemas.microsoft.com/office/drawing/2014/main" id="{5350DF9F-38D3-4D53-8995-B048DD4243D6}"/>
               </a:ext>
             </a:extLst>
           </p:cNvPr>
@@ -10898,7 +10967,7 @@
           <p:cNvPr id="24" name="Rectangle 22">
             <a:extLst>
               <a:ext uri="{FF2B5EF4-FFF2-40B4-BE49-F238E27FC236}">
-                <a16:creationId xmlns="" xmlns:a16="http://schemas.microsoft.com/office/drawing/2014/main" id="{ADC59AFB-8C22-4239-A5EF-BB2D4B908858}"/>
+                <a16:creationId xmlns:a16="http://schemas.microsoft.com/office/drawing/2014/main" id="{ADC59AFB-8C22-4239-A5EF-BB2D4B908858}"/>
               </a:ext>
             </a:extLst>
           </p:cNvPr>
@@ -10950,7 +11019,7 @@
           <p:cNvPr id="25" name="Rectangle 23">
             <a:extLst>
               <a:ext uri="{FF2B5EF4-FFF2-40B4-BE49-F238E27FC236}">
-                <a16:creationId xmlns="" xmlns:a16="http://schemas.microsoft.com/office/drawing/2014/main" id="{DB8F254F-1691-4091-A06C-239BF8D752EE}"/>
+                <a16:creationId xmlns:a16="http://schemas.microsoft.com/office/drawing/2014/main" id="{DB8F254F-1691-4091-A06C-239BF8D752EE}"/>
               </a:ext>
             </a:extLst>
           </p:cNvPr>
@@ -11002,7 +11071,7 @@
           <p:cNvPr id="26" name="Rectangle 24">
             <a:extLst>
               <a:ext uri="{FF2B5EF4-FFF2-40B4-BE49-F238E27FC236}">
-                <a16:creationId xmlns="" xmlns:a16="http://schemas.microsoft.com/office/drawing/2014/main" id="{E92C26D2-248F-4FD7-9E19-8417130B8E10}"/>
+                <a16:creationId xmlns:a16="http://schemas.microsoft.com/office/drawing/2014/main" id="{E92C26D2-248F-4FD7-9E19-8417130B8E10}"/>
               </a:ext>
             </a:extLst>
           </p:cNvPr>
@@ -11052,7 +11121,7 @@
           <p:cNvPr id="27" name="Rectangle 27">
             <a:extLst>
               <a:ext uri="{FF2B5EF4-FFF2-40B4-BE49-F238E27FC236}">
-                <a16:creationId xmlns="" xmlns:a16="http://schemas.microsoft.com/office/drawing/2014/main" id="{E62431FF-7AC8-4928-933F-C55F9C246F10}"/>
+                <a16:creationId xmlns:a16="http://schemas.microsoft.com/office/drawing/2014/main" id="{E62431FF-7AC8-4928-933F-C55F9C246F10}"/>
               </a:ext>
             </a:extLst>
           </p:cNvPr>
@@ -11101,7 +11170,7 @@
           <p:cNvPr id="28" name="Rectangle 28">
             <a:extLst>
               <a:ext uri="{FF2B5EF4-FFF2-40B4-BE49-F238E27FC236}">
-                <a16:creationId xmlns="" xmlns:a16="http://schemas.microsoft.com/office/drawing/2014/main" id="{4F75C6BA-60A4-4C03-AD66-D91F7EA3CA5B}"/>
+                <a16:creationId xmlns:a16="http://schemas.microsoft.com/office/drawing/2014/main" id="{4F75C6BA-60A4-4C03-AD66-D91F7EA3CA5B}"/>
               </a:ext>
             </a:extLst>
           </p:cNvPr>
@@ -11151,7 +11220,7 @@
           <p:cNvPr id="29" name="Multiplication Sign 33">
             <a:extLst>
               <a:ext uri="{FF2B5EF4-FFF2-40B4-BE49-F238E27FC236}">
-                <a16:creationId xmlns="" xmlns:a16="http://schemas.microsoft.com/office/drawing/2014/main" id="{360BEC04-8F3B-4F6E-8F28-689634CA1D6F}"/>
+                <a16:creationId xmlns:a16="http://schemas.microsoft.com/office/drawing/2014/main" id="{360BEC04-8F3B-4F6E-8F28-689634CA1D6F}"/>
               </a:ext>
             </a:extLst>
           </p:cNvPr>
@@ -11195,7 +11264,7 @@
           <p:cNvPr id="30" name="Multiplication Sign 35">
             <a:extLst>
               <a:ext uri="{FF2B5EF4-FFF2-40B4-BE49-F238E27FC236}">
-                <a16:creationId xmlns="" xmlns:a16="http://schemas.microsoft.com/office/drawing/2014/main" id="{EBAC334F-3DA9-43C3-A0D5-C22A333982AF}"/>
+                <a16:creationId xmlns:a16="http://schemas.microsoft.com/office/drawing/2014/main" id="{EBAC334F-3DA9-43C3-A0D5-C22A333982AF}"/>
               </a:ext>
             </a:extLst>
           </p:cNvPr>
@@ -11239,7 +11308,7 @@
           <p:cNvPr id="31" name="Smiley Face 36">
             <a:extLst>
               <a:ext uri="{FF2B5EF4-FFF2-40B4-BE49-F238E27FC236}">
-                <a16:creationId xmlns="" xmlns:a16="http://schemas.microsoft.com/office/drawing/2014/main" id="{04FFD9C4-9E44-4AE6-8E51-995FE9A829B4}"/>
+                <a16:creationId xmlns:a16="http://schemas.microsoft.com/office/drawing/2014/main" id="{04FFD9C4-9E44-4AE6-8E51-995FE9A829B4}"/>
               </a:ext>
             </a:extLst>
           </p:cNvPr>
@@ -11283,7 +11352,7 @@
           <p:cNvPr id="35" name="Gerade Verbindung mit Pfeil 34">
             <a:extLst>
               <a:ext uri="{FF2B5EF4-FFF2-40B4-BE49-F238E27FC236}">
-                <a16:creationId xmlns="" xmlns:a16="http://schemas.microsoft.com/office/drawing/2014/main" id="{8F7F3C35-48FD-4B1F-B5A9-06E1F8EED47C}"/>
+                <a16:creationId xmlns:a16="http://schemas.microsoft.com/office/drawing/2014/main" id="{8F7F3C35-48FD-4B1F-B5A9-06E1F8EED47C}"/>
               </a:ext>
             </a:extLst>
           </p:cNvPr>
@@ -11326,7 +11395,7 @@
           <p:cNvPr id="38" name="Gerade Verbindung mit Pfeil 37">
             <a:extLst>
               <a:ext uri="{FF2B5EF4-FFF2-40B4-BE49-F238E27FC236}">
-                <a16:creationId xmlns="" xmlns:a16="http://schemas.microsoft.com/office/drawing/2014/main" id="{6CE8CB6D-DD20-401B-BD3D-74B6FC91262B}"/>
+                <a16:creationId xmlns:a16="http://schemas.microsoft.com/office/drawing/2014/main" id="{6CE8CB6D-DD20-401B-BD3D-74B6FC91262B}"/>
               </a:ext>
             </a:extLst>
           </p:cNvPr>
@@ -11369,7 +11438,7 @@
           <p:cNvPr id="39" name="Gerade Verbindung mit Pfeil 38">
             <a:extLst>
               <a:ext uri="{FF2B5EF4-FFF2-40B4-BE49-F238E27FC236}">
-                <a16:creationId xmlns="" xmlns:a16="http://schemas.microsoft.com/office/drawing/2014/main" id="{AFD1ECA3-9328-4A71-BD01-2002A621C844}"/>
+                <a16:creationId xmlns:a16="http://schemas.microsoft.com/office/drawing/2014/main" id="{AFD1ECA3-9328-4A71-BD01-2002A621C844}"/>
               </a:ext>
             </a:extLst>
           </p:cNvPr>
@@ -11412,7 +11481,7 @@
           <p:cNvPr id="40" name="Gerade Verbindung mit Pfeil 39">
             <a:extLst>
               <a:ext uri="{FF2B5EF4-FFF2-40B4-BE49-F238E27FC236}">
-                <a16:creationId xmlns="" xmlns:a16="http://schemas.microsoft.com/office/drawing/2014/main" id="{76519D98-F099-4FD8-870D-46DE404D5041}"/>
+                <a16:creationId xmlns:a16="http://schemas.microsoft.com/office/drawing/2014/main" id="{76519D98-F099-4FD8-870D-46DE404D5041}"/>
               </a:ext>
             </a:extLst>
           </p:cNvPr>
@@ -11485,7 +11554,7 @@
           <p:cNvPr id="4" name="Titel 3">
             <a:extLst>
               <a:ext uri="{FF2B5EF4-FFF2-40B4-BE49-F238E27FC236}">
-                <a16:creationId xmlns="" xmlns:a16="http://schemas.microsoft.com/office/drawing/2014/main" id="{057093C0-B422-44E2-8F71-11B7797B5B38}"/>
+                <a16:creationId xmlns:a16="http://schemas.microsoft.com/office/drawing/2014/main" id="{057093C0-B422-44E2-8F71-11B7797B5B38}"/>
               </a:ext>
             </a:extLst>
           </p:cNvPr>
@@ -11513,7 +11582,7 @@
           <p:cNvPr id="15" name="Picture 4" descr="A picture containing screenshot&#10;&#10;Description generated with very high confidence">
             <a:extLst>
               <a:ext uri="{FF2B5EF4-FFF2-40B4-BE49-F238E27FC236}">
-                <a16:creationId xmlns="" xmlns:a16="http://schemas.microsoft.com/office/drawing/2014/main" id="{C5DBDA53-4AC1-49F7-8112-DAC0A188A91B}"/>
+                <a16:creationId xmlns:a16="http://schemas.microsoft.com/office/drawing/2014/main" id="{C5DBDA53-4AC1-49F7-8112-DAC0A188A91B}"/>
               </a:ext>
             </a:extLst>
           </p:cNvPr>
@@ -11573,7 +11642,7 @@
           <p:cNvPr id="2" name="Inhaltsplatzhalter 1">
             <a:extLst>
               <a:ext uri="{FF2B5EF4-FFF2-40B4-BE49-F238E27FC236}">
-                <a16:creationId xmlns="" xmlns:a16="http://schemas.microsoft.com/office/drawing/2014/main" id="{FB13195B-36A8-4E46-BE92-860AE7FAF250}"/>
+                <a16:creationId xmlns:a16="http://schemas.microsoft.com/office/drawing/2014/main" id="{FB13195B-36A8-4E46-BE92-860AE7FAF250}"/>
               </a:ext>
             </a:extLst>
           </p:cNvPr>
@@ -11647,7 +11716,7 @@
           <p:cNvPr id="4" name="Titel 3">
             <a:extLst>
               <a:ext uri="{FF2B5EF4-FFF2-40B4-BE49-F238E27FC236}">
-                <a16:creationId xmlns="" xmlns:a16="http://schemas.microsoft.com/office/drawing/2014/main" id="{EB1B9DE0-20F2-4C7D-9394-F4266764EF92}"/>
+                <a16:creationId xmlns:a16="http://schemas.microsoft.com/office/drawing/2014/main" id="{EB1B9DE0-20F2-4C7D-9394-F4266764EF92}"/>
               </a:ext>
             </a:extLst>
           </p:cNvPr>
@@ -11705,7 +11774,7 @@
           <p:cNvPr id="6" name="Bildplatzhalter 5">
             <a:extLst>
               <a:ext uri="{FF2B5EF4-FFF2-40B4-BE49-F238E27FC236}">
-                <a16:creationId xmlns="" xmlns:a16="http://schemas.microsoft.com/office/drawing/2014/main" id="{B58DD4DB-BA8D-4781-B0CD-3E6F4B6F1B73}"/>
+                <a16:creationId xmlns:a16="http://schemas.microsoft.com/office/drawing/2014/main" id="{B58DD4DB-BA8D-4781-B0CD-3E6F4B6F1B73}"/>
               </a:ext>
             </a:extLst>
           </p:cNvPr>
@@ -11723,7 +11792,7 @@
           <p:cNvPr id="7" name="Textplatzhalter 6">
             <a:extLst>
               <a:ext uri="{FF2B5EF4-FFF2-40B4-BE49-F238E27FC236}">
-                <a16:creationId xmlns="" xmlns:a16="http://schemas.microsoft.com/office/drawing/2014/main" id="{E6C3171B-AA74-43DD-A91C-6ABB649D81BE}"/>
+                <a16:creationId xmlns:a16="http://schemas.microsoft.com/office/drawing/2014/main" id="{E6C3171B-AA74-43DD-A91C-6ABB649D81BE}"/>
               </a:ext>
             </a:extLst>
           </p:cNvPr>
@@ -11748,7 +11817,7 @@
           <p:cNvPr id="5" name="Titel 4">
             <a:extLst>
               <a:ext uri="{FF2B5EF4-FFF2-40B4-BE49-F238E27FC236}">
-                <a16:creationId xmlns="" xmlns:a16="http://schemas.microsoft.com/office/drawing/2014/main" id="{0CA9FA6D-C6BD-4F56-AF5E-40B3D276D269}"/>
+                <a16:creationId xmlns:a16="http://schemas.microsoft.com/office/drawing/2014/main" id="{0CA9FA6D-C6BD-4F56-AF5E-40B3D276D269}"/>
               </a:ext>
             </a:extLst>
           </p:cNvPr>
@@ -11806,7 +11875,7 @@
           <p:cNvPr id="3" name="Inhaltsplatzhalter 2">
             <a:extLst>
               <a:ext uri="{FF2B5EF4-FFF2-40B4-BE49-F238E27FC236}">
-                <a16:creationId xmlns="" xmlns:a16="http://schemas.microsoft.com/office/drawing/2014/main" id="{3DD5E699-B7E9-4615-BA8F-133BCCC8AB34}"/>
+                <a16:creationId xmlns:a16="http://schemas.microsoft.com/office/drawing/2014/main" id="{3DD5E699-B7E9-4615-BA8F-133BCCC8AB34}"/>
               </a:ext>
             </a:extLst>
           </p:cNvPr>
@@ -11901,7 +11970,7 @@
           <p:cNvPr id="5" name="Textplatzhalter 4">
             <a:extLst>
               <a:ext uri="{FF2B5EF4-FFF2-40B4-BE49-F238E27FC236}">
-                <a16:creationId xmlns="" xmlns:a16="http://schemas.microsoft.com/office/drawing/2014/main" id="{D219A850-E36D-44EA-B19B-A0F406516225}"/>
+                <a16:creationId xmlns:a16="http://schemas.microsoft.com/office/drawing/2014/main" id="{D219A850-E36D-44EA-B19B-A0F406516225}"/>
               </a:ext>
             </a:extLst>
           </p:cNvPr>
@@ -11951,7 +12020,7 @@
           <p:cNvPr id="6" name="Rechteck 5">
             <a:extLst>
               <a:ext uri="{FF2B5EF4-FFF2-40B4-BE49-F238E27FC236}">
-                <a16:creationId xmlns="" xmlns:a16="http://schemas.microsoft.com/office/drawing/2014/main" id="{AAD5A990-427D-4504-BEEF-41CBA2A0D005}"/>
+                <a16:creationId xmlns:a16="http://schemas.microsoft.com/office/drawing/2014/main" id="{AAD5A990-427D-4504-BEEF-41CBA2A0D005}"/>
               </a:ext>
             </a:extLst>
           </p:cNvPr>
@@ -12022,7 +12091,7 @@
           <p:cNvPr id="9" name="Rechteck 8">
             <a:extLst>
               <a:ext uri="{FF2B5EF4-FFF2-40B4-BE49-F238E27FC236}">
-                <a16:creationId xmlns="" xmlns:a16="http://schemas.microsoft.com/office/drawing/2014/main" id="{FB87D958-A1E4-49A6-97D9-AA4DE9550B37}"/>
+                <a16:creationId xmlns:a16="http://schemas.microsoft.com/office/drawing/2014/main" id="{FB87D958-A1E4-49A6-97D9-AA4DE9550B37}"/>
               </a:ext>
             </a:extLst>
           </p:cNvPr>
@@ -12085,7 +12154,7 @@
           <p:cNvPr id="10" name="Rechteck 9">
             <a:extLst>
               <a:ext uri="{FF2B5EF4-FFF2-40B4-BE49-F238E27FC236}">
-                <a16:creationId xmlns="" xmlns:a16="http://schemas.microsoft.com/office/drawing/2014/main" id="{FB276C29-DF37-40D3-8388-A7ACC13600F1}"/>
+                <a16:creationId xmlns:a16="http://schemas.microsoft.com/office/drawing/2014/main" id="{FB276C29-DF37-40D3-8388-A7ACC13600F1}"/>
               </a:ext>
             </a:extLst>
           </p:cNvPr>
@@ -12148,7 +12217,7 @@
           <p:cNvPr id="11" name="Rechteck 10">
             <a:extLst>
               <a:ext uri="{FF2B5EF4-FFF2-40B4-BE49-F238E27FC236}">
-                <a16:creationId xmlns="" xmlns:a16="http://schemas.microsoft.com/office/drawing/2014/main" id="{23E800F7-4FAD-4507-9EF3-37D376AE3C43}"/>
+                <a16:creationId xmlns:a16="http://schemas.microsoft.com/office/drawing/2014/main" id="{23E800F7-4FAD-4507-9EF3-37D376AE3C43}"/>
               </a:ext>
             </a:extLst>
           </p:cNvPr>
@@ -12224,7 +12293,7 @@
           <p:cNvPr id="12" name="Rechteck 11">
             <a:extLst>
               <a:ext uri="{FF2B5EF4-FFF2-40B4-BE49-F238E27FC236}">
-                <a16:creationId xmlns="" xmlns:a16="http://schemas.microsoft.com/office/drawing/2014/main" id="{0FCF6306-A8E8-43BC-B850-A078E3A4975B}"/>
+                <a16:creationId xmlns:a16="http://schemas.microsoft.com/office/drawing/2014/main" id="{0FCF6306-A8E8-43BC-B850-A078E3A4975B}"/>
               </a:ext>
             </a:extLst>
           </p:cNvPr>
@@ -12287,7 +12356,7 @@
           <p:cNvPr id="14" name="Gerade Verbindung mit Pfeil 13">
             <a:extLst>
               <a:ext uri="{FF2B5EF4-FFF2-40B4-BE49-F238E27FC236}">
-                <a16:creationId xmlns="" xmlns:a16="http://schemas.microsoft.com/office/drawing/2014/main" id="{731D7DEF-4C07-47C5-8FED-3218E3B179D6}"/>
+                <a16:creationId xmlns:a16="http://schemas.microsoft.com/office/drawing/2014/main" id="{731D7DEF-4C07-47C5-8FED-3218E3B179D6}"/>
               </a:ext>
             </a:extLst>
           </p:cNvPr>
@@ -12330,7 +12399,7 @@
           <p:cNvPr id="16" name="Gerade Verbindung mit Pfeil 15">
             <a:extLst>
               <a:ext uri="{FF2B5EF4-FFF2-40B4-BE49-F238E27FC236}">
-                <a16:creationId xmlns="" xmlns:a16="http://schemas.microsoft.com/office/drawing/2014/main" id="{8FF5869B-3223-4CAB-BC6D-4211ED90250F}"/>
+                <a16:creationId xmlns:a16="http://schemas.microsoft.com/office/drawing/2014/main" id="{8FF5869B-3223-4CAB-BC6D-4211ED90250F}"/>
               </a:ext>
             </a:extLst>
           </p:cNvPr>
@@ -12372,7 +12441,7 @@
           <p:cNvPr id="18" name="Gerade Verbindung mit Pfeil 17">
             <a:extLst>
               <a:ext uri="{FF2B5EF4-FFF2-40B4-BE49-F238E27FC236}">
-                <a16:creationId xmlns="" xmlns:a16="http://schemas.microsoft.com/office/drawing/2014/main" id="{880D10A3-A786-4E1D-AC92-5B457DE8A9D7}"/>
+                <a16:creationId xmlns:a16="http://schemas.microsoft.com/office/drawing/2014/main" id="{880D10A3-A786-4E1D-AC92-5B457DE8A9D7}"/>
               </a:ext>
             </a:extLst>
           </p:cNvPr>
@@ -12414,7 +12483,7 @@
           <p:cNvPr id="19" name="Rechteck 18">
             <a:extLst>
               <a:ext uri="{FF2B5EF4-FFF2-40B4-BE49-F238E27FC236}">
-                <a16:creationId xmlns="" xmlns:a16="http://schemas.microsoft.com/office/drawing/2014/main" id="{C66C4AE3-0C7A-4031-A9AC-FB73C53BFDD4}"/>
+                <a16:creationId xmlns:a16="http://schemas.microsoft.com/office/drawing/2014/main" id="{C66C4AE3-0C7A-4031-A9AC-FB73C53BFDD4}"/>
               </a:ext>
             </a:extLst>
           </p:cNvPr>
@@ -12477,7 +12546,7 @@
           <p:cNvPr id="21" name="Gerade Verbindung mit Pfeil 20">
             <a:extLst>
               <a:ext uri="{FF2B5EF4-FFF2-40B4-BE49-F238E27FC236}">
-                <a16:creationId xmlns="" xmlns:a16="http://schemas.microsoft.com/office/drawing/2014/main" id="{9BFE06F3-A17D-4C3D-82C9-DD5671608A58}"/>
+                <a16:creationId xmlns:a16="http://schemas.microsoft.com/office/drawing/2014/main" id="{9BFE06F3-A17D-4C3D-82C9-DD5671608A58}"/>
               </a:ext>
             </a:extLst>
           </p:cNvPr>
@@ -12519,7 +12588,7 @@
           <p:cNvPr id="23" name="Gerade Verbindung mit Pfeil 22">
             <a:extLst>
               <a:ext uri="{FF2B5EF4-FFF2-40B4-BE49-F238E27FC236}">
-                <a16:creationId xmlns="" xmlns:a16="http://schemas.microsoft.com/office/drawing/2014/main" id="{400E31F3-1A24-4F52-A449-AB24561768FA}"/>
+                <a16:creationId xmlns:a16="http://schemas.microsoft.com/office/drawing/2014/main" id="{400E31F3-1A24-4F52-A449-AB24561768FA}"/>
               </a:ext>
             </a:extLst>
           </p:cNvPr>
@@ -12561,7 +12630,7 @@
           <p:cNvPr id="24" name="Rechteck 23">
             <a:extLst>
               <a:ext uri="{FF2B5EF4-FFF2-40B4-BE49-F238E27FC236}">
-                <a16:creationId xmlns="" xmlns:a16="http://schemas.microsoft.com/office/drawing/2014/main" id="{801F9D84-7598-4B94-80DA-E06D447A9562}"/>
+                <a16:creationId xmlns:a16="http://schemas.microsoft.com/office/drawing/2014/main" id="{801F9D84-7598-4B94-80DA-E06D447A9562}"/>
               </a:ext>
             </a:extLst>
           </p:cNvPr>
@@ -12624,7 +12693,7 @@
           <p:cNvPr id="26" name="Gerade Verbindung mit Pfeil 25">
             <a:extLst>
               <a:ext uri="{FF2B5EF4-FFF2-40B4-BE49-F238E27FC236}">
-                <a16:creationId xmlns="" xmlns:a16="http://schemas.microsoft.com/office/drawing/2014/main" id="{738E34D9-E6F5-4739-AC86-1866A5FF4AAA}"/>
+                <a16:creationId xmlns:a16="http://schemas.microsoft.com/office/drawing/2014/main" id="{738E34D9-E6F5-4739-AC86-1866A5FF4AAA}"/>
               </a:ext>
             </a:extLst>
           </p:cNvPr>
@@ -12667,7 +12736,7 @@
           <p:cNvPr id="2" name="Gruppieren 1">
             <a:extLst>
               <a:ext uri="{FF2B5EF4-FFF2-40B4-BE49-F238E27FC236}">
-                <a16:creationId xmlns="" xmlns:a16="http://schemas.microsoft.com/office/drawing/2014/main" id="{2F7A74DD-E2B5-4108-BC91-E36EBDA1AF17}"/>
+                <a16:creationId xmlns:a16="http://schemas.microsoft.com/office/drawing/2014/main" id="{2F7A74DD-E2B5-4108-BC91-E36EBDA1AF17}"/>
               </a:ext>
             </a:extLst>
           </p:cNvPr>
@@ -12687,7 +12756,7 @@
             <p:cNvPr id="31" name="Geschweifte Klammer links 30">
               <a:extLst>
                 <a:ext uri="{FF2B5EF4-FFF2-40B4-BE49-F238E27FC236}">
-                  <a16:creationId xmlns="" xmlns:a16="http://schemas.microsoft.com/office/drawing/2014/main" id="{E6C330F5-D7A1-9F47-905A-AB629B362A11}"/>
+                  <a16:creationId xmlns:a16="http://schemas.microsoft.com/office/drawing/2014/main" id="{E6C330F5-D7A1-9F47-905A-AB629B362A11}"/>
                 </a:ext>
               </a:extLst>
             </p:cNvPr>
@@ -12731,7 +12800,7 @@
             <p:cNvPr id="32" name="Geschweifte Klammer links 31">
               <a:extLst>
                 <a:ext uri="{FF2B5EF4-FFF2-40B4-BE49-F238E27FC236}">
-                  <a16:creationId xmlns="" xmlns:a16="http://schemas.microsoft.com/office/drawing/2014/main" id="{CA9C7FEB-356B-5248-9947-52BAD5B0DA3E}"/>
+                  <a16:creationId xmlns:a16="http://schemas.microsoft.com/office/drawing/2014/main" id="{CA9C7FEB-356B-5248-9947-52BAD5B0DA3E}"/>
                 </a:ext>
               </a:extLst>
             </p:cNvPr>
@@ -12775,7 +12844,7 @@
             <p:cNvPr id="33" name="Geschweifte Klammer links 32">
               <a:extLst>
                 <a:ext uri="{FF2B5EF4-FFF2-40B4-BE49-F238E27FC236}">
-                  <a16:creationId xmlns="" xmlns:a16="http://schemas.microsoft.com/office/drawing/2014/main" id="{FE9564B3-360B-7642-BB67-F0F67F8192BE}"/>
+                  <a16:creationId xmlns:a16="http://schemas.microsoft.com/office/drawing/2014/main" id="{FE9564B3-360B-7642-BB67-F0F67F8192BE}"/>
                 </a:ext>
               </a:extLst>
             </p:cNvPr>
@@ -12819,7 +12888,7 @@
             <p:cNvPr id="34" name="Geschweifte Klammer links 33">
               <a:extLst>
                 <a:ext uri="{FF2B5EF4-FFF2-40B4-BE49-F238E27FC236}">
-                  <a16:creationId xmlns="" xmlns:a16="http://schemas.microsoft.com/office/drawing/2014/main" id="{D1FDB56D-1DCB-8B43-A49D-2AAB09ED235F}"/>
+                  <a16:creationId xmlns:a16="http://schemas.microsoft.com/office/drawing/2014/main" id="{D1FDB56D-1DCB-8B43-A49D-2AAB09ED235F}"/>
                 </a:ext>
               </a:extLst>
             </p:cNvPr>
@@ -12863,7 +12932,7 @@
             <p:cNvPr id="35" name="Geschweifte Klammer links 34">
               <a:extLst>
                 <a:ext uri="{FF2B5EF4-FFF2-40B4-BE49-F238E27FC236}">
-                  <a16:creationId xmlns="" xmlns:a16="http://schemas.microsoft.com/office/drawing/2014/main" id="{CD3E26A2-70FD-1545-A048-8D7E317F2FCC}"/>
+                  <a16:creationId xmlns:a16="http://schemas.microsoft.com/office/drawing/2014/main" id="{CD3E26A2-70FD-1545-A048-8D7E317F2FCC}"/>
                 </a:ext>
               </a:extLst>
             </p:cNvPr>
@@ -12908,7 +12977,7 @@
           <p:cNvPr id="25" name="Gerader Verbinder 24">
             <a:extLst>
               <a:ext uri="{FF2B5EF4-FFF2-40B4-BE49-F238E27FC236}">
-                <a16:creationId xmlns="" xmlns:a16="http://schemas.microsoft.com/office/drawing/2014/main" id="{80989AF3-CE0A-444F-B5DC-0D5D80EE3A76}"/>
+                <a16:creationId xmlns:a16="http://schemas.microsoft.com/office/drawing/2014/main" id="{80989AF3-CE0A-444F-B5DC-0D5D80EE3A76}"/>
               </a:ext>
             </a:extLst>
           </p:cNvPr>
@@ -12979,7 +13048,7 @@
               <p:cNvPr id="2" name="Inhaltsplatzhalter 1">
                 <a:extLst>
                   <a:ext uri="{FF2B5EF4-FFF2-40B4-BE49-F238E27FC236}">
-                    <a16:creationId xmlns="" xmlns:a16="http://schemas.microsoft.com/office/drawing/2014/main" id="{7F85237B-B366-4954-AFB2-EBA80A45FF85}"/>
+                    <a16:creationId xmlns:a16="http://schemas.microsoft.com/office/drawing/2014/main" id="{7F85237B-B366-4954-AFB2-EBA80A45FF85}"/>
                   </a:ext>
                 </a:extLst>
               </p:cNvPr>
@@ -13369,7 +13438,7 @@
           <p:cNvPr id="3" name="Textplatzhalter 2">
             <a:extLst>
               <a:ext uri="{FF2B5EF4-FFF2-40B4-BE49-F238E27FC236}">
-                <a16:creationId xmlns="" xmlns:a16="http://schemas.microsoft.com/office/drawing/2014/main" id="{9150CC4E-ADCB-4708-B741-5317462F0B9B}"/>
+                <a16:creationId xmlns:a16="http://schemas.microsoft.com/office/drawing/2014/main" id="{9150CC4E-ADCB-4708-B741-5317462F0B9B}"/>
               </a:ext>
             </a:extLst>
           </p:cNvPr>
@@ -13394,7 +13463,7 @@
           <p:cNvPr id="4" name="Titel 3">
             <a:extLst>
               <a:ext uri="{FF2B5EF4-FFF2-40B4-BE49-F238E27FC236}">
-                <a16:creationId xmlns="" xmlns:a16="http://schemas.microsoft.com/office/drawing/2014/main" id="{E7A76C3D-4322-4965-8C19-4BCC43581DDB}"/>
+                <a16:creationId xmlns:a16="http://schemas.microsoft.com/office/drawing/2014/main" id="{E7A76C3D-4322-4965-8C19-4BCC43581DDB}"/>
               </a:ext>
             </a:extLst>
           </p:cNvPr>
@@ -13452,7 +13521,7 @@
           <p:cNvPr id="2" name="Inhaltsplatzhalter 1">
             <a:extLst>
               <a:ext uri="{FF2B5EF4-FFF2-40B4-BE49-F238E27FC236}">
-                <a16:creationId xmlns="" xmlns:a16="http://schemas.microsoft.com/office/drawing/2014/main" id="{5A26C74B-65F2-42F7-B98C-1D5E93473F28}"/>
+                <a16:creationId xmlns:a16="http://schemas.microsoft.com/office/drawing/2014/main" id="{5A26C74B-65F2-42F7-B98C-1D5E93473F28}"/>
               </a:ext>
             </a:extLst>
           </p:cNvPr>
@@ -13477,7 +13546,7 @@
           <p:cNvPr id="3" name="Textplatzhalter 2">
             <a:extLst>
               <a:ext uri="{FF2B5EF4-FFF2-40B4-BE49-F238E27FC236}">
-                <a16:creationId xmlns="" xmlns:a16="http://schemas.microsoft.com/office/drawing/2014/main" id="{3D52AA3D-B300-420C-BAA3-F87EFB0D9E5A}"/>
+                <a16:creationId xmlns:a16="http://schemas.microsoft.com/office/drawing/2014/main" id="{3D52AA3D-B300-420C-BAA3-F87EFB0D9E5A}"/>
               </a:ext>
             </a:extLst>
           </p:cNvPr>
@@ -13502,7 +13571,7 @@
           <p:cNvPr id="4" name="Titel 3">
             <a:extLst>
               <a:ext uri="{FF2B5EF4-FFF2-40B4-BE49-F238E27FC236}">
-                <a16:creationId xmlns="" xmlns:a16="http://schemas.microsoft.com/office/drawing/2014/main" id="{55E08C7E-8070-4511-8A1E-DDE3D659CF07}"/>
+                <a16:creationId xmlns:a16="http://schemas.microsoft.com/office/drawing/2014/main" id="{55E08C7E-8070-4511-8A1E-DDE3D659CF07}"/>
               </a:ext>
             </a:extLst>
           </p:cNvPr>
@@ -13530,7 +13599,7 @@
           <p:cNvPr id="5" name="Inhaltsplatzhalter 4">
             <a:extLst>
               <a:ext uri="{FF2B5EF4-FFF2-40B4-BE49-F238E27FC236}">
-                <a16:creationId xmlns="" xmlns:a16="http://schemas.microsoft.com/office/drawing/2014/main" id="{26491CF7-7620-438B-BBB5-1E5FC57C5A56}"/>
+                <a16:creationId xmlns:a16="http://schemas.microsoft.com/office/drawing/2014/main" id="{26491CF7-7620-438B-BBB5-1E5FC57C5A56}"/>
               </a:ext>
             </a:extLst>
           </p:cNvPr>
@@ -13559,42 +13628,42 @@
                 <a:gridCol w="1392238">
                   <a:extLst>
                     <a:ext uri="{9D8B030D-6E8A-4147-A177-3AD203B41FA5}">
-                      <a16:colId xmlns="" xmlns:a16="http://schemas.microsoft.com/office/drawing/2014/main" val="2171424835"/>
+                      <a16:colId xmlns:a16="http://schemas.microsoft.com/office/drawing/2014/main" val="2171424835"/>
                     </a:ext>
                   </a:extLst>
                 </a:gridCol>
                 <a:gridCol w="1217761">
                   <a:extLst>
                     <a:ext uri="{9D8B030D-6E8A-4147-A177-3AD203B41FA5}">
-                      <a16:colId xmlns="" xmlns:a16="http://schemas.microsoft.com/office/drawing/2014/main" val="447786077"/>
+                      <a16:colId xmlns:a16="http://schemas.microsoft.com/office/drawing/2014/main" val="447786077"/>
                     </a:ext>
                   </a:extLst>
                 </a:gridCol>
                 <a:gridCol w="1224136">
                   <a:extLst>
                     <a:ext uri="{9D8B030D-6E8A-4147-A177-3AD203B41FA5}">
-                      <a16:colId xmlns="" xmlns:a16="http://schemas.microsoft.com/office/drawing/2014/main" val="3559991766"/>
+                      <a16:colId xmlns:a16="http://schemas.microsoft.com/office/drawing/2014/main" val="3559991766"/>
                     </a:ext>
                   </a:extLst>
                 </a:gridCol>
                 <a:gridCol w="1296144">
                   <a:extLst>
                     <a:ext uri="{9D8B030D-6E8A-4147-A177-3AD203B41FA5}">
-                      <a16:colId xmlns="" xmlns:a16="http://schemas.microsoft.com/office/drawing/2014/main" val="58671158"/>
+                      <a16:colId xmlns:a16="http://schemas.microsoft.com/office/drawing/2014/main" val="58671158"/>
                     </a:ext>
                   </a:extLst>
                 </a:gridCol>
                 <a:gridCol w="1296144">
                   <a:extLst>
                     <a:ext uri="{9D8B030D-6E8A-4147-A177-3AD203B41FA5}">
-                      <a16:colId xmlns="" xmlns:a16="http://schemas.microsoft.com/office/drawing/2014/main" val="551523310"/>
+                      <a16:colId xmlns:a16="http://schemas.microsoft.com/office/drawing/2014/main" val="551523310"/>
                     </a:ext>
                   </a:extLst>
                 </a:gridCol>
                 <a:gridCol w="1927005">
                   <a:extLst>
                     <a:ext uri="{9D8B030D-6E8A-4147-A177-3AD203B41FA5}">
-                      <a16:colId xmlns="" xmlns:a16="http://schemas.microsoft.com/office/drawing/2014/main" val="3925189939"/>
+                      <a16:colId xmlns:a16="http://schemas.microsoft.com/office/drawing/2014/main" val="3925189939"/>
                     </a:ext>
                   </a:extLst>
                 </a:gridCol>
@@ -13687,7 +13756,7 @@
                 </a:tc>
                 <a:extLst>
                   <a:ext uri="{0D108BD9-81ED-4DB2-BD59-A6C34878D82A}">
-                    <a16:rowId xmlns="" xmlns:a16="http://schemas.microsoft.com/office/drawing/2014/main" val="2609186871"/>
+                    <a16:rowId xmlns:a16="http://schemas.microsoft.com/office/drawing/2014/main" val="2609186871"/>
                   </a:ext>
                 </a:extLst>
               </a:tr>
@@ -13869,7 +13938,7 @@
                 </a:tc>
                 <a:extLst>
                   <a:ext uri="{0D108BD9-81ED-4DB2-BD59-A6C34878D82A}">
-                    <a16:rowId xmlns="" xmlns:a16="http://schemas.microsoft.com/office/drawing/2014/main" val="386559297"/>
+                    <a16:rowId xmlns:a16="http://schemas.microsoft.com/office/drawing/2014/main" val="386559297"/>
                   </a:ext>
                 </a:extLst>
               </a:tr>
@@ -14043,7 +14112,7 @@
                 </a:tc>
                 <a:extLst>
                   <a:ext uri="{0D108BD9-81ED-4DB2-BD59-A6C34878D82A}">
-                    <a16:rowId xmlns="" xmlns:a16="http://schemas.microsoft.com/office/drawing/2014/main" val="3969875259"/>
+                    <a16:rowId xmlns:a16="http://schemas.microsoft.com/office/drawing/2014/main" val="3969875259"/>
                   </a:ext>
                 </a:extLst>
               </a:tr>
@@ -14161,7 +14230,7 @@
                 </a:tc>
                 <a:extLst>
                   <a:ext uri="{0D108BD9-81ED-4DB2-BD59-A6C34878D82A}">
-                    <a16:rowId xmlns="" xmlns:a16="http://schemas.microsoft.com/office/drawing/2014/main" val="1704449759"/>
+                    <a16:rowId xmlns:a16="http://schemas.microsoft.com/office/drawing/2014/main" val="1704449759"/>
                   </a:ext>
                 </a:extLst>
               </a:tr>
@@ -14252,7 +14321,7 @@
                 </a:tc>
                 <a:extLst>
                   <a:ext uri="{0D108BD9-81ED-4DB2-BD59-A6C34878D82A}">
-                    <a16:rowId xmlns="" xmlns:a16="http://schemas.microsoft.com/office/drawing/2014/main" val="896673889"/>
+                    <a16:rowId xmlns:a16="http://schemas.microsoft.com/office/drawing/2014/main" val="896673889"/>
                   </a:ext>
                 </a:extLst>
               </a:tr>
@@ -14347,7 +14416,7 @@
                 </a:tc>
                 <a:extLst>
                   <a:ext uri="{0D108BD9-81ED-4DB2-BD59-A6C34878D82A}">
-                    <a16:rowId xmlns="" xmlns:a16="http://schemas.microsoft.com/office/drawing/2014/main" val="3293938892"/>
+                    <a16:rowId xmlns:a16="http://schemas.microsoft.com/office/drawing/2014/main" val="3293938892"/>
                   </a:ext>
                 </a:extLst>
               </a:tr>
@@ -14438,7 +14507,7 @@
                 </a:tc>
                 <a:extLst>
                   <a:ext uri="{0D108BD9-81ED-4DB2-BD59-A6C34878D82A}">
-                    <a16:rowId xmlns="" xmlns:a16="http://schemas.microsoft.com/office/drawing/2014/main" val="3737057194"/>
+                    <a16:rowId xmlns:a16="http://schemas.microsoft.com/office/drawing/2014/main" val="3737057194"/>
                   </a:ext>
                 </a:extLst>
               </a:tr>
@@ -14533,7 +14602,7 @@
                 </a:tc>
                 <a:extLst>
                   <a:ext uri="{0D108BD9-81ED-4DB2-BD59-A6C34878D82A}">
-                    <a16:rowId xmlns="" xmlns:a16="http://schemas.microsoft.com/office/drawing/2014/main" val="2202356645"/>
+                    <a16:rowId xmlns:a16="http://schemas.microsoft.com/office/drawing/2014/main" val="2202356645"/>
                   </a:ext>
                 </a:extLst>
               </a:tr>
@@ -14578,7 +14647,7 @@
               <p:cNvPr id="2" name="Inhaltsplatzhalter 1">
                 <a:extLst>
                   <a:ext uri="{FF2B5EF4-FFF2-40B4-BE49-F238E27FC236}">
-                    <a16:creationId xmlns="" xmlns:a16="http://schemas.microsoft.com/office/drawing/2014/main" id="{E25907DF-7D59-4808-AB31-12745F21C1E4}"/>
+                    <a16:creationId xmlns:a16="http://schemas.microsoft.com/office/drawing/2014/main" id="{E25907DF-7D59-4808-AB31-12745F21C1E4}"/>
                   </a:ext>
                 </a:extLst>
               </p:cNvPr>
@@ -14593,6 +14662,18 @@
             <p:txBody>
               <a:bodyPr/>
               <a:lstStyle/>
+              <a:p>
+                <a:pPr marL="0" indent="0">
+                  <a:buNone/>
+                </a:pPr>
+                <a:r>
+                  <a:rPr lang="de-DE" dirty="0">
+                    <a:latin typeface="Cambria Math" panose="02040503050406030204" pitchFamily="18" charset="0"/>
+                    <a:ea typeface="Cambria Math" panose="02040503050406030204" pitchFamily="18" charset="0"/>
+                  </a:rPr>
+                  <a:t>Pattern zählen</a:t>
+                </a:r>
+              </a:p>
               <a:p>
                 <a14:m>
                   <m:oMath xmlns:m="http://schemas.openxmlformats.org/officeDocument/2006/math">
@@ -14787,6 +14868,19 @@
                     </m:f>
                   </m:oMath>
                 </a14:m>
+                <a:endParaRPr lang="de-DE" b="0" dirty="0"/>
+              </a:p>
+              <a:p>
+                <a:endParaRPr lang="de-DE" b="0" dirty="0"/>
+              </a:p>
+              <a:p>
+                <a:pPr marL="0" indent="0">
+                  <a:buNone/>
+                </a:pPr>
+                <a:r>
+                  <a:rPr lang="de-DE" dirty="0"/>
+                  <a:t>Parameter berechnen</a:t>
+                </a:r>
                 <a:endParaRPr lang="de-DE" b="0" dirty="0"/>
               </a:p>
               <a:p>
@@ -15057,9 +15151,9 @@
             </p:nvSpPr>
             <p:spPr>
               <a:blipFill>
-                <a:blip r:embed="rId2"/>
+                <a:blip r:embed="rId3"/>
                 <a:stretch>
-                  <a:fillRect l="-657" t="-423"/>
+                  <a:fillRect l="-730" t="-846"/>
                 </a:stretch>
               </a:blipFill>
             </p:spPr>
@@ -15083,7 +15177,7 @@
           <p:cNvPr id="3" name="Textplatzhalter 2">
             <a:extLst>
               <a:ext uri="{FF2B5EF4-FFF2-40B4-BE49-F238E27FC236}">
-                <a16:creationId xmlns="" xmlns:a16="http://schemas.microsoft.com/office/drawing/2014/main" id="{45F789E4-F554-4101-90E2-79FB8A2E27E1}"/>
+                <a16:creationId xmlns:a16="http://schemas.microsoft.com/office/drawing/2014/main" id="{45F789E4-F554-4101-90E2-79FB8A2E27E1}"/>
               </a:ext>
             </a:extLst>
           </p:cNvPr>
@@ -15111,7 +15205,7 @@
           <p:cNvPr id="4" name="Titel 3">
             <a:extLst>
               <a:ext uri="{FF2B5EF4-FFF2-40B4-BE49-F238E27FC236}">
-                <a16:creationId xmlns="" xmlns:a16="http://schemas.microsoft.com/office/drawing/2014/main" id="{0C8871E8-0942-4370-9815-3741C31E81AD}"/>
+                <a16:creationId xmlns:a16="http://schemas.microsoft.com/office/drawing/2014/main" id="{0C8871E8-0942-4370-9815-3741C31E81AD}"/>
               </a:ext>
             </a:extLst>
           </p:cNvPr>
@@ -15139,7 +15233,7 @@
           <p:cNvPr id="6" name="Grafik 5">
             <a:extLst>
               <a:ext uri="{FF2B5EF4-FFF2-40B4-BE49-F238E27FC236}">
-                <a16:creationId xmlns="" xmlns:a16="http://schemas.microsoft.com/office/drawing/2014/main" id="{477408CE-B38A-4430-96E4-051DD561EA4D}"/>
+                <a16:creationId xmlns:a16="http://schemas.microsoft.com/office/drawing/2014/main" id="{477408CE-B38A-4430-96E4-051DD561EA4D}"/>
               </a:ext>
             </a:extLst>
           </p:cNvPr>
@@ -15149,7 +15243,7 @@
           <p:nvPr/>
         </p:nvPicPr>
         <p:blipFill>
-          <a:blip r:embed="rId3">
+          <a:blip r:embed="rId4">
             <a:extLst>
               <a:ext uri="{28A0092B-C50C-407E-A947-70E740481C1C}">
                 <a14:useLocalDpi xmlns:a14="http://schemas.microsoft.com/office/drawing/2010/main" val="0"/>
@@ -15170,6 +15264,84 @@
           </a:prstGeom>
         </p:spPr>
       </p:pic>
+      <p:cxnSp>
+        <p:nvCxnSpPr>
+          <p:cNvPr id="7" name="Gerader Verbinder 6">
+            <a:extLst>
+              <a:ext uri="{FF2B5EF4-FFF2-40B4-BE49-F238E27FC236}">
+                <a16:creationId xmlns:a16="http://schemas.microsoft.com/office/drawing/2014/main" id="{DA5E34B8-B0B0-4A07-AD8C-D0B6C3F997DD}"/>
+              </a:ext>
+            </a:extLst>
+          </p:cNvPr>
+          <p:cNvCxnSpPr>
+            <a:cxnSpLocks/>
+          </p:cNvCxnSpPr>
+          <p:nvPr/>
+        </p:nvCxnSpPr>
+        <p:spPr>
+          <a:xfrm>
+            <a:off x="467544" y="1890000"/>
+            <a:ext cx="3384376" cy="0"/>
+          </a:xfrm>
+          <a:prstGeom prst="line">
+            <a:avLst/>
+          </a:prstGeom>
+          <a:ln w="19050"/>
+        </p:spPr>
+        <p:style>
+          <a:lnRef idx="1">
+            <a:schemeClr val="accent1"/>
+          </a:lnRef>
+          <a:fillRef idx="0">
+            <a:schemeClr val="accent1"/>
+          </a:fillRef>
+          <a:effectRef idx="0">
+            <a:schemeClr val="accent1"/>
+          </a:effectRef>
+          <a:fontRef idx="minor">
+            <a:schemeClr val="tx1"/>
+          </a:fontRef>
+        </p:style>
+      </p:cxnSp>
+      <p:cxnSp>
+        <p:nvCxnSpPr>
+          <p:cNvPr id="8" name="Gerader Verbinder 7">
+            <a:extLst>
+              <a:ext uri="{FF2B5EF4-FFF2-40B4-BE49-F238E27FC236}">
+                <a16:creationId xmlns:a16="http://schemas.microsoft.com/office/drawing/2014/main" id="{7C346180-6A9C-47F4-BE52-B6C9A80954DB}"/>
+              </a:ext>
+            </a:extLst>
+          </p:cNvPr>
+          <p:cNvCxnSpPr>
+            <a:cxnSpLocks/>
+          </p:cNvCxnSpPr>
+          <p:nvPr/>
+        </p:nvCxnSpPr>
+        <p:spPr>
+          <a:xfrm>
+            <a:off x="467544" y="3978000"/>
+            <a:ext cx="3384376" cy="0"/>
+          </a:xfrm>
+          <a:prstGeom prst="line">
+            <a:avLst/>
+          </a:prstGeom>
+          <a:ln w="19050"/>
+        </p:spPr>
+        <p:style>
+          <a:lnRef idx="1">
+            <a:schemeClr val="accent1"/>
+          </a:lnRef>
+          <a:fillRef idx="0">
+            <a:schemeClr val="accent1"/>
+          </a:fillRef>
+          <a:effectRef idx="0">
+            <a:schemeClr val="accent1"/>
+          </a:effectRef>
+          <a:fontRef idx="minor">
+            <a:schemeClr val="tx1"/>
+          </a:fontRef>
+        </p:style>
+      </p:cxnSp>
     </p:spTree>
     <p:extLst>
       <p:ext uri="{BB962C8B-B14F-4D97-AF65-F5344CB8AC3E}">
@@ -15205,7 +15377,7 @@
           <p:cNvPr id="3" name="Textplatzhalter 2">
             <a:extLst>
               <a:ext uri="{FF2B5EF4-FFF2-40B4-BE49-F238E27FC236}">
-                <a16:creationId xmlns="" xmlns:a16="http://schemas.microsoft.com/office/drawing/2014/main" id="{4B9491D8-3F8F-4266-B90D-2C5C8397C6F3}"/>
+                <a16:creationId xmlns:a16="http://schemas.microsoft.com/office/drawing/2014/main" id="{4B9491D8-3F8F-4266-B90D-2C5C8397C6F3}"/>
               </a:ext>
             </a:extLst>
           </p:cNvPr>
@@ -15233,7 +15405,7 @@
           <p:cNvPr id="4" name="Titel 3">
             <a:extLst>
               <a:ext uri="{FF2B5EF4-FFF2-40B4-BE49-F238E27FC236}">
-                <a16:creationId xmlns="" xmlns:a16="http://schemas.microsoft.com/office/drawing/2014/main" id="{150710C2-C659-4B2D-AA9C-86DE569C9E61}"/>
+                <a16:creationId xmlns:a16="http://schemas.microsoft.com/office/drawing/2014/main" id="{150710C2-C659-4B2D-AA9C-86DE569C9E61}"/>
               </a:ext>
             </a:extLst>
           </p:cNvPr>
@@ -15261,7 +15433,7 @@
           <p:cNvPr id="7" name="Inhaltsplatzhalter 6">
             <a:extLst>
               <a:ext uri="{FF2B5EF4-FFF2-40B4-BE49-F238E27FC236}">
-                <a16:creationId xmlns="" xmlns:a16="http://schemas.microsoft.com/office/drawing/2014/main" id="{BE318253-1358-420E-A3EB-DFBA0A5A2DE1}"/>
+                <a16:creationId xmlns:a16="http://schemas.microsoft.com/office/drawing/2014/main" id="{BE318253-1358-420E-A3EB-DFBA0A5A2DE1}"/>
               </a:ext>
             </a:extLst>
           </p:cNvPr>
@@ -15277,7 +15449,45 @@
           <a:bodyPr/>
           <a:lstStyle/>
           <a:p>
-            <a:endParaRPr lang="de-DE" dirty="0"/>
+            <a:pPr marL="0" indent="0">
+              <a:buNone/>
+            </a:pPr>
+            <a:r>
+              <a:rPr lang="de-DE" dirty="0"/>
+              <a:t>Beispiel: </a:t>
+            </a:r>
+            <a:r>
+              <a:rPr lang="de-DE" dirty="0" err="1"/>
+              <a:t>gMin</a:t>
+            </a:r>
+            <a:r>
+              <a:rPr lang="de-DE" dirty="0"/>
+              <a:t> = 4</a:t>
+            </a:r>
+          </a:p>
+          <a:p>
+            <a:pPr marL="0" indent="0">
+              <a:buNone/>
+            </a:pPr>
+            <a:r>
+              <a:rPr lang="de-DE" dirty="0"/>
+              <a:t>0011110101111100001</a:t>
+            </a:r>
+          </a:p>
+          <a:p>
+            <a:pPr marL="0" indent="0">
+              <a:buNone/>
+            </a:pPr>
+            <a:endParaRPr lang="de-DE" sz="100" dirty="0"/>
+          </a:p>
+          <a:p>
+            <a:pPr marL="0" indent="0">
+              <a:buNone/>
+            </a:pPr>
+            <a:r>
+              <a:rPr lang="de-DE" dirty="0"/>
+              <a:t> B   G    B     G      B</a:t>
+            </a:r>
           </a:p>
         </p:txBody>
       </p:sp>
@@ -15286,7 +15496,7 @@
           <p:cNvPr id="8" name="Inhaltsplatzhalter 5">
             <a:extLst>
               <a:ext uri="{FF2B5EF4-FFF2-40B4-BE49-F238E27FC236}">
-                <a16:creationId xmlns="" xmlns:a16="http://schemas.microsoft.com/office/drawing/2014/main" id="{11D3CBF4-ABEF-4138-A4A7-73A5263BAE08}"/>
+                <a16:creationId xmlns:a16="http://schemas.microsoft.com/office/drawing/2014/main" id="{11D3CBF4-ABEF-4138-A4A7-73A5263BAE08}"/>
               </a:ext>
             </a:extLst>
           </p:cNvPr>
@@ -15317,6 +15527,226 @@
           </a:prstGeom>
         </p:spPr>
       </p:pic>
+      <p:sp>
+        <p:nvSpPr>
+          <p:cNvPr id="6" name="Geschweifte Klammer links 5">
+            <a:extLst>
+              <a:ext uri="{FF2B5EF4-FFF2-40B4-BE49-F238E27FC236}">
+                <a16:creationId xmlns:a16="http://schemas.microsoft.com/office/drawing/2014/main" id="{1AFCE48F-307D-4259-A23B-316287C07CEF}"/>
+              </a:ext>
+            </a:extLst>
+          </p:cNvPr>
+          <p:cNvSpPr/>
+          <p:nvPr/>
+        </p:nvSpPr>
+        <p:spPr>
+          <a:xfrm rot="16200000">
+            <a:off x="492222" y="2157533"/>
+            <a:ext cx="216024" cy="310685"/>
+          </a:xfrm>
+          <a:prstGeom prst="leftBrace">
+            <a:avLst/>
+          </a:prstGeom>
+        </p:spPr>
+        <p:style>
+          <a:lnRef idx="1">
+            <a:schemeClr val="accent1"/>
+          </a:lnRef>
+          <a:fillRef idx="0">
+            <a:schemeClr val="accent1"/>
+          </a:fillRef>
+          <a:effectRef idx="0">
+            <a:schemeClr val="accent1"/>
+          </a:effectRef>
+          <a:fontRef idx="minor">
+            <a:schemeClr val="tx1"/>
+          </a:fontRef>
+        </p:style>
+        <p:txBody>
+          <a:bodyPr rtlCol="0" anchor="ctr"/>
+          <a:lstStyle/>
+          <a:p>
+            <a:pPr algn="ctr"/>
+            <a:endParaRPr lang="de-DE"/>
+          </a:p>
+        </p:txBody>
+      </p:sp>
+      <p:sp>
+        <p:nvSpPr>
+          <p:cNvPr id="9" name="Geschweifte Klammer links 8">
+            <a:extLst>
+              <a:ext uri="{FF2B5EF4-FFF2-40B4-BE49-F238E27FC236}">
+                <a16:creationId xmlns:a16="http://schemas.microsoft.com/office/drawing/2014/main" id="{F3649287-66E4-4658-9656-D7DBB25845AC}"/>
+              </a:ext>
+            </a:extLst>
+          </p:cNvPr>
+          <p:cNvSpPr/>
+          <p:nvPr/>
+        </p:nvSpPr>
+        <p:spPr>
+          <a:xfrm rot="16200000">
+            <a:off x="903471" y="2064725"/>
+            <a:ext cx="216024" cy="496302"/>
+          </a:xfrm>
+          <a:prstGeom prst="leftBrace">
+            <a:avLst/>
+          </a:prstGeom>
+        </p:spPr>
+        <p:style>
+          <a:lnRef idx="1">
+            <a:schemeClr val="accent1"/>
+          </a:lnRef>
+          <a:fillRef idx="0">
+            <a:schemeClr val="accent1"/>
+          </a:fillRef>
+          <a:effectRef idx="0">
+            <a:schemeClr val="accent1"/>
+          </a:effectRef>
+          <a:fontRef idx="minor">
+            <a:schemeClr val="tx1"/>
+          </a:fontRef>
+        </p:style>
+        <p:txBody>
+          <a:bodyPr rtlCol="0" anchor="ctr"/>
+          <a:lstStyle/>
+          <a:p>
+            <a:pPr algn="ctr"/>
+            <a:endParaRPr lang="de-DE"/>
+          </a:p>
+        </p:txBody>
+      </p:sp>
+      <p:sp>
+        <p:nvSpPr>
+          <p:cNvPr id="10" name="Geschweifte Klammer links 9">
+            <a:extLst>
+              <a:ext uri="{FF2B5EF4-FFF2-40B4-BE49-F238E27FC236}">
+                <a16:creationId xmlns:a16="http://schemas.microsoft.com/office/drawing/2014/main" id="{7CE4D35A-831B-4FD9-A60E-CC4011556263}"/>
+              </a:ext>
+            </a:extLst>
+          </p:cNvPr>
+          <p:cNvSpPr/>
+          <p:nvPr/>
+        </p:nvSpPr>
+        <p:spPr>
+          <a:xfrm rot="16200000">
+            <a:off x="1364767" y="2093974"/>
+            <a:ext cx="216026" cy="437804"/>
+          </a:xfrm>
+          <a:prstGeom prst="leftBrace">
+            <a:avLst/>
+          </a:prstGeom>
+        </p:spPr>
+        <p:style>
+          <a:lnRef idx="1">
+            <a:schemeClr val="accent1"/>
+          </a:lnRef>
+          <a:fillRef idx="0">
+            <a:schemeClr val="accent1"/>
+          </a:fillRef>
+          <a:effectRef idx="0">
+            <a:schemeClr val="accent1"/>
+          </a:effectRef>
+          <a:fontRef idx="minor">
+            <a:schemeClr val="tx1"/>
+          </a:fontRef>
+        </p:style>
+        <p:txBody>
+          <a:bodyPr rtlCol="0" anchor="ctr"/>
+          <a:lstStyle/>
+          <a:p>
+            <a:pPr algn="ctr"/>
+            <a:endParaRPr lang="de-DE"/>
+          </a:p>
+        </p:txBody>
+      </p:sp>
+      <p:sp>
+        <p:nvSpPr>
+          <p:cNvPr id="11" name="Geschweifte Klammer links 10">
+            <a:extLst>
+              <a:ext uri="{FF2B5EF4-FFF2-40B4-BE49-F238E27FC236}">
+                <a16:creationId xmlns:a16="http://schemas.microsoft.com/office/drawing/2014/main" id="{8BD493A4-8B6E-4161-A540-66A40C9268D6}"/>
+              </a:ext>
+            </a:extLst>
+          </p:cNvPr>
+          <p:cNvSpPr/>
+          <p:nvPr/>
+        </p:nvSpPr>
+        <p:spPr>
+          <a:xfrm rot="16200000">
+            <a:off x="1911584" y="1992718"/>
+            <a:ext cx="216023" cy="640317"/>
+          </a:xfrm>
+          <a:prstGeom prst="leftBrace">
+            <a:avLst/>
+          </a:prstGeom>
+        </p:spPr>
+        <p:style>
+          <a:lnRef idx="1">
+            <a:schemeClr val="accent1"/>
+          </a:lnRef>
+          <a:fillRef idx="0">
+            <a:schemeClr val="accent1"/>
+          </a:fillRef>
+          <a:effectRef idx="0">
+            <a:schemeClr val="accent1"/>
+          </a:effectRef>
+          <a:fontRef idx="minor">
+            <a:schemeClr val="tx1"/>
+          </a:fontRef>
+        </p:style>
+        <p:txBody>
+          <a:bodyPr rtlCol="0" anchor="ctr"/>
+          <a:lstStyle/>
+          <a:p>
+            <a:pPr algn="ctr"/>
+            <a:endParaRPr lang="de-DE"/>
+          </a:p>
+        </p:txBody>
+      </p:sp>
+      <p:sp>
+        <p:nvSpPr>
+          <p:cNvPr id="12" name="Geschweifte Klammer links 11">
+            <a:extLst>
+              <a:ext uri="{FF2B5EF4-FFF2-40B4-BE49-F238E27FC236}">
+                <a16:creationId xmlns:a16="http://schemas.microsoft.com/office/drawing/2014/main" id="{6128CF1F-942F-4FEB-B80C-0B49FF995097}"/>
+              </a:ext>
+            </a:extLst>
+          </p:cNvPr>
+          <p:cNvSpPr/>
+          <p:nvPr/>
+        </p:nvSpPr>
+        <p:spPr>
+          <a:xfrm rot="16200000">
+            <a:off x="2551903" y="1992717"/>
+            <a:ext cx="216023" cy="640319"/>
+          </a:xfrm>
+          <a:prstGeom prst="leftBrace">
+            <a:avLst/>
+          </a:prstGeom>
+        </p:spPr>
+        <p:style>
+          <a:lnRef idx="1">
+            <a:schemeClr val="accent1"/>
+          </a:lnRef>
+          <a:fillRef idx="0">
+            <a:schemeClr val="accent1"/>
+          </a:fillRef>
+          <a:effectRef idx="0">
+            <a:schemeClr val="accent1"/>
+          </a:effectRef>
+          <a:fontRef idx="minor">
+            <a:schemeClr val="tx1"/>
+          </a:fontRef>
+        </p:style>
+        <p:txBody>
+          <a:bodyPr rtlCol="0" anchor="ctr"/>
+          <a:lstStyle/>
+          <a:p>
+            <a:pPr algn="ctr"/>
+            <a:endParaRPr lang="de-DE"/>
+          </a:p>
+        </p:txBody>
+      </p:sp>
     </p:spTree>
     <p:extLst>
       <p:ext uri="{BB962C8B-B14F-4D97-AF65-F5344CB8AC3E}">
@@ -15352,7 +15782,7 @@
           <p:cNvPr id="3" name="Textplatzhalter 2">
             <a:extLst>
               <a:ext uri="{FF2B5EF4-FFF2-40B4-BE49-F238E27FC236}">
-                <a16:creationId xmlns="" xmlns:a16="http://schemas.microsoft.com/office/drawing/2014/main" id="{55CA06D9-4935-440B-84DE-F7502AB8F623}"/>
+                <a16:creationId xmlns:a16="http://schemas.microsoft.com/office/drawing/2014/main" id="{55CA06D9-4935-440B-84DE-F7502AB8F623}"/>
               </a:ext>
             </a:extLst>
           </p:cNvPr>
@@ -15377,7 +15807,7 @@
           <p:cNvPr id="4" name="Titel 3">
             <a:extLst>
               <a:ext uri="{FF2B5EF4-FFF2-40B4-BE49-F238E27FC236}">
-                <a16:creationId xmlns="" xmlns:a16="http://schemas.microsoft.com/office/drawing/2014/main" id="{AFE695EE-746C-4FF4-88E5-60C74570C69D}"/>
+                <a16:creationId xmlns:a16="http://schemas.microsoft.com/office/drawing/2014/main" id="{AFE695EE-746C-4FF4-88E5-60C74570C69D}"/>
               </a:ext>
             </a:extLst>
           </p:cNvPr>
@@ -15405,7 +15835,7 @@
           <p:cNvPr id="10" name="Inhaltsplatzhalter 9">
             <a:extLst>
               <a:ext uri="{FF2B5EF4-FFF2-40B4-BE49-F238E27FC236}">
-                <a16:creationId xmlns="" xmlns:a16="http://schemas.microsoft.com/office/drawing/2014/main" id="{C5CB7856-4B86-445F-9DA8-79F7E504B277}"/>
+                <a16:creationId xmlns:a16="http://schemas.microsoft.com/office/drawing/2014/main" id="{C5CB7856-4B86-445F-9DA8-79F7E504B277}"/>
               </a:ext>
             </a:extLst>
           </p:cNvPr>
@@ -15421,11 +15851,90 @@
           <a:bodyPr/>
           <a:lstStyle/>
           <a:p>
+            <a:pPr marL="0" indent="0">
+              <a:buNone/>
+            </a:pPr>
+            <a:r>
+              <a:rPr lang="de-DE" dirty="0"/>
+              <a:t>1: Paketempfang in „Gap </a:t>
+            </a:r>
             <a:r>
               <a:rPr lang="de-DE" dirty="0" err="1"/>
-              <a:t>fzrtzfghfgh</a:t>
-            </a:r>
+              <a:t>period</a:t>
+            </a:r>
+            <a:r>
+              <a:rPr lang="de-DE" dirty="0"/>
+              <a:t>“</a:t>
+            </a:r>
+          </a:p>
+          <a:p>
+            <a:pPr marL="0" indent="0">
+              <a:buNone/>
+            </a:pPr>
             <a:endParaRPr lang="de-DE" dirty="0"/>
+          </a:p>
+          <a:p>
+            <a:pPr marL="0" indent="0">
+              <a:buNone/>
+            </a:pPr>
+            <a:r>
+              <a:rPr lang="de-DE" dirty="0"/>
+              <a:t>2: Paketempfang in „Burst </a:t>
+            </a:r>
+            <a:r>
+              <a:rPr lang="de-DE" dirty="0" err="1"/>
+              <a:t>period</a:t>
+            </a:r>
+            <a:r>
+              <a:rPr lang="de-DE" dirty="0"/>
+              <a:t>“</a:t>
+            </a:r>
+          </a:p>
+          <a:p>
+            <a:pPr marL="0" indent="0">
+              <a:buNone/>
+            </a:pPr>
+            <a:endParaRPr lang="de-DE" dirty="0"/>
+          </a:p>
+          <a:p>
+            <a:pPr marL="0" indent="0">
+              <a:buNone/>
+            </a:pPr>
+            <a:r>
+              <a:rPr lang="de-DE" dirty="0"/>
+              <a:t>3: Paketverlust in „Burst </a:t>
+            </a:r>
+            <a:r>
+              <a:rPr lang="de-DE" dirty="0" err="1"/>
+              <a:t>period</a:t>
+            </a:r>
+            <a:r>
+              <a:rPr lang="de-DE" dirty="0"/>
+              <a:t>“</a:t>
+            </a:r>
+          </a:p>
+          <a:p>
+            <a:pPr marL="0" indent="0">
+              <a:buNone/>
+            </a:pPr>
+            <a:endParaRPr lang="de-DE" dirty="0"/>
+          </a:p>
+          <a:p>
+            <a:pPr marL="0" indent="0">
+              <a:buNone/>
+            </a:pPr>
+            <a:r>
+              <a:rPr lang="de-DE" dirty="0"/>
+              <a:t>4: Paketverlust in „Gap </a:t>
+            </a:r>
+            <a:r>
+              <a:rPr lang="de-DE" dirty="0" err="1"/>
+              <a:t>period</a:t>
+            </a:r>
+            <a:r>
+              <a:rPr lang="de-DE" dirty="0"/>
+              <a:t>“</a:t>
+            </a:r>
           </a:p>
         </p:txBody>
       </p:sp>
@@ -15434,7 +15943,7 @@
           <p:cNvPr id="12" name="Grafik 11">
             <a:extLst>
               <a:ext uri="{FF2B5EF4-FFF2-40B4-BE49-F238E27FC236}">
-                <a16:creationId xmlns="" xmlns:a16="http://schemas.microsoft.com/office/drawing/2014/main" id="{667F7240-2304-45F8-90DC-2FB93EE3EF93}"/>
+                <a16:creationId xmlns:a16="http://schemas.microsoft.com/office/drawing/2014/main" id="{667F7240-2304-45F8-90DC-2FB93EE3EF93}"/>
               </a:ext>
             </a:extLst>
           </p:cNvPr>
@@ -15457,8 +15966,8 @@
         </p:blipFill>
         <p:spPr>
           <a:xfrm>
-            <a:off x="3883507" y="1548000"/>
-            <a:ext cx="4906060" cy="3229426"/>
+            <a:off x="4490476" y="1548000"/>
+            <a:ext cx="4474012" cy="2945029"/>
           </a:xfrm>
           <a:prstGeom prst="rect">
             <a:avLst/>
@@ -15593,7 +16102,7 @@
           <p:cNvPr id="5" name="Picture 4" descr="A picture containing screenshot&#10;&#10;Description generated with very high confidence">
             <a:extLst>
               <a:ext uri="{FF2B5EF4-FFF2-40B4-BE49-F238E27FC236}">
-                <a16:creationId xmlns="" xmlns:a16="http://schemas.microsoft.com/office/drawing/2014/main" id="{77F2C647-A27B-425B-8A74-DC22BABE3913}"/>
+                <a16:creationId xmlns:a16="http://schemas.microsoft.com/office/drawing/2014/main" id="{77F2C647-A27B-425B-8A74-DC22BABE3913}"/>
               </a:ext>
             </a:extLst>
           </p:cNvPr>
@@ -15680,7 +16189,7 @@
           <p:cNvPr id="2" name="Titel 1">
             <a:extLst>
               <a:ext uri="{FF2B5EF4-FFF2-40B4-BE49-F238E27FC236}">
-                <a16:creationId xmlns="" xmlns:a16="http://schemas.microsoft.com/office/drawing/2014/main" id="{8EAC9A62-EB39-4758-A100-08AA4FA2CB5E}"/>
+                <a16:creationId xmlns:a16="http://schemas.microsoft.com/office/drawing/2014/main" id="{8EAC9A62-EB39-4758-A100-08AA4FA2CB5E}"/>
               </a:ext>
             </a:extLst>
           </p:cNvPr>
@@ -15713,7 +16222,7 @@
           <p:cNvPr id="3" name="Inhaltsplatzhalter 2">
             <a:extLst>
               <a:ext uri="{FF2B5EF4-FFF2-40B4-BE49-F238E27FC236}">
-                <a16:creationId xmlns="" xmlns:a16="http://schemas.microsoft.com/office/drawing/2014/main" id="{7B6F27E4-144D-4DB3-8C29-9D8697D42257}"/>
+                <a16:creationId xmlns:a16="http://schemas.microsoft.com/office/drawing/2014/main" id="{7B6F27E4-144D-4DB3-8C29-9D8697D42257}"/>
               </a:ext>
             </a:extLst>
           </p:cNvPr>
@@ -15809,7 +16318,7 @@
           <p:cNvPr id="4" name="Textplatzhalter 3">
             <a:extLst>
               <a:ext uri="{FF2B5EF4-FFF2-40B4-BE49-F238E27FC236}">
-                <a16:creationId xmlns="" xmlns:a16="http://schemas.microsoft.com/office/drawing/2014/main" id="{F418CE97-2B50-4D86-9424-F175A039EAAA}"/>
+                <a16:creationId xmlns:a16="http://schemas.microsoft.com/office/drawing/2014/main" id="{F418CE97-2B50-4D86-9424-F175A039EAAA}"/>
               </a:ext>
             </a:extLst>
           </p:cNvPr>
@@ -15837,7 +16346,7 @@
           <p:cNvPr id="6" name="Gerader Verbinder 5">
             <a:extLst>
               <a:ext uri="{FF2B5EF4-FFF2-40B4-BE49-F238E27FC236}">
-                <a16:creationId xmlns="" xmlns:a16="http://schemas.microsoft.com/office/drawing/2014/main" id="{CB4C4FFD-2896-4D70-96EC-0A041D4DBCDB}"/>
+                <a16:creationId xmlns:a16="http://schemas.microsoft.com/office/drawing/2014/main" id="{CB4C4FFD-2896-4D70-96EC-0A041D4DBCDB}"/>
               </a:ext>
             </a:extLst>
           </p:cNvPr>
@@ -15876,7 +16385,7 @@
           <p:cNvPr id="12" name="Gerader Verbinder 11">
             <a:extLst>
               <a:ext uri="{FF2B5EF4-FFF2-40B4-BE49-F238E27FC236}">
-                <a16:creationId xmlns="" xmlns:a16="http://schemas.microsoft.com/office/drawing/2014/main" id="{BB86637A-50B2-4ACE-B24A-7F1B0BEEA11D}"/>
+                <a16:creationId xmlns:a16="http://schemas.microsoft.com/office/drawing/2014/main" id="{BB86637A-50B2-4ACE-B24A-7F1B0BEEA11D}"/>
               </a:ext>
             </a:extLst>
           </p:cNvPr>
@@ -15915,7 +16424,7 @@
           <p:cNvPr id="13" name="Rechteck 12">
             <a:extLst>
               <a:ext uri="{FF2B5EF4-FFF2-40B4-BE49-F238E27FC236}">
-                <a16:creationId xmlns="" xmlns:a16="http://schemas.microsoft.com/office/drawing/2014/main" id="{A7F515B2-AA98-4FD2-8DAA-BCA824EF6D08}"/>
+                <a16:creationId xmlns:a16="http://schemas.microsoft.com/office/drawing/2014/main" id="{A7F515B2-AA98-4FD2-8DAA-BCA824EF6D08}"/>
               </a:ext>
             </a:extLst>
           </p:cNvPr>
@@ -16038,7 +16547,7 @@
           <p:cNvPr id="14" name="Rechteck 13">
             <a:extLst>
               <a:ext uri="{FF2B5EF4-FFF2-40B4-BE49-F238E27FC236}">
-                <a16:creationId xmlns="" xmlns:a16="http://schemas.microsoft.com/office/drawing/2014/main" id="{E67E1956-D05A-4024-A304-2FBE430E6202}"/>
+                <a16:creationId xmlns:a16="http://schemas.microsoft.com/office/drawing/2014/main" id="{E67E1956-D05A-4024-A304-2FBE430E6202}"/>
               </a:ext>
             </a:extLst>
           </p:cNvPr>
@@ -16114,7 +16623,7 @@
           <p:cNvPr id="15" name="Pfeil: nach rechts 14">
             <a:extLst>
               <a:ext uri="{FF2B5EF4-FFF2-40B4-BE49-F238E27FC236}">
-                <a16:creationId xmlns="" xmlns:a16="http://schemas.microsoft.com/office/drawing/2014/main" id="{D5FA78D1-9992-42D2-B2EB-BF866D7917FB}"/>
+                <a16:creationId xmlns:a16="http://schemas.microsoft.com/office/drawing/2014/main" id="{D5FA78D1-9992-42D2-B2EB-BF866D7917FB}"/>
               </a:ext>
             </a:extLst>
           </p:cNvPr>
@@ -16163,7 +16672,7 @@
           <p:cNvPr id="17" name="Rechteck 16">
             <a:extLst>
               <a:ext uri="{FF2B5EF4-FFF2-40B4-BE49-F238E27FC236}">
-                <a16:creationId xmlns="" xmlns:a16="http://schemas.microsoft.com/office/drawing/2014/main" id="{BC42ED1F-86FF-476B-B177-FCD8EDBC9603}"/>
+                <a16:creationId xmlns:a16="http://schemas.microsoft.com/office/drawing/2014/main" id="{BC42ED1F-86FF-476B-B177-FCD8EDBC9603}"/>
               </a:ext>
             </a:extLst>
           </p:cNvPr>
@@ -16233,13 +16742,6 @@
   <p:clrMapOvr>
     <a:masterClrMapping/>
   </p:clrMapOvr>
-  <p:timing>
-    <p:tnLst>
-      <p:par>
-        <p:cTn id="1" dur="indefinite" restart="never" nodeType="tmRoot"/>
-      </p:par>
-    </p:tnLst>
-  </p:timing>
 </p:sld>
 </file>
 
@@ -16265,7 +16767,7 @@
           <p:cNvPr id="11" name="Abgerundetes Rechteck 10">
             <a:extLst>
               <a:ext uri="{FF2B5EF4-FFF2-40B4-BE49-F238E27FC236}">
-                <a16:creationId xmlns="" xmlns:a16="http://schemas.microsoft.com/office/drawing/2014/main" id="{BF525568-FD4C-AE48-AD97-13C41EAE51F5}"/>
+                <a16:creationId xmlns:a16="http://schemas.microsoft.com/office/drawing/2014/main" id="{BF525568-FD4C-AE48-AD97-13C41EAE51F5}"/>
               </a:ext>
             </a:extLst>
           </p:cNvPr>
@@ -16313,7 +16815,7 @@
           <p:cNvPr id="3" name="Titel 2">
             <a:extLst>
               <a:ext uri="{FF2B5EF4-FFF2-40B4-BE49-F238E27FC236}">
-                <a16:creationId xmlns="" xmlns:a16="http://schemas.microsoft.com/office/drawing/2014/main" id="{286634E7-D4A9-3F4A-A3F0-5438BD879568}"/>
+                <a16:creationId xmlns:a16="http://schemas.microsoft.com/office/drawing/2014/main" id="{286634E7-D4A9-3F4A-A3F0-5438BD879568}"/>
               </a:ext>
             </a:extLst>
           </p:cNvPr>
@@ -16330,10 +16832,9 @@
           <a:lstStyle/>
           <a:p>
             <a:r>
-              <a:rPr lang="de-DE" dirty="0" smtClean="0"/>
+              <a:rPr lang="de-DE" dirty="0"/>
               <a:t>Umsetzung</a:t>
             </a:r>
-            <a:endParaRPr lang="de-DE" dirty="0"/>
           </a:p>
         </p:txBody>
       </p:sp>
@@ -16342,7 +16843,7 @@
           <p:cNvPr id="6" name="Abgerundetes Rechteck 5">
             <a:extLst>
               <a:ext uri="{FF2B5EF4-FFF2-40B4-BE49-F238E27FC236}">
-                <a16:creationId xmlns="" xmlns:a16="http://schemas.microsoft.com/office/drawing/2014/main" id="{F7798EFE-4085-8546-8572-4EE9B0AF6675}"/>
+                <a16:creationId xmlns:a16="http://schemas.microsoft.com/office/drawing/2014/main" id="{F7798EFE-4085-8546-8572-4EE9B0AF6675}"/>
               </a:ext>
             </a:extLst>
           </p:cNvPr>
@@ -16404,7 +16905,7 @@
           <p:cNvPr id="7" name="Rechteck 6">
             <a:extLst>
               <a:ext uri="{FF2B5EF4-FFF2-40B4-BE49-F238E27FC236}">
-                <a16:creationId xmlns="" xmlns:a16="http://schemas.microsoft.com/office/drawing/2014/main" id="{E0CFADD7-1DEE-8A44-B07F-5D0B40C0062D}"/>
+                <a16:creationId xmlns:a16="http://schemas.microsoft.com/office/drawing/2014/main" id="{E0CFADD7-1DEE-8A44-B07F-5D0B40C0062D}"/>
               </a:ext>
             </a:extLst>
           </p:cNvPr>
@@ -16465,7 +16966,7 @@
           <p:cNvPr id="8" name="Rechteck 7">
             <a:extLst>
               <a:ext uri="{FF2B5EF4-FFF2-40B4-BE49-F238E27FC236}">
-                <a16:creationId xmlns="" xmlns:a16="http://schemas.microsoft.com/office/drawing/2014/main" id="{B9C702B5-8A9B-0347-A216-735E38F31E4B}"/>
+                <a16:creationId xmlns:a16="http://schemas.microsoft.com/office/drawing/2014/main" id="{B9C702B5-8A9B-0347-A216-735E38F31E4B}"/>
               </a:ext>
             </a:extLst>
           </p:cNvPr>
@@ -16526,7 +17027,7 @@
           <p:cNvPr id="9" name="Rechteck 8">
             <a:extLst>
               <a:ext uri="{FF2B5EF4-FFF2-40B4-BE49-F238E27FC236}">
-                <a16:creationId xmlns="" xmlns:a16="http://schemas.microsoft.com/office/drawing/2014/main" id="{70EED48D-FB2B-A143-8C94-EF037FAC96EA}"/>
+                <a16:creationId xmlns:a16="http://schemas.microsoft.com/office/drawing/2014/main" id="{70EED48D-FB2B-A143-8C94-EF037FAC96EA}"/>
               </a:ext>
             </a:extLst>
           </p:cNvPr>
@@ -16587,7 +17088,7 @@
           <p:cNvPr id="10" name="Abgerundetes Rechteck 9">
             <a:extLst>
               <a:ext uri="{FF2B5EF4-FFF2-40B4-BE49-F238E27FC236}">
-                <a16:creationId xmlns="" xmlns:a16="http://schemas.microsoft.com/office/drawing/2014/main" id="{0132577E-A34E-DB47-88F5-BEFD0CC0E83E}"/>
+                <a16:creationId xmlns:a16="http://schemas.microsoft.com/office/drawing/2014/main" id="{0132577E-A34E-DB47-88F5-BEFD0CC0E83E}"/>
               </a:ext>
             </a:extLst>
           </p:cNvPr>
@@ -16649,7 +17150,7 @@
           <p:cNvPr id="14" name="Abgerundetes Rechteck 13">
             <a:extLst>
               <a:ext uri="{FF2B5EF4-FFF2-40B4-BE49-F238E27FC236}">
-                <a16:creationId xmlns="" xmlns:a16="http://schemas.microsoft.com/office/drawing/2014/main" id="{6B6DB4BD-31D3-8F45-B5CE-4DFEA5F13C87}"/>
+                <a16:creationId xmlns:a16="http://schemas.microsoft.com/office/drawing/2014/main" id="{6B6DB4BD-31D3-8F45-B5CE-4DFEA5F13C87}"/>
               </a:ext>
             </a:extLst>
           </p:cNvPr>
@@ -16658,8 +17159,8 @@
         </p:nvSpPr>
         <p:spPr>
           <a:xfrm>
-            <a:off x="6876256" y="1124744"/>
-            <a:ext cx="2186346" cy="4752528"/>
+            <a:off x="6876256" y="1556792"/>
+            <a:ext cx="2186346" cy="4320480"/>
           </a:xfrm>
           <a:prstGeom prst="roundRect">
             <a:avLst/>
@@ -16707,7 +17208,7 @@
           <p:cNvPr id="15" name="Abgerundetes Rechteck 14">
             <a:extLst>
               <a:ext uri="{FF2B5EF4-FFF2-40B4-BE49-F238E27FC236}">
-                <a16:creationId xmlns="" xmlns:a16="http://schemas.microsoft.com/office/drawing/2014/main" id="{DB4DB3BC-AFC6-0344-97B9-8D7FE97831D0}"/>
+                <a16:creationId xmlns:a16="http://schemas.microsoft.com/office/drawing/2014/main" id="{DB4DB3BC-AFC6-0344-97B9-8D7FE97831D0}"/>
               </a:ext>
             </a:extLst>
           </p:cNvPr>
@@ -16793,7 +17294,7 @@
           </a:xfrm>
           <a:prstGeom prst="bentConnector3">
             <a:avLst>
-              <a:gd name="adj1" fmla="val 48483"/>
+              <a:gd name="adj1" fmla="val 47785"/>
             </a:avLst>
           </a:prstGeom>
           <a:ln>
@@ -17012,10 +17513,9 @@
           <a:lstStyle/>
           <a:p>
             <a:r>
-              <a:rPr lang="de-DE" sz="1100" dirty="0" smtClean="0"/>
+              <a:rPr lang="de-DE" sz="1100" dirty="0"/>
               <a:t>Modellparameter</a:t>
             </a:r>
-            <a:endParaRPr lang="de-DE" sz="1100" dirty="0"/>
           </a:p>
         </p:txBody>
       </p:sp>
@@ -17042,7 +17542,7 @@
           <a:lstStyle/>
           <a:p>
             <a:r>
-              <a:rPr lang="de-DE" sz="1100" dirty="0" err="1" smtClean="0"/>
+              <a:rPr lang="de-DE" sz="1100" dirty="0" err="1"/>
               <a:t>Parametrisierungsfalg</a:t>
             </a:r>
             <a:endParaRPr lang="de-DE" sz="1100" dirty="0"/>
@@ -17072,22 +17572,17 @@
           <a:lstStyle/>
           <a:p>
             <a:r>
-              <a:rPr lang="de-DE" sz="1100" dirty="0" smtClean="0"/>
+              <a:rPr lang="de-DE" sz="1100" dirty="0"/>
               <a:t>Real-</a:t>
             </a:r>
             <a:r>
-              <a:rPr lang="de-DE" sz="1100" dirty="0" err="1" smtClean="0"/>
+              <a:rPr lang="de-DE" sz="1100" dirty="0" err="1"/>
               <a:t>world</a:t>
             </a:r>
             <a:r>
               <a:rPr lang="de-DE" sz="1100" dirty="0"/>
-              <a:t> </a:t>
-            </a:r>
-            <a:r>
-              <a:rPr lang="de-DE" sz="1100" dirty="0" smtClean="0"/>
-              <a:t>Trace</a:t>
-            </a:r>
-            <a:endParaRPr lang="de-DE" sz="1100" dirty="0"/>
+              <a:t> Trace</a:t>
+            </a:r>
           </a:p>
         </p:txBody>
       </p:sp>
@@ -17114,10 +17609,9 @@
           <a:lstStyle/>
           <a:p>
             <a:r>
-              <a:rPr lang="de-DE" sz="1100" dirty="0" smtClean="0"/>
+              <a:rPr lang="de-DE" sz="1100" dirty="0"/>
               <a:t>Modellparameter</a:t>
             </a:r>
-            <a:endParaRPr lang="de-DE" sz="1100" dirty="0"/>
           </a:p>
         </p:txBody>
       </p:sp>
@@ -17144,26 +17638,25 @@
           <a:lstStyle/>
           <a:p>
             <a:r>
-              <a:rPr lang="de-DE" sz="1100" dirty="0" smtClean="0"/>
+              <a:rPr lang="de-DE" sz="1100" dirty="0"/>
               <a:t>Real-</a:t>
             </a:r>
             <a:r>
-              <a:rPr lang="de-DE" sz="1100" dirty="0" err="1" smtClean="0"/>
+              <a:rPr lang="de-DE" sz="1100" dirty="0" err="1"/>
               <a:t>world</a:t>
             </a:r>
             <a:r>
-              <a:rPr lang="de-DE" sz="1100" dirty="0" smtClean="0"/>
+              <a:rPr lang="de-DE" sz="1100" dirty="0"/>
               <a:t> </a:t>
             </a:r>
             <a:r>
-              <a:rPr lang="de-DE" sz="1100" dirty="0" err="1" smtClean="0"/>
+              <a:rPr lang="de-DE" sz="1100" dirty="0" err="1"/>
               <a:t>loss</a:t>
             </a:r>
             <a:r>
-              <a:rPr lang="de-DE" sz="1100" dirty="0" smtClean="0"/>
+              <a:rPr lang="de-DE" sz="1100" dirty="0"/>
               <a:t>-Trace</a:t>
             </a:r>
-            <a:endParaRPr lang="de-DE" sz="1100" dirty="0"/>
           </a:p>
         </p:txBody>
       </p:sp>
@@ -17190,10 +17683,9 @@
           <a:lstStyle/>
           <a:p>
             <a:r>
-              <a:rPr lang="de-DE" sz="1100" dirty="0" smtClean="0"/>
+              <a:rPr lang="de-DE" sz="1100" dirty="0"/>
               <a:t>Loss-Trace</a:t>
             </a:r>
-            <a:endParaRPr lang="de-DE" sz="1100" dirty="0"/>
           </a:p>
         </p:txBody>
       </p:sp>
@@ -17202,7 +17694,7 @@
           <p:cNvPr id="55" name="Textplatzhalter 3">
             <a:extLst>
               <a:ext uri="{FF2B5EF4-FFF2-40B4-BE49-F238E27FC236}">
-                <a16:creationId xmlns="" xmlns:a16="http://schemas.microsoft.com/office/drawing/2014/main" id="{F418CE97-2B50-4D86-9424-F175A039EAAA}"/>
+                <a16:creationId xmlns:a16="http://schemas.microsoft.com/office/drawing/2014/main" id="{F418CE97-2B50-4D86-9424-F175A039EAAA}"/>
               </a:ext>
             </a:extLst>
           </p:cNvPr>
@@ -17224,10 +17716,9 @@
           <a:lstStyle/>
           <a:p>
             <a:r>
-              <a:rPr lang="de-DE" dirty="0" smtClean="0"/>
+              <a:rPr lang="de-DE" dirty="0"/>
               <a:t>Überblick</a:t>
             </a:r>
-            <a:endParaRPr lang="de-DE" dirty="0"/>
           </a:p>
         </p:txBody>
       </p:sp>
@@ -17241,13 +17732,6 @@
   <p:clrMapOvr>
     <a:masterClrMapping/>
   </p:clrMapOvr>
-  <p:timing>
-    <p:tnLst>
-      <p:par>
-        <p:cTn id="1" dur="indefinite" restart="never" nodeType="tmRoot"/>
-      </p:par>
-    </p:tnLst>
-  </p:timing>
 </p:sld>
 </file>
 
@@ -17273,7 +17757,7 @@
           <p:cNvPr id="11" name="Abgerundetes Rechteck 10">
             <a:extLst>
               <a:ext uri="{FF2B5EF4-FFF2-40B4-BE49-F238E27FC236}">
-                <a16:creationId xmlns="" xmlns:a16="http://schemas.microsoft.com/office/drawing/2014/main" id="{BF525568-FD4C-AE48-AD97-13C41EAE51F5}"/>
+                <a16:creationId xmlns:a16="http://schemas.microsoft.com/office/drawing/2014/main" id="{BF525568-FD4C-AE48-AD97-13C41EAE51F5}"/>
               </a:ext>
             </a:extLst>
           </p:cNvPr>
@@ -17321,7 +17805,7 @@
           <p:cNvPr id="3" name="Titel 2">
             <a:extLst>
               <a:ext uri="{FF2B5EF4-FFF2-40B4-BE49-F238E27FC236}">
-                <a16:creationId xmlns="" xmlns:a16="http://schemas.microsoft.com/office/drawing/2014/main" id="{286634E7-D4A9-3F4A-A3F0-5438BD879568}"/>
+                <a16:creationId xmlns:a16="http://schemas.microsoft.com/office/drawing/2014/main" id="{286634E7-D4A9-3F4A-A3F0-5438BD879568}"/>
               </a:ext>
             </a:extLst>
           </p:cNvPr>
@@ -17338,10 +17822,9 @@
           <a:lstStyle/>
           <a:p>
             <a:r>
-              <a:rPr lang="de-DE" dirty="0" smtClean="0"/>
+              <a:rPr lang="de-DE" dirty="0"/>
               <a:t>Umsetzung</a:t>
             </a:r>
-            <a:endParaRPr lang="de-DE" dirty="0"/>
           </a:p>
         </p:txBody>
       </p:sp>
@@ -17350,7 +17833,7 @@
           <p:cNvPr id="6" name="Abgerundetes Rechteck 5">
             <a:extLst>
               <a:ext uri="{FF2B5EF4-FFF2-40B4-BE49-F238E27FC236}">
-                <a16:creationId xmlns="" xmlns:a16="http://schemas.microsoft.com/office/drawing/2014/main" id="{F7798EFE-4085-8546-8572-4EE9B0AF6675}"/>
+                <a16:creationId xmlns:a16="http://schemas.microsoft.com/office/drawing/2014/main" id="{F7798EFE-4085-8546-8572-4EE9B0AF6675}"/>
               </a:ext>
             </a:extLst>
           </p:cNvPr>
@@ -17412,7 +17895,7 @@
           <p:cNvPr id="7" name="Rechteck 6">
             <a:extLst>
               <a:ext uri="{FF2B5EF4-FFF2-40B4-BE49-F238E27FC236}">
-                <a16:creationId xmlns="" xmlns:a16="http://schemas.microsoft.com/office/drawing/2014/main" id="{E0CFADD7-1DEE-8A44-B07F-5D0B40C0062D}"/>
+                <a16:creationId xmlns:a16="http://schemas.microsoft.com/office/drawing/2014/main" id="{E0CFADD7-1DEE-8A44-B07F-5D0B40C0062D}"/>
               </a:ext>
             </a:extLst>
           </p:cNvPr>
@@ -17473,7 +17956,7 @@
           <p:cNvPr id="8" name="Rechteck 7">
             <a:extLst>
               <a:ext uri="{FF2B5EF4-FFF2-40B4-BE49-F238E27FC236}">
-                <a16:creationId xmlns="" xmlns:a16="http://schemas.microsoft.com/office/drawing/2014/main" id="{B9C702B5-8A9B-0347-A216-735E38F31E4B}"/>
+                <a16:creationId xmlns:a16="http://schemas.microsoft.com/office/drawing/2014/main" id="{B9C702B5-8A9B-0347-A216-735E38F31E4B}"/>
               </a:ext>
             </a:extLst>
           </p:cNvPr>
@@ -17534,7 +18017,7 @@
           <p:cNvPr id="9" name="Rechteck 8">
             <a:extLst>
               <a:ext uri="{FF2B5EF4-FFF2-40B4-BE49-F238E27FC236}">
-                <a16:creationId xmlns="" xmlns:a16="http://schemas.microsoft.com/office/drawing/2014/main" id="{70EED48D-FB2B-A143-8C94-EF037FAC96EA}"/>
+                <a16:creationId xmlns:a16="http://schemas.microsoft.com/office/drawing/2014/main" id="{70EED48D-FB2B-A143-8C94-EF037FAC96EA}"/>
               </a:ext>
             </a:extLst>
           </p:cNvPr>
@@ -17595,7 +18078,7 @@
           <p:cNvPr id="10" name="Abgerundetes Rechteck 9">
             <a:extLst>
               <a:ext uri="{FF2B5EF4-FFF2-40B4-BE49-F238E27FC236}">
-                <a16:creationId xmlns="" xmlns:a16="http://schemas.microsoft.com/office/drawing/2014/main" id="{0132577E-A34E-DB47-88F5-BEFD0CC0E83E}"/>
+                <a16:creationId xmlns:a16="http://schemas.microsoft.com/office/drawing/2014/main" id="{0132577E-A34E-DB47-88F5-BEFD0CC0E83E}"/>
               </a:ext>
             </a:extLst>
           </p:cNvPr>
@@ -17657,7 +18140,7 @@
           <p:cNvPr id="14" name="Abgerundetes Rechteck 13">
             <a:extLst>
               <a:ext uri="{FF2B5EF4-FFF2-40B4-BE49-F238E27FC236}">
-                <a16:creationId xmlns="" xmlns:a16="http://schemas.microsoft.com/office/drawing/2014/main" id="{6B6DB4BD-31D3-8F45-B5CE-4DFEA5F13C87}"/>
+                <a16:creationId xmlns:a16="http://schemas.microsoft.com/office/drawing/2014/main" id="{6B6DB4BD-31D3-8F45-B5CE-4DFEA5F13C87}"/>
               </a:ext>
             </a:extLst>
           </p:cNvPr>
@@ -17666,8 +18149,8 @@
         </p:nvSpPr>
         <p:spPr>
           <a:xfrm>
-            <a:off x="6876256" y="1124744"/>
-            <a:ext cx="2186346" cy="4752528"/>
+            <a:off x="6876256" y="1556792"/>
+            <a:ext cx="2186346" cy="4320480"/>
           </a:xfrm>
           <a:prstGeom prst="roundRect">
             <a:avLst/>
@@ -17715,7 +18198,7 @@
           <p:cNvPr id="15" name="Abgerundetes Rechteck 14">
             <a:extLst>
               <a:ext uri="{FF2B5EF4-FFF2-40B4-BE49-F238E27FC236}">
-                <a16:creationId xmlns="" xmlns:a16="http://schemas.microsoft.com/office/drawing/2014/main" id="{DB4DB3BC-AFC6-0344-97B9-8D7FE97831D0}"/>
+                <a16:creationId xmlns:a16="http://schemas.microsoft.com/office/drawing/2014/main" id="{DB4DB3BC-AFC6-0344-97B9-8D7FE97831D0}"/>
               </a:ext>
             </a:extLst>
           </p:cNvPr>
@@ -17801,7 +18284,7 @@
           </a:xfrm>
           <a:prstGeom prst="bentConnector3">
             <a:avLst>
-              <a:gd name="adj1" fmla="val 48483"/>
+              <a:gd name="adj1" fmla="val 47785"/>
             </a:avLst>
           </a:prstGeom>
           <a:ln>
@@ -18020,10 +18503,9 @@
           <a:lstStyle/>
           <a:p>
             <a:r>
-              <a:rPr lang="de-DE" sz="1100" dirty="0" smtClean="0"/>
+              <a:rPr lang="de-DE" sz="1100" dirty="0"/>
               <a:t>Modellparameter</a:t>
             </a:r>
-            <a:endParaRPr lang="de-DE" sz="1100" dirty="0"/>
           </a:p>
         </p:txBody>
       </p:sp>
@@ -18050,7 +18532,7 @@
           <a:lstStyle/>
           <a:p>
             <a:r>
-              <a:rPr lang="de-DE" sz="1100" dirty="0" err="1" smtClean="0"/>
+              <a:rPr lang="de-DE" sz="1100" dirty="0" err="1"/>
               <a:t>Parametrisierungsfalg</a:t>
             </a:r>
             <a:endParaRPr lang="de-DE" sz="1100" dirty="0"/>
@@ -18080,22 +18562,17 @@
           <a:lstStyle/>
           <a:p>
             <a:r>
-              <a:rPr lang="de-DE" sz="1100" dirty="0" smtClean="0"/>
+              <a:rPr lang="de-DE" sz="1100" dirty="0"/>
               <a:t>Real-</a:t>
             </a:r>
             <a:r>
-              <a:rPr lang="de-DE" sz="1100" dirty="0" err="1" smtClean="0"/>
+              <a:rPr lang="de-DE" sz="1100" dirty="0" err="1"/>
               <a:t>world</a:t>
             </a:r>
             <a:r>
               <a:rPr lang="de-DE" sz="1100" dirty="0"/>
-              <a:t> </a:t>
-            </a:r>
-            <a:r>
-              <a:rPr lang="de-DE" sz="1100" dirty="0" smtClean="0"/>
-              <a:t>Trace</a:t>
-            </a:r>
-            <a:endParaRPr lang="de-DE" sz="1100" dirty="0"/>
+              <a:t> Trace</a:t>
+            </a:r>
           </a:p>
         </p:txBody>
       </p:sp>
@@ -18122,10 +18599,9 @@
           <a:lstStyle/>
           <a:p>
             <a:r>
-              <a:rPr lang="de-DE" sz="1100" dirty="0" smtClean="0"/>
+              <a:rPr lang="de-DE" sz="1100" dirty="0"/>
               <a:t>Modellparameter</a:t>
             </a:r>
-            <a:endParaRPr lang="de-DE" sz="1100" dirty="0"/>
           </a:p>
         </p:txBody>
       </p:sp>
@@ -18152,26 +18628,25 @@
           <a:lstStyle/>
           <a:p>
             <a:r>
-              <a:rPr lang="de-DE" sz="1100" dirty="0" smtClean="0"/>
+              <a:rPr lang="de-DE" sz="1100" dirty="0"/>
               <a:t>Real-</a:t>
             </a:r>
             <a:r>
-              <a:rPr lang="de-DE" sz="1100" dirty="0" err="1" smtClean="0"/>
+              <a:rPr lang="de-DE" sz="1100" dirty="0" err="1"/>
               <a:t>world</a:t>
             </a:r>
             <a:r>
-              <a:rPr lang="de-DE" sz="1100" dirty="0" smtClean="0"/>
+              <a:rPr lang="de-DE" sz="1100" dirty="0"/>
               <a:t> </a:t>
             </a:r>
             <a:r>
-              <a:rPr lang="de-DE" sz="1100" dirty="0" err="1" smtClean="0"/>
+              <a:rPr lang="de-DE" sz="1100" dirty="0" err="1"/>
               <a:t>loss</a:t>
             </a:r>
             <a:r>
-              <a:rPr lang="de-DE" sz="1100" dirty="0" smtClean="0"/>
+              <a:rPr lang="de-DE" sz="1100" dirty="0"/>
               <a:t>-Trace</a:t>
             </a:r>
-            <a:endParaRPr lang="de-DE" sz="1100" dirty="0"/>
           </a:p>
         </p:txBody>
       </p:sp>
@@ -18198,10 +18673,9 @@
           <a:lstStyle/>
           <a:p>
             <a:r>
-              <a:rPr lang="de-DE" sz="1100" dirty="0" smtClean="0"/>
+              <a:rPr lang="de-DE" sz="1100" dirty="0"/>
               <a:t>Loss-Trace</a:t>
             </a:r>
-            <a:endParaRPr lang="de-DE" sz="1100" dirty="0"/>
           </a:p>
         </p:txBody>
       </p:sp>
@@ -18210,7 +18684,7 @@
           <p:cNvPr id="55" name="Textplatzhalter 3">
             <a:extLst>
               <a:ext uri="{FF2B5EF4-FFF2-40B4-BE49-F238E27FC236}">
-                <a16:creationId xmlns="" xmlns:a16="http://schemas.microsoft.com/office/drawing/2014/main" id="{F418CE97-2B50-4D86-9424-F175A039EAAA}"/>
+                <a16:creationId xmlns:a16="http://schemas.microsoft.com/office/drawing/2014/main" id="{F418CE97-2B50-4D86-9424-F175A039EAAA}"/>
               </a:ext>
             </a:extLst>
           </p:cNvPr>
@@ -18232,26 +18706,25 @@
           <a:lstStyle/>
           <a:p>
             <a:r>
-              <a:rPr lang="de-DE" dirty="0" smtClean="0"/>
+              <a:rPr lang="de-DE" dirty="0"/>
               <a:t>Loss-</a:t>
             </a:r>
             <a:r>
-              <a:rPr lang="de-DE" dirty="0" err="1" smtClean="0"/>
+              <a:rPr lang="de-DE" dirty="0" err="1"/>
               <a:t>trace</a:t>
             </a:r>
             <a:r>
-              <a:rPr lang="de-DE" dirty="0" smtClean="0"/>
+              <a:rPr lang="de-DE" dirty="0"/>
               <a:t> </a:t>
             </a:r>
             <a:r>
-              <a:rPr lang="de-DE" dirty="0" err="1" smtClean="0"/>
+              <a:rPr lang="de-DE" dirty="0" err="1"/>
               <a:t>generierung</a:t>
             </a:r>
             <a:r>
-              <a:rPr lang="de-DE" dirty="0" smtClean="0"/>
+              <a:rPr lang="de-DE" dirty="0"/>
               <a:t>: -gen</a:t>
             </a:r>
-            <a:endParaRPr lang="de-DE" dirty="0"/>
           </a:p>
         </p:txBody>
       </p:sp>
@@ -18819,7 +19292,7 @@
           <p:cNvPr id="11" name="Abgerundetes Rechteck 10">
             <a:extLst>
               <a:ext uri="{FF2B5EF4-FFF2-40B4-BE49-F238E27FC236}">
-                <a16:creationId xmlns="" xmlns:a16="http://schemas.microsoft.com/office/drawing/2014/main" id="{BF525568-FD4C-AE48-AD97-13C41EAE51F5}"/>
+                <a16:creationId xmlns:a16="http://schemas.microsoft.com/office/drawing/2014/main" id="{BF525568-FD4C-AE48-AD97-13C41EAE51F5}"/>
               </a:ext>
             </a:extLst>
           </p:cNvPr>
@@ -18867,7 +19340,7 @@
           <p:cNvPr id="3" name="Titel 2">
             <a:extLst>
               <a:ext uri="{FF2B5EF4-FFF2-40B4-BE49-F238E27FC236}">
-                <a16:creationId xmlns="" xmlns:a16="http://schemas.microsoft.com/office/drawing/2014/main" id="{286634E7-D4A9-3F4A-A3F0-5438BD879568}"/>
+                <a16:creationId xmlns:a16="http://schemas.microsoft.com/office/drawing/2014/main" id="{286634E7-D4A9-3F4A-A3F0-5438BD879568}"/>
               </a:ext>
             </a:extLst>
           </p:cNvPr>
@@ -18884,10 +19357,9 @@
           <a:lstStyle/>
           <a:p>
             <a:r>
-              <a:rPr lang="de-DE" dirty="0" smtClean="0"/>
+              <a:rPr lang="de-DE" dirty="0"/>
               <a:t>Umsetzung</a:t>
             </a:r>
-            <a:endParaRPr lang="de-DE" dirty="0"/>
           </a:p>
         </p:txBody>
       </p:sp>
@@ -18896,7 +19368,7 @@
           <p:cNvPr id="6" name="Abgerundetes Rechteck 5">
             <a:extLst>
               <a:ext uri="{FF2B5EF4-FFF2-40B4-BE49-F238E27FC236}">
-                <a16:creationId xmlns="" xmlns:a16="http://schemas.microsoft.com/office/drawing/2014/main" id="{F7798EFE-4085-8546-8572-4EE9B0AF6675}"/>
+                <a16:creationId xmlns:a16="http://schemas.microsoft.com/office/drawing/2014/main" id="{F7798EFE-4085-8546-8572-4EE9B0AF6675}"/>
               </a:ext>
             </a:extLst>
           </p:cNvPr>
@@ -18958,7 +19430,7 @@
           <p:cNvPr id="7" name="Rechteck 6">
             <a:extLst>
               <a:ext uri="{FF2B5EF4-FFF2-40B4-BE49-F238E27FC236}">
-                <a16:creationId xmlns="" xmlns:a16="http://schemas.microsoft.com/office/drawing/2014/main" id="{E0CFADD7-1DEE-8A44-B07F-5D0B40C0062D}"/>
+                <a16:creationId xmlns:a16="http://schemas.microsoft.com/office/drawing/2014/main" id="{E0CFADD7-1DEE-8A44-B07F-5D0B40C0062D}"/>
               </a:ext>
             </a:extLst>
           </p:cNvPr>
@@ -19019,7 +19491,7 @@
           <p:cNvPr id="8" name="Rechteck 7">
             <a:extLst>
               <a:ext uri="{FF2B5EF4-FFF2-40B4-BE49-F238E27FC236}">
-                <a16:creationId xmlns="" xmlns:a16="http://schemas.microsoft.com/office/drawing/2014/main" id="{B9C702B5-8A9B-0347-A216-735E38F31E4B}"/>
+                <a16:creationId xmlns:a16="http://schemas.microsoft.com/office/drawing/2014/main" id="{B9C702B5-8A9B-0347-A216-735E38F31E4B}"/>
               </a:ext>
             </a:extLst>
           </p:cNvPr>
@@ -19080,7 +19552,7 @@
           <p:cNvPr id="9" name="Rechteck 8">
             <a:extLst>
               <a:ext uri="{FF2B5EF4-FFF2-40B4-BE49-F238E27FC236}">
-                <a16:creationId xmlns="" xmlns:a16="http://schemas.microsoft.com/office/drawing/2014/main" id="{70EED48D-FB2B-A143-8C94-EF037FAC96EA}"/>
+                <a16:creationId xmlns:a16="http://schemas.microsoft.com/office/drawing/2014/main" id="{70EED48D-FB2B-A143-8C94-EF037FAC96EA}"/>
               </a:ext>
             </a:extLst>
           </p:cNvPr>
@@ -19141,7 +19613,7 @@
           <p:cNvPr id="10" name="Abgerundetes Rechteck 9">
             <a:extLst>
               <a:ext uri="{FF2B5EF4-FFF2-40B4-BE49-F238E27FC236}">
-                <a16:creationId xmlns="" xmlns:a16="http://schemas.microsoft.com/office/drawing/2014/main" id="{0132577E-A34E-DB47-88F5-BEFD0CC0E83E}"/>
+                <a16:creationId xmlns:a16="http://schemas.microsoft.com/office/drawing/2014/main" id="{0132577E-A34E-DB47-88F5-BEFD0CC0E83E}"/>
               </a:ext>
             </a:extLst>
           </p:cNvPr>
@@ -19203,7 +19675,7 @@
           <p:cNvPr id="14" name="Abgerundetes Rechteck 13">
             <a:extLst>
               <a:ext uri="{FF2B5EF4-FFF2-40B4-BE49-F238E27FC236}">
-                <a16:creationId xmlns="" xmlns:a16="http://schemas.microsoft.com/office/drawing/2014/main" id="{6B6DB4BD-31D3-8F45-B5CE-4DFEA5F13C87}"/>
+                <a16:creationId xmlns:a16="http://schemas.microsoft.com/office/drawing/2014/main" id="{6B6DB4BD-31D3-8F45-B5CE-4DFEA5F13C87}"/>
               </a:ext>
             </a:extLst>
           </p:cNvPr>
@@ -19212,8 +19684,8 @@
         </p:nvSpPr>
         <p:spPr>
           <a:xfrm>
-            <a:off x="6876256" y="1124744"/>
-            <a:ext cx="2186346" cy="4752528"/>
+            <a:off x="6876256" y="1556792"/>
+            <a:ext cx="2186346" cy="4320480"/>
           </a:xfrm>
           <a:prstGeom prst="roundRect">
             <a:avLst/>
@@ -19261,7 +19733,7 @@
           <p:cNvPr id="15" name="Abgerundetes Rechteck 14">
             <a:extLst>
               <a:ext uri="{FF2B5EF4-FFF2-40B4-BE49-F238E27FC236}">
-                <a16:creationId xmlns="" xmlns:a16="http://schemas.microsoft.com/office/drawing/2014/main" id="{DB4DB3BC-AFC6-0344-97B9-8D7FE97831D0}"/>
+                <a16:creationId xmlns:a16="http://schemas.microsoft.com/office/drawing/2014/main" id="{DB4DB3BC-AFC6-0344-97B9-8D7FE97831D0}"/>
               </a:ext>
             </a:extLst>
           </p:cNvPr>
@@ -19347,7 +19819,7 @@
           </a:xfrm>
           <a:prstGeom prst="bentConnector3">
             <a:avLst>
-              <a:gd name="adj1" fmla="val 48483"/>
+              <a:gd name="adj1" fmla="val 47784"/>
             </a:avLst>
           </a:prstGeom>
           <a:ln>
@@ -19566,10 +20038,9 @@
           <a:lstStyle/>
           <a:p>
             <a:r>
-              <a:rPr lang="de-DE" sz="1100" dirty="0" smtClean="0"/>
+              <a:rPr lang="de-DE" sz="1100" dirty="0"/>
               <a:t>Modellparameter</a:t>
             </a:r>
-            <a:endParaRPr lang="de-DE" sz="1100" dirty="0"/>
           </a:p>
         </p:txBody>
       </p:sp>
@@ -19596,7 +20067,7 @@
           <a:lstStyle/>
           <a:p>
             <a:r>
-              <a:rPr lang="de-DE" sz="1100" dirty="0" err="1" smtClean="0"/>
+              <a:rPr lang="de-DE" sz="1100" dirty="0" err="1"/>
               <a:t>Parametrisierungsfalg</a:t>
             </a:r>
             <a:endParaRPr lang="de-DE" sz="1100" dirty="0"/>
@@ -19637,7 +20108,6 @@
               <a:rPr lang="de-DE" sz="1100" dirty="0"/>
               <a:t> oder ping log</a:t>
             </a:r>
-            <a:endParaRPr lang="de-DE" sz="1100" dirty="0"/>
           </a:p>
         </p:txBody>
       </p:sp>
@@ -19664,10 +20134,9 @@
           <a:lstStyle/>
           <a:p>
             <a:r>
-              <a:rPr lang="de-DE" sz="1100" dirty="0" smtClean="0"/>
+              <a:rPr lang="de-DE" sz="1100" dirty="0"/>
               <a:t>Modellparameter</a:t>
             </a:r>
-            <a:endParaRPr lang="de-DE" sz="1100" dirty="0"/>
           </a:p>
         </p:txBody>
       </p:sp>
@@ -19694,26 +20163,25 @@
           <a:lstStyle/>
           <a:p>
             <a:r>
-              <a:rPr lang="de-DE" sz="1100" dirty="0" smtClean="0"/>
+              <a:rPr lang="de-DE" sz="1100" dirty="0"/>
               <a:t>Real-</a:t>
             </a:r>
             <a:r>
-              <a:rPr lang="de-DE" sz="1100" dirty="0" err="1" smtClean="0"/>
+              <a:rPr lang="de-DE" sz="1100" dirty="0" err="1"/>
               <a:t>world</a:t>
             </a:r>
             <a:r>
-              <a:rPr lang="de-DE" sz="1100" dirty="0" smtClean="0"/>
+              <a:rPr lang="de-DE" sz="1100" dirty="0"/>
               <a:t> </a:t>
             </a:r>
             <a:r>
-              <a:rPr lang="de-DE" sz="1100" dirty="0" err="1" smtClean="0"/>
+              <a:rPr lang="de-DE" sz="1100" dirty="0" err="1"/>
               <a:t>loss</a:t>
             </a:r>
             <a:r>
-              <a:rPr lang="de-DE" sz="1100" dirty="0" smtClean="0"/>
+              <a:rPr lang="de-DE" sz="1100" dirty="0"/>
               <a:t>-Trace</a:t>
             </a:r>
-            <a:endParaRPr lang="de-DE" sz="1100" dirty="0"/>
           </a:p>
         </p:txBody>
       </p:sp>
@@ -19740,10 +20208,9 @@
           <a:lstStyle/>
           <a:p>
             <a:r>
-              <a:rPr lang="de-DE" sz="1100" dirty="0" smtClean="0"/>
+              <a:rPr lang="de-DE" sz="1100" dirty="0"/>
               <a:t>Loss-Trace</a:t>
             </a:r>
-            <a:endParaRPr lang="de-DE" sz="1100" dirty="0"/>
           </a:p>
         </p:txBody>
       </p:sp>
@@ -19752,7 +20219,7 @@
           <p:cNvPr id="55" name="Textplatzhalter 3">
             <a:extLst>
               <a:ext uri="{FF2B5EF4-FFF2-40B4-BE49-F238E27FC236}">
-                <a16:creationId xmlns="" xmlns:a16="http://schemas.microsoft.com/office/drawing/2014/main" id="{F418CE97-2B50-4D86-9424-F175A039EAAA}"/>
+                <a16:creationId xmlns:a16="http://schemas.microsoft.com/office/drawing/2014/main" id="{F418CE97-2B50-4D86-9424-F175A039EAAA}"/>
               </a:ext>
             </a:extLst>
           </p:cNvPr>
@@ -19774,18 +20241,17 @@
           <a:lstStyle/>
           <a:p>
             <a:r>
-              <a:rPr lang="de-DE" dirty="0" smtClean="0"/>
+              <a:rPr lang="de-DE" dirty="0"/>
               <a:t>Real-World </a:t>
             </a:r>
             <a:r>
-              <a:rPr lang="de-DE" dirty="0" err="1" smtClean="0"/>
+              <a:rPr lang="de-DE" dirty="0" err="1"/>
               <a:t>trace</a:t>
             </a:r>
             <a:r>
-              <a:rPr lang="de-DE" dirty="0" smtClean="0"/>
+              <a:rPr lang="de-DE" dirty="0"/>
               <a:t> Extrahieren: -parse</a:t>
             </a:r>
-            <a:endParaRPr lang="de-DE" dirty="0"/>
           </a:p>
         </p:txBody>
       </p:sp>
@@ -20353,7 +20819,7 @@
           <p:cNvPr id="11" name="Abgerundetes Rechteck 10">
             <a:extLst>
               <a:ext uri="{FF2B5EF4-FFF2-40B4-BE49-F238E27FC236}">
-                <a16:creationId xmlns="" xmlns:a16="http://schemas.microsoft.com/office/drawing/2014/main" id="{BF525568-FD4C-AE48-AD97-13C41EAE51F5}"/>
+                <a16:creationId xmlns:a16="http://schemas.microsoft.com/office/drawing/2014/main" id="{BF525568-FD4C-AE48-AD97-13C41EAE51F5}"/>
               </a:ext>
             </a:extLst>
           </p:cNvPr>
@@ -20401,7 +20867,7 @@
           <p:cNvPr id="3" name="Titel 2">
             <a:extLst>
               <a:ext uri="{FF2B5EF4-FFF2-40B4-BE49-F238E27FC236}">
-                <a16:creationId xmlns="" xmlns:a16="http://schemas.microsoft.com/office/drawing/2014/main" id="{286634E7-D4A9-3F4A-A3F0-5438BD879568}"/>
+                <a16:creationId xmlns:a16="http://schemas.microsoft.com/office/drawing/2014/main" id="{286634E7-D4A9-3F4A-A3F0-5438BD879568}"/>
               </a:ext>
             </a:extLst>
           </p:cNvPr>
@@ -20418,10 +20884,9 @@
           <a:lstStyle/>
           <a:p>
             <a:r>
-              <a:rPr lang="de-DE" dirty="0" smtClean="0"/>
+              <a:rPr lang="de-DE" dirty="0"/>
               <a:t>Umsetzung</a:t>
             </a:r>
-            <a:endParaRPr lang="de-DE" dirty="0"/>
           </a:p>
         </p:txBody>
       </p:sp>
@@ -20430,7 +20895,7 @@
           <p:cNvPr id="6" name="Abgerundetes Rechteck 5">
             <a:extLst>
               <a:ext uri="{FF2B5EF4-FFF2-40B4-BE49-F238E27FC236}">
-                <a16:creationId xmlns="" xmlns:a16="http://schemas.microsoft.com/office/drawing/2014/main" id="{F7798EFE-4085-8546-8572-4EE9B0AF6675}"/>
+                <a16:creationId xmlns:a16="http://schemas.microsoft.com/office/drawing/2014/main" id="{F7798EFE-4085-8546-8572-4EE9B0AF6675}"/>
               </a:ext>
             </a:extLst>
           </p:cNvPr>
@@ -20492,7 +20957,7 @@
           <p:cNvPr id="7" name="Rechteck 6">
             <a:extLst>
               <a:ext uri="{FF2B5EF4-FFF2-40B4-BE49-F238E27FC236}">
-                <a16:creationId xmlns="" xmlns:a16="http://schemas.microsoft.com/office/drawing/2014/main" id="{E0CFADD7-1DEE-8A44-B07F-5D0B40C0062D}"/>
+                <a16:creationId xmlns:a16="http://schemas.microsoft.com/office/drawing/2014/main" id="{E0CFADD7-1DEE-8A44-B07F-5D0B40C0062D}"/>
               </a:ext>
             </a:extLst>
           </p:cNvPr>
@@ -20553,7 +21018,7 @@
           <p:cNvPr id="8" name="Rechteck 7">
             <a:extLst>
               <a:ext uri="{FF2B5EF4-FFF2-40B4-BE49-F238E27FC236}">
-                <a16:creationId xmlns="" xmlns:a16="http://schemas.microsoft.com/office/drawing/2014/main" id="{B9C702B5-8A9B-0347-A216-735E38F31E4B}"/>
+                <a16:creationId xmlns:a16="http://schemas.microsoft.com/office/drawing/2014/main" id="{B9C702B5-8A9B-0347-A216-735E38F31E4B}"/>
               </a:ext>
             </a:extLst>
           </p:cNvPr>
@@ -20614,7 +21079,7 @@
           <p:cNvPr id="9" name="Rechteck 8">
             <a:extLst>
               <a:ext uri="{FF2B5EF4-FFF2-40B4-BE49-F238E27FC236}">
-                <a16:creationId xmlns="" xmlns:a16="http://schemas.microsoft.com/office/drawing/2014/main" id="{70EED48D-FB2B-A143-8C94-EF037FAC96EA}"/>
+                <a16:creationId xmlns:a16="http://schemas.microsoft.com/office/drawing/2014/main" id="{70EED48D-FB2B-A143-8C94-EF037FAC96EA}"/>
               </a:ext>
             </a:extLst>
           </p:cNvPr>
@@ -20675,7 +21140,7 @@
           <p:cNvPr id="10" name="Abgerundetes Rechteck 9">
             <a:extLst>
               <a:ext uri="{FF2B5EF4-FFF2-40B4-BE49-F238E27FC236}">
-                <a16:creationId xmlns="" xmlns:a16="http://schemas.microsoft.com/office/drawing/2014/main" id="{0132577E-A34E-DB47-88F5-BEFD0CC0E83E}"/>
+                <a16:creationId xmlns:a16="http://schemas.microsoft.com/office/drawing/2014/main" id="{0132577E-A34E-DB47-88F5-BEFD0CC0E83E}"/>
               </a:ext>
             </a:extLst>
           </p:cNvPr>
@@ -20737,7 +21202,7 @@
           <p:cNvPr id="14" name="Abgerundetes Rechteck 13">
             <a:extLst>
               <a:ext uri="{FF2B5EF4-FFF2-40B4-BE49-F238E27FC236}">
-                <a16:creationId xmlns="" xmlns:a16="http://schemas.microsoft.com/office/drawing/2014/main" id="{6B6DB4BD-31D3-8F45-B5CE-4DFEA5F13C87}"/>
+                <a16:creationId xmlns:a16="http://schemas.microsoft.com/office/drawing/2014/main" id="{6B6DB4BD-31D3-8F45-B5CE-4DFEA5F13C87}"/>
               </a:ext>
             </a:extLst>
           </p:cNvPr>
@@ -20746,8 +21211,8 @@
         </p:nvSpPr>
         <p:spPr>
           <a:xfrm>
-            <a:off x="6876256" y="1124744"/>
-            <a:ext cx="2186346" cy="4752528"/>
+            <a:off x="6876256" y="1556792"/>
+            <a:ext cx="2186346" cy="4320480"/>
           </a:xfrm>
           <a:prstGeom prst="roundRect">
             <a:avLst/>
@@ -20795,7 +21260,7 @@
           <p:cNvPr id="15" name="Abgerundetes Rechteck 14">
             <a:extLst>
               <a:ext uri="{FF2B5EF4-FFF2-40B4-BE49-F238E27FC236}">
-                <a16:creationId xmlns="" xmlns:a16="http://schemas.microsoft.com/office/drawing/2014/main" id="{DB4DB3BC-AFC6-0344-97B9-8D7FE97831D0}"/>
+                <a16:creationId xmlns:a16="http://schemas.microsoft.com/office/drawing/2014/main" id="{DB4DB3BC-AFC6-0344-97B9-8D7FE97831D0}"/>
               </a:ext>
             </a:extLst>
           </p:cNvPr>
@@ -20881,7 +21346,7 @@
           </a:xfrm>
           <a:prstGeom prst="bentConnector3">
             <a:avLst>
-              <a:gd name="adj1" fmla="val 48483"/>
+              <a:gd name="adj1" fmla="val 47785"/>
             </a:avLst>
           </a:prstGeom>
           <a:ln>
@@ -21100,10 +21565,9 @@
           <a:lstStyle/>
           <a:p>
             <a:r>
-              <a:rPr lang="de-DE" sz="1100" dirty="0" smtClean="0"/>
+              <a:rPr lang="de-DE" sz="1100" dirty="0"/>
               <a:t>Modellparameter</a:t>
             </a:r>
-            <a:endParaRPr lang="de-DE" sz="1100" dirty="0"/>
           </a:p>
         </p:txBody>
       </p:sp>
@@ -21130,7 +21594,7 @@
           <a:lstStyle/>
           <a:p>
             <a:r>
-              <a:rPr lang="de-DE" sz="1100" dirty="0" err="1" smtClean="0"/>
+              <a:rPr lang="de-DE" sz="1100" dirty="0" err="1"/>
               <a:t>Parametrisierungsfalg</a:t>
             </a:r>
             <a:endParaRPr lang="de-DE" sz="1100" dirty="0"/>
@@ -21160,18 +21624,17 @@
           <a:lstStyle/>
           <a:p>
             <a:r>
-              <a:rPr lang="de-DE" sz="1100" dirty="0" smtClean="0"/>
+              <a:rPr lang="de-DE" sz="1100" dirty="0"/>
               <a:t>.</a:t>
             </a:r>
             <a:r>
-              <a:rPr lang="de-DE" sz="1100" dirty="0" err="1" smtClean="0"/>
+              <a:rPr lang="de-DE" sz="1100" dirty="0" err="1"/>
               <a:t>pcap</a:t>
             </a:r>
             <a:r>
-              <a:rPr lang="de-DE" sz="1100" dirty="0" smtClean="0"/>
+              <a:rPr lang="de-DE" sz="1100" dirty="0"/>
               <a:t> oder ping log</a:t>
             </a:r>
-            <a:endParaRPr lang="de-DE" sz="1100" dirty="0"/>
           </a:p>
         </p:txBody>
       </p:sp>
@@ -21198,10 +21661,9 @@
           <a:lstStyle/>
           <a:p>
             <a:r>
-              <a:rPr lang="de-DE" sz="1100" dirty="0" smtClean="0"/>
+              <a:rPr lang="de-DE" sz="1100" dirty="0"/>
               <a:t>Modellparameter</a:t>
             </a:r>
-            <a:endParaRPr lang="de-DE" sz="1100" dirty="0"/>
           </a:p>
         </p:txBody>
       </p:sp>
@@ -21228,26 +21690,25 @@
           <a:lstStyle/>
           <a:p>
             <a:r>
-              <a:rPr lang="de-DE" sz="1100" dirty="0" smtClean="0"/>
+              <a:rPr lang="de-DE" sz="1100" dirty="0"/>
               <a:t>Real-</a:t>
             </a:r>
             <a:r>
-              <a:rPr lang="de-DE" sz="1100" dirty="0" err="1" smtClean="0"/>
+              <a:rPr lang="de-DE" sz="1100" dirty="0" err="1"/>
               <a:t>world</a:t>
             </a:r>
             <a:r>
-              <a:rPr lang="de-DE" sz="1100" dirty="0" smtClean="0"/>
+              <a:rPr lang="de-DE" sz="1100" dirty="0"/>
               <a:t> </a:t>
             </a:r>
             <a:r>
-              <a:rPr lang="de-DE" sz="1100" dirty="0" err="1" smtClean="0"/>
+              <a:rPr lang="de-DE" sz="1100" dirty="0" err="1"/>
               <a:t>loss</a:t>
             </a:r>
             <a:r>
-              <a:rPr lang="de-DE" sz="1100" dirty="0" smtClean="0"/>
+              <a:rPr lang="de-DE" sz="1100" dirty="0"/>
               <a:t>-Trace</a:t>
             </a:r>
-            <a:endParaRPr lang="de-DE" sz="1100" dirty="0"/>
           </a:p>
         </p:txBody>
       </p:sp>
@@ -21274,10 +21735,9 @@
           <a:lstStyle/>
           <a:p>
             <a:r>
-              <a:rPr lang="de-DE" sz="1100" dirty="0" smtClean="0"/>
+              <a:rPr lang="de-DE" sz="1100" dirty="0"/>
               <a:t>Loss-Trace</a:t>
             </a:r>
-            <a:endParaRPr lang="de-DE" sz="1100" dirty="0"/>
           </a:p>
         </p:txBody>
       </p:sp>
@@ -21286,7 +21746,7 @@
           <p:cNvPr id="55" name="Textplatzhalter 3">
             <a:extLst>
               <a:ext uri="{FF2B5EF4-FFF2-40B4-BE49-F238E27FC236}">
-                <a16:creationId xmlns="" xmlns:a16="http://schemas.microsoft.com/office/drawing/2014/main" id="{F418CE97-2B50-4D86-9424-F175A039EAAA}"/>
+                <a16:creationId xmlns:a16="http://schemas.microsoft.com/office/drawing/2014/main" id="{F418CE97-2B50-4D86-9424-F175A039EAAA}"/>
               </a:ext>
             </a:extLst>
           </p:cNvPr>
@@ -21308,10 +21768,9 @@
           <a:lstStyle/>
           <a:p>
             <a:r>
-              <a:rPr lang="de-DE" dirty="0" smtClean="0"/>
+              <a:rPr lang="de-DE" dirty="0"/>
               <a:t>Real-World Parameter Extrahieren: -Import</a:t>
             </a:r>
-            <a:endParaRPr lang="de-DE" dirty="0"/>
           </a:p>
         </p:txBody>
       </p:sp>
@@ -22004,10 +22463,10 @@
       </p:grpSpPr>
       <p:sp>
         <p:nvSpPr>
-          <p:cNvPr id="2" name="Inhaltsplatzhalter 1">
+          <p:cNvPr id="3" name="Textplatzhalter 2">
             <a:extLst>
               <a:ext uri="{FF2B5EF4-FFF2-40B4-BE49-F238E27FC236}">
-                <a16:creationId xmlns="" xmlns:a16="http://schemas.microsoft.com/office/drawing/2014/main" id="{332A609A-085D-4532-8AA5-40765BB0C502}"/>
+                <a16:creationId xmlns:a16="http://schemas.microsoft.com/office/drawing/2014/main" id="{B41F85F4-D12A-4EEB-AE84-6818834123CE}"/>
               </a:ext>
             </a:extLst>
           </p:cNvPr>
@@ -22015,22 +22474,18 @@
             <a:spLocks noGrp="1"/>
           </p:cNvSpPr>
           <p:nvPr>
-            <p:ph sz="quarter" idx="13"/>
+            <p:ph type="body" sz="quarter" idx="16"/>
           </p:nvPr>
         </p:nvSpPr>
         <p:spPr/>
         <p:txBody>
-          <a:bodyPr>
-            <a:normAutofit/>
-          </a:bodyPr>
+          <a:bodyPr/>
           <a:lstStyle/>
           <a:p>
-            <a:pPr algn="ctr"/>
-            <a:r>
-              <a:rPr lang="de-DE" sz="4400" dirty="0" smtClean="0"/>
-              <a:t>PAP/UML irgendwas zum Überblick geben</a:t>
-            </a:r>
-            <a:endParaRPr lang="de-DE" sz="4400" dirty="0"/>
+            <a:r>
+              <a:rPr lang="de-DE" dirty="0"/>
+              <a:t>Ablauf</a:t>
+            </a:r>
           </a:p>
         </p:txBody>
       </p:sp>
@@ -22039,7 +22494,7 @@
           <p:cNvPr id="4" name="Titel 3">
             <a:extLst>
               <a:ext uri="{FF2B5EF4-FFF2-40B4-BE49-F238E27FC236}">
-                <a16:creationId xmlns="" xmlns:a16="http://schemas.microsoft.com/office/drawing/2014/main" id="{BBAD2FDD-AB6A-4A42-8453-B19CE24AC7FD}"/>
+                <a16:creationId xmlns:a16="http://schemas.microsoft.com/office/drawing/2014/main" id="{5EEBBA3E-6D1F-4F8A-B3AC-81DFD9F10333}"/>
               </a:ext>
             </a:extLst>
           </p:cNvPr>
@@ -22056,45 +22511,1718 @@
           <a:lstStyle/>
           <a:p>
             <a:r>
-              <a:rPr lang="de-DE" dirty="0" err="1"/>
-              <a:t>Tracegenerator</a:t>
-            </a:r>
-            <a:r>
               <a:rPr lang="de-DE" dirty="0"/>
-              <a:t> – Der Aufbau</a:t>
+              <a:t>Modell-Validierung</a:t>
             </a:r>
           </a:p>
         </p:txBody>
       </p:sp>
-      <p:sp>
-        <p:nvSpPr>
-          <p:cNvPr id="6" name="Textplatzhalter 5">
+      <p:pic>
+        <p:nvPicPr>
+          <p:cNvPr id="10" name="Inhaltsplatzhalter 9">
             <a:extLst>
               <a:ext uri="{FF2B5EF4-FFF2-40B4-BE49-F238E27FC236}">
-                <a16:creationId xmlns="" xmlns:a16="http://schemas.microsoft.com/office/drawing/2014/main" id="{B06D0D46-67E1-481C-9B44-29337C626A64}"/>
+                <a16:creationId xmlns:a16="http://schemas.microsoft.com/office/drawing/2014/main" id="{049B8DB9-9975-4836-A25A-1D4323BDA049}"/>
               </a:ext>
             </a:extLst>
           </p:cNvPr>
-          <p:cNvSpPr>
-            <a:spLocks noGrp="1"/>
+          <p:cNvPicPr>
+            <a:picLocks noGrp="1" noChangeAspect="1"/>
+          </p:cNvPicPr>
+          <p:nvPr>
+            <p:ph sz="quarter" idx="13"/>
+          </p:nvPr>
+        </p:nvPicPr>
+        <p:blipFill>
+          <a:blip r:embed="rId3">
+            <a:duotone>
+              <a:schemeClr val="accent1">
+                <a:shade val="45000"/>
+                <a:satMod val="135000"/>
+              </a:schemeClr>
+              <a:prstClr val="white"/>
+            </a:duotone>
+            <a:extLst>
+              <a:ext uri="{28A0092B-C50C-407E-A947-70E740481C1C}">
+                <a14:useLocalDpi xmlns:a14="http://schemas.microsoft.com/office/drawing/2010/main" val="0"/>
+              </a:ext>
+            </a:extLst>
+          </a:blip>
+          <a:stretch>
+            <a:fillRect/>
+          </a:stretch>
+        </p:blipFill>
+        <p:spPr>
+          <a:xfrm>
+            <a:off x="532275" y="2279096"/>
+            <a:ext cx="650296" cy="650296"/>
+          </a:xfrm>
+        </p:spPr>
+      </p:pic>
+      <p:sp>
+        <p:nvSpPr>
+          <p:cNvPr id="11" name="Textfeld 10">
+            <a:extLst>
+              <a:ext uri="{FF2B5EF4-FFF2-40B4-BE49-F238E27FC236}">
+                <a16:creationId xmlns:a16="http://schemas.microsoft.com/office/drawing/2014/main" id="{076E8B02-0F5A-4743-A401-99B93ED2AC75}"/>
+              </a:ext>
+            </a:extLst>
+          </p:cNvPr>
+          <p:cNvSpPr txBox="1"/>
+          <p:nvPr/>
+        </p:nvSpPr>
+        <p:spPr>
+          <a:xfrm>
+            <a:off x="226288" y="2843644"/>
+            <a:ext cx="1262269" cy="369332"/>
+          </a:xfrm>
+          <a:prstGeom prst="rect">
+            <a:avLst/>
+          </a:prstGeom>
+          <a:noFill/>
+        </p:spPr>
+        <p:txBody>
+          <a:bodyPr wrap="none" rtlCol="0">
+            <a:spAutoFit/>
+          </a:bodyPr>
+          <a:lstStyle/>
+          <a:p>
+            <a:r>
+              <a:rPr lang="de-DE" dirty="0">
+                <a:solidFill>
+                  <a:srgbClr val="5F5F5F"/>
+                </a:solidFill>
+              </a:rPr>
+              <a:t>Parameter</a:t>
+            </a:r>
+          </a:p>
+        </p:txBody>
+      </p:sp>
+      <p:pic>
+        <p:nvPicPr>
+          <p:cNvPr id="13" name="Grafik 12">
+            <a:extLst>
+              <a:ext uri="{FF2B5EF4-FFF2-40B4-BE49-F238E27FC236}">
+                <a16:creationId xmlns:a16="http://schemas.microsoft.com/office/drawing/2014/main" id="{7D5AE52C-36B7-42DE-AEFE-58BF36B5B8D5}"/>
+              </a:ext>
+            </a:extLst>
+          </p:cNvPr>
+          <p:cNvPicPr>
+            <a:picLocks noChangeAspect="1"/>
+          </p:cNvPicPr>
+          <p:nvPr/>
+        </p:nvPicPr>
+        <p:blipFill>
+          <a:blip r:embed="rId4">
+            <a:duotone>
+              <a:schemeClr val="accent1">
+                <a:shade val="45000"/>
+                <a:satMod val="135000"/>
+              </a:schemeClr>
+              <a:prstClr val="white"/>
+            </a:duotone>
+            <a:extLst>
+              <a:ext uri="{28A0092B-C50C-407E-A947-70E740481C1C}">
+                <a14:useLocalDpi xmlns:a14="http://schemas.microsoft.com/office/drawing/2010/main" val="0"/>
+              </a:ext>
+            </a:extLst>
+          </a:blip>
+          <a:stretch>
+            <a:fillRect/>
+          </a:stretch>
+        </p:blipFill>
+        <p:spPr>
+          <a:xfrm>
+            <a:off x="1979712" y="1628800"/>
+            <a:ext cx="650296" cy="650296"/>
+          </a:xfrm>
+          <a:prstGeom prst="rect">
+            <a:avLst/>
+          </a:prstGeom>
+        </p:spPr>
+      </p:pic>
+      <p:sp>
+        <p:nvSpPr>
+          <p:cNvPr id="14" name="Textfeld 13">
+            <a:extLst>
+              <a:ext uri="{FF2B5EF4-FFF2-40B4-BE49-F238E27FC236}">
+                <a16:creationId xmlns:a16="http://schemas.microsoft.com/office/drawing/2014/main" id="{EA36F0B0-44B0-4F0A-9538-B007AB8DA688}"/>
+              </a:ext>
+            </a:extLst>
+          </p:cNvPr>
+          <p:cNvSpPr txBox="1"/>
+          <p:nvPr/>
+        </p:nvSpPr>
+        <p:spPr>
+          <a:xfrm>
+            <a:off x="1902651" y="2197796"/>
+            <a:ext cx="869149" cy="369332"/>
+          </a:xfrm>
+          <a:prstGeom prst="rect">
+            <a:avLst/>
+          </a:prstGeom>
+          <a:noFill/>
+        </p:spPr>
+        <p:txBody>
+          <a:bodyPr wrap="none" rtlCol="0">
+            <a:spAutoFit/>
+          </a:bodyPr>
+          <a:lstStyle/>
+          <a:p>
+            <a:r>
+              <a:rPr lang="de-DE" dirty="0" err="1">
+                <a:solidFill>
+                  <a:srgbClr val="5F5F5F"/>
+                </a:solidFill>
+              </a:rPr>
+              <a:t>Netem</a:t>
+            </a:r>
+            <a:endParaRPr lang="de-DE" dirty="0">
+              <a:solidFill>
+                <a:srgbClr val="5F5F5F"/>
+              </a:solidFill>
+            </a:endParaRPr>
+          </a:p>
+        </p:txBody>
+      </p:sp>
+      <p:pic>
+        <p:nvPicPr>
+          <p:cNvPr id="16" name="Grafik 15">
+            <a:extLst>
+              <a:ext uri="{FF2B5EF4-FFF2-40B4-BE49-F238E27FC236}">
+                <a16:creationId xmlns:a16="http://schemas.microsoft.com/office/drawing/2014/main" id="{2F8AF20D-7859-47E1-9255-5F3A2114F883}"/>
+              </a:ext>
+            </a:extLst>
+          </p:cNvPr>
+          <p:cNvPicPr>
+            <a:picLocks noChangeAspect="1"/>
+          </p:cNvPicPr>
+          <p:nvPr/>
+        </p:nvPicPr>
+        <p:blipFill>
+          <a:blip r:embed="rId5">
+            <a:duotone>
+              <a:schemeClr val="accent1">
+                <a:shade val="45000"/>
+                <a:satMod val="135000"/>
+              </a:schemeClr>
+              <a:prstClr val="white"/>
+            </a:duotone>
+            <a:extLst>
+              <a:ext uri="{28A0092B-C50C-407E-A947-70E740481C1C}">
+                <a14:useLocalDpi xmlns:a14="http://schemas.microsoft.com/office/drawing/2010/main" val="0"/>
+              </a:ext>
+            </a:extLst>
+          </a:blip>
+          <a:stretch>
+            <a:fillRect/>
+          </a:stretch>
+        </p:blipFill>
+        <p:spPr>
+          <a:xfrm>
+            <a:off x="3491880" y="1628800"/>
+            <a:ext cx="650296" cy="650296"/>
+          </a:xfrm>
+          <a:prstGeom prst="rect">
+            <a:avLst/>
+          </a:prstGeom>
+        </p:spPr>
+      </p:pic>
+      <p:sp>
+        <p:nvSpPr>
+          <p:cNvPr id="17" name="Textfeld 16">
+            <a:extLst>
+              <a:ext uri="{FF2B5EF4-FFF2-40B4-BE49-F238E27FC236}">
+                <a16:creationId xmlns:a16="http://schemas.microsoft.com/office/drawing/2014/main" id="{058C3C86-7C94-4DF2-85CF-FFEDBF3CA54C}"/>
+              </a:ext>
+            </a:extLst>
+          </p:cNvPr>
+          <p:cNvSpPr txBox="1"/>
+          <p:nvPr/>
+        </p:nvSpPr>
+        <p:spPr>
+          <a:xfrm>
+            <a:off x="3491880" y="2197796"/>
+            <a:ext cx="609847" cy="369332"/>
+          </a:xfrm>
+          <a:prstGeom prst="rect">
+            <a:avLst/>
+          </a:prstGeom>
+          <a:noFill/>
+        </p:spPr>
+        <p:txBody>
+          <a:bodyPr wrap="none" rtlCol="0">
+            <a:spAutoFit/>
+          </a:bodyPr>
+          <a:lstStyle/>
+          <a:p>
+            <a:r>
+              <a:rPr lang="de-DE" dirty="0">
+                <a:solidFill>
+                  <a:srgbClr val="5F5F5F"/>
+                </a:solidFill>
+              </a:rPr>
+              <a:t>Ping</a:t>
+            </a:r>
+          </a:p>
+        </p:txBody>
+      </p:sp>
+      <p:pic>
+        <p:nvPicPr>
+          <p:cNvPr id="19" name="Grafik 18">
+            <a:extLst>
+              <a:ext uri="{FF2B5EF4-FFF2-40B4-BE49-F238E27FC236}">
+                <a16:creationId xmlns:a16="http://schemas.microsoft.com/office/drawing/2014/main" id="{CC4B7762-C765-43D1-8234-31A79B3802E8}"/>
+              </a:ext>
+            </a:extLst>
+          </p:cNvPr>
+          <p:cNvPicPr>
+            <a:picLocks noChangeAspect="1"/>
+          </p:cNvPicPr>
+          <p:nvPr/>
+        </p:nvPicPr>
+        <p:blipFill>
+          <a:blip r:embed="rId6">
+            <a:duotone>
+              <a:schemeClr val="accent1">
+                <a:shade val="45000"/>
+                <a:satMod val="135000"/>
+              </a:schemeClr>
+              <a:prstClr val="white"/>
+            </a:duotone>
+            <a:extLst>
+              <a:ext uri="{28A0092B-C50C-407E-A947-70E740481C1C}">
+                <a14:useLocalDpi xmlns:a14="http://schemas.microsoft.com/office/drawing/2010/main" val="0"/>
+              </a:ext>
+            </a:extLst>
+          </a:blip>
+          <a:stretch>
+            <a:fillRect/>
+          </a:stretch>
+        </p:blipFill>
+        <p:spPr>
+          <a:xfrm>
+            <a:off x="5001826" y="1628800"/>
+            <a:ext cx="650296" cy="650296"/>
+          </a:xfrm>
+          <a:prstGeom prst="rect">
+            <a:avLst/>
+          </a:prstGeom>
+        </p:spPr>
+      </p:pic>
+      <p:sp>
+        <p:nvSpPr>
+          <p:cNvPr id="20" name="Textfeld 19">
+            <a:extLst>
+              <a:ext uri="{FF2B5EF4-FFF2-40B4-BE49-F238E27FC236}">
+                <a16:creationId xmlns:a16="http://schemas.microsoft.com/office/drawing/2014/main" id="{80B5BF40-BE5C-4E14-8085-8EE2470E46AD}"/>
+              </a:ext>
+            </a:extLst>
+          </p:cNvPr>
+          <p:cNvSpPr txBox="1"/>
+          <p:nvPr/>
+        </p:nvSpPr>
+        <p:spPr>
+          <a:xfrm>
+            <a:off x="4966967" y="2197796"/>
+            <a:ext cx="540533" cy="369332"/>
+          </a:xfrm>
+          <a:prstGeom prst="rect">
+            <a:avLst/>
+          </a:prstGeom>
+          <a:noFill/>
+        </p:spPr>
+        <p:txBody>
+          <a:bodyPr wrap="none" rtlCol="0">
+            <a:spAutoFit/>
+          </a:bodyPr>
+          <a:lstStyle/>
+          <a:p>
+            <a:r>
+              <a:rPr lang="de-DE" dirty="0">
+                <a:solidFill>
+                  <a:srgbClr val="5F5F5F"/>
+                </a:solidFill>
+              </a:rPr>
+              <a:t>Log</a:t>
+            </a:r>
+          </a:p>
+        </p:txBody>
+      </p:sp>
+      <p:pic>
+        <p:nvPicPr>
+          <p:cNvPr id="22" name="Grafik 21">
+            <a:extLst>
+              <a:ext uri="{FF2B5EF4-FFF2-40B4-BE49-F238E27FC236}">
+                <a16:creationId xmlns:a16="http://schemas.microsoft.com/office/drawing/2014/main" id="{072D6007-4B21-4570-94BC-A75C155DFA42}"/>
+              </a:ext>
+            </a:extLst>
+          </p:cNvPr>
+          <p:cNvPicPr>
+            <a:picLocks noChangeAspect="1"/>
+          </p:cNvPicPr>
+          <p:nvPr/>
+        </p:nvPicPr>
+        <p:blipFill>
+          <a:blip r:embed="rId7">
+            <a:duotone>
+              <a:schemeClr val="accent1">
+                <a:shade val="45000"/>
+                <a:satMod val="135000"/>
+              </a:schemeClr>
+              <a:prstClr val="white"/>
+            </a:duotone>
+            <a:extLst>
+              <a:ext uri="{28A0092B-C50C-407E-A947-70E740481C1C}">
+                <a14:useLocalDpi xmlns:a14="http://schemas.microsoft.com/office/drawing/2010/main" val="0"/>
+              </a:ext>
+            </a:extLst>
+          </a:blip>
+          <a:stretch>
+            <a:fillRect/>
+          </a:stretch>
+        </p:blipFill>
+        <p:spPr>
+          <a:xfrm>
+            <a:off x="6372202" y="1628800"/>
+            <a:ext cx="650296" cy="650296"/>
+          </a:xfrm>
+          <a:prstGeom prst="rect">
+            <a:avLst/>
+          </a:prstGeom>
+        </p:spPr>
+      </p:pic>
+      <p:sp>
+        <p:nvSpPr>
+          <p:cNvPr id="23" name="Textfeld 22">
+            <a:extLst>
+              <a:ext uri="{FF2B5EF4-FFF2-40B4-BE49-F238E27FC236}">
+                <a16:creationId xmlns:a16="http://schemas.microsoft.com/office/drawing/2014/main" id="{442C92EF-2B28-497F-AA96-A746583567CD}"/>
+              </a:ext>
+            </a:extLst>
+          </p:cNvPr>
+          <p:cNvSpPr txBox="1"/>
+          <p:nvPr/>
+        </p:nvSpPr>
+        <p:spPr>
+          <a:xfrm>
+            <a:off x="6330711" y="2197796"/>
+            <a:ext cx="745973" cy="369332"/>
+          </a:xfrm>
+          <a:prstGeom prst="rect">
+            <a:avLst/>
+          </a:prstGeom>
+          <a:noFill/>
+        </p:spPr>
+        <p:txBody>
+          <a:bodyPr wrap="none" rtlCol="0">
+            <a:spAutoFit/>
+          </a:bodyPr>
+          <a:lstStyle/>
+          <a:p>
+            <a:r>
+              <a:rPr lang="de-DE" dirty="0">
+                <a:solidFill>
+                  <a:srgbClr val="5F5F5F"/>
+                </a:solidFill>
+              </a:rPr>
+              <a:t>Trace</a:t>
+            </a:r>
+          </a:p>
+        </p:txBody>
+      </p:sp>
+      <p:pic>
+        <p:nvPicPr>
+          <p:cNvPr id="25" name="Grafik 24">
+            <a:extLst>
+              <a:ext uri="{FF2B5EF4-FFF2-40B4-BE49-F238E27FC236}">
+                <a16:creationId xmlns:a16="http://schemas.microsoft.com/office/drawing/2014/main" id="{34F80897-BC5C-4FD9-84C0-F14447E773B0}"/>
+              </a:ext>
+            </a:extLst>
+          </p:cNvPr>
+          <p:cNvPicPr>
+            <a:picLocks noChangeAspect="1"/>
+          </p:cNvPicPr>
+          <p:nvPr/>
+        </p:nvPicPr>
+        <p:blipFill>
+          <a:blip r:embed="rId8">
+            <a:duotone>
+              <a:schemeClr val="accent1">
+                <a:shade val="45000"/>
+                <a:satMod val="135000"/>
+              </a:schemeClr>
+              <a:prstClr val="white"/>
+            </a:duotone>
+            <a:extLst>
+              <a:ext uri="{28A0092B-C50C-407E-A947-70E740481C1C}">
+                <a14:useLocalDpi xmlns:a14="http://schemas.microsoft.com/office/drawing/2010/main" val="0"/>
+              </a:ext>
+            </a:extLst>
+          </a:blip>
+          <a:stretch>
+            <a:fillRect/>
+          </a:stretch>
+        </p:blipFill>
+        <p:spPr>
+          <a:xfrm>
+            <a:off x="1979712" y="2844000"/>
+            <a:ext cx="650296" cy="650296"/>
+          </a:xfrm>
+          <a:prstGeom prst="rect">
+            <a:avLst/>
+          </a:prstGeom>
+        </p:spPr>
+      </p:pic>
+      <p:sp>
+        <p:nvSpPr>
+          <p:cNvPr id="26" name="Textfeld 25">
+            <a:extLst>
+              <a:ext uri="{FF2B5EF4-FFF2-40B4-BE49-F238E27FC236}">
+                <a16:creationId xmlns:a16="http://schemas.microsoft.com/office/drawing/2014/main" id="{5B278A79-8701-4EE4-8216-2F732E0E3ABE}"/>
+              </a:ext>
+            </a:extLst>
+          </p:cNvPr>
+          <p:cNvSpPr txBox="1"/>
+          <p:nvPr/>
+        </p:nvSpPr>
+        <p:spPr>
+          <a:xfrm>
+            <a:off x="1719107" y="3401124"/>
+            <a:ext cx="1236236" cy="369332"/>
+          </a:xfrm>
+          <a:prstGeom prst="rect">
+            <a:avLst/>
+          </a:prstGeom>
+          <a:noFill/>
+        </p:spPr>
+        <p:txBody>
+          <a:bodyPr wrap="none" rtlCol="0">
+            <a:spAutoFit/>
+          </a:bodyPr>
+          <a:lstStyle/>
+          <a:p>
+            <a:r>
+              <a:rPr lang="de-DE" dirty="0">
+                <a:solidFill>
+                  <a:srgbClr val="5F5F5F"/>
+                </a:solidFill>
+              </a:rPr>
+              <a:t>Generator</a:t>
+            </a:r>
+          </a:p>
+        </p:txBody>
+      </p:sp>
+      <p:pic>
+        <p:nvPicPr>
+          <p:cNvPr id="27" name="Grafik 26">
+            <a:extLst>
+              <a:ext uri="{FF2B5EF4-FFF2-40B4-BE49-F238E27FC236}">
+                <a16:creationId xmlns:a16="http://schemas.microsoft.com/office/drawing/2014/main" id="{41DFA58C-CCAE-4BE3-9930-3128677701BB}"/>
+              </a:ext>
+            </a:extLst>
+          </p:cNvPr>
+          <p:cNvPicPr>
+            <a:picLocks noChangeAspect="1"/>
+          </p:cNvPicPr>
+          <p:nvPr/>
+        </p:nvPicPr>
+        <p:blipFill>
+          <a:blip r:embed="rId7">
+            <a:duotone>
+              <a:schemeClr val="accent1">
+                <a:shade val="45000"/>
+                <a:satMod val="135000"/>
+              </a:schemeClr>
+              <a:prstClr val="white"/>
+            </a:duotone>
+            <a:extLst>
+              <a:ext uri="{28A0092B-C50C-407E-A947-70E740481C1C}">
+                <a14:useLocalDpi xmlns:a14="http://schemas.microsoft.com/office/drawing/2010/main" val="0"/>
+              </a:ext>
+            </a:extLst>
+          </a:blip>
+          <a:stretch>
+            <a:fillRect/>
+          </a:stretch>
+        </p:blipFill>
+        <p:spPr>
+          <a:xfrm>
+            <a:off x="3491880" y="2843644"/>
+            <a:ext cx="650296" cy="650296"/>
+          </a:xfrm>
+          <a:prstGeom prst="rect">
+            <a:avLst/>
+          </a:prstGeom>
+        </p:spPr>
+      </p:pic>
+      <p:sp>
+        <p:nvSpPr>
+          <p:cNvPr id="28" name="Textfeld 27">
+            <a:extLst>
+              <a:ext uri="{FF2B5EF4-FFF2-40B4-BE49-F238E27FC236}">
+                <a16:creationId xmlns:a16="http://schemas.microsoft.com/office/drawing/2014/main" id="{4E05330B-6274-4924-829C-07C0D2E340F6}"/>
+              </a:ext>
+            </a:extLst>
+          </p:cNvPr>
+          <p:cNvSpPr txBox="1"/>
+          <p:nvPr/>
+        </p:nvSpPr>
+        <p:spPr>
+          <a:xfrm>
+            <a:off x="3423816" y="3401124"/>
+            <a:ext cx="745973" cy="369332"/>
+          </a:xfrm>
+          <a:prstGeom prst="rect">
+            <a:avLst/>
+          </a:prstGeom>
+          <a:noFill/>
+        </p:spPr>
+        <p:txBody>
+          <a:bodyPr wrap="none" rtlCol="0">
+            <a:spAutoFit/>
+          </a:bodyPr>
+          <a:lstStyle/>
+          <a:p>
+            <a:r>
+              <a:rPr lang="de-DE" dirty="0">
+                <a:solidFill>
+                  <a:srgbClr val="5F5F5F"/>
+                </a:solidFill>
+              </a:rPr>
+              <a:t>Trace</a:t>
+            </a:r>
+          </a:p>
+        </p:txBody>
+      </p:sp>
+      <p:pic>
+        <p:nvPicPr>
+          <p:cNvPr id="30" name="Grafik 29">
+            <a:extLst>
+              <a:ext uri="{FF2B5EF4-FFF2-40B4-BE49-F238E27FC236}">
+                <a16:creationId xmlns:a16="http://schemas.microsoft.com/office/drawing/2014/main" id="{7D4FF43B-34A4-46B2-8E09-DA381A2631C1}"/>
+              </a:ext>
+            </a:extLst>
+          </p:cNvPr>
+          <p:cNvPicPr>
+            <a:picLocks noChangeAspect="1"/>
+          </p:cNvPicPr>
+          <p:nvPr/>
+        </p:nvPicPr>
+        <p:blipFill>
+          <a:blip r:embed="rId9">
+            <a:duotone>
+              <a:schemeClr val="accent1">
+                <a:shade val="45000"/>
+                <a:satMod val="135000"/>
+              </a:schemeClr>
+              <a:prstClr val="white"/>
+            </a:duotone>
+            <a:extLst>
+              <a:ext uri="{28A0092B-C50C-407E-A947-70E740481C1C}">
+                <a14:useLocalDpi xmlns:a14="http://schemas.microsoft.com/office/drawing/2010/main" val="0"/>
+              </a:ext>
+            </a:extLst>
+          </a:blip>
+          <a:stretch>
+            <a:fillRect/>
+          </a:stretch>
+        </p:blipFill>
+        <p:spPr>
+          <a:xfrm>
+            <a:off x="5652122" y="2839196"/>
+            <a:ext cx="650296" cy="650296"/>
+          </a:xfrm>
+          <a:prstGeom prst="rect">
+            <a:avLst/>
+          </a:prstGeom>
+        </p:spPr>
+      </p:pic>
+      <p:sp>
+        <p:nvSpPr>
+          <p:cNvPr id="31" name="Textfeld 30">
+            <a:extLst>
+              <a:ext uri="{FF2B5EF4-FFF2-40B4-BE49-F238E27FC236}">
+                <a16:creationId xmlns:a16="http://schemas.microsoft.com/office/drawing/2014/main" id="{D91C2819-14EE-49A3-9B74-3E932580C111}"/>
+              </a:ext>
+            </a:extLst>
+          </p:cNvPr>
+          <p:cNvSpPr txBox="1"/>
+          <p:nvPr/>
+        </p:nvSpPr>
+        <p:spPr>
+          <a:xfrm>
+            <a:off x="5148064" y="3396676"/>
+            <a:ext cx="1835246" cy="369332"/>
+          </a:xfrm>
+          <a:prstGeom prst="rect">
+            <a:avLst/>
+          </a:prstGeom>
+          <a:noFill/>
+        </p:spPr>
+        <p:txBody>
+          <a:bodyPr wrap="none" rtlCol="0">
+            <a:spAutoFit/>
+          </a:bodyPr>
+          <a:lstStyle/>
+          <a:p>
+            <a:r>
+              <a:rPr lang="de-DE" dirty="0">
+                <a:solidFill>
+                  <a:srgbClr val="5F5F5F"/>
+                </a:solidFill>
+              </a:rPr>
+              <a:t>Validierungstool</a:t>
+            </a:r>
+          </a:p>
+        </p:txBody>
+      </p:sp>
+      <p:pic>
+        <p:nvPicPr>
+          <p:cNvPr id="33" name="Grafik 32">
+            <a:extLst>
+              <a:ext uri="{FF2B5EF4-FFF2-40B4-BE49-F238E27FC236}">
+                <a16:creationId xmlns:a16="http://schemas.microsoft.com/office/drawing/2014/main" id="{0EE475AC-6C82-409F-B939-DF2228CA61D7}"/>
+              </a:ext>
+            </a:extLst>
+          </p:cNvPr>
+          <p:cNvPicPr>
+            <a:picLocks noChangeAspect="1"/>
+          </p:cNvPicPr>
+          <p:nvPr/>
+        </p:nvPicPr>
+        <p:blipFill>
+          <a:blip r:embed="rId10">
+            <a:duotone>
+              <a:schemeClr val="accent1">
+                <a:shade val="45000"/>
+                <a:satMod val="135000"/>
+              </a:schemeClr>
+              <a:prstClr val="white"/>
+            </a:duotone>
+            <a:extLst>
+              <a:ext uri="{28A0092B-C50C-407E-A947-70E740481C1C}">
+                <a14:useLocalDpi xmlns:a14="http://schemas.microsoft.com/office/drawing/2010/main" val="0"/>
+              </a:ext>
+            </a:extLst>
+          </a:blip>
+          <a:stretch>
+            <a:fillRect/>
+          </a:stretch>
+        </p:blipFill>
+        <p:spPr>
+          <a:xfrm>
+            <a:off x="7756408" y="2844593"/>
+            <a:ext cx="650296" cy="650296"/>
+          </a:xfrm>
+          <a:prstGeom prst="rect">
+            <a:avLst/>
+          </a:prstGeom>
+        </p:spPr>
+      </p:pic>
+      <p:pic>
+        <p:nvPicPr>
+          <p:cNvPr id="35" name="Grafik 34">
+            <a:extLst>
+              <a:ext uri="{FF2B5EF4-FFF2-40B4-BE49-F238E27FC236}">
+                <a16:creationId xmlns:a16="http://schemas.microsoft.com/office/drawing/2014/main" id="{163FAC0D-268B-4A2B-8618-C38856433345}"/>
+              </a:ext>
+            </a:extLst>
+          </p:cNvPr>
+          <p:cNvPicPr>
+            <a:picLocks noChangeAspect="1"/>
+          </p:cNvPicPr>
+          <p:nvPr/>
+        </p:nvPicPr>
+        <p:blipFill>
+          <a:blip r:embed="rId11">
+            <a:duotone>
+              <a:schemeClr val="accent1">
+                <a:shade val="45000"/>
+                <a:satMod val="135000"/>
+              </a:schemeClr>
+              <a:prstClr val="white"/>
+            </a:duotone>
+            <a:extLst>
+              <a:ext uri="{28A0092B-C50C-407E-A947-70E740481C1C}">
+                <a14:useLocalDpi xmlns:a14="http://schemas.microsoft.com/office/drawing/2010/main" val="0"/>
+              </a:ext>
+            </a:extLst>
+          </a:blip>
+          <a:stretch>
+            <a:fillRect/>
+          </a:stretch>
+        </p:blipFill>
+        <p:spPr>
+          <a:xfrm>
+            <a:off x="8221417" y="2782830"/>
+            <a:ext cx="325148" cy="325148"/>
+          </a:xfrm>
+          <a:prstGeom prst="rect">
+            <a:avLst/>
+          </a:prstGeom>
+        </p:spPr>
+      </p:pic>
+      <p:sp>
+        <p:nvSpPr>
+          <p:cNvPr id="36" name="Textfeld 35">
+            <a:extLst>
+              <a:ext uri="{FF2B5EF4-FFF2-40B4-BE49-F238E27FC236}">
+                <a16:creationId xmlns:a16="http://schemas.microsoft.com/office/drawing/2014/main" id="{B2A80469-81E7-4DAD-AE7F-10EAD123DC6B}"/>
+              </a:ext>
+            </a:extLst>
+          </p:cNvPr>
+          <p:cNvSpPr txBox="1"/>
+          <p:nvPr/>
+        </p:nvSpPr>
+        <p:spPr>
+          <a:xfrm>
+            <a:off x="7380312" y="3396676"/>
+            <a:ext cx="1488677" cy="646331"/>
+          </a:xfrm>
+          <a:prstGeom prst="rect">
+            <a:avLst/>
+          </a:prstGeom>
+          <a:noFill/>
+        </p:spPr>
+        <p:txBody>
+          <a:bodyPr wrap="none" rtlCol="0">
+            <a:spAutoFit/>
+          </a:bodyPr>
+          <a:lstStyle/>
+          <a:p>
+            <a:r>
+              <a:rPr lang="de-DE" dirty="0">
+                <a:solidFill>
+                  <a:srgbClr val="5F5F5F"/>
+                </a:solidFill>
+              </a:rPr>
+              <a:t>Kolmogorov-</a:t>
+            </a:r>
+          </a:p>
+          <a:p>
+            <a:r>
+              <a:rPr lang="de-DE" dirty="0">
+                <a:solidFill>
+                  <a:srgbClr val="5F5F5F"/>
+                </a:solidFill>
+              </a:rPr>
+              <a:t>Smirnov Test</a:t>
+            </a:r>
+          </a:p>
+        </p:txBody>
+      </p:sp>
+      <p:cxnSp>
+        <p:nvCxnSpPr>
+          <p:cNvPr id="38" name="Verbinder: gewinkelt 37">
+            <a:extLst>
+              <a:ext uri="{FF2B5EF4-FFF2-40B4-BE49-F238E27FC236}">
+                <a16:creationId xmlns:a16="http://schemas.microsoft.com/office/drawing/2014/main" id="{CF4F3C85-CFB8-4258-B9F4-A24102EBAC3D}"/>
+              </a:ext>
+            </a:extLst>
+          </p:cNvPr>
+          <p:cNvCxnSpPr>
+            <a:stCxn id="10" idx="3"/>
+            <a:endCxn id="13" idx="1"/>
+          </p:cNvCxnSpPr>
+          <p:nvPr/>
+        </p:nvCxnSpPr>
+        <p:spPr>
+          <a:xfrm flipV="1">
+            <a:off x="1182571" y="1953948"/>
+            <a:ext cx="797141" cy="650296"/>
+          </a:xfrm>
+          <a:prstGeom prst="bentConnector3">
+            <a:avLst/>
+          </a:prstGeom>
+          <a:ln w="25400">
+            <a:tailEnd type="triangle"/>
+          </a:ln>
+        </p:spPr>
+        <p:style>
+          <a:lnRef idx="1">
+            <a:schemeClr val="accent1"/>
+          </a:lnRef>
+          <a:fillRef idx="0">
+            <a:schemeClr val="accent1"/>
+          </a:fillRef>
+          <a:effectRef idx="0">
+            <a:schemeClr val="accent1"/>
+          </a:effectRef>
+          <a:fontRef idx="minor">
+            <a:schemeClr val="tx1"/>
+          </a:fontRef>
+        </p:style>
+      </p:cxnSp>
+      <p:cxnSp>
+        <p:nvCxnSpPr>
+          <p:cNvPr id="40" name="Verbinder: gewinkelt 39">
+            <a:extLst>
+              <a:ext uri="{FF2B5EF4-FFF2-40B4-BE49-F238E27FC236}">
+                <a16:creationId xmlns:a16="http://schemas.microsoft.com/office/drawing/2014/main" id="{C9FC908A-5524-437C-8348-96DC6AA32318}"/>
+              </a:ext>
+            </a:extLst>
+          </p:cNvPr>
+          <p:cNvCxnSpPr>
+            <a:cxnSpLocks/>
+            <a:stCxn id="10" idx="3"/>
+            <a:endCxn id="25" idx="1"/>
+          </p:cNvCxnSpPr>
+          <p:nvPr/>
+        </p:nvCxnSpPr>
+        <p:spPr>
+          <a:xfrm>
+            <a:off x="1182571" y="2604244"/>
+            <a:ext cx="797141" cy="564904"/>
+          </a:xfrm>
+          <a:prstGeom prst="bentConnector3">
+            <a:avLst/>
+          </a:prstGeom>
+          <a:ln w="25400">
+            <a:tailEnd type="triangle"/>
+          </a:ln>
+        </p:spPr>
+        <p:style>
+          <a:lnRef idx="1">
+            <a:schemeClr val="accent1"/>
+          </a:lnRef>
+          <a:fillRef idx="0">
+            <a:schemeClr val="accent1"/>
+          </a:fillRef>
+          <a:effectRef idx="0">
+            <a:schemeClr val="accent1"/>
+          </a:effectRef>
+          <a:fontRef idx="minor">
+            <a:schemeClr val="tx1"/>
+          </a:fontRef>
+        </p:style>
+      </p:cxnSp>
+      <p:cxnSp>
+        <p:nvCxnSpPr>
+          <p:cNvPr id="42" name="Gerade Verbindung mit Pfeil 41">
+            <a:extLst>
+              <a:ext uri="{FF2B5EF4-FFF2-40B4-BE49-F238E27FC236}">
+                <a16:creationId xmlns:a16="http://schemas.microsoft.com/office/drawing/2014/main" id="{325214D7-7C1C-404B-A28F-79883E3F3B99}"/>
+              </a:ext>
+            </a:extLst>
+          </p:cNvPr>
+          <p:cNvCxnSpPr>
+            <a:stCxn id="13" idx="3"/>
+            <a:endCxn id="16" idx="1"/>
+          </p:cNvCxnSpPr>
+          <p:nvPr/>
+        </p:nvCxnSpPr>
+        <p:spPr>
+          <a:xfrm>
+            <a:off x="2630008" y="1953948"/>
+            <a:ext cx="861872" cy="0"/>
+          </a:xfrm>
+          <a:prstGeom prst="straightConnector1">
+            <a:avLst/>
+          </a:prstGeom>
+          <a:ln w="25400">
+            <a:tailEnd type="triangle"/>
+          </a:ln>
+        </p:spPr>
+        <p:style>
+          <a:lnRef idx="1">
+            <a:schemeClr val="accent1"/>
+          </a:lnRef>
+          <a:fillRef idx="0">
+            <a:schemeClr val="accent1"/>
+          </a:fillRef>
+          <a:effectRef idx="0">
+            <a:schemeClr val="accent1"/>
+          </a:effectRef>
+          <a:fontRef idx="minor">
+            <a:schemeClr val="tx1"/>
+          </a:fontRef>
+        </p:style>
+      </p:cxnSp>
+      <p:cxnSp>
+        <p:nvCxnSpPr>
+          <p:cNvPr id="44" name="Gerade Verbindung mit Pfeil 43">
+            <a:extLst>
+              <a:ext uri="{FF2B5EF4-FFF2-40B4-BE49-F238E27FC236}">
+                <a16:creationId xmlns:a16="http://schemas.microsoft.com/office/drawing/2014/main" id="{CFAEB258-AA82-46E5-9939-B86180756520}"/>
+              </a:ext>
+            </a:extLst>
+          </p:cNvPr>
+          <p:cNvCxnSpPr>
+            <a:stCxn id="16" idx="3"/>
+            <a:endCxn id="19" idx="1"/>
+          </p:cNvCxnSpPr>
+          <p:nvPr/>
+        </p:nvCxnSpPr>
+        <p:spPr>
+          <a:xfrm>
+            <a:off x="4142176" y="1953948"/>
+            <a:ext cx="859650" cy="0"/>
+          </a:xfrm>
+          <a:prstGeom prst="straightConnector1">
+            <a:avLst/>
+          </a:prstGeom>
+          <a:ln w="25400">
+            <a:tailEnd type="triangle"/>
+          </a:ln>
+        </p:spPr>
+        <p:style>
+          <a:lnRef idx="1">
+            <a:schemeClr val="accent1"/>
+          </a:lnRef>
+          <a:fillRef idx="0">
+            <a:schemeClr val="accent1"/>
+          </a:fillRef>
+          <a:effectRef idx="0">
+            <a:schemeClr val="accent1"/>
+          </a:effectRef>
+          <a:fontRef idx="minor">
+            <a:schemeClr val="tx1"/>
+          </a:fontRef>
+        </p:style>
+      </p:cxnSp>
+      <p:cxnSp>
+        <p:nvCxnSpPr>
+          <p:cNvPr id="46" name="Gerade Verbindung mit Pfeil 45">
+            <a:extLst>
+              <a:ext uri="{FF2B5EF4-FFF2-40B4-BE49-F238E27FC236}">
+                <a16:creationId xmlns:a16="http://schemas.microsoft.com/office/drawing/2014/main" id="{9B9345AC-880E-4068-8A5B-7710722DB148}"/>
+              </a:ext>
+            </a:extLst>
+          </p:cNvPr>
+          <p:cNvCxnSpPr>
+            <a:stCxn id="19" idx="3"/>
+            <a:endCxn id="22" idx="1"/>
+          </p:cNvCxnSpPr>
+          <p:nvPr/>
+        </p:nvCxnSpPr>
+        <p:spPr>
+          <a:xfrm>
+            <a:off x="5652122" y="1953948"/>
+            <a:ext cx="720080" cy="0"/>
+          </a:xfrm>
+          <a:prstGeom prst="straightConnector1">
+            <a:avLst/>
+          </a:prstGeom>
+          <a:ln w="25400">
+            <a:tailEnd type="triangle"/>
+          </a:ln>
+        </p:spPr>
+        <p:style>
+          <a:lnRef idx="1">
+            <a:schemeClr val="accent1"/>
+          </a:lnRef>
+          <a:fillRef idx="0">
+            <a:schemeClr val="accent1"/>
+          </a:fillRef>
+          <a:effectRef idx="0">
+            <a:schemeClr val="accent1"/>
+          </a:effectRef>
+          <a:fontRef idx="minor">
+            <a:schemeClr val="tx1"/>
+          </a:fontRef>
+        </p:style>
+      </p:cxnSp>
+      <p:cxnSp>
+        <p:nvCxnSpPr>
+          <p:cNvPr id="52" name="Verbinder: gewinkelt 51">
+            <a:extLst>
+              <a:ext uri="{FF2B5EF4-FFF2-40B4-BE49-F238E27FC236}">
+                <a16:creationId xmlns:a16="http://schemas.microsoft.com/office/drawing/2014/main" id="{F2F2EB6E-63E9-44CC-B650-FDAA5D0719E6}"/>
+              </a:ext>
+            </a:extLst>
+          </p:cNvPr>
+          <p:cNvCxnSpPr>
+            <a:cxnSpLocks/>
+            <a:stCxn id="25" idx="3"/>
+            <a:endCxn id="27" idx="1"/>
+          </p:cNvCxnSpPr>
+          <p:nvPr/>
+        </p:nvCxnSpPr>
+        <p:spPr>
+          <a:xfrm flipV="1">
+            <a:off x="2630008" y="3168792"/>
+            <a:ext cx="861872" cy="356"/>
+          </a:xfrm>
+          <a:prstGeom prst="bentConnector3">
+            <a:avLst/>
+          </a:prstGeom>
+          <a:ln w="25400">
+            <a:tailEnd type="triangle"/>
+          </a:ln>
+        </p:spPr>
+        <p:style>
+          <a:lnRef idx="1">
+            <a:schemeClr val="accent1"/>
+          </a:lnRef>
+          <a:fillRef idx="0">
+            <a:schemeClr val="accent1"/>
+          </a:fillRef>
+          <a:effectRef idx="0">
+            <a:schemeClr val="accent1"/>
+          </a:effectRef>
+          <a:fontRef idx="minor">
+            <a:schemeClr val="tx1"/>
+          </a:fontRef>
+        </p:style>
+      </p:cxnSp>
+      <p:cxnSp>
+        <p:nvCxnSpPr>
+          <p:cNvPr id="54" name="Gerade Verbindung mit Pfeil 53">
+            <a:extLst>
+              <a:ext uri="{FF2B5EF4-FFF2-40B4-BE49-F238E27FC236}">
+                <a16:creationId xmlns:a16="http://schemas.microsoft.com/office/drawing/2014/main" id="{4F8E0718-3995-4824-9114-378358C83DC2}"/>
+              </a:ext>
+            </a:extLst>
+          </p:cNvPr>
+          <p:cNvCxnSpPr>
+            <a:stCxn id="27" idx="3"/>
+            <a:endCxn id="30" idx="1"/>
+          </p:cNvCxnSpPr>
+          <p:nvPr/>
+        </p:nvCxnSpPr>
+        <p:spPr>
+          <a:xfrm flipV="1">
+            <a:off x="4142176" y="3164344"/>
+            <a:ext cx="1509946" cy="4448"/>
+          </a:xfrm>
+          <a:prstGeom prst="straightConnector1">
+            <a:avLst/>
+          </a:prstGeom>
+          <a:ln w="25400">
+            <a:tailEnd type="triangle"/>
+          </a:ln>
+        </p:spPr>
+        <p:style>
+          <a:lnRef idx="1">
+            <a:schemeClr val="accent1"/>
+          </a:lnRef>
+          <a:fillRef idx="0">
+            <a:schemeClr val="accent1"/>
+          </a:fillRef>
+          <a:effectRef idx="0">
+            <a:schemeClr val="accent1"/>
+          </a:effectRef>
+          <a:fontRef idx="minor">
+            <a:schemeClr val="tx1"/>
+          </a:fontRef>
+        </p:style>
+      </p:cxnSp>
+      <p:sp>
+        <p:nvSpPr>
+          <p:cNvPr id="59" name="Inhaltsplatzhalter 2">
+            <a:extLst>
+              <a:ext uri="{FF2B5EF4-FFF2-40B4-BE49-F238E27FC236}">
+                <a16:creationId xmlns:a16="http://schemas.microsoft.com/office/drawing/2014/main" id="{47ED36AE-F229-4868-8536-D7DC96FB76F9}"/>
+              </a:ext>
+            </a:extLst>
+          </p:cNvPr>
+          <p:cNvSpPr txBox="1">
+            <a:spLocks/>
           </p:cNvSpPr>
-          <p:nvPr>
-            <p:ph type="body" sz="quarter" idx="16"/>
-          </p:nvPr>
-        </p:nvSpPr>
-        <p:spPr/>
+          <p:nvPr/>
+        </p:nvSpPr>
+        <p:spPr>
+          <a:xfrm>
+            <a:off x="378000" y="3489492"/>
+            <a:ext cx="8353425" cy="2819827"/>
+          </a:xfrm>
+          <a:prstGeom prst="rect">
+            <a:avLst/>
+          </a:prstGeom>
+        </p:spPr>
         <p:txBody>
-          <a:bodyPr/>
-          <a:lstStyle/>
-          <a:p>
+          <a:bodyPr>
+            <a:normAutofit/>
+          </a:bodyPr>
+          <a:lstStyle>
+            <a:lvl1pPr marL="183600" indent="-183600" algn="l" defTabSz="914400" rtl="0" eaLnBrk="1" latinLnBrk="0" hangingPunct="1">
+              <a:spcBef>
+                <a:spcPts val="600"/>
+              </a:spcBef>
+              <a:spcAft>
+                <a:spcPts val="0"/>
+              </a:spcAft>
+              <a:buFont typeface="Wingdings" pitchFamily="2" charset="2"/>
+              <a:buChar char="§"/>
+              <a:defRPr lang="en-US" sz="2000" b="0" kern="1200" spc="0" baseline="0" noProof="0" dirty="0" smtClean="0">
+                <a:solidFill>
+                  <a:srgbClr val="5F5F5F"/>
+                </a:solidFill>
+                <a:latin typeface="Trebuchet MS" pitchFamily="34" charset="0"/>
+                <a:ea typeface="+mn-ea"/>
+                <a:cs typeface="Arial" pitchFamily="34" charset="0"/>
+              </a:defRPr>
+            </a:lvl1pPr>
+            <a:lvl2pPr marL="449263" indent="-182563" algn="l" defTabSz="914400" rtl="0" eaLnBrk="1" latinLnBrk="0" hangingPunct="1">
+              <a:spcBef>
+                <a:spcPts val="300"/>
+              </a:spcBef>
+              <a:buFont typeface="Wingdings" pitchFamily="2" charset="2"/>
+              <a:buChar char="§"/>
+              <a:defRPr sz="2200" b="0" kern="1200">
+                <a:solidFill>
+                  <a:srgbClr val="5F5F5F"/>
+                </a:solidFill>
+                <a:latin typeface="+mn-lt"/>
+                <a:ea typeface="+mn-ea"/>
+                <a:cs typeface="+mn-cs"/>
+              </a:defRPr>
+            </a:lvl2pPr>
+            <a:lvl3pPr marL="806450" indent="-182563" algn="l" defTabSz="914400" rtl="0" eaLnBrk="1" latinLnBrk="0" hangingPunct="1">
+              <a:spcBef>
+                <a:spcPts val="300"/>
+              </a:spcBef>
+              <a:buFont typeface="Wingdings" pitchFamily="2" charset="2"/>
+              <a:buChar char="§"/>
+              <a:defRPr sz="2000" b="0" kern="1200">
+                <a:solidFill>
+                  <a:srgbClr val="5F5F5F"/>
+                </a:solidFill>
+                <a:latin typeface="+mn-lt"/>
+                <a:ea typeface="+mn-ea"/>
+                <a:cs typeface="+mn-cs"/>
+              </a:defRPr>
+            </a:lvl3pPr>
+            <a:lvl4pPr marL="1163638" indent="-174625" algn="l" defTabSz="914400" rtl="0" eaLnBrk="1" latinLnBrk="0" hangingPunct="1">
+              <a:spcBef>
+                <a:spcPct val="20000"/>
+              </a:spcBef>
+              <a:buFont typeface="Wingdings" pitchFamily="2" charset="2"/>
+              <a:buChar char="§"/>
+              <a:defRPr sz="1800" b="0" kern="1200">
+                <a:solidFill>
+                  <a:srgbClr val="5F5F5F"/>
+                </a:solidFill>
+                <a:latin typeface="+mn-lt"/>
+                <a:ea typeface="+mn-ea"/>
+                <a:cs typeface="+mn-cs"/>
+              </a:defRPr>
+            </a:lvl4pPr>
+            <a:lvl5pPr marL="1828800" indent="0" algn="l" defTabSz="914400" rtl="0" eaLnBrk="1" latinLnBrk="0" hangingPunct="1">
+              <a:spcBef>
+                <a:spcPct val="20000"/>
+              </a:spcBef>
+              <a:buFontTx/>
+              <a:buNone/>
+              <a:defRPr sz="2200" b="0" kern="1200">
+                <a:solidFill>
+                  <a:schemeClr val="tx1"/>
+                </a:solidFill>
+                <a:latin typeface="+mn-lt"/>
+                <a:ea typeface="+mn-ea"/>
+                <a:cs typeface="+mn-cs"/>
+              </a:defRPr>
+            </a:lvl5pPr>
+            <a:lvl6pPr marL="2514600" indent="-228600" algn="l" defTabSz="914400" rtl="0" eaLnBrk="1" latinLnBrk="0" hangingPunct="1">
+              <a:spcBef>
+                <a:spcPct val="20000"/>
+              </a:spcBef>
+              <a:buFont typeface="Arial" pitchFamily="34" charset="0"/>
+              <a:buChar char="•"/>
+              <a:defRPr sz="2000" kern="1200">
+                <a:solidFill>
+                  <a:schemeClr val="tx1"/>
+                </a:solidFill>
+                <a:latin typeface="+mn-lt"/>
+                <a:ea typeface="+mn-ea"/>
+                <a:cs typeface="+mn-cs"/>
+              </a:defRPr>
+            </a:lvl6pPr>
+            <a:lvl7pPr marL="2971800" indent="-228600" algn="l" defTabSz="914400" rtl="0" eaLnBrk="1" latinLnBrk="0" hangingPunct="1">
+              <a:spcBef>
+                <a:spcPct val="20000"/>
+              </a:spcBef>
+              <a:buFont typeface="Arial" pitchFamily="34" charset="0"/>
+              <a:buChar char="•"/>
+              <a:defRPr sz="2000" kern="1200">
+                <a:solidFill>
+                  <a:schemeClr val="tx1"/>
+                </a:solidFill>
+                <a:latin typeface="+mn-lt"/>
+                <a:ea typeface="+mn-ea"/>
+                <a:cs typeface="+mn-cs"/>
+              </a:defRPr>
+            </a:lvl7pPr>
+            <a:lvl8pPr marL="3429000" indent="-228600" algn="l" defTabSz="914400" rtl="0" eaLnBrk="1" latinLnBrk="0" hangingPunct="1">
+              <a:spcBef>
+                <a:spcPct val="20000"/>
+              </a:spcBef>
+              <a:buFont typeface="Arial" pitchFamily="34" charset="0"/>
+              <a:buChar char="•"/>
+              <a:defRPr sz="2000" kern="1200">
+                <a:solidFill>
+                  <a:schemeClr val="tx1"/>
+                </a:solidFill>
+                <a:latin typeface="+mn-lt"/>
+                <a:ea typeface="+mn-ea"/>
+                <a:cs typeface="+mn-cs"/>
+              </a:defRPr>
+            </a:lvl8pPr>
+            <a:lvl9pPr marL="3886200" indent="-228600" algn="l" defTabSz="914400" rtl="0" eaLnBrk="1" latinLnBrk="0" hangingPunct="1">
+              <a:spcBef>
+                <a:spcPct val="20000"/>
+              </a:spcBef>
+              <a:buFont typeface="Arial" pitchFamily="34" charset="0"/>
+              <a:buChar char="•"/>
+              <a:defRPr sz="2000" kern="1200">
+                <a:solidFill>
+                  <a:schemeClr val="tx1"/>
+                </a:solidFill>
+                <a:latin typeface="+mn-lt"/>
+                <a:ea typeface="+mn-ea"/>
+                <a:cs typeface="+mn-cs"/>
+              </a:defRPr>
+            </a:lvl9pPr>
+          </a:lstStyle>
+          <a:p>
+            <a:pPr marL="0" indent="0">
+              <a:buFont typeface="Wingdings" pitchFamily="2" charset="2"/>
+              <a:buNone/>
+            </a:pPr>
             <a:endParaRPr lang="de-DE" dirty="0"/>
           </a:p>
+          <a:p>
+            <a:pPr marL="0" indent="0">
+              <a:buFont typeface="Wingdings" pitchFamily="2" charset="2"/>
+              <a:buNone/>
+            </a:pPr>
+            <a:r>
+              <a:rPr lang="de-DE" dirty="0"/>
+              <a:t>Validierungstool</a:t>
+            </a:r>
+          </a:p>
+          <a:p>
+            <a:pPr marL="0" indent="0">
+              <a:buFont typeface="Wingdings" pitchFamily="2" charset="2"/>
+              <a:buNone/>
+            </a:pPr>
+            <a:r>
+              <a:rPr lang="de-DE" dirty="0"/>
+              <a:t>Input: 		0000001111100000001111111</a:t>
+            </a:r>
+          </a:p>
+          <a:p>
+            <a:pPr marL="0" indent="0">
+              <a:buFont typeface="Wingdings" pitchFamily="2" charset="2"/>
+              <a:buNone/>
+            </a:pPr>
+            <a:endParaRPr lang="de-DE" sz="100" dirty="0"/>
+          </a:p>
+          <a:p>
+            <a:pPr marL="0" indent="0">
+              <a:buFont typeface="Wingdings" pitchFamily="2" charset="2"/>
+              <a:buNone/>
+            </a:pPr>
+            <a:r>
+              <a:rPr lang="de-DE" dirty="0"/>
+              <a:t>Output:   	   -6        5        -7          7</a:t>
+            </a:r>
+          </a:p>
+          <a:p>
+            <a:pPr marL="0" indent="0">
+              <a:buFont typeface="Wingdings" pitchFamily="2" charset="2"/>
+              <a:buNone/>
+            </a:pPr>
+            <a:endParaRPr lang="de-DE" sz="500" dirty="0"/>
+          </a:p>
+          <a:p>
+            <a:pPr marL="0" indent="0">
+              <a:buFont typeface="Wingdings" pitchFamily="2" charset="2"/>
+              <a:buNone/>
+            </a:pPr>
+            <a:r>
+              <a:rPr lang="de-DE" dirty="0"/>
+              <a:t>R:                  		     ECDF</a:t>
+            </a:r>
+          </a:p>
+          <a:p>
+            <a:pPr marL="0" indent="0">
+              <a:buFont typeface="Wingdings" pitchFamily="2" charset="2"/>
+              <a:buNone/>
+            </a:pPr>
+            <a:endParaRPr lang="de-DE" dirty="0"/>
+          </a:p>
+          <a:p>
+            <a:pPr marL="0" indent="0">
+              <a:buFont typeface="Wingdings" pitchFamily="2" charset="2"/>
+              <a:buNone/>
+            </a:pPr>
+            <a:endParaRPr lang="de-DE" dirty="0"/>
+          </a:p>
         </p:txBody>
       </p:sp>
+      <p:grpSp>
+        <p:nvGrpSpPr>
+          <p:cNvPr id="60" name="Gruppieren 59">
+            <a:extLst>
+              <a:ext uri="{FF2B5EF4-FFF2-40B4-BE49-F238E27FC236}">
+                <a16:creationId xmlns:a16="http://schemas.microsoft.com/office/drawing/2014/main" id="{594FCFBB-7B78-431B-8B57-FEAD4056D683}"/>
+              </a:ext>
+            </a:extLst>
+          </p:cNvPr>
+          <p:cNvGrpSpPr/>
+          <p:nvPr/>
+        </p:nvGrpSpPr>
+        <p:grpSpPr>
+          <a:xfrm>
+            <a:off x="2304000" y="4592367"/>
+            <a:ext cx="3312368" cy="708841"/>
+            <a:chOff x="2339752" y="4592367"/>
+            <a:chExt cx="3312368" cy="708841"/>
+          </a:xfrm>
+        </p:grpSpPr>
+        <p:sp>
+          <p:nvSpPr>
+            <p:cNvPr id="61" name="Geschweifte Klammer links 60">
+              <a:extLst>
+                <a:ext uri="{FF2B5EF4-FFF2-40B4-BE49-F238E27FC236}">
+                  <a16:creationId xmlns:a16="http://schemas.microsoft.com/office/drawing/2014/main" id="{B701AF09-9E34-4242-965B-406FBC84373E}"/>
+                </a:ext>
+              </a:extLst>
+            </p:cNvPr>
+            <p:cNvSpPr/>
+            <p:nvPr/>
+          </p:nvSpPr>
+          <p:spPr>
+            <a:xfrm rot="16200000">
+              <a:off x="2627784" y="4304335"/>
+              <a:ext cx="216024" cy="792088"/>
+            </a:xfrm>
+            <a:prstGeom prst="leftBrace">
+              <a:avLst/>
+            </a:prstGeom>
+          </p:spPr>
+          <p:style>
+            <a:lnRef idx="1">
+              <a:schemeClr val="accent1"/>
+            </a:lnRef>
+            <a:fillRef idx="0">
+              <a:schemeClr val="accent1"/>
+            </a:fillRef>
+            <a:effectRef idx="0">
+              <a:schemeClr val="accent1"/>
+            </a:effectRef>
+            <a:fontRef idx="minor">
+              <a:schemeClr val="tx1"/>
+            </a:fontRef>
+          </p:style>
+          <p:txBody>
+            <a:bodyPr rtlCol="0" anchor="ctr"/>
+            <a:lstStyle/>
+            <a:p>
+              <a:pPr algn="ctr"/>
+              <a:endParaRPr lang="de-DE"/>
+            </a:p>
+          </p:txBody>
+        </p:sp>
+        <p:sp>
+          <p:nvSpPr>
+            <p:cNvPr id="62" name="Geschweifte Klammer links 61">
+              <a:extLst>
+                <a:ext uri="{FF2B5EF4-FFF2-40B4-BE49-F238E27FC236}">
+                  <a16:creationId xmlns:a16="http://schemas.microsoft.com/office/drawing/2014/main" id="{F3CEAF78-C865-416F-AF3C-BD5E519BB757}"/>
+                </a:ext>
+              </a:extLst>
+            </p:cNvPr>
+            <p:cNvSpPr/>
+            <p:nvPr/>
+          </p:nvSpPr>
+          <p:spPr>
+            <a:xfrm rot="16200000">
+              <a:off x="3349142" y="4377622"/>
+              <a:ext cx="213467" cy="648072"/>
+            </a:xfrm>
+            <a:prstGeom prst="leftBrace">
+              <a:avLst/>
+            </a:prstGeom>
+          </p:spPr>
+          <p:style>
+            <a:lnRef idx="1">
+              <a:schemeClr val="accent1"/>
+            </a:lnRef>
+            <a:fillRef idx="0">
+              <a:schemeClr val="accent1"/>
+            </a:fillRef>
+            <a:effectRef idx="0">
+              <a:schemeClr val="accent1"/>
+            </a:effectRef>
+            <a:fontRef idx="minor">
+              <a:schemeClr val="tx1"/>
+            </a:fontRef>
+          </p:style>
+          <p:txBody>
+            <a:bodyPr rtlCol="0" anchor="ctr"/>
+            <a:lstStyle/>
+            <a:p>
+              <a:pPr algn="ctr"/>
+              <a:endParaRPr lang="de-DE"/>
+            </a:p>
+          </p:txBody>
+        </p:sp>
+        <p:sp>
+          <p:nvSpPr>
+            <p:cNvPr id="63" name="Geschweifte Klammer links 62">
+              <a:extLst>
+                <a:ext uri="{FF2B5EF4-FFF2-40B4-BE49-F238E27FC236}">
+                  <a16:creationId xmlns:a16="http://schemas.microsoft.com/office/drawing/2014/main" id="{768CB2BC-A54B-4AEA-A0F0-368DF73F6814}"/>
+                </a:ext>
+              </a:extLst>
+            </p:cNvPr>
+            <p:cNvSpPr/>
+            <p:nvPr/>
+          </p:nvSpPr>
+          <p:spPr>
+            <a:xfrm rot="16200000">
+              <a:off x="4159712" y="4216191"/>
+              <a:ext cx="212400" cy="972000"/>
+            </a:xfrm>
+            <a:prstGeom prst="leftBrace">
+              <a:avLst/>
+            </a:prstGeom>
+          </p:spPr>
+          <p:style>
+            <a:lnRef idx="1">
+              <a:schemeClr val="accent1"/>
+            </a:lnRef>
+            <a:fillRef idx="0">
+              <a:schemeClr val="accent1"/>
+            </a:fillRef>
+            <a:effectRef idx="0">
+              <a:schemeClr val="accent1"/>
+            </a:effectRef>
+            <a:fontRef idx="minor">
+              <a:schemeClr val="tx1"/>
+            </a:fontRef>
+          </p:style>
+          <p:txBody>
+            <a:bodyPr rtlCol="0" anchor="ctr"/>
+            <a:lstStyle/>
+            <a:p>
+              <a:pPr algn="ctr"/>
+              <a:endParaRPr lang="de-DE"/>
+            </a:p>
+          </p:txBody>
+        </p:sp>
+        <p:sp>
+          <p:nvSpPr>
+            <p:cNvPr id="64" name="Geschweifte Klammer links 63">
+              <a:extLst>
+                <a:ext uri="{FF2B5EF4-FFF2-40B4-BE49-F238E27FC236}">
+                  <a16:creationId xmlns:a16="http://schemas.microsoft.com/office/drawing/2014/main" id="{2AA1AB46-F95D-4441-9EBB-94737B479912}"/>
+                </a:ext>
+              </a:extLst>
+            </p:cNvPr>
+            <p:cNvSpPr/>
+            <p:nvPr/>
+          </p:nvSpPr>
+          <p:spPr>
+            <a:xfrm rot="16200000">
+              <a:off x="5095816" y="4252087"/>
+              <a:ext cx="212400" cy="900208"/>
+            </a:xfrm>
+            <a:prstGeom prst="leftBrace">
+              <a:avLst/>
+            </a:prstGeom>
+          </p:spPr>
+          <p:style>
+            <a:lnRef idx="1">
+              <a:schemeClr val="accent1"/>
+            </a:lnRef>
+            <a:fillRef idx="0">
+              <a:schemeClr val="accent1"/>
+            </a:fillRef>
+            <a:effectRef idx="0">
+              <a:schemeClr val="accent1"/>
+            </a:effectRef>
+            <a:fontRef idx="minor">
+              <a:schemeClr val="tx1"/>
+            </a:fontRef>
+          </p:style>
+          <p:txBody>
+            <a:bodyPr rtlCol="0" anchor="ctr"/>
+            <a:lstStyle/>
+            <a:p>
+              <a:pPr algn="ctr"/>
+              <a:endParaRPr lang="de-DE"/>
+            </a:p>
+          </p:txBody>
+        </p:sp>
+        <p:sp>
+          <p:nvSpPr>
+            <p:cNvPr id="65" name="Geschweifte Klammer links 64">
+              <a:extLst>
+                <a:ext uri="{FF2B5EF4-FFF2-40B4-BE49-F238E27FC236}">
+                  <a16:creationId xmlns:a16="http://schemas.microsoft.com/office/drawing/2014/main" id="{2CDA09F2-AF4E-458C-BE44-9D1CAE26CFFF}"/>
+                </a:ext>
+              </a:extLst>
+            </p:cNvPr>
+            <p:cNvSpPr/>
+            <p:nvPr/>
+          </p:nvSpPr>
+          <p:spPr>
+            <a:xfrm rot="16200000">
+              <a:off x="3777490" y="3786618"/>
+              <a:ext cx="292876" cy="2736304"/>
+            </a:xfrm>
+            <a:prstGeom prst="leftBrace">
+              <a:avLst/>
+            </a:prstGeom>
+          </p:spPr>
+          <p:style>
+            <a:lnRef idx="1">
+              <a:schemeClr val="accent1"/>
+            </a:lnRef>
+            <a:fillRef idx="0">
+              <a:schemeClr val="accent1"/>
+            </a:fillRef>
+            <a:effectRef idx="0">
+              <a:schemeClr val="accent1"/>
+            </a:effectRef>
+            <a:fontRef idx="minor">
+              <a:schemeClr val="tx1"/>
+            </a:fontRef>
+          </p:style>
+          <p:txBody>
+            <a:bodyPr rtlCol="0" anchor="ctr"/>
+            <a:lstStyle/>
+            <a:p>
+              <a:pPr algn="ctr"/>
+              <a:endParaRPr lang="de-DE"/>
+            </a:p>
+          </p:txBody>
+        </p:sp>
+      </p:grpSp>
+      <p:cxnSp>
+        <p:nvCxnSpPr>
+          <p:cNvPr id="66" name="Gerader Verbinder 65">
+            <a:extLst>
+              <a:ext uri="{FF2B5EF4-FFF2-40B4-BE49-F238E27FC236}">
+                <a16:creationId xmlns:a16="http://schemas.microsoft.com/office/drawing/2014/main" id="{2858B0EE-7D3F-43F1-B44C-AB95CB1E9380}"/>
+              </a:ext>
+            </a:extLst>
+          </p:cNvPr>
+          <p:cNvCxnSpPr>
+            <a:cxnSpLocks/>
+          </p:cNvCxnSpPr>
+          <p:nvPr/>
+        </p:nvCxnSpPr>
+        <p:spPr>
+          <a:xfrm>
+            <a:off x="467544" y="4248000"/>
+            <a:ext cx="8328224" cy="0"/>
+          </a:xfrm>
+          <a:prstGeom prst="line">
+            <a:avLst/>
+          </a:prstGeom>
+          <a:ln w="19050"/>
+        </p:spPr>
+        <p:style>
+          <a:lnRef idx="1">
+            <a:schemeClr val="accent1"/>
+          </a:lnRef>
+          <a:fillRef idx="0">
+            <a:schemeClr val="accent1"/>
+          </a:fillRef>
+          <a:effectRef idx="0">
+            <a:schemeClr val="accent1"/>
+          </a:effectRef>
+          <a:fontRef idx="minor">
+            <a:schemeClr val="tx1"/>
+          </a:fontRef>
+        </p:style>
+      </p:cxnSp>
+      <p:cxnSp>
+        <p:nvCxnSpPr>
+          <p:cNvPr id="6" name="Gerade Verbindung mit Pfeil 5">
+            <a:extLst>
+              <a:ext uri="{FF2B5EF4-FFF2-40B4-BE49-F238E27FC236}">
+                <a16:creationId xmlns:a16="http://schemas.microsoft.com/office/drawing/2014/main" id="{A7B38CE7-C645-42A8-ABAB-272189E494D6}"/>
+              </a:ext>
+            </a:extLst>
+          </p:cNvPr>
+          <p:cNvCxnSpPr>
+            <a:stCxn id="30" idx="3"/>
+            <a:endCxn id="33" idx="1"/>
+          </p:cNvCxnSpPr>
+          <p:nvPr/>
+        </p:nvCxnSpPr>
+        <p:spPr>
+          <a:xfrm>
+            <a:off x="6302418" y="3164344"/>
+            <a:ext cx="1453990" cy="5397"/>
+          </a:xfrm>
+          <a:prstGeom prst="straightConnector1">
+            <a:avLst/>
+          </a:prstGeom>
+          <a:ln w="25400">
+            <a:tailEnd type="triangle"/>
+          </a:ln>
+        </p:spPr>
+        <p:style>
+          <a:lnRef idx="1">
+            <a:schemeClr val="accent1"/>
+          </a:lnRef>
+          <a:fillRef idx="0">
+            <a:schemeClr val="accent1"/>
+          </a:fillRef>
+          <a:effectRef idx="0">
+            <a:schemeClr val="accent1"/>
+          </a:effectRef>
+          <a:fontRef idx="minor">
+            <a:schemeClr val="tx1"/>
+          </a:fontRef>
+        </p:style>
+      </p:cxnSp>
+      <p:cxnSp>
+        <p:nvCxnSpPr>
+          <p:cNvPr id="9" name="Verbinder: gewinkelt 8">
+            <a:extLst>
+              <a:ext uri="{FF2B5EF4-FFF2-40B4-BE49-F238E27FC236}">
+                <a16:creationId xmlns:a16="http://schemas.microsoft.com/office/drawing/2014/main" id="{06B112A3-930C-4096-9480-A3DC3AD14100}"/>
+              </a:ext>
+            </a:extLst>
+          </p:cNvPr>
+          <p:cNvCxnSpPr>
+            <a:stCxn id="22" idx="3"/>
+            <a:endCxn id="30" idx="0"/>
+          </p:cNvCxnSpPr>
+          <p:nvPr/>
+        </p:nvCxnSpPr>
+        <p:spPr>
+          <a:xfrm flipH="1">
+            <a:off x="5977270" y="1953948"/>
+            <a:ext cx="1045228" cy="885248"/>
+          </a:xfrm>
+          <a:prstGeom prst="bentConnector4">
+            <a:avLst>
+              <a:gd name="adj1" fmla="val -21871"/>
+              <a:gd name="adj2" fmla="val 68365"/>
+            </a:avLst>
+          </a:prstGeom>
+          <a:ln w="25400">
+            <a:tailEnd type="triangle"/>
+          </a:ln>
+        </p:spPr>
+        <p:style>
+          <a:lnRef idx="1">
+            <a:schemeClr val="accent1"/>
+          </a:lnRef>
+          <a:fillRef idx="0">
+            <a:schemeClr val="accent1"/>
+          </a:fillRef>
+          <a:effectRef idx="0">
+            <a:schemeClr val="accent1"/>
+          </a:effectRef>
+          <a:fontRef idx="minor">
+            <a:schemeClr val="tx1"/>
+          </a:fontRef>
+        </p:style>
+      </p:cxnSp>
     </p:spTree>
     <p:extLst>
       <p:ext uri="{BB962C8B-B14F-4D97-AF65-F5344CB8AC3E}">
-        <p14:creationId xmlns:p14="http://schemas.microsoft.com/office/powerpoint/2010/main" val="1663749880"/>
+        <p14:creationId xmlns:p14="http://schemas.microsoft.com/office/powerpoint/2010/main" val="150613924"/>
       </p:ext>
     </p:extLst>
   </p:cSld>
@@ -22104,7 +24232,226 @@
   <p:timing>
     <p:tnLst>
       <p:par>
-        <p:cTn id="1" dur="indefinite" restart="never" nodeType="tmRoot"/>
+        <p:cTn id="1" dur="indefinite" restart="never" nodeType="tmRoot">
+          <p:childTnLst>
+            <p:seq concurrent="1" nextAc="seek">
+              <p:cTn id="2" dur="indefinite" nodeType="mainSeq">
+                <p:childTnLst>
+                  <p:par>
+                    <p:cTn id="3" fill="hold">
+                      <p:stCondLst>
+                        <p:cond delay="indefinite"/>
+                      </p:stCondLst>
+                      <p:childTnLst>
+                        <p:par>
+                          <p:cTn id="4" fill="hold">
+                            <p:stCondLst>
+                              <p:cond delay="0"/>
+                            </p:stCondLst>
+                            <p:childTnLst>
+                              <p:par>
+                                <p:cTn id="5" presetID="1" presetClass="entr" presetSubtype="0" fill="hold" nodeType="clickEffect">
+                                  <p:stCondLst>
+                                    <p:cond delay="0"/>
+                                  </p:stCondLst>
+                                  <p:childTnLst>
+                                    <p:set>
+                                      <p:cBhvr>
+                                        <p:cTn id="6" dur="1" fill="hold">
+                                          <p:stCondLst>
+                                            <p:cond delay="0"/>
+                                          </p:stCondLst>
+                                        </p:cTn>
+                                        <p:tgtEl>
+                                          <p:spTgt spid="59">
+                                            <p:txEl>
+                                              <p:pRg st="1" end="1"/>
+                                            </p:txEl>
+                                          </p:spTgt>
+                                        </p:tgtEl>
+                                        <p:attrNameLst>
+                                          <p:attrName>style.visibility</p:attrName>
+                                        </p:attrNameLst>
+                                      </p:cBhvr>
+                                      <p:to>
+                                        <p:strVal val="visible"/>
+                                      </p:to>
+                                    </p:set>
+                                  </p:childTnLst>
+                                </p:cTn>
+                              </p:par>
+                              <p:par>
+                                <p:cTn id="7" presetID="1" presetClass="entr" presetSubtype="0" fill="hold" nodeType="withEffect">
+                                  <p:stCondLst>
+                                    <p:cond delay="0"/>
+                                  </p:stCondLst>
+                                  <p:childTnLst>
+                                    <p:set>
+                                      <p:cBhvr>
+                                        <p:cTn id="8" dur="1" fill="hold">
+                                          <p:stCondLst>
+                                            <p:cond delay="0"/>
+                                          </p:stCondLst>
+                                        </p:cTn>
+                                        <p:tgtEl>
+                                          <p:spTgt spid="59">
+                                            <p:txEl>
+                                              <p:pRg st="2" end="2"/>
+                                            </p:txEl>
+                                          </p:spTgt>
+                                        </p:tgtEl>
+                                        <p:attrNameLst>
+                                          <p:attrName>style.visibility</p:attrName>
+                                        </p:attrNameLst>
+                                      </p:cBhvr>
+                                      <p:to>
+                                        <p:strVal val="visible"/>
+                                      </p:to>
+                                    </p:set>
+                                  </p:childTnLst>
+                                </p:cTn>
+                              </p:par>
+                              <p:par>
+                                <p:cTn id="9" presetID="1" presetClass="entr" presetSubtype="0" fill="hold" nodeType="withEffect">
+                                  <p:stCondLst>
+                                    <p:cond delay="0"/>
+                                  </p:stCondLst>
+                                  <p:childTnLst>
+                                    <p:set>
+                                      <p:cBhvr>
+                                        <p:cTn id="10" dur="1" fill="hold">
+                                          <p:stCondLst>
+                                            <p:cond delay="0"/>
+                                          </p:stCondLst>
+                                        </p:cTn>
+                                        <p:tgtEl>
+                                          <p:spTgt spid="59">
+                                            <p:txEl>
+                                              <p:pRg st="4" end="4"/>
+                                            </p:txEl>
+                                          </p:spTgt>
+                                        </p:tgtEl>
+                                        <p:attrNameLst>
+                                          <p:attrName>style.visibility</p:attrName>
+                                        </p:attrNameLst>
+                                      </p:cBhvr>
+                                      <p:to>
+                                        <p:strVal val="visible"/>
+                                      </p:to>
+                                    </p:set>
+                                  </p:childTnLst>
+                                </p:cTn>
+                              </p:par>
+                              <p:par>
+                                <p:cTn id="11" presetID="1" presetClass="entr" presetSubtype="0" fill="hold" nodeType="withEffect">
+                                  <p:stCondLst>
+                                    <p:cond delay="0"/>
+                                  </p:stCondLst>
+                                  <p:childTnLst>
+                                    <p:set>
+                                      <p:cBhvr>
+                                        <p:cTn id="12" dur="1" fill="hold">
+                                          <p:stCondLst>
+                                            <p:cond delay="0"/>
+                                          </p:stCondLst>
+                                        </p:cTn>
+                                        <p:tgtEl>
+                                          <p:spTgt spid="59">
+                                            <p:txEl>
+                                              <p:pRg st="6" end="6"/>
+                                            </p:txEl>
+                                          </p:spTgt>
+                                        </p:tgtEl>
+                                        <p:attrNameLst>
+                                          <p:attrName>style.visibility</p:attrName>
+                                        </p:attrNameLst>
+                                      </p:cBhvr>
+                                      <p:to>
+                                        <p:strVal val="visible"/>
+                                      </p:to>
+                                    </p:set>
+                                  </p:childTnLst>
+                                </p:cTn>
+                              </p:par>
+                              <p:par>
+                                <p:cTn id="13" presetID="1" presetClass="entr" presetSubtype="0" fill="hold" nodeType="withEffect">
+                                  <p:stCondLst>
+                                    <p:cond delay="0"/>
+                                  </p:stCondLst>
+                                  <p:childTnLst>
+                                    <p:set>
+                                      <p:cBhvr>
+                                        <p:cTn id="14" dur="1" fill="hold">
+                                          <p:stCondLst>
+                                            <p:cond delay="0"/>
+                                          </p:stCondLst>
+                                        </p:cTn>
+                                        <p:tgtEl>
+                                          <p:spTgt spid="66"/>
+                                        </p:tgtEl>
+                                        <p:attrNameLst>
+                                          <p:attrName>style.visibility</p:attrName>
+                                        </p:attrNameLst>
+                                      </p:cBhvr>
+                                      <p:to>
+                                        <p:strVal val="visible"/>
+                                      </p:to>
+                                    </p:set>
+                                  </p:childTnLst>
+                                </p:cTn>
+                              </p:par>
+                              <p:par>
+                                <p:cTn id="15" presetID="1" presetClass="entr" presetSubtype="0" fill="hold" nodeType="withEffect">
+                                  <p:stCondLst>
+                                    <p:cond delay="0"/>
+                                  </p:stCondLst>
+                                  <p:childTnLst>
+                                    <p:set>
+                                      <p:cBhvr>
+                                        <p:cTn id="16" dur="1" fill="hold">
+                                          <p:stCondLst>
+                                            <p:cond delay="0"/>
+                                          </p:stCondLst>
+                                        </p:cTn>
+                                        <p:tgtEl>
+                                          <p:spTgt spid="60"/>
+                                        </p:tgtEl>
+                                        <p:attrNameLst>
+                                          <p:attrName>style.visibility</p:attrName>
+                                        </p:attrNameLst>
+                                      </p:cBhvr>
+                                      <p:to>
+                                        <p:strVal val="visible"/>
+                                      </p:to>
+                                    </p:set>
+                                  </p:childTnLst>
+                                </p:cTn>
+                              </p:par>
+                            </p:childTnLst>
+                          </p:cTn>
+                        </p:par>
+                      </p:childTnLst>
+                    </p:cTn>
+                  </p:par>
+                </p:childTnLst>
+              </p:cTn>
+              <p:prevCondLst>
+                <p:cond evt="onPrev" delay="0">
+                  <p:tgtEl>
+                    <p:sldTgt/>
+                  </p:tgtEl>
+                </p:cond>
+              </p:prevCondLst>
+              <p:nextCondLst>
+                <p:cond evt="onNext" delay="0">
+                  <p:tgtEl>
+                    <p:sldTgt/>
+                  </p:tgtEl>
+                </p:cond>
+              </p:nextCondLst>
+            </p:seq>
+          </p:childTnLst>
+        </p:cTn>
       </p:par>
     </p:tnLst>
   </p:timing>

--- a/Prototyp_Präsentation.pptx
+++ b/Prototyp_Präsentation.pptx
@@ -2290,7 +2290,7 @@
                 </a:solidFill>
                 <a:latin typeface="Trebuchet MS" pitchFamily="34" charset="0"/>
               </a:rPr>
-              <a:t>08.07.2018</a:t>
+              <a:t>06.07.2018</a:t>
             </a:r>
           </a:p>
         </p:txBody>
@@ -5193,7 +5193,7 @@
                 </a:solidFill>
                 <a:latin typeface="Trebuchet MS" pitchFamily="34" charset="0"/>
               </a:rPr>
-              <a:t>08.07.2018</a:t>
+              <a:t>06.07.2018</a:t>
             </a:r>
           </a:p>
         </p:txBody>
@@ -6024,7 +6024,7 @@
           </a:p>
           <a:p>
             <a:r>
-              <a:rPr lang="de-DE" dirty="0"/>
+              <a:rPr lang="de-DE" sz="1800" dirty="0"/>
               <a:t>Ermöglicht Netzwerkemulation</a:t>
             </a:r>
           </a:p>
@@ -8942,8 +8942,8 @@
           <a:chExt cx="0" cy="0"/>
         </a:xfrm>
       </p:grpSpPr>
-      <mc:AlternateContent xmlns:mc="http://schemas.openxmlformats.org/markup-compatibility/2006">
-        <mc:Choice xmlns:a14="http://schemas.microsoft.com/office/drawing/2010/main" Requires="a14">
+      <mc:AlternateContent xmlns:mc="http://schemas.openxmlformats.org/markup-compatibility/2006" xmlns:a14="http://schemas.microsoft.com/office/drawing/2010/main">
+        <mc:Choice Requires="a14">
           <p:sp>
             <p:nvSpPr>
               <p:cNvPr id="6" name="Inhaltsplatzhalter 5">
@@ -9095,7 +9095,7 @@
             </p:txBody>
           </p:sp>
         </mc:Choice>
-        <mc:Fallback>
+        <mc:Fallback xmlns="">
           <p:sp>
             <p:nvSpPr>
               <p:cNvPr id="6" name="Inhaltsplatzhalter 5">

--- a/Prototyp_Präsentation.pptx
+++ b/Prototyp_Präsentation.pptx
@@ -260,7 +260,7 @@
             <a:fld id="{DD95B663-A359-4E54-8989-6E815F050B49}" type="datetimeFigureOut">
               <a:rPr lang="de-DE" smtClean="0"/>
               <a:pPr/>
-              <a:t>04.07.18</a:t>
+              <a:t>06.07.18</a:t>
             </a:fld>
             <a:endParaRPr lang="de-DE" dirty="0"/>
           </a:p>
@@ -427,7 +427,7 @@
             <a:fld id="{6DC243D8-2C9D-447E-8AC2-008C661E1A6F}" type="datetimeFigureOut">
               <a:rPr lang="de-DE" smtClean="0"/>
               <a:pPr/>
-              <a:t>04.07.18</a:t>
+              <a:t>06.07.18</a:t>
             </a:fld>
             <a:endParaRPr lang="de-DE" dirty="0"/>
           </a:p>
@@ -5556,13 +5556,8 @@
           <a:p>
             <a:r>
               <a:rPr lang="de-DE" dirty="0"/>
-              <a:t>Packet LOSS Traces in </a:t>
-            </a:r>
-            <a:r>
-              <a:rPr lang="de-DE" dirty="0" err="1"/>
-              <a:t>netem</a:t>
-            </a:r>
-            <a:endParaRPr lang="de-DE" dirty="0"/>
+              <a:t>PG Wireless Link Emulation</a:t>
+            </a:r>
           </a:p>
         </p:txBody>
       </p:sp>

--- a/Prototyp_Präsentation.pptx
+++ b/Prototyp_Präsentation.pptx
@@ -6983,7 +6983,19 @@
               <a:rPr lang="en-US" sz="1600" dirty="0">
                 <a:cs typeface="Calibri"/>
               </a:rPr>
-              <a:t> den Ramen </a:t>
+              <a:t> den </a:t>
+            </a:r>
+            <a:r>
+              <a:rPr lang="en-US" sz="1600" dirty="0" err="1">
+                <a:cs typeface="Calibri"/>
+              </a:rPr>
+              <a:t>Rahmen</a:t>
+            </a:r>
+            <a:r>
+              <a:rPr lang="en-US" sz="1600" dirty="0">
+                <a:cs typeface="Calibri"/>
+              </a:rPr>
+              <a:t> </a:t>
             </a:r>
             <a:r>
               <a:rPr lang="en-US" sz="1600" dirty="0" err="1">
@@ -7001,7 +7013,7 @@
               <a:rPr lang="en-US" sz="1600" dirty="0" err="1">
                 <a:cs typeface="Calibri"/>
               </a:rPr>
-              <a:t>Protorypen</a:t>
+              <a:t>Prototypen</a:t>
             </a:r>
             <a:endParaRPr lang="en-US" sz="1600" dirty="0">
               <a:cs typeface="Calibri"/>
